--- a/Präsentationen/PT3.pptx
+++ b/Präsentationen/PT3.pptx
@@ -8,18 +8,18 @@
     <p:sldId id="256" r:id="rId2"/>
     <p:sldId id="257" r:id="rId3"/>
     <p:sldId id="258" r:id="rId4"/>
-    <p:sldId id="259" r:id="rId5"/>
-    <p:sldId id="260" r:id="rId6"/>
-    <p:sldId id="265" r:id="rId7"/>
-    <p:sldId id="267" r:id="rId8"/>
-    <p:sldId id="266" r:id="rId9"/>
-    <p:sldId id="268" r:id="rId10"/>
-    <p:sldId id="261" r:id="rId11"/>
-    <p:sldId id="269" r:id="rId12"/>
-    <p:sldId id="270" r:id="rId13"/>
-    <p:sldId id="271" r:id="rId14"/>
-    <p:sldId id="262" r:id="rId15"/>
-    <p:sldId id="263" r:id="rId16"/>
+    <p:sldId id="260" r:id="rId5"/>
+    <p:sldId id="265" r:id="rId6"/>
+    <p:sldId id="266" r:id="rId7"/>
+    <p:sldId id="268" r:id="rId8"/>
+    <p:sldId id="261" r:id="rId9"/>
+    <p:sldId id="269" r:id="rId10"/>
+    <p:sldId id="270" r:id="rId11"/>
+    <p:sldId id="271" r:id="rId12"/>
+    <p:sldId id="262" r:id="rId13"/>
+    <p:sldId id="263" r:id="rId14"/>
+    <p:sldId id="272" r:id="rId15"/>
+    <p:sldId id="273" r:id="rId16"/>
     <p:sldId id="264" r:id="rId17"/>
   </p:sldIdLst>
   <p:sldSz cx="9144000" cy="6858000" type="screen4x3"/>
@@ -119,6 +119,22 @@
       </a:defRPr>
     </a:lvl9pPr>
   </p:defaultTextStyle>
+  <p:extLst>
+    <p:ext uri="{EFAFB233-063F-42B5-8137-9DF3F51BA10A}">
+      <p15:sldGuideLst xmlns:p15="http://schemas.microsoft.com/office/powerpoint/2012/main">
+        <p15:guide id="1" orient="horz" pos="2160">
+          <p15:clr>
+            <a:srgbClr val="A4A3A4"/>
+          </p15:clr>
+        </p15:guide>
+        <p15:guide id="2" pos="2880">
+          <p15:clr>
+            <a:srgbClr val="A4A3A4"/>
+          </p15:clr>
+        </p15:guide>
+      </p15:sldGuideLst>
+    </p:ext>
+  </p:extLst>
 </p:presentation>
 </file>
 
@@ -3842,25 +3858,18 @@
             <a:pPr lvl="0"/>
             <a:r>
               <a:rPr lang="de-DE" dirty="0" err="1" smtClean="0"/>
-              <a:t>Attacker</a:t>
-            </a:r>
-            <a:r>
-              <a:rPr lang="de-DE" dirty="0" smtClean="0"/>
-              <a:t>-DNS als Python-Programm</a:t>
+              <a:t>Victim</a:t>
+            </a:r>
+            <a:r>
+              <a:rPr lang="de-DE" dirty="0" smtClean="0"/>
+              <a:t>-DNS und Bind</a:t>
             </a:r>
           </a:p>
           <a:p>
             <a:pPr lvl="1"/>
             <a:r>
               <a:rPr lang="de-DE" dirty="0" smtClean="0"/>
-              <a:t>Aufgabe 1</a:t>
-            </a:r>
-          </a:p>
-          <a:p>
-            <a:pPr lvl="1"/>
-            <a:r>
-              <a:rPr lang="de-DE" dirty="0" smtClean="0"/>
-              <a:t>Angreifer kann eine IP angeben und alle Anfragen werden als A-</a:t>
+              <a:t>Ziel: Cache dieses Servers mit einem selbstgewählten NS-</a:t>
             </a:r>
             <a:r>
               <a:rPr lang="de-DE" dirty="0" err="1" smtClean="0"/>
@@ -3868,7 +3877,25 @@
             </a:r>
             <a:r>
               <a:rPr lang="de-DE" dirty="0" smtClean="0"/>
-              <a:t> beantwortet</a:t>
+              <a:t> füllen</a:t>
+            </a:r>
+          </a:p>
+          <a:p>
+            <a:pPr lvl="1"/>
+            <a:r>
+              <a:rPr lang="de-DE" dirty="0" err="1" smtClean="0"/>
+              <a:t>Betriebsystem</a:t>
+            </a:r>
+            <a:r>
+              <a:rPr lang="de-DE" dirty="0" smtClean="0"/>
+              <a:t>:</a:t>
+            </a:r>
+          </a:p>
+          <a:p>
+            <a:pPr lvl="1"/>
+            <a:r>
+              <a:rPr lang="de-DE" dirty="0" smtClean="0"/>
+              <a:t>Bind-Version:</a:t>
             </a:r>
           </a:p>
         </p:txBody>
@@ -3876,7 +3903,7 @@
     </p:spTree>
     <p:extLst>
       <p:ext uri="{BB962C8B-B14F-4D97-AF65-F5344CB8AC3E}">
-        <p14:creationId xmlns:p14="http://schemas.microsoft.com/office/powerpoint/2010/main" val="3249947514"/>
+        <p14:creationId xmlns:p14="http://schemas.microsoft.com/office/powerpoint/2010/main" val="2822399188"/>
       </p:ext>
     </p:extLst>
   </p:cSld>
@@ -3944,18 +3971,18 @@
             <a:pPr lvl="0"/>
             <a:r>
               <a:rPr lang="de-DE" dirty="0" err="1" smtClean="0"/>
-              <a:t>Attacker</a:t>
-            </a:r>
-            <a:r>
-              <a:rPr lang="de-DE" dirty="0" smtClean="0"/>
-              <a:t>-DNS als Python-Programm</a:t>
+              <a:t>Victim</a:t>
+            </a:r>
+            <a:r>
+              <a:rPr lang="de-DE" dirty="0" smtClean="0"/>
+              <a:t>-DNS und Bind</a:t>
             </a:r>
           </a:p>
           <a:p>
             <a:pPr lvl="1"/>
             <a:r>
               <a:rPr lang="de-DE" dirty="0" smtClean="0"/>
-              <a:t>Code</a:t>
+              <a:t>Konfiguration</a:t>
             </a:r>
           </a:p>
         </p:txBody>
@@ -3963,7 +3990,7 @@
     </p:spTree>
     <p:extLst>
       <p:ext uri="{BB962C8B-B14F-4D97-AF65-F5344CB8AC3E}">
-        <p14:creationId xmlns:p14="http://schemas.microsoft.com/office/powerpoint/2010/main" val="1852807460"/>
+        <p14:creationId xmlns:p14="http://schemas.microsoft.com/office/powerpoint/2010/main" val="2684800396"/>
       </p:ext>
     </p:extLst>
   </p:cSld>
@@ -4002,81 +4029,48 @@
         </p:nvSpPr>
         <p:spPr/>
         <p:txBody>
+          <a:bodyPr>
+            <a:normAutofit/>
+          </a:bodyPr>
+          <a:lstStyle/>
+          <a:p>
+            <a:pPr lvl="0"/>
+            <a:r>
+              <a:rPr lang="de-DE" dirty="0" smtClean="0"/>
+              <a:t>Der Angriff</a:t>
+            </a:r>
+            <a:endParaRPr lang="de-DE" dirty="0"/>
+          </a:p>
+        </p:txBody>
+      </p:sp>
+      <p:sp>
+        <p:nvSpPr>
+          <p:cNvPr id="3" name="Inhaltsplatzhalter 2"/>
+          <p:cNvSpPr>
+            <a:spLocks noGrp="1"/>
+          </p:cNvSpPr>
+          <p:nvPr>
+            <p:ph sz="quarter" idx="1"/>
+          </p:nvPr>
+        </p:nvSpPr>
+        <p:spPr/>
+        <p:txBody>
           <a:bodyPr/>
           <a:lstStyle/>
           <a:p>
-            <a:r>
-              <a:rPr lang="de-DE" dirty="0" smtClean="0"/>
-              <a:t>Das Setup und die Konfigurationen</a:t>
+            <a:pPr lvl="0"/>
+            <a:r>
+              <a:rPr lang="de-DE" dirty="0" smtClean="0"/>
+              <a:t>Code</a:t>
             </a:r>
             <a:endParaRPr lang="de-DE" dirty="0"/>
-          </a:p>
-        </p:txBody>
-      </p:sp>
-      <p:sp>
-        <p:nvSpPr>
-          <p:cNvPr id="3" name="Inhaltsplatzhalter 2"/>
-          <p:cNvSpPr>
-            <a:spLocks noGrp="1"/>
-          </p:cNvSpPr>
-          <p:nvPr>
-            <p:ph sz="quarter" idx="1"/>
-          </p:nvPr>
-        </p:nvSpPr>
-        <p:spPr/>
-        <p:txBody>
-          <a:bodyPr/>
-          <a:lstStyle/>
-          <a:p>
-            <a:pPr lvl="0"/>
-            <a:r>
-              <a:rPr lang="de-DE" dirty="0" err="1" smtClean="0"/>
-              <a:t>Victim</a:t>
-            </a:r>
-            <a:r>
-              <a:rPr lang="de-DE" dirty="0" smtClean="0"/>
-              <a:t>-DNS und Bind</a:t>
-            </a:r>
-          </a:p>
-          <a:p>
-            <a:pPr lvl="1"/>
-            <a:r>
-              <a:rPr lang="de-DE" dirty="0" smtClean="0"/>
-              <a:t>Ziel: Cache dieses Servers mit einem selbstgewählten NS-</a:t>
-            </a:r>
-            <a:r>
-              <a:rPr lang="de-DE" dirty="0" err="1" smtClean="0"/>
-              <a:t>Record</a:t>
-            </a:r>
-            <a:r>
-              <a:rPr lang="de-DE" dirty="0" smtClean="0"/>
-              <a:t> füllen</a:t>
-            </a:r>
-          </a:p>
-          <a:p>
-            <a:pPr lvl="1"/>
-            <a:r>
-              <a:rPr lang="de-DE" dirty="0" err="1" smtClean="0"/>
-              <a:t>Betriebsystem</a:t>
-            </a:r>
-            <a:r>
-              <a:rPr lang="de-DE" dirty="0" smtClean="0"/>
-              <a:t>:</a:t>
-            </a:r>
-          </a:p>
-          <a:p>
-            <a:pPr lvl="1"/>
-            <a:r>
-              <a:rPr lang="de-DE" dirty="0" smtClean="0"/>
-              <a:t>Bind-Version:</a:t>
-            </a:r>
           </a:p>
         </p:txBody>
       </p:sp>
     </p:spTree>
     <p:extLst>
       <p:ext uri="{BB962C8B-B14F-4D97-AF65-F5344CB8AC3E}">
-        <p14:creationId xmlns:p14="http://schemas.microsoft.com/office/powerpoint/2010/main" val="2822399188"/>
+        <p14:creationId xmlns:p14="http://schemas.microsoft.com/office/powerpoint/2010/main" val="1726158280"/>
       </p:ext>
     </p:extLst>
   </p:cSld>
@@ -4115,55 +4109,83 @@
         </p:nvSpPr>
         <p:spPr/>
         <p:txBody>
+          <a:bodyPr>
+            <a:normAutofit fontScale="90000"/>
+          </a:bodyPr>
+          <a:lstStyle/>
+          <a:p>
+            <a:r>
+              <a:rPr lang="de-DE" dirty="0" smtClean="0"/>
+              <a:t>Versuchsreihen und Vorgehensweisen</a:t>
+            </a:r>
+            <a:endParaRPr lang="de-DE" dirty="0"/>
+          </a:p>
+        </p:txBody>
+      </p:sp>
+      <p:sp>
+        <p:nvSpPr>
+          <p:cNvPr id="3" name="Inhaltsplatzhalter 2"/>
+          <p:cNvSpPr>
+            <a:spLocks noGrp="1"/>
+          </p:cNvSpPr>
+          <p:nvPr>
+            <p:ph sz="quarter" idx="1"/>
+          </p:nvPr>
+        </p:nvSpPr>
+        <p:spPr/>
+        <p:txBody>
           <a:bodyPr/>
           <a:lstStyle/>
           <a:p>
             <a:r>
               <a:rPr lang="de-DE" dirty="0" smtClean="0"/>
-              <a:t>Das Setup und die Konfigurationen</a:t>
+              <a:t>Erster Schritt:</a:t>
             </a:r>
             <a:endParaRPr lang="de-DE" dirty="0"/>
           </a:p>
-        </p:txBody>
-      </p:sp>
-      <p:sp>
-        <p:nvSpPr>
-          <p:cNvPr id="3" name="Inhaltsplatzhalter 2"/>
-          <p:cNvSpPr>
-            <a:spLocks noGrp="1"/>
-          </p:cNvSpPr>
-          <p:nvPr>
-            <p:ph sz="quarter" idx="1"/>
-          </p:nvPr>
-        </p:nvSpPr>
-        <p:spPr/>
-        <p:txBody>
-          <a:bodyPr/>
-          <a:lstStyle/>
-          <a:p>
-            <a:pPr lvl="0"/>
+          <a:p>
+            <a:pPr lvl="1"/>
             <a:r>
               <a:rPr lang="de-DE" dirty="0" err="1" smtClean="0"/>
               <a:t>Victim</a:t>
             </a:r>
             <a:r>
               <a:rPr lang="de-DE" dirty="0" smtClean="0"/>
-              <a:t>-DNS und Bind</a:t>
+              <a:t>-DNS fragt beim </a:t>
+            </a:r>
+            <a:r>
+              <a:rPr lang="de-DE" dirty="0" err="1" smtClean="0"/>
+              <a:t>Attacker</a:t>
+            </a:r>
+            <a:r>
+              <a:rPr lang="de-DE" dirty="0" smtClean="0"/>
+              <a:t>-DNS nach der IP</a:t>
             </a:r>
           </a:p>
           <a:p>
             <a:pPr lvl="1"/>
             <a:r>
               <a:rPr lang="de-DE" dirty="0" smtClean="0"/>
-              <a:t>Konfiguration</a:t>
-            </a:r>
+              <a:t>Korrekte Form der Antwort testen</a:t>
+            </a:r>
+          </a:p>
+          <a:p>
+            <a:pPr lvl="1"/>
+            <a:r>
+              <a:rPr lang="de-DE" dirty="0" smtClean="0"/>
+              <a:t>Versteht der Browser die angegeben Informationen</a:t>
+            </a:r>
+          </a:p>
+          <a:p>
+            <a:pPr lvl="1"/>
+            <a:endParaRPr lang="de-DE" dirty="0"/>
           </a:p>
         </p:txBody>
       </p:sp>
     </p:spTree>
     <p:extLst>
       <p:ext uri="{BB962C8B-B14F-4D97-AF65-F5344CB8AC3E}">
-        <p14:creationId xmlns:p14="http://schemas.microsoft.com/office/powerpoint/2010/main" val="2684800396"/>
+        <p14:creationId xmlns:p14="http://schemas.microsoft.com/office/powerpoint/2010/main" val="3625774942"/>
       </p:ext>
     </p:extLst>
   </p:cSld>
@@ -4203,14 +4225,13 @@
         <p:spPr/>
         <p:txBody>
           <a:bodyPr>
-            <a:normAutofit/>
+            <a:normAutofit fontScale="90000"/>
           </a:bodyPr>
           <a:lstStyle/>
           <a:p>
-            <a:pPr lvl="0"/>
-            <a:r>
-              <a:rPr lang="de-DE" dirty="0" smtClean="0"/>
-              <a:t>Der Angriff</a:t>
+            <a:r>
+              <a:rPr lang="de-DE" dirty="0" smtClean="0"/>
+              <a:t>Versuchsreihen und Vorgehensweisen</a:t>
             </a:r>
             <a:endParaRPr lang="de-DE" dirty="0"/>
           </a:p>
@@ -4231,11 +4252,91 @@
           <a:bodyPr/>
           <a:lstStyle/>
           <a:p>
-            <a:pPr lvl="0"/>
-            <a:r>
-              <a:rPr lang="de-DE" dirty="0" smtClean="0"/>
-              <a:t>Code</a:t>
-            </a:r>
+            <a:r>
+              <a:rPr lang="de-DE" dirty="0" smtClean="0"/>
+              <a:t>Aufbau des Versuchs-Set-</a:t>
+            </a:r>
+            <a:r>
+              <a:rPr lang="de-DE" dirty="0" err="1" smtClean="0"/>
+              <a:t>Ups</a:t>
+            </a:r>
+            <a:endParaRPr lang="de-DE" dirty="0" smtClean="0"/>
+          </a:p>
+          <a:p>
+            <a:pPr lvl="1"/>
+            <a:r>
+              <a:rPr lang="de-DE" dirty="0" err="1" smtClean="0"/>
+              <a:t>Victim</a:t>
+            </a:r>
+            <a:r>
+              <a:rPr lang="de-DE" dirty="0" smtClean="0"/>
+              <a:t>-DNS fragt TLD-Server nach NS-Server</a:t>
+            </a:r>
+          </a:p>
+          <a:p>
+            <a:pPr lvl="2"/>
+            <a:r>
+              <a:rPr lang="de-DE" dirty="0" smtClean="0"/>
+              <a:t>Erst nur Googles DNS-Server</a:t>
+            </a:r>
+          </a:p>
+          <a:p>
+            <a:pPr lvl="1"/>
+            <a:r>
+              <a:rPr lang="de-DE" dirty="0" err="1" smtClean="0"/>
+              <a:t>Attacker</a:t>
+            </a:r>
+            <a:r>
+              <a:rPr lang="de-DE" dirty="0" smtClean="0"/>
+              <a:t>-Skript sendet DNS-Responses</a:t>
+            </a:r>
+          </a:p>
+          <a:p>
+            <a:pPr lvl="2"/>
+            <a:r>
+              <a:rPr lang="de-DE" dirty="0" smtClean="0"/>
+              <a:t>Erste Testreihe nur mit A-Records</a:t>
+            </a:r>
+          </a:p>
+          <a:p>
+            <a:pPr lvl="2"/>
+            <a:r>
+              <a:rPr lang="de-DE" dirty="0" smtClean="0"/>
+              <a:t>Später auch komplexer mit NS-Records</a:t>
+            </a:r>
+          </a:p>
+          <a:p>
+            <a:pPr lvl="1"/>
+            <a:r>
+              <a:rPr lang="de-DE" dirty="0" err="1" smtClean="0"/>
+              <a:t>Attacker</a:t>
+            </a:r>
+            <a:r>
+              <a:rPr lang="de-DE" dirty="0" smtClean="0"/>
+              <a:t>-DNS antwortet immer mit der IP des </a:t>
+            </a:r>
+            <a:r>
+              <a:rPr lang="de-DE" dirty="0" err="1" smtClean="0"/>
+              <a:t>Attacker</a:t>
+            </a:r>
+            <a:r>
+              <a:rPr lang="de-DE" dirty="0" smtClean="0"/>
+              <a:t>-Webservers</a:t>
+            </a:r>
+          </a:p>
+          <a:p>
+            <a:pPr lvl="2"/>
+            <a:r>
+              <a:rPr lang="de-DE" dirty="0" err="1" smtClean="0"/>
+              <a:t>Fake</a:t>
+            </a:r>
+            <a:r>
+              <a:rPr lang="de-DE" dirty="0" smtClean="0"/>
+              <a:t>-Porta zum Benutzerdaten abgreifen</a:t>
+            </a:r>
+          </a:p>
+          <a:p>
+            <a:pPr lvl="1"/>
             <a:endParaRPr lang="de-DE" dirty="0"/>
           </a:p>
         </p:txBody>
@@ -4243,7 +4344,7 @@
     </p:spTree>
     <p:extLst>
       <p:ext uri="{BB962C8B-B14F-4D97-AF65-F5344CB8AC3E}">
-        <p14:creationId xmlns:p14="http://schemas.microsoft.com/office/powerpoint/2010/main" val="1726158280"/>
+        <p14:creationId xmlns:p14="http://schemas.microsoft.com/office/powerpoint/2010/main" val="1371295851"/>
       </p:ext>
     </p:extLst>
   </p:cSld>
@@ -4310,11 +4411,69 @@
           <a:bodyPr/>
           <a:lstStyle/>
           <a:p>
-            <a:pPr lvl="0"/>
-            <a:r>
-              <a:rPr lang="de-DE" dirty="0" smtClean="0"/>
-              <a:t>Text</a:t>
-            </a:r>
+            <a:r>
+              <a:rPr lang="de-DE" dirty="0" smtClean="0"/>
+              <a:t>Versuche</a:t>
+            </a:r>
+          </a:p>
+          <a:p>
+            <a:pPr lvl="1"/>
+            <a:r>
+              <a:rPr lang="de-DE" dirty="0" smtClean="0"/>
+              <a:t>BIND4, BIND8 (mehrere Versionen) und </a:t>
+            </a:r>
+            <a:br>
+              <a:rPr lang="de-DE" dirty="0" smtClean="0"/>
+            </a:br>
+            <a:r>
+              <a:rPr lang="de-DE" dirty="0" smtClean="0"/>
+              <a:t>BIND9 (mehrere Versionen)</a:t>
+            </a:r>
+          </a:p>
+          <a:p>
+            <a:pPr lvl="1"/>
+            <a:r>
+              <a:rPr lang="de-DE" dirty="0" smtClean="0"/>
+              <a:t>Mit unterschiedlichen </a:t>
+            </a:r>
+            <a:r>
+              <a:rPr lang="de-DE" dirty="0" err="1" smtClean="0"/>
+              <a:t>Betriebsystemen</a:t>
+            </a:r>
+            <a:endParaRPr lang="de-DE" dirty="0" smtClean="0"/>
+          </a:p>
+          <a:p>
+            <a:pPr lvl="2"/>
+            <a:r>
+              <a:rPr lang="de-DE" dirty="0" smtClean="0"/>
+              <a:t>Ubuntu 8, 14 und 16</a:t>
+            </a:r>
+          </a:p>
+          <a:p>
+            <a:pPr lvl="2"/>
+            <a:r>
+              <a:rPr lang="de-DE" dirty="0" smtClean="0"/>
+              <a:t>Suse</a:t>
+            </a:r>
+          </a:p>
+          <a:p>
+            <a:pPr lvl="2"/>
+            <a:r>
+              <a:rPr lang="de-DE" dirty="0" err="1" smtClean="0"/>
+              <a:t>centOS</a:t>
+            </a:r>
+            <a:endParaRPr lang="de-DE" dirty="0" smtClean="0"/>
+          </a:p>
+          <a:p>
+            <a:pPr lvl="2"/>
+            <a:r>
+              <a:rPr lang="de-DE" dirty="0" err="1" smtClean="0"/>
+              <a:t>Manjaro</a:t>
+            </a:r>
+            <a:endParaRPr lang="de-DE" dirty="0" smtClean="0"/>
+          </a:p>
+          <a:p>
+            <a:pPr lvl="1"/>
             <a:endParaRPr lang="de-DE" dirty="0"/>
           </a:p>
         </p:txBody>
@@ -4322,7 +4481,7 @@
     </p:spTree>
     <p:extLst>
       <p:ext uri="{BB962C8B-B14F-4D97-AF65-F5344CB8AC3E}">
-        <p14:creationId xmlns:p14="http://schemas.microsoft.com/office/powerpoint/2010/main" val="3625774942"/>
+        <p14:creationId xmlns:p14="http://schemas.microsoft.com/office/powerpoint/2010/main" val="1818596622"/>
       </p:ext>
     </p:extLst>
   </p:cSld>
@@ -4654,6 +4813,47 @@
               <a:rPr lang="de-DE" dirty="0" smtClean="0"/>
               <a:t>.</a:t>
             </a:r>
+            <a:br>
+              <a:rPr lang="de-DE" dirty="0" smtClean="0"/>
+            </a:br>
+            <a:endParaRPr lang="de-DE" dirty="0" smtClean="0"/>
+          </a:p>
+          <a:p>
+            <a:r>
+              <a:rPr lang="de-DE" dirty="0"/>
+              <a:t>Aufgabe 2:</a:t>
+            </a:r>
+            <a:br>
+              <a:rPr lang="de-DE" dirty="0"/>
+            </a:br>
+            <a:r>
+              <a:rPr lang="de-DE" dirty="0"/>
+              <a:t>Schreiben Sie einen </a:t>
+            </a:r>
+            <a:r>
+              <a:rPr lang="de-DE" dirty="0" err="1"/>
+              <a:t>Exploit</a:t>
+            </a:r>
+            <a:r>
+              <a:rPr lang="de-DE" dirty="0"/>
+              <a:t> für das gegeben Netzwerk-Setup. (</a:t>
+            </a:r>
+            <a:r>
+              <a:rPr lang="de-DE" dirty="0" err="1"/>
+              <a:t>Kaminky</a:t>
+            </a:r>
+            <a:r>
+              <a:rPr lang="de-DE" dirty="0"/>
+              <a:t>-DNS-</a:t>
+            </a:r>
+            <a:r>
+              <a:rPr lang="de-DE" dirty="0" err="1"/>
+              <a:t>Attack</a:t>
+            </a:r>
+            <a:r>
+              <a:rPr lang="de-DE" dirty="0" smtClean="0"/>
+              <a:t>)</a:t>
+            </a:r>
             <a:endParaRPr lang="de-DE" dirty="0"/>
           </a:p>
         </p:txBody>
@@ -4705,7 +4905,7 @@
           <a:p>
             <a:r>
               <a:rPr lang="de-DE" dirty="0" smtClean="0"/>
-              <a:t>Aufgaben</a:t>
+              <a:t>Grundlagen des Angriffs</a:t>
             </a:r>
             <a:endParaRPr lang="de-DE" dirty="0"/>
           </a:p>
@@ -4728,48 +4928,99 @@
           <a:p>
             <a:pPr lvl="0"/>
             <a:r>
-              <a:rPr lang="de-DE" dirty="0"/>
-              <a:t>Aufgabe 2:</a:t>
-            </a:r>
-            <a:br>
-              <a:rPr lang="de-DE" dirty="0"/>
-            </a:br>
-            <a:r>
-              <a:rPr lang="de-DE" dirty="0"/>
-              <a:t>Schreiben Sie einen </a:t>
-            </a:r>
-            <a:r>
-              <a:rPr lang="de-DE" dirty="0" err="1"/>
-              <a:t>Exploit</a:t>
-            </a:r>
-            <a:r>
-              <a:rPr lang="de-DE" dirty="0"/>
-              <a:t> für das gegeben Netzwerk-Setup. (</a:t>
-            </a:r>
-            <a:r>
-              <a:rPr lang="de-DE" dirty="0" err="1"/>
-              <a:t>Kaminky</a:t>
-            </a:r>
-            <a:r>
-              <a:rPr lang="de-DE" dirty="0"/>
-              <a:t>-DNS-</a:t>
-            </a:r>
-            <a:r>
-              <a:rPr lang="de-DE" dirty="0" err="1"/>
-              <a:t>Attack</a:t>
-            </a:r>
-            <a:r>
-              <a:rPr lang="de-DE" dirty="0"/>
-              <a:t>)</a:t>
+              <a:rPr lang="de-DE" dirty="0" smtClean="0"/>
+              <a:t>Zwei </a:t>
+            </a:r>
+            <a:r>
+              <a:rPr lang="de-DE" dirty="0" smtClean="0"/>
+              <a:t>Angriffs-Szenarien</a:t>
+            </a:r>
+            <a:endParaRPr lang="de-DE" dirty="0" smtClean="0"/>
+          </a:p>
+          <a:p>
+            <a:pPr lvl="1"/>
+            <a:r>
+              <a:rPr lang="de-DE" dirty="0" smtClean="0"/>
+              <a:t>Klassisches </a:t>
+            </a:r>
+            <a:r>
+              <a:rPr lang="de-DE" dirty="0" smtClean="0"/>
+              <a:t>DNS-Cache-</a:t>
+            </a:r>
+            <a:r>
+              <a:rPr lang="de-DE" dirty="0" err="1" smtClean="0"/>
+              <a:t>Poisoning</a:t>
+            </a:r>
+            <a:endParaRPr lang="de-DE" dirty="0" smtClean="0"/>
+          </a:p>
+          <a:p>
+            <a:pPr lvl="2"/>
+            <a:r>
+              <a:rPr lang="de-DE" dirty="0" smtClean="0"/>
+              <a:t>Gefälschten A-</a:t>
+            </a:r>
+            <a:r>
+              <a:rPr lang="de-DE" dirty="0" err="1" smtClean="0"/>
+              <a:t>Record</a:t>
+            </a:r>
+            <a:r>
+              <a:rPr lang="de-DE" dirty="0" smtClean="0"/>
+              <a:t> in den Cache eines DNS-Servers schleusen</a:t>
+            </a:r>
+          </a:p>
+          <a:p>
+            <a:pPr lvl="2"/>
+            <a:r>
+              <a:rPr lang="de-DE" dirty="0" smtClean="0"/>
+              <a:t>Nicht flexible und sehr statisch</a:t>
+            </a:r>
+            <a:endParaRPr lang="de-DE" dirty="0" smtClean="0"/>
+          </a:p>
+          <a:p>
+            <a:pPr lvl="1"/>
+            <a:r>
+              <a:rPr lang="de-DE" dirty="0" smtClean="0"/>
+              <a:t>Kaminskys </a:t>
+            </a:r>
+            <a:r>
+              <a:rPr lang="de-DE" dirty="0" smtClean="0"/>
+              <a:t>DNS-Cache-</a:t>
+            </a:r>
+            <a:r>
+              <a:rPr lang="de-DE" dirty="0" err="1" smtClean="0"/>
+              <a:t>Poisoning</a:t>
             </a:r>
             <a:endParaRPr lang="de-DE" dirty="0"/>
+          </a:p>
+          <a:p>
+            <a:pPr lvl="2"/>
+            <a:r>
+              <a:rPr lang="de-DE" dirty="0" smtClean="0"/>
+              <a:t>Gefälschten NS-</a:t>
+            </a:r>
+            <a:r>
+              <a:rPr lang="de-DE" dirty="0" err="1" smtClean="0"/>
+              <a:t>Record</a:t>
+            </a:r>
+            <a:r>
+              <a:rPr lang="de-DE" dirty="0" smtClean="0"/>
+              <a:t> in den Cache eines DNS-Servers schleusen</a:t>
+            </a:r>
+          </a:p>
+          <a:p>
+            <a:pPr lvl="2"/>
+            <a:r>
+              <a:rPr lang="de-DE" dirty="0" smtClean="0"/>
+              <a:t>Flexibel und deutlich stärker</a:t>
+            </a:r>
+            <a:endParaRPr lang="de-DE" dirty="0" smtClean="0"/>
           </a:p>
         </p:txBody>
       </p:sp>
     </p:spTree>
     <p:extLst>
       <p:ext uri="{BB962C8B-B14F-4D97-AF65-F5344CB8AC3E}">
-        <p14:creationId xmlns:p14="http://schemas.microsoft.com/office/powerpoint/2010/main" val="828008986"/>
+        <p14:creationId xmlns:p14="http://schemas.microsoft.com/office/powerpoint/2010/main" val="2563486517"/>
       </p:ext>
     </p:extLst>
   </p:cSld>
@@ -4821,60 +5072,77 @@
       </p:sp>
       <p:sp>
         <p:nvSpPr>
-          <p:cNvPr id="3" name="Inhaltsplatzhalter 2"/>
-          <p:cNvSpPr>
-            <a:spLocks noGrp="1"/>
-          </p:cNvSpPr>
-          <p:nvPr>
-            <p:ph sz="quarter" idx="1"/>
-          </p:nvPr>
-        </p:nvSpPr>
-        <p:spPr/>
-        <p:txBody>
-          <a:bodyPr/>
-          <a:lstStyle/>
-          <a:p>
-            <a:pPr lvl="0"/>
-            <a:r>
-              <a:rPr lang="de-DE" dirty="0" smtClean="0"/>
-              <a:t>Zwei </a:t>
-            </a:r>
-            <a:r>
-              <a:rPr lang="de-DE" dirty="0" err="1" smtClean="0"/>
-              <a:t>Angreiffsszenarien</a:t>
-            </a:r>
-            <a:endParaRPr lang="de-DE" dirty="0" smtClean="0"/>
-          </a:p>
-          <a:p>
-            <a:pPr lvl="1"/>
-            <a:r>
-              <a:rPr lang="de-DE" dirty="0" smtClean="0"/>
-              <a:t>Klassisches DNS-Cache-</a:t>
-            </a:r>
-            <a:r>
-              <a:rPr lang="de-DE" dirty="0" err="1" smtClean="0"/>
-              <a:t>Poisoning</a:t>
-            </a:r>
-            <a:endParaRPr lang="de-DE" dirty="0" smtClean="0"/>
-          </a:p>
-          <a:p>
-            <a:pPr lvl="1"/>
-            <a:r>
-              <a:rPr lang="de-DE" dirty="0" smtClean="0"/>
-              <a:t>Kaminskys DNS-Cache-</a:t>
-            </a:r>
-            <a:r>
-              <a:rPr lang="de-DE" dirty="0" err="1" smtClean="0"/>
-              <a:t>Poisoning</a:t>
-            </a:r>
-            <a:endParaRPr lang="de-DE" dirty="0"/>
-          </a:p>
-        </p:txBody>
-      </p:sp>
+          <p:cNvPr id="4" name="AutoShape 2" descr="Classic_DNS-Cache-Poisoning.png"/>
+          <p:cNvSpPr>
+            <a:spLocks noChangeAspect="1" noChangeArrowheads="1"/>
+          </p:cNvSpPr>
+          <p:nvPr/>
+        </p:nvSpPr>
+        <p:spPr bwMode="auto">
+          <a:xfrm>
+            <a:off x="155575" y="-144463"/>
+            <a:ext cx="304800" cy="304801"/>
+          </a:xfrm>
+          <a:prstGeom prst="rect">
+            <a:avLst/>
+          </a:prstGeom>
+          <a:noFill/>
+          <a:extLst>
+            <a:ext uri="{909E8E84-426E-40DD-AFC4-6F175D3DCCD1}">
+              <a14:hiddenFill xmlns:a14="http://schemas.microsoft.com/office/drawing/2010/main">
+                <a:solidFill>
+                  <a:srgbClr val="FFFFFF"/>
+                </a:solidFill>
+              </a14:hiddenFill>
+            </a:ext>
+          </a:extLst>
+        </p:spPr>
+        <p:txBody>
+          <a:bodyPr vert="horz" wrap="square" lIns="91440" tIns="45720" rIns="91440" bIns="45720" numCol="1" anchor="t" anchorCtr="0" compatLnSpc="1">
+            <a:prstTxWarp prst="textNoShape">
+              <a:avLst/>
+            </a:prstTxWarp>
+          </a:bodyPr>
+          <a:lstStyle/>
+          <a:p>
+            <a:endParaRPr lang="de-DE"/>
+          </a:p>
+        </p:txBody>
+      </p:sp>
+      <p:pic>
+        <p:nvPicPr>
+          <p:cNvPr id="8" name="Grafik 7"/>
+          <p:cNvPicPr>
+            <a:picLocks noChangeAspect="1"/>
+          </p:cNvPicPr>
+          <p:nvPr/>
+        </p:nvPicPr>
+        <p:blipFill>
+          <a:blip r:embed="rId2">
+            <a:extLst>
+              <a:ext uri="{28A0092B-C50C-407E-A947-70E740481C1C}">
+                <a14:useLocalDpi xmlns:a14="http://schemas.microsoft.com/office/drawing/2010/main" val="0"/>
+              </a:ext>
+            </a:extLst>
+          </a:blip>
+          <a:stretch>
+            <a:fillRect/>
+          </a:stretch>
+        </p:blipFill>
+        <p:spPr>
+          <a:xfrm>
+            <a:off x="1547664" y="1628800"/>
+            <a:ext cx="6274194" cy="4828561"/>
+          </a:xfrm>
+          <a:prstGeom prst="rect">
+            <a:avLst/>
+          </a:prstGeom>
+        </p:spPr>
+      </p:pic>
     </p:spTree>
     <p:extLst>
       <p:ext uri="{BB962C8B-B14F-4D97-AF65-F5344CB8AC3E}">
-        <p14:creationId xmlns:p14="http://schemas.microsoft.com/office/powerpoint/2010/main" val="2563486517"/>
+        <p14:creationId xmlns:p14="http://schemas.microsoft.com/office/powerpoint/2010/main" val="2401197072"/>
       </p:ext>
     </p:extLst>
   </p:cSld>
@@ -4940,8 +5208,8 @@
           <a:lstStyle/>
           <a:p>
             <a:r>
-              <a:rPr lang="de-DE" dirty="0"/>
-              <a:t>Klassisches </a:t>
+              <a:rPr lang="de-DE" dirty="0" smtClean="0"/>
+              <a:t>Kaminskys </a:t>
             </a:r>
             <a:r>
               <a:rPr lang="de-DE" dirty="0" smtClean="0"/>
@@ -4957,16 +5225,50 @@
             <a:pPr lvl="1"/>
             <a:r>
               <a:rPr lang="de-DE" dirty="0" smtClean="0"/>
-              <a:t>Auflistung der Idee</a:t>
-            </a:r>
-            <a:endParaRPr lang="de-DE" dirty="0"/>
+              <a:t>Vorher einen gefälschten A-</a:t>
+            </a:r>
+            <a:r>
+              <a:rPr lang="de-DE" dirty="0" err="1" smtClean="0"/>
+              <a:t>Record</a:t>
+            </a:r>
+            <a:r>
+              <a:rPr lang="de-DE" dirty="0" smtClean="0"/>
+              <a:t> in den Cache geschleust</a:t>
+            </a:r>
+            <a:endParaRPr lang="de-DE" dirty="0" smtClean="0"/>
+          </a:p>
+          <a:p>
+            <a:pPr lvl="1"/>
+            <a:r>
+              <a:rPr lang="de-DE" dirty="0" smtClean="0"/>
+              <a:t>Jetzt einen gefälschten NS-</a:t>
+            </a:r>
+            <a:r>
+              <a:rPr lang="de-DE" dirty="0" err="1" smtClean="0"/>
+              <a:t>Record</a:t>
+            </a:r>
+            <a:r>
+              <a:rPr lang="de-DE" dirty="0" smtClean="0"/>
+              <a:t> </a:t>
+            </a:r>
+          </a:p>
+          <a:p>
+            <a:pPr lvl="1"/>
+            <a:r>
+              <a:rPr lang="de-DE" dirty="0" smtClean="0"/>
+              <a:t>Flexibel </a:t>
+            </a:r>
+            <a:r>
+              <a:rPr lang="de-DE" dirty="0"/>
+              <a:t>und deutlich stärker</a:t>
+            </a:r>
           </a:p>
         </p:txBody>
       </p:sp>
     </p:spTree>
     <p:extLst>
       <p:ext uri="{BB962C8B-B14F-4D97-AF65-F5344CB8AC3E}">
-        <p14:creationId xmlns:p14="http://schemas.microsoft.com/office/powerpoint/2010/main" val="2401197072"/>
+        <p14:creationId xmlns:p14="http://schemas.microsoft.com/office/powerpoint/2010/main" val="2539642696"/>
       </p:ext>
     </p:extLst>
   </p:cSld>
@@ -5016,45 +5318,40 @@
           </a:p>
         </p:txBody>
       </p:sp>
-      <p:sp>
-        <p:nvSpPr>
-          <p:cNvPr id="4" name="Inhaltsplatzhalter 3"/>
-          <p:cNvSpPr>
-            <a:spLocks noGrp="1"/>
-          </p:cNvSpPr>
-          <p:nvPr>
-            <p:ph sz="quarter" idx="1"/>
-          </p:nvPr>
-        </p:nvSpPr>
-        <p:spPr/>
-        <p:txBody>
-          <a:bodyPr/>
-          <a:lstStyle/>
-          <a:p>
-            <a:r>
-              <a:rPr lang="de-DE" dirty="0" smtClean="0"/>
-              <a:t>Klassische DNS-Cache-</a:t>
-            </a:r>
-            <a:r>
-              <a:rPr lang="de-DE" dirty="0" err="1" smtClean="0"/>
-              <a:t>Poisoning</a:t>
-            </a:r>
-            <a:endParaRPr lang="de-DE" dirty="0"/>
-          </a:p>
-          <a:p>
-            <a:pPr lvl="1"/>
-            <a:r>
-              <a:rPr lang="de-DE" dirty="0"/>
-              <a:t>Sequenzdiagramm</a:t>
-            </a:r>
-            <a:endParaRPr lang="de-DE" dirty="0"/>
-          </a:p>
-        </p:txBody>
-      </p:sp>
+      <p:pic>
+        <p:nvPicPr>
+          <p:cNvPr id="5" name="Grafik 4"/>
+          <p:cNvPicPr>
+            <a:picLocks noChangeAspect="1"/>
+          </p:cNvPicPr>
+          <p:nvPr/>
+        </p:nvPicPr>
+        <p:blipFill>
+          <a:blip r:embed="rId2">
+            <a:extLst>
+              <a:ext uri="{28A0092B-C50C-407E-A947-70E740481C1C}">
+                <a14:useLocalDpi xmlns:a14="http://schemas.microsoft.com/office/drawing/2010/main" val="0"/>
+              </a:ext>
+            </a:extLst>
+          </a:blip>
+          <a:stretch>
+            <a:fillRect/>
+          </a:stretch>
+        </p:blipFill>
+        <p:spPr>
+          <a:xfrm>
+            <a:off x="1275315" y="1628800"/>
+            <a:ext cx="6828065" cy="5117455"/>
+          </a:xfrm>
+          <a:prstGeom prst="rect">
+            <a:avLst/>
+          </a:prstGeom>
+        </p:spPr>
+      </p:pic>
     </p:spTree>
     <p:extLst>
       <p:ext uri="{BB962C8B-B14F-4D97-AF65-F5344CB8AC3E}">
-        <p14:creationId xmlns:p14="http://schemas.microsoft.com/office/powerpoint/2010/main" val="3717151865"/>
+        <p14:creationId xmlns:p14="http://schemas.microsoft.com/office/powerpoint/2010/main" val="317435253"/>
       </p:ext>
     </p:extLst>
   </p:cSld>
@@ -5098,7 +5395,7 @@
           <a:p>
             <a:r>
               <a:rPr lang="de-DE" dirty="0" smtClean="0"/>
-              <a:t>Grundlagen des Angriffs</a:t>
+              <a:t>Das Setup und die Konfigurationen</a:t>
             </a:r>
             <a:endParaRPr lang="de-DE" dirty="0"/>
           </a:p>
@@ -5119,30 +5416,30 @@
           <a:bodyPr/>
           <a:lstStyle/>
           <a:p>
-            <a:r>
-              <a:rPr lang="de-DE" dirty="0" smtClean="0"/>
-              <a:t>Kaminskys DNS-Cache-</a:t>
-            </a:r>
+            <a:pPr lvl="0"/>
             <a:r>
               <a:rPr lang="de-DE" dirty="0" err="1" smtClean="0"/>
-              <a:t>Poisoning</a:t>
+              <a:t>Attacker</a:t>
+            </a:r>
+            <a:r>
+              <a:rPr lang="de-DE" dirty="0" smtClean="0"/>
+              <a:t>-DNS als Python-Programm</a:t>
+            </a:r>
+          </a:p>
+          <a:p>
+            <a:pPr lvl="1"/>
+            <a:r>
+              <a:rPr lang="de-DE" dirty="0" smtClean="0"/>
+              <a:t>Bestandteil der ersten Aufgabe</a:t>
             </a:r>
             <a:endParaRPr lang="de-DE" dirty="0" smtClean="0"/>
-          </a:p>
-          <a:p>
-            <a:pPr lvl="1"/>
-            <a:r>
-              <a:rPr lang="de-DE" dirty="0" smtClean="0"/>
-              <a:t>Auflistung der Unterschiede</a:t>
-            </a:r>
-            <a:endParaRPr lang="de-DE" dirty="0"/>
           </a:p>
         </p:txBody>
       </p:sp>
     </p:spTree>
     <p:extLst>
       <p:ext uri="{BB962C8B-B14F-4D97-AF65-F5344CB8AC3E}">
-        <p14:creationId xmlns:p14="http://schemas.microsoft.com/office/powerpoint/2010/main" val="2539642696"/>
+        <p14:creationId xmlns:p14="http://schemas.microsoft.com/office/powerpoint/2010/main" val="3249947514"/>
       </p:ext>
     </p:extLst>
   </p:cSld>
@@ -5186,7 +5483,7 @@
           <a:p>
             <a:r>
               <a:rPr lang="de-DE" dirty="0" smtClean="0"/>
-              <a:t>Grundlagen des Angriffs</a:t>
+              <a:t>Das Setup und die Konfigurationen</a:t>
             </a:r>
             <a:endParaRPr lang="de-DE" dirty="0"/>
           </a:p>
@@ -5207,30 +5504,29 @@
           <a:bodyPr/>
           <a:lstStyle/>
           <a:p>
-            <a:r>
-              <a:rPr lang="de-DE" dirty="0" smtClean="0"/>
-              <a:t>Kaminskys DNS-Cache-</a:t>
-            </a:r>
+            <a:pPr lvl="0"/>
             <a:r>
               <a:rPr lang="de-DE" dirty="0" err="1" smtClean="0"/>
-              <a:t>Poisoning</a:t>
-            </a:r>
-            <a:endParaRPr lang="de-DE" dirty="0" smtClean="0"/>
+              <a:t>Attacker</a:t>
+            </a:r>
+            <a:r>
+              <a:rPr lang="de-DE" dirty="0" smtClean="0"/>
+              <a:t>-DNS als Python-Programm</a:t>
+            </a:r>
           </a:p>
           <a:p>
             <a:pPr lvl="1"/>
             <a:r>
               <a:rPr lang="de-DE" dirty="0" smtClean="0"/>
-              <a:t>Sequenzdiagramm</a:t>
-            </a:r>
-            <a:endParaRPr lang="de-DE" dirty="0"/>
+              <a:t>Code</a:t>
+            </a:r>
           </a:p>
         </p:txBody>
       </p:sp>
     </p:spTree>
     <p:extLst>
       <p:ext uri="{BB962C8B-B14F-4D97-AF65-F5344CB8AC3E}">
-        <p14:creationId xmlns:p14="http://schemas.microsoft.com/office/powerpoint/2010/main" val="317435253"/>
+        <p14:creationId xmlns:p14="http://schemas.microsoft.com/office/powerpoint/2010/main" val="1852807460"/>
       </p:ext>
     </p:extLst>
   </p:cSld>

--- a/Präsentationen/PT3.pptx
+++ b/Präsentationen/PT3.pptx
@@ -12,15 +12,14 @@
     <p:sldId id="265" r:id="rId6"/>
     <p:sldId id="266" r:id="rId7"/>
     <p:sldId id="268" r:id="rId8"/>
-    <p:sldId id="261" r:id="rId9"/>
-    <p:sldId id="269" r:id="rId10"/>
-    <p:sldId id="270" r:id="rId11"/>
-    <p:sldId id="271" r:id="rId12"/>
-    <p:sldId id="262" r:id="rId13"/>
-    <p:sldId id="263" r:id="rId14"/>
-    <p:sldId id="272" r:id="rId15"/>
-    <p:sldId id="273" r:id="rId16"/>
-    <p:sldId id="264" r:id="rId17"/>
+    <p:sldId id="269" r:id="rId9"/>
+    <p:sldId id="270" r:id="rId10"/>
+    <p:sldId id="271" r:id="rId11"/>
+    <p:sldId id="262" r:id="rId12"/>
+    <p:sldId id="263" r:id="rId13"/>
+    <p:sldId id="272" r:id="rId14"/>
+    <p:sldId id="273" r:id="rId15"/>
+    <p:sldId id="264" r:id="rId16"/>
   </p:sldIdLst>
   <p:sldSz cx="9144000" cy="6858000" type="screen4x3"/>
   <p:notesSz cx="6858000" cy="9144000"/>
@@ -136,6 +135,34 @@
     </p:ext>
   </p:extLst>
 </p:presentation>
+</file>
+
+<file path=ppt/commentAuthors.xml><?xml version="1.0" encoding="utf-8"?>
+<p:cmAuthorLst xmlns:a="http://schemas.openxmlformats.org/drawingml/2006/main" xmlns:r="http://schemas.openxmlformats.org/officeDocument/2006/relationships" xmlns:p="http://schemas.openxmlformats.org/presentationml/2006/main">
+  <p:cmAuthor id="1" name="Marc" initials="M" lastIdx="1" clrIdx="0">
+    <p:extLst>
+      <p:ext uri="{19B8F6BF-5375-455C-9EA6-DF929625EA0E}">
+        <p15:presenceInfo xmlns:p15="http://schemas.microsoft.com/office/powerpoint/2012/main" userId="Marc" providerId="None"/>
+      </p:ext>
+    </p:extLst>
+  </p:cmAuthor>
+</p:cmAuthorLst>
+</file>
+
+<file path=ppt/comments/comment1.xml><?xml version="1.0" encoding="utf-8"?>
+<p:cmLst xmlns:a="http://schemas.openxmlformats.org/drawingml/2006/main" xmlns:r="http://schemas.openxmlformats.org/officeDocument/2006/relationships" xmlns:p="http://schemas.openxmlformats.org/presentationml/2006/main">
+  <p:cm authorId="1" dt="2017-01-26T20:40:25.656" idx="1">
+    <p:pos x="10" y="10"/>
+    <p:text>Das Setup und die Konfiguration
+Der Angriff
+Gegenmaßnahmen</p:text>
+    <p:extLst>
+      <p:ext uri="{C676402C-5697-4E1C-873F-D02D1690AC5C}">
+        <p15:threadingInfo xmlns:p15="http://schemas.microsoft.com/office/powerpoint/2012/main" timeZoneBias="-60"/>
+      </p:ext>
+    </p:extLst>
+  </p:cm>
+</p:cmLst>
 </file>
 
 <file path=ppt/slideLayouts/slideLayout1.xml><?xml version="1.0" encoding="utf-8"?>
@@ -3797,6 +3824,13 @@
   <p:clrMapOvr>
     <a:masterClrMapping/>
   </p:clrMapOvr>
+  <p:timing>
+    <p:tnLst>
+      <p:par>
+        <p:cTn id="1" dur="indefinite" restart="never" nodeType="tmRoot"/>
+      </p:par>
+    </p:tnLst>
+  </p:timing>
 </p:sld>
 </file>
 
@@ -3862,54 +3896,66 @@
             </a:r>
             <a:r>
               <a:rPr lang="de-DE" dirty="0" smtClean="0"/>
-              <a:t>-DNS und Bind</a:t>
-            </a:r>
-          </a:p>
-          <a:p>
-            <a:pPr lvl="1"/>
-            <a:r>
-              <a:rPr lang="de-DE" dirty="0" smtClean="0"/>
-              <a:t>Ziel: Cache dieses Servers mit einem selbstgewählten NS-</a:t>
-            </a:r>
-            <a:r>
-              <a:rPr lang="de-DE" dirty="0" err="1" smtClean="0"/>
-              <a:t>Record</a:t>
-            </a:r>
-            <a:r>
-              <a:rPr lang="de-DE" dirty="0" smtClean="0"/>
-              <a:t> füllen</a:t>
-            </a:r>
-          </a:p>
-          <a:p>
-            <a:pPr lvl="1"/>
-            <a:r>
-              <a:rPr lang="de-DE" dirty="0" err="1" smtClean="0"/>
-              <a:t>Betriebsystem</a:t>
-            </a:r>
-            <a:r>
-              <a:rPr lang="de-DE" dirty="0" smtClean="0"/>
-              <a:t>:</a:t>
-            </a:r>
-          </a:p>
-          <a:p>
-            <a:pPr lvl="1"/>
-            <a:r>
-              <a:rPr lang="de-DE" dirty="0" smtClean="0"/>
-              <a:t>Bind-Version:</a:t>
-            </a:r>
-          </a:p>
-        </p:txBody>
-      </p:sp>
+              <a:t>-DNS und </a:t>
+            </a:r>
+            <a:r>
+              <a:rPr lang="de-DE" dirty="0" smtClean="0"/>
+              <a:t>Bind</a:t>
+            </a:r>
+          </a:p>
+          <a:p>
+            <a:pPr lvl="0"/>
+            <a:endParaRPr lang="de-DE" dirty="0" smtClean="0"/>
+          </a:p>
+        </p:txBody>
+      </p:sp>
+      <p:pic>
+        <p:nvPicPr>
+          <p:cNvPr id="6" name="Grafik 5"/>
+          <p:cNvPicPr>
+            <a:picLocks noChangeAspect="1"/>
+          </p:cNvPicPr>
+          <p:nvPr/>
+        </p:nvPicPr>
+        <p:blipFill>
+          <a:blip r:embed="rId2">
+            <a:extLst>
+              <a:ext uri="{28A0092B-C50C-407E-A947-70E740481C1C}">
+                <a14:useLocalDpi xmlns:a14="http://schemas.microsoft.com/office/drawing/2010/main" val="0"/>
+              </a:ext>
+            </a:extLst>
+          </a:blip>
+          <a:stretch>
+            <a:fillRect/>
+          </a:stretch>
+        </p:blipFill>
+        <p:spPr>
+          <a:xfrm>
+            <a:off x="755576" y="2223035"/>
+            <a:ext cx="5184576" cy="3872965"/>
+          </a:xfrm>
+          <a:prstGeom prst="rect">
+            <a:avLst/>
+          </a:prstGeom>
+        </p:spPr>
+      </p:pic>
     </p:spTree>
     <p:extLst>
       <p:ext uri="{BB962C8B-B14F-4D97-AF65-F5344CB8AC3E}">
-        <p14:creationId xmlns:p14="http://schemas.microsoft.com/office/powerpoint/2010/main" val="2822399188"/>
+        <p14:creationId xmlns:p14="http://schemas.microsoft.com/office/powerpoint/2010/main" val="2684800396"/>
       </p:ext>
     </p:extLst>
   </p:cSld>
   <p:clrMapOvr>
     <a:masterClrMapping/>
   </p:clrMapOvr>
+  <p:timing>
+    <p:tnLst>
+      <p:par>
+        <p:cTn id="1" dur="indefinite" restart="never" nodeType="tmRoot"/>
+      </p:par>
+    </p:tnLst>
+  </p:timing>
 </p:sld>
 </file>
 
@@ -3942,61 +3988,66 @@
         </p:nvSpPr>
         <p:spPr/>
         <p:txBody>
-          <a:bodyPr/>
-          <a:lstStyle/>
-          <a:p>
-            <a:r>
-              <a:rPr lang="de-DE" dirty="0" smtClean="0"/>
-              <a:t>Das Setup und die Konfigurationen</a:t>
+          <a:bodyPr>
+            <a:normAutofit/>
+          </a:bodyPr>
+          <a:lstStyle/>
+          <a:p>
+            <a:pPr lvl="0"/>
+            <a:r>
+              <a:rPr lang="de-DE" dirty="0" smtClean="0"/>
+              <a:t>Der Angriff</a:t>
             </a:r>
             <a:endParaRPr lang="de-DE" dirty="0"/>
           </a:p>
         </p:txBody>
       </p:sp>
-      <p:sp>
-        <p:nvSpPr>
-          <p:cNvPr id="3" name="Inhaltsplatzhalter 2"/>
-          <p:cNvSpPr>
-            <a:spLocks noGrp="1"/>
-          </p:cNvSpPr>
+      <p:pic>
+        <p:nvPicPr>
+          <p:cNvPr id="4" name="Inhaltsplatzhalter 3"/>
+          <p:cNvPicPr>
+            <a:picLocks noGrp="1" noChangeAspect="1"/>
+          </p:cNvPicPr>
           <p:nvPr>
             <p:ph sz="quarter" idx="1"/>
           </p:nvPr>
-        </p:nvSpPr>
-        <p:spPr/>
-        <p:txBody>
-          <a:bodyPr/>
-          <a:lstStyle/>
-          <a:p>
-            <a:pPr lvl="0"/>
-            <a:r>
-              <a:rPr lang="de-DE" dirty="0" err="1" smtClean="0"/>
-              <a:t>Victim</a:t>
-            </a:r>
-            <a:r>
-              <a:rPr lang="de-DE" dirty="0" smtClean="0"/>
-              <a:t>-DNS und Bind</a:t>
-            </a:r>
-          </a:p>
-          <a:p>
-            <a:pPr lvl="1"/>
-            <a:r>
-              <a:rPr lang="de-DE" dirty="0" smtClean="0"/>
-              <a:t>Konfiguration</a:t>
-            </a:r>
-          </a:p>
-        </p:txBody>
-      </p:sp>
+        </p:nvPicPr>
+        <p:blipFill>
+          <a:blip r:embed="rId2">
+            <a:extLst>
+              <a:ext uri="{28A0092B-C50C-407E-A947-70E740481C1C}">
+                <a14:useLocalDpi xmlns:a14="http://schemas.microsoft.com/office/drawing/2010/main" val="0"/>
+              </a:ext>
+            </a:extLst>
+          </a:blip>
+          <a:stretch>
+            <a:fillRect/>
+          </a:stretch>
+        </p:blipFill>
+        <p:spPr>
+          <a:xfrm>
+            <a:off x="612648" y="1628799"/>
+            <a:ext cx="5903568" cy="5050645"/>
+          </a:xfrm>
+        </p:spPr>
+      </p:pic>
     </p:spTree>
     <p:extLst>
       <p:ext uri="{BB962C8B-B14F-4D97-AF65-F5344CB8AC3E}">
-        <p14:creationId xmlns:p14="http://schemas.microsoft.com/office/powerpoint/2010/main" val="2684800396"/>
+        <p14:creationId xmlns:p14="http://schemas.microsoft.com/office/powerpoint/2010/main" val="1726158280"/>
       </p:ext>
     </p:extLst>
   </p:cSld>
   <p:clrMapOvr>
     <a:masterClrMapping/>
   </p:clrMapOvr>
+  <p:timing>
+    <p:tnLst>
+      <p:par>
+        <p:cTn id="1" dur="indefinite" restart="never" nodeType="tmRoot"/>
+      </p:par>
+    </p:tnLst>
+  </p:timing>
 </p:sld>
 </file>
 
@@ -4030,14 +4081,13 @@
         <p:spPr/>
         <p:txBody>
           <a:bodyPr>
-            <a:normAutofit/>
+            <a:normAutofit fontScale="90000"/>
           </a:bodyPr>
           <a:lstStyle/>
           <a:p>
-            <a:pPr lvl="0"/>
-            <a:r>
-              <a:rPr lang="de-DE" dirty="0" smtClean="0"/>
-              <a:t>Der Angriff</a:t>
+            <a:r>
+              <a:rPr lang="de-DE" dirty="0" smtClean="0"/>
+              <a:t>Versuchsreihen und Vorgehensweisen</a:t>
             </a:r>
             <a:endParaRPr lang="de-DE" dirty="0"/>
           </a:p>
@@ -4058,11 +4108,47 @@
           <a:bodyPr/>
           <a:lstStyle/>
           <a:p>
-            <a:pPr lvl="0"/>
-            <a:r>
-              <a:rPr lang="de-DE" dirty="0" smtClean="0"/>
-              <a:t>Code</a:t>
-            </a:r>
+            <a:r>
+              <a:rPr lang="de-DE" dirty="0" smtClean="0"/>
+              <a:t>Erster Schritt:</a:t>
+            </a:r>
+            <a:endParaRPr lang="de-DE" dirty="0"/>
+          </a:p>
+          <a:p>
+            <a:pPr lvl="1"/>
+            <a:r>
+              <a:rPr lang="de-DE" dirty="0" err="1" smtClean="0"/>
+              <a:t>Victim</a:t>
+            </a:r>
+            <a:r>
+              <a:rPr lang="de-DE" dirty="0" smtClean="0"/>
+              <a:t>-DNS fragt beim </a:t>
+            </a:r>
+            <a:r>
+              <a:rPr lang="de-DE" dirty="0" err="1" smtClean="0"/>
+              <a:t>Attacker</a:t>
+            </a:r>
+            <a:r>
+              <a:rPr lang="de-DE" dirty="0" smtClean="0"/>
+              <a:t>-DNS nach der IP</a:t>
+            </a:r>
+          </a:p>
+          <a:p>
+            <a:pPr lvl="1"/>
+            <a:r>
+              <a:rPr lang="de-DE" dirty="0" smtClean="0"/>
+              <a:t>Korrekte Form der Antwort testen</a:t>
+            </a:r>
+          </a:p>
+          <a:p>
+            <a:pPr lvl="1"/>
+            <a:r>
+              <a:rPr lang="de-DE" dirty="0" smtClean="0"/>
+              <a:t>Versteht der Browser die angegeben Informationen</a:t>
+            </a:r>
+          </a:p>
+          <a:p>
+            <a:pPr lvl="1"/>
             <a:endParaRPr lang="de-DE" dirty="0"/>
           </a:p>
         </p:txBody>
@@ -4070,13 +4156,20 @@
     </p:spTree>
     <p:extLst>
       <p:ext uri="{BB962C8B-B14F-4D97-AF65-F5344CB8AC3E}">
-        <p14:creationId xmlns:p14="http://schemas.microsoft.com/office/powerpoint/2010/main" val="1726158280"/>
+        <p14:creationId xmlns:p14="http://schemas.microsoft.com/office/powerpoint/2010/main" val="3625774942"/>
       </p:ext>
     </p:extLst>
   </p:cSld>
   <p:clrMapOvr>
     <a:masterClrMapping/>
   </p:clrMapOvr>
+  <p:timing>
+    <p:tnLst>
+      <p:par>
+        <p:cTn id="1" dur="indefinite" restart="never" nodeType="tmRoot"/>
+      </p:par>
+    </p:tnLst>
+  </p:timing>
 </p:sld>
 </file>
 
@@ -4139,9 +4232,13 @@
           <a:p>
             <a:r>
               <a:rPr lang="de-DE" dirty="0" smtClean="0"/>
-              <a:t>Erster Schritt:</a:t>
-            </a:r>
-            <a:endParaRPr lang="de-DE" dirty="0"/>
+              <a:t>Aufbau des Versuchs-Set-</a:t>
+            </a:r>
+            <a:r>
+              <a:rPr lang="de-DE" dirty="0" err="1" smtClean="0"/>
+              <a:t>Ups</a:t>
+            </a:r>
+            <a:endParaRPr lang="de-DE" dirty="0" smtClean="0"/>
           </a:p>
           <a:p>
             <a:pPr lvl="1"/>
@@ -4151,29 +4248,69 @@
             </a:r>
             <a:r>
               <a:rPr lang="de-DE" dirty="0" smtClean="0"/>
-              <a:t>-DNS fragt beim </a:t>
-            </a:r>
+              <a:t>-DNS fragt TLD-Server nach NS-Server</a:t>
+            </a:r>
+          </a:p>
+          <a:p>
+            <a:pPr lvl="2"/>
+            <a:r>
+              <a:rPr lang="de-DE" dirty="0" smtClean="0"/>
+              <a:t>Erst nur Googles DNS-Server</a:t>
+            </a:r>
+          </a:p>
+          <a:p>
+            <a:pPr lvl="1"/>
             <a:r>
               <a:rPr lang="de-DE" dirty="0" err="1" smtClean="0"/>
               <a:t>Attacker</a:t>
             </a:r>
             <a:r>
               <a:rPr lang="de-DE" dirty="0" smtClean="0"/>
-              <a:t>-DNS nach der IP</a:t>
+              <a:t>-Skript sendet DNS-Responses</a:t>
+            </a:r>
+          </a:p>
+          <a:p>
+            <a:pPr lvl="2"/>
+            <a:r>
+              <a:rPr lang="de-DE" dirty="0" smtClean="0"/>
+              <a:t>Erste Testreihe nur mit A-Records</a:t>
+            </a:r>
+          </a:p>
+          <a:p>
+            <a:pPr lvl="2"/>
+            <a:r>
+              <a:rPr lang="de-DE" dirty="0" smtClean="0"/>
+              <a:t>Später auch komplexer mit NS-Records</a:t>
             </a:r>
           </a:p>
           <a:p>
             <a:pPr lvl="1"/>
             <a:r>
-              <a:rPr lang="de-DE" dirty="0" smtClean="0"/>
-              <a:t>Korrekte Form der Antwort testen</a:t>
-            </a:r>
-          </a:p>
-          <a:p>
-            <a:pPr lvl="1"/>
-            <a:r>
-              <a:rPr lang="de-DE" dirty="0" smtClean="0"/>
-              <a:t>Versteht der Browser die angegeben Informationen</a:t>
+              <a:rPr lang="de-DE" dirty="0" err="1" smtClean="0"/>
+              <a:t>Attacker</a:t>
+            </a:r>
+            <a:r>
+              <a:rPr lang="de-DE" dirty="0" smtClean="0"/>
+              <a:t>-DNS antwortet immer mit der IP des </a:t>
+            </a:r>
+            <a:r>
+              <a:rPr lang="de-DE" dirty="0" err="1" smtClean="0"/>
+              <a:t>Attacker</a:t>
+            </a:r>
+            <a:r>
+              <a:rPr lang="de-DE" dirty="0" smtClean="0"/>
+              <a:t>-Webservers</a:t>
+            </a:r>
+          </a:p>
+          <a:p>
+            <a:pPr lvl="2"/>
+            <a:r>
+              <a:rPr lang="de-DE" dirty="0" err="1" smtClean="0"/>
+              <a:t>Fake</a:t>
+            </a:r>
+            <a:r>
+              <a:rPr lang="de-DE" dirty="0" smtClean="0"/>
+              <a:t>-Porta zum Benutzerdaten abgreifen</a:t>
             </a:r>
           </a:p>
           <a:p>
@@ -4185,13 +4322,20 @@
     </p:spTree>
     <p:extLst>
       <p:ext uri="{BB962C8B-B14F-4D97-AF65-F5344CB8AC3E}">
-        <p14:creationId xmlns:p14="http://schemas.microsoft.com/office/powerpoint/2010/main" val="3625774942"/>
+        <p14:creationId xmlns:p14="http://schemas.microsoft.com/office/powerpoint/2010/main" val="1371295851"/>
       </p:ext>
     </p:extLst>
   </p:cSld>
   <p:clrMapOvr>
     <a:masterClrMapping/>
   </p:clrMapOvr>
+  <p:timing>
+    <p:tnLst>
+      <p:par>
+        <p:cTn id="1" dur="indefinite" restart="never" nodeType="tmRoot"/>
+      </p:par>
+    </p:tnLst>
+  </p:timing>
 </p:sld>
 </file>
 
@@ -4254,86 +4398,64 @@
           <a:p>
             <a:r>
               <a:rPr lang="de-DE" dirty="0" smtClean="0"/>
-              <a:t>Aufbau des Versuchs-Set-</a:t>
+              <a:t>Versuche</a:t>
+            </a:r>
+          </a:p>
+          <a:p>
+            <a:pPr lvl="1"/>
+            <a:r>
+              <a:rPr lang="de-DE" dirty="0" smtClean="0"/>
+              <a:t>BIND4, BIND8 (mehrere Versionen) und </a:t>
+            </a:r>
+            <a:br>
+              <a:rPr lang="de-DE" dirty="0" smtClean="0"/>
+            </a:br>
+            <a:r>
+              <a:rPr lang="de-DE" dirty="0" smtClean="0"/>
+              <a:t>BIND9 (mehrere Versionen)</a:t>
+            </a:r>
+          </a:p>
+          <a:p>
+            <a:pPr lvl="1"/>
+            <a:r>
+              <a:rPr lang="de-DE" dirty="0" smtClean="0"/>
+              <a:t>Mit unterschiedlichen </a:t>
             </a:r>
             <a:r>
               <a:rPr lang="de-DE" dirty="0" err="1" smtClean="0"/>
-              <a:t>Ups</a:t>
+              <a:t>Betriebsystemen</a:t>
             </a:r>
             <a:endParaRPr lang="de-DE" dirty="0" smtClean="0"/>
           </a:p>
           <a:p>
-            <a:pPr lvl="1"/>
+            <a:pPr lvl="2"/>
+            <a:r>
+              <a:rPr lang="de-DE" dirty="0" smtClean="0"/>
+              <a:t>Ubuntu 8, 14 und 16</a:t>
+            </a:r>
+          </a:p>
+          <a:p>
+            <a:pPr lvl="2"/>
+            <a:r>
+              <a:rPr lang="de-DE" dirty="0" smtClean="0"/>
+              <a:t>Suse</a:t>
+            </a:r>
+          </a:p>
+          <a:p>
+            <a:pPr lvl="2"/>
             <a:r>
               <a:rPr lang="de-DE" dirty="0" err="1" smtClean="0"/>
-              <a:t>Victim</a:t>
-            </a:r>
-            <a:r>
-              <a:rPr lang="de-DE" dirty="0" smtClean="0"/>
-              <a:t>-DNS fragt TLD-Server nach NS-Server</a:t>
-            </a:r>
+              <a:t>centOS</a:t>
+            </a:r>
+            <a:endParaRPr lang="de-DE" dirty="0" smtClean="0"/>
           </a:p>
           <a:p>
             <a:pPr lvl="2"/>
             <a:r>
-              <a:rPr lang="de-DE" dirty="0" smtClean="0"/>
-              <a:t>Erst nur Googles DNS-Server</a:t>
-            </a:r>
-          </a:p>
-          <a:p>
-            <a:pPr lvl="1"/>
-            <a:r>
               <a:rPr lang="de-DE" dirty="0" err="1" smtClean="0"/>
-              <a:t>Attacker</a:t>
-            </a:r>
-            <a:r>
-              <a:rPr lang="de-DE" dirty="0" smtClean="0"/>
-              <a:t>-Skript sendet DNS-Responses</a:t>
-            </a:r>
-          </a:p>
-          <a:p>
-            <a:pPr lvl="2"/>
-            <a:r>
-              <a:rPr lang="de-DE" dirty="0" smtClean="0"/>
-              <a:t>Erste Testreihe nur mit A-Records</a:t>
-            </a:r>
-          </a:p>
-          <a:p>
-            <a:pPr lvl="2"/>
-            <a:r>
-              <a:rPr lang="de-DE" dirty="0" smtClean="0"/>
-              <a:t>Später auch komplexer mit NS-Records</a:t>
-            </a:r>
-          </a:p>
-          <a:p>
-            <a:pPr lvl="1"/>
-            <a:r>
-              <a:rPr lang="de-DE" dirty="0" err="1" smtClean="0"/>
-              <a:t>Attacker</a:t>
-            </a:r>
-            <a:r>
-              <a:rPr lang="de-DE" dirty="0" smtClean="0"/>
-              <a:t>-DNS antwortet immer mit der IP des </a:t>
-            </a:r>
-            <a:r>
-              <a:rPr lang="de-DE" dirty="0" err="1" smtClean="0"/>
-              <a:t>Attacker</a:t>
-            </a:r>
-            <a:r>
-              <a:rPr lang="de-DE" dirty="0" smtClean="0"/>
-              <a:t>-Webservers</a:t>
-            </a:r>
-          </a:p>
-          <a:p>
-            <a:pPr lvl="2"/>
-            <a:r>
-              <a:rPr lang="de-DE" dirty="0" err="1" smtClean="0"/>
-              <a:t>Fake</a:t>
-            </a:r>
-            <a:r>
-              <a:rPr lang="de-DE" dirty="0" smtClean="0"/>
-              <a:t>-Porta zum Benutzerdaten abgreifen</a:t>
-            </a:r>
+              <a:t>Manjaro</a:t>
+            </a:r>
+            <a:endParaRPr lang="de-DE" dirty="0" smtClean="0"/>
           </a:p>
           <a:p>
             <a:pPr lvl="1"/>
@@ -4344,7 +4466,7 @@
     </p:spTree>
     <p:extLst>
       <p:ext uri="{BB962C8B-B14F-4D97-AF65-F5344CB8AC3E}">
-        <p14:creationId xmlns:p14="http://schemas.microsoft.com/office/powerpoint/2010/main" val="1371295851"/>
+        <p14:creationId xmlns:p14="http://schemas.microsoft.com/office/powerpoint/2010/main" val="1818596622"/>
       </p:ext>
     </p:extLst>
   </p:cSld>
@@ -4383,230 +4505,356 @@
         </p:nvSpPr>
         <p:spPr/>
         <p:txBody>
-          <a:bodyPr>
-            <a:normAutofit fontScale="90000"/>
-          </a:bodyPr>
-          <a:lstStyle/>
-          <a:p>
-            <a:r>
-              <a:rPr lang="de-DE" dirty="0" smtClean="0"/>
-              <a:t>Versuchsreihen und Vorgehensweisen</a:t>
+          <a:bodyPr/>
+          <a:lstStyle/>
+          <a:p>
+            <a:r>
+              <a:rPr lang="de-DE" smtClean="0"/>
+              <a:t>Gegenmaßnahmen</a:t>
             </a:r>
             <a:endParaRPr lang="de-DE" dirty="0"/>
           </a:p>
         </p:txBody>
       </p:sp>
-      <p:sp>
-        <p:nvSpPr>
-          <p:cNvPr id="3" name="Inhaltsplatzhalter 2"/>
-          <p:cNvSpPr>
-            <a:spLocks noGrp="1"/>
-          </p:cNvSpPr>
-          <p:nvPr>
-            <p:ph sz="quarter" idx="1"/>
-          </p:nvPr>
-        </p:nvSpPr>
-        <p:spPr/>
-        <p:txBody>
-          <a:bodyPr/>
-          <a:lstStyle/>
-          <a:p>
-            <a:r>
-              <a:rPr lang="de-DE" dirty="0" smtClean="0"/>
-              <a:t>Versuche</a:t>
-            </a:r>
-          </a:p>
-          <a:p>
-            <a:pPr lvl="1"/>
-            <a:r>
-              <a:rPr lang="de-DE" dirty="0" smtClean="0"/>
-              <a:t>BIND4, BIND8 (mehrere Versionen) und </a:t>
-            </a:r>
-            <a:br>
-              <a:rPr lang="de-DE" dirty="0" smtClean="0"/>
-            </a:br>
-            <a:r>
-              <a:rPr lang="de-DE" dirty="0" smtClean="0"/>
-              <a:t>BIND9 (mehrere Versionen)</a:t>
-            </a:r>
-          </a:p>
-          <a:p>
-            <a:pPr lvl="1"/>
-            <a:r>
-              <a:rPr lang="de-DE" dirty="0" smtClean="0"/>
-              <a:t>Mit unterschiedlichen </a:t>
-            </a:r>
-            <a:r>
-              <a:rPr lang="de-DE" dirty="0" err="1" smtClean="0"/>
-              <a:t>Betriebsystemen</a:t>
-            </a:r>
-            <a:endParaRPr lang="de-DE" dirty="0" smtClean="0"/>
-          </a:p>
-          <a:p>
-            <a:pPr lvl="2"/>
-            <a:r>
-              <a:rPr lang="de-DE" dirty="0" smtClean="0"/>
-              <a:t>Ubuntu 8, 14 und 16</a:t>
-            </a:r>
-          </a:p>
-          <a:p>
-            <a:pPr lvl="2"/>
-            <a:r>
-              <a:rPr lang="de-DE" dirty="0" smtClean="0"/>
-              <a:t>Suse</a:t>
-            </a:r>
-          </a:p>
-          <a:p>
-            <a:pPr lvl="2"/>
-            <a:r>
-              <a:rPr lang="de-DE" dirty="0" err="1" smtClean="0"/>
-              <a:t>centOS</a:t>
-            </a:r>
-            <a:endParaRPr lang="de-DE" dirty="0" smtClean="0"/>
-          </a:p>
-          <a:p>
-            <a:pPr lvl="2"/>
-            <a:r>
-              <a:rPr lang="de-DE" dirty="0" err="1" smtClean="0"/>
-              <a:t>Manjaro</a:t>
-            </a:r>
-            <a:endParaRPr lang="de-DE" dirty="0" smtClean="0"/>
-          </a:p>
-          <a:p>
-            <a:pPr lvl="1"/>
-            <a:endParaRPr lang="de-DE" dirty="0"/>
-          </a:p>
-        </p:txBody>
-      </p:sp>
-    </p:spTree>
-    <p:extLst>
-      <p:ext uri="{BB962C8B-B14F-4D97-AF65-F5344CB8AC3E}">
-        <p14:creationId xmlns:p14="http://schemas.microsoft.com/office/powerpoint/2010/main" val="1818596622"/>
-      </p:ext>
-    </p:extLst>
-  </p:cSld>
-  <p:clrMapOvr>
-    <a:masterClrMapping/>
-  </p:clrMapOvr>
-</p:sld>
-</file>
-
-<file path=ppt/slides/slide16.xml><?xml version="1.0" encoding="utf-8"?>
-<p:sld xmlns:a="http://schemas.openxmlformats.org/drawingml/2006/main" xmlns:r="http://schemas.openxmlformats.org/officeDocument/2006/relationships" xmlns:p="http://schemas.openxmlformats.org/presentationml/2006/main">
-  <p:cSld>
-    <p:spTree>
-      <p:nvGrpSpPr>
-        <p:cNvPr id="1" name=""/>
-        <p:cNvGrpSpPr/>
-        <p:nvPr/>
-      </p:nvGrpSpPr>
-      <p:grpSpPr>
-        <a:xfrm>
-          <a:off x="0" y="0"/>
-          <a:ext cx="0" cy="0"/>
-          <a:chOff x="0" y="0"/>
-          <a:chExt cx="0" cy="0"/>
-        </a:xfrm>
-      </p:grpSpPr>
-      <p:sp>
-        <p:nvSpPr>
-          <p:cNvPr id="2" name="Titel 1"/>
-          <p:cNvSpPr>
-            <a:spLocks noGrp="1"/>
-          </p:cNvSpPr>
-          <p:nvPr>
-            <p:ph type="title"/>
-          </p:nvPr>
-        </p:nvSpPr>
-        <p:spPr/>
-        <p:txBody>
-          <a:bodyPr>
-            <a:normAutofit/>
-          </a:bodyPr>
-          <a:lstStyle/>
-          <a:p>
-            <a:r>
-              <a:rPr lang="de-DE" dirty="0" smtClean="0"/>
-              <a:t>Gegenmaßnahmen</a:t>
-            </a:r>
-            <a:endParaRPr lang="de-DE" dirty="0"/>
-          </a:p>
-        </p:txBody>
-      </p:sp>
-      <p:sp>
-        <p:nvSpPr>
-          <p:cNvPr id="3" name="Inhaltsplatzhalter 2"/>
-          <p:cNvSpPr>
-            <a:spLocks noGrp="1"/>
-          </p:cNvSpPr>
-          <p:nvPr>
-            <p:ph sz="quarter" idx="1"/>
-          </p:nvPr>
-        </p:nvSpPr>
-        <p:spPr/>
-        <p:txBody>
-          <a:bodyPr/>
-          <a:lstStyle/>
-          <a:p>
-            <a:pPr lvl="0"/>
-            <a:r>
-              <a:rPr lang="de-DE" dirty="0" smtClean="0"/>
-              <a:t>Gleichverteilung der Transaktionsnummern</a:t>
-            </a:r>
-          </a:p>
-          <a:p>
-            <a:pPr lvl="1"/>
-            <a:r>
-              <a:rPr lang="de-DE" dirty="0" smtClean="0"/>
-              <a:t>Wahrscheinlichkeit</a:t>
-            </a:r>
-            <a:endParaRPr lang="de-DE" dirty="0"/>
-          </a:p>
-          <a:p>
-            <a:r>
-              <a:rPr lang="de-DE" dirty="0" smtClean="0"/>
-              <a:t>Port-</a:t>
-            </a:r>
-            <a:r>
-              <a:rPr lang="de-DE" dirty="0" err="1" smtClean="0"/>
-              <a:t>Randomization</a:t>
-            </a:r>
-            <a:endParaRPr lang="de-DE" dirty="0" smtClean="0"/>
-          </a:p>
-          <a:p>
-            <a:pPr lvl="1"/>
-            <a:r>
-              <a:rPr lang="de-DE" dirty="0" smtClean="0"/>
-              <a:t>Wahrscheinlichkeit</a:t>
-            </a:r>
-            <a:endParaRPr lang="de-DE" dirty="0"/>
-          </a:p>
-          <a:p>
-            <a:pPr lvl="0"/>
-            <a:r>
-              <a:rPr lang="de-DE" dirty="0" smtClean="0"/>
-              <a:t>Random-URL-</a:t>
-            </a:r>
-            <a:r>
-              <a:rPr lang="de-DE" dirty="0" err="1" smtClean="0"/>
-              <a:t>Capitalizing</a:t>
-            </a:r>
-            <a:endParaRPr lang="de-DE" dirty="0"/>
-          </a:p>
-          <a:p>
-            <a:pPr lvl="1"/>
-            <a:r>
-              <a:rPr lang="de-DE" dirty="0" smtClean="0"/>
-              <a:t>Wahrscheinlichkeit</a:t>
-            </a:r>
-            <a:endParaRPr lang="de-DE" dirty="0"/>
-          </a:p>
-          <a:p>
-            <a:pPr lvl="0"/>
-            <a:endParaRPr lang="de-DE" dirty="0" smtClean="0"/>
-          </a:p>
-        </p:txBody>
-      </p:sp>
+      <mc:AlternateContent xmlns:mc="http://schemas.openxmlformats.org/markup-compatibility/2006">
+        <mc:Choice xmlns:a14="http://schemas.microsoft.com/office/drawing/2010/main" Requires="a14">
+          <p:sp>
+            <p:nvSpPr>
+              <p:cNvPr id="3" name="Inhaltsplatzhalter 2"/>
+              <p:cNvSpPr>
+                <a:spLocks noGrp="1"/>
+              </p:cNvSpPr>
+              <p:nvPr>
+                <p:ph sz="quarter" idx="1"/>
+              </p:nvPr>
+            </p:nvSpPr>
+            <p:spPr/>
+            <p:txBody>
+              <a:bodyPr>
+                <a:normAutofit/>
+              </a:bodyPr>
+              <a:lstStyle/>
+              <a:p>
+                <a:pPr lvl="0"/>
+                <a:r>
+                  <a:rPr lang="de-DE" dirty="0" smtClean="0"/>
+                  <a:t>Gleichverteilung der Transaktionsnummern</a:t>
+                </a:r>
+              </a:p>
+              <a:p>
+                <a:pPr lvl="1"/>
+                <a14:m>
+                  <m:oMath xmlns:m="http://schemas.openxmlformats.org/officeDocument/2006/math">
+                    <m:f>
+                      <m:fPr>
+                        <m:ctrlPr>
+                          <a:rPr lang="de-DE" smtClean="0"/>
+                        </m:ctrlPr>
+                      </m:fPr>
+                      <m:num>
+                        <m:r>
+                          <a:rPr lang="de-DE" smtClean="0"/>
+                          <m:t>1</m:t>
+                        </m:r>
+                      </m:num>
+                      <m:den>
+                        <m:sSup>
+                          <m:sSupPr>
+                            <m:ctrlPr>
+                              <a:rPr lang="de-DE" smtClean="0"/>
+                            </m:ctrlPr>
+                          </m:sSupPr>
+                          <m:e>
+                            <m:r>
+                              <a:rPr lang="de-DE" smtClean="0"/>
+                              <m:t>2</m:t>
+                            </m:r>
+                          </m:e>
+                          <m:sup>
+                            <m:r>
+                              <a:rPr lang="de-DE" smtClean="0"/>
+                              <m:t>16</m:t>
+                            </m:r>
+                          </m:sup>
+                        </m:sSup>
+                      </m:den>
+                    </m:f>
+                    <m:r>
+                      <a:rPr lang="de-DE" smtClean="0"/>
+                      <m:t>=</m:t>
+                    </m:r>
+                    <m:r>
+                      <m:rPr>
+                        <m:nor/>
+                      </m:rPr>
+                      <a:rPr lang="de-DE"/>
+                      <m:t>0</m:t>
+                    </m:r>
+                    <m:r>
+                      <m:rPr>
+                        <m:nor/>
+                      </m:rPr>
+                      <a:rPr lang="de-DE" smtClean="0"/>
+                      <m:t>,</m:t>
+                    </m:r>
+                    <m:r>
+                      <m:rPr>
+                        <m:nor/>
+                      </m:rPr>
+                      <a:rPr lang="de-DE"/>
+                      <m:t>00001525878</m:t>
+                    </m:r>
+                  </m:oMath>
+                </a14:m>
+                <a:endParaRPr lang="de-DE" dirty="0"/>
+              </a:p>
+              <a:p>
+                <a:r>
+                  <a:rPr lang="de-DE" dirty="0" smtClean="0"/>
+                  <a:t>Port-</a:t>
+                </a:r>
+                <a:r>
+                  <a:rPr lang="de-DE" dirty="0" err="1" smtClean="0"/>
+                  <a:t>Randomization</a:t>
+                </a:r>
+                <a:endParaRPr lang="de-DE" dirty="0" smtClean="0"/>
+              </a:p>
+              <a:p>
+                <a:pPr lvl="1"/>
+                <a:r>
+                  <a:rPr lang="de-DE" dirty="0" smtClean="0"/>
+                  <a:t>Mindestens </a:t>
+                </a:r>
+                <a14:m>
+                  <m:oMath xmlns:m="http://schemas.openxmlformats.org/officeDocument/2006/math">
+                    <m:f>
+                      <m:fPr>
+                        <m:ctrlPr>
+                          <a:rPr lang="de-DE" smtClean="0"/>
+                        </m:ctrlPr>
+                      </m:fPr>
+                      <m:num>
+                        <m:r>
+                          <a:rPr lang="de-DE" smtClean="0"/>
+                          <m:t>1</m:t>
+                        </m:r>
+                      </m:num>
+                      <m:den>
+                        <m:sSup>
+                          <m:sSupPr>
+                            <m:ctrlPr>
+                              <a:rPr lang="de-DE" smtClean="0"/>
+                            </m:ctrlPr>
+                          </m:sSupPr>
+                          <m:e>
+                            <m:r>
+                              <a:rPr lang="de-DE" smtClean="0"/>
+                              <m:t>2</m:t>
+                            </m:r>
+                          </m:e>
+                          <m:sup>
+                            <m:r>
+                              <a:rPr lang="de-DE" smtClean="0"/>
+                              <m:t>11</m:t>
+                            </m:r>
+                          </m:sup>
+                        </m:sSup>
+                      </m:den>
+                    </m:f>
+                    <m:r>
+                      <a:rPr lang="de-DE" b="0" i="0" smtClean="0">
+                        <a:latin typeface="Cambria Math" panose="02040503050406030204" pitchFamily="18" charset="0"/>
+                      </a:rPr>
+                      <m:t>=</m:t>
+                    </m:r>
+                    <m:r>
+                      <m:rPr>
+                        <m:nor/>
+                      </m:rPr>
+                      <a:rPr lang="de-DE" dirty="0"/>
+                      <m:t>0</m:t>
+                    </m:r>
+                    <m:r>
+                      <m:rPr>
+                        <m:nor/>
+                      </m:rPr>
+                      <a:rPr lang="de-DE" b="0" i="0" dirty="0" smtClean="0"/>
+                      <m:t>,</m:t>
+                    </m:r>
+                    <m:r>
+                      <m:rPr>
+                        <m:nor/>
+                      </m:rPr>
+                      <a:rPr lang="de-DE" dirty="0"/>
+                      <m:t>00048828125</m:t>
+                    </m:r>
+                  </m:oMath>
+                </a14:m>
+                <a:endParaRPr lang="de-DE" dirty="0" smtClean="0"/>
+              </a:p>
+              <a:p>
+                <a:pPr lvl="0"/>
+                <a:r>
+                  <a:rPr lang="de-DE" dirty="0" smtClean="0"/>
+                  <a:t>Random-URL-</a:t>
+                </a:r>
+                <a:r>
+                  <a:rPr lang="de-DE" dirty="0" err="1" smtClean="0"/>
+                  <a:t>Capitalizing</a:t>
+                </a:r>
+                <a:endParaRPr lang="de-DE" dirty="0"/>
+              </a:p>
+              <a:p>
+                <a:pPr lvl="1"/>
+                <a:r>
+                  <a:rPr lang="de-DE" dirty="0" smtClean="0"/>
+                  <a:t>Abhängig von der URL Länge</a:t>
+                </a:r>
+              </a:p>
+              <a:p>
+                <a:pPr lvl="1"/>
+                <a:r>
+                  <a:rPr lang="de-DE" dirty="0"/>
+                  <a:t>Bei </a:t>
+                </a:r>
+                <a:r>
+                  <a:rPr lang="de-DE" dirty="0" smtClean="0"/>
+                  <a:t>wikipedia.de z.B. 11 Buchstaben, also:</a:t>
+                </a:r>
+              </a:p>
+              <a:p>
+                <a:pPr lvl="2"/>
+                <a14:m>
+                  <m:oMath xmlns:m="http://schemas.openxmlformats.org/officeDocument/2006/math">
+                    <m:f>
+                      <m:fPr>
+                        <m:ctrlPr>
+                          <a:rPr lang="de-DE" i="1">
+                            <a:latin typeface="Cambria Math" panose="02040503050406030204" pitchFamily="18" charset="0"/>
+                          </a:rPr>
+                        </m:ctrlPr>
+                      </m:fPr>
+                      <m:num>
+                        <m:r>
+                          <a:rPr lang="de-DE">
+                            <a:latin typeface="Cambria Math" panose="02040503050406030204" pitchFamily="18" charset="0"/>
+                          </a:rPr>
+                          <m:t>1</m:t>
+                        </m:r>
+                      </m:num>
+                      <m:den>
+                        <m:sSup>
+                          <m:sSupPr>
+                            <m:ctrlPr>
+                              <a:rPr lang="de-DE" i="1">
+                                <a:latin typeface="Cambria Math" panose="02040503050406030204" pitchFamily="18" charset="0"/>
+                              </a:rPr>
+                            </m:ctrlPr>
+                          </m:sSupPr>
+                          <m:e>
+                            <m:r>
+                              <a:rPr lang="de-DE">
+                                <a:latin typeface="Cambria Math" panose="02040503050406030204" pitchFamily="18" charset="0"/>
+                              </a:rPr>
+                              <m:t>2</m:t>
+                            </m:r>
+                          </m:e>
+                          <m:sup>
+                            <m:r>
+                              <a:rPr lang="de-DE">
+                                <a:latin typeface="Cambria Math" panose="02040503050406030204" pitchFamily="18" charset="0"/>
+                              </a:rPr>
+                              <m:t>11</m:t>
+                            </m:r>
+                          </m:sup>
+                        </m:sSup>
+                      </m:den>
+                    </m:f>
+                    <m:r>
+                      <a:rPr lang="de-DE">
+                        <a:latin typeface="Cambria Math" panose="02040503050406030204" pitchFamily="18" charset="0"/>
+                      </a:rPr>
+                      <m:t>=</m:t>
+                    </m:r>
+                    <m:r>
+                      <m:rPr>
+                        <m:nor/>
+                      </m:rPr>
+                      <a:rPr lang="de-DE" dirty="0"/>
+                      <m:t>0</m:t>
+                    </m:r>
+                    <m:r>
+                      <m:rPr>
+                        <m:nor/>
+                      </m:rPr>
+                      <a:rPr lang="de-DE" dirty="0"/>
+                      <m:t>,</m:t>
+                    </m:r>
+                    <m:r>
+                      <m:rPr>
+                        <m:nor/>
+                      </m:rPr>
+                      <a:rPr lang="de-DE" dirty="0"/>
+                      <m:t>00048828125</m:t>
+                    </m:r>
+                  </m:oMath>
+                </a14:m>
+                <a:endParaRPr lang="de-DE" dirty="0" smtClean="0"/>
+              </a:p>
+              <a:p>
+                <a:pPr marL="0" indent="0">
+                  <a:buNone/>
+                </a:pPr>
+                <a:endParaRPr lang="de-DE" dirty="0"/>
+              </a:p>
+              <a:p>
+                <a:pPr lvl="1"/>
+                <a:endParaRPr lang="de-DE" dirty="0" smtClean="0"/>
+              </a:p>
+              <a:p>
+                <a:endParaRPr lang="de-DE" dirty="0"/>
+              </a:p>
+              <a:p>
+                <a:pPr lvl="0"/>
+                <a:endParaRPr lang="de-DE" dirty="0" smtClean="0"/>
+              </a:p>
+            </p:txBody>
+          </p:sp>
+        </mc:Choice>
+        <mc:Fallback>
+          <p:sp>
+            <p:nvSpPr>
+              <p:cNvPr id="3" name="Inhaltsplatzhalter 2"/>
+              <p:cNvSpPr>
+                <a:spLocks noGrp="1" noRot="1" noChangeAspect="1" noMove="1" noResize="1" noEditPoints="1" noAdjustHandles="1" noChangeArrowheads="1" noChangeShapeType="1" noTextEdit="1"/>
+              </p:cNvSpPr>
+              <p:nvPr>
+                <p:ph sz="quarter" idx="1"/>
+              </p:nvPr>
+            </p:nvSpPr>
+            <p:spPr>
+              <a:blipFill rotWithShape="0">
+                <a:blip r:embed="rId2"/>
+                <a:stretch>
+                  <a:fillRect l="-449" t="-1357"/>
+                </a:stretch>
+              </a:blipFill>
+            </p:spPr>
+            <p:txBody>
+              <a:bodyPr/>
+              <a:lstStyle/>
+              <a:p>
+                <a:r>
+                  <a:rPr lang="de-DE">
+                    <a:noFill/>
+                  </a:rPr>
+                  <a:t> </a:t>
+                </a:r>
+              </a:p>
+            </p:txBody>
+          </p:sp>
+        </mc:Fallback>
+      </mc:AlternateContent>
     </p:spTree>
     <p:extLst>
       <p:ext uri="{BB962C8B-B14F-4D97-AF65-F5344CB8AC3E}">
@@ -4617,6 +4865,13 @@
   <p:clrMapOvr>
     <a:masterClrMapping/>
   </p:clrMapOvr>
+  <p:timing>
+    <p:tnLst>
+      <p:par>
+        <p:cTn id="1" dur="indefinite" restart="never" nodeType="tmRoot"/>
+      </p:par>
+    </p:tnLst>
+  </p:timing>
 </p:sld>
 </file>
 
@@ -4729,6 +4984,13 @@
   <p:clrMapOvr>
     <a:masterClrMapping/>
   </p:clrMapOvr>
+  <p:timing>
+    <p:tnLst>
+      <p:par>
+        <p:cTn id="1" dur="indefinite" restart="never" nodeType="tmRoot"/>
+      </p:par>
+    </p:tnLst>
+  </p:timing>
 </p:sld>
 </file>
 
@@ -4868,6 +5130,13 @@
   <p:clrMapOvr>
     <a:masterClrMapping/>
   </p:clrMapOvr>
+  <p:timing>
+    <p:tnLst>
+      <p:par>
+        <p:cTn id="1" dur="indefinite" restart="never" nodeType="tmRoot"/>
+      </p:par>
+    </p:tnLst>
+  </p:timing>
 </p:sld>
 </file>
 
@@ -4929,23 +5198,14 @@
             <a:pPr lvl="0"/>
             <a:r>
               <a:rPr lang="de-DE" dirty="0" smtClean="0"/>
-              <a:t>Zwei </a:t>
-            </a:r>
-            <a:r>
-              <a:rPr lang="de-DE" dirty="0" smtClean="0"/>
-              <a:t>Angriffs-Szenarien</a:t>
-            </a:r>
-            <a:endParaRPr lang="de-DE" dirty="0" smtClean="0"/>
+              <a:t>Zwei Angriffs-Szenarien</a:t>
+            </a:r>
           </a:p>
           <a:p>
             <a:pPr lvl="1"/>
             <a:r>
               <a:rPr lang="de-DE" dirty="0" smtClean="0"/>
-              <a:t>Klassisches </a:t>
-            </a:r>
-            <a:r>
-              <a:rPr lang="de-DE" dirty="0" smtClean="0"/>
-              <a:t>DNS-Cache-</a:t>
+              <a:t>Klassisches DNS-Cache-</a:t>
             </a:r>
             <a:r>
               <a:rPr lang="de-DE" dirty="0" err="1" smtClean="0"/>
@@ -4974,17 +5234,12 @@
               <a:rPr lang="de-DE" dirty="0" smtClean="0"/>
               <a:t>Nicht flexible und sehr statisch</a:t>
             </a:r>
-            <a:endParaRPr lang="de-DE" dirty="0" smtClean="0"/>
           </a:p>
           <a:p>
             <a:pPr lvl="1"/>
             <a:r>
               <a:rPr lang="de-DE" dirty="0" smtClean="0"/>
-              <a:t>Kaminskys </a:t>
-            </a:r>
-            <a:r>
-              <a:rPr lang="de-DE" dirty="0" smtClean="0"/>
-              <a:t>DNS-Cache-</a:t>
+              <a:t>Kaminskys DNS-Cache-</a:t>
             </a:r>
             <a:r>
               <a:rPr lang="de-DE" dirty="0" err="1" smtClean="0"/>
@@ -5013,7 +5268,6 @@
               <a:rPr lang="de-DE" dirty="0" smtClean="0"/>
               <a:t>Flexibel und deutlich stärker</a:t>
             </a:r>
-            <a:endParaRPr lang="de-DE" dirty="0" smtClean="0"/>
           </a:p>
         </p:txBody>
       </p:sp>
@@ -5027,6 +5281,13 @@
   <p:clrMapOvr>
     <a:masterClrMapping/>
   </p:clrMapOvr>
+  <p:timing>
+    <p:tnLst>
+      <p:par>
+        <p:cTn id="1" dur="indefinite" restart="never" nodeType="tmRoot"/>
+      </p:par>
+    </p:tnLst>
+  </p:timing>
 </p:sld>
 </file>
 
@@ -5149,6 +5410,13 @@
   <p:clrMapOvr>
     <a:masterClrMapping/>
   </p:clrMapOvr>
+  <p:timing>
+    <p:tnLst>
+      <p:par>
+        <p:cTn id="1" dur="indefinite" restart="never" nodeType="tmRoot"/>
+      </p:par>
+    </p:tnLst>
+  </p:timing>
 </p:sld>
 </file>
 
@@ -5209,11 +5477,7 @@
           <a:p>
             <a:r>
               <a:rPr lang="de-DE" dirty="0" smtClean="0"/>
-              <a:t>Kaminskys </a:t>
-            </a:r>
-            <a:r>
-              <a:rPr lang="de-DE" dirty="0" smtClean="0"/>
-              <a:t>DNS-Cache-</a:t>
+              <a:t>Kaminskys DNS-Cache-</a:t>
             </a:r>
             <a:r>
               <a:rPr lang="de-DE" dirty="0" err="1" smtClean="0"/>
@@ -5235,7 +5499,6 @@
               <a:rPr lang="de-DE" dirty="0" smtClean="0"/>
               <a:t> in den Cache geschleust</a:t>
             </a:r>
-            <a:endParaRPr lang="de-DE" dirty="0" smtClean="0"/>
           </a:p>
           <a:p>
             <a:pPr lvl="1"/>
@@ -5275,6 +5538,13 @@
   <p:clrMapOvr>
     <a:masterClrMapping/>
   </p:clrMapOvr>
+  <p:timing>
+    <p:tnLst>
+      <p:par>
+        <p:cTn id="1" dur="indefinite" restart="never" nodeType="tmRoot"/>
+      </p:par>
+    </p:tnLst>
+  </p:timing>
 </p:sld>
 </file>
 
@@ -5358,6 +5628,13 @@
   <p:clrMapOvr>
     <a:masterClrMapping/>
   </p:clrMapOvr>
+  <p:timing>
+    <p:tnLst>
+      <p:par>
+        <p:cTn id="1" dur="indefinite" restart="never" nodeType="tmRoot"/>
+      </p:par>
+    </p:tnLst>
+  </p:timing>
 </p:sld>
 </file>
 
@@ -5423,29 +5700,69 @@
             </a:r>
             <a:r>
               <a:rPr lang="de-DE" dirty="0" smtClean="0"/>
-              <a:t>-DNS als Python-Programm</a:t>
-            </a:r>
-          </a:p>
-          <a:p>
-            <a:pPr lvl="1"/>
-            <a:r>
-              <a:rPr lang="de-DE" dirty="0" smtClean="0"/>
-              <a:t>Bestandteil der ersten Aufgabe</a:t>
-            </a:r>
+              <a:t>-DNS als </a:t>
+            </a:r>
+            <a:r>
+              <a:rPr lang="de-DE" dirty="0" smtClean="0"/>
+              <a:t>Python-Programm</a:t>
+            </a:r>
+            <a:endParaRPr lang="de-DE" dirty="0"/>
+          </a:p>
+          <a:p>
+            <a:pPr marL="0" lvl="0" indent="0">
+              <a:buNone/>
+            </a:pPr>
             <a:endParaRPr lang="de-DE" dirty="0" smtClean="0"/>
           </a:p>
         </p:txBody>
       </p:sp>
+      <p:pic>
+        <p:nvPicPr>
+          <p:cNvPr id="4" name="Grafik 3"/>
+          <p:cNvPicPr>
+            <a:picLocks noChangeAspect="1"/>
+          </p:cNvPicPr>
+          <p:nvPr/>
+        </p:nvPicPr>
+        <p:blipFill>
+          <a:blip r:embed="rId2">
+            <a:extLst>
+              <a:ext uri="{28A0092B-C50C-407E-A947-70E740481C1C}">
+                <a14:useLocalDpi xmlns:a14="http://schemas.microsoft.com/office/drawing/2010/main" val="0"/>
+              </a:ext>
+            </a:extLst>
+          </a:blip>
+          <a:stretch>
+            <a:fillRect/>
+          </a:stretch>
+        </p:blipFill>
+        <p:spPr>
+          <a:xfrm>
+            <a:off x="315221" y="2204864"/>
+            <a:ext cx="8451066" cy="3528392"/>
+          </a:xfrm>
+          <a:prstGeom prst="rect">
+            <a:avLst/>
+          </a:prstGeom>
+        </p:spPr>
+      </p:pic>
     </p:spTree>
     <p:extLst>
       <p:ext uri="{BB962C8B-B14F-4D97-AF65-F5344CB8AC3E}">
-        <p14:creationId xmlns:p14="http://schemas.microsoft.com/office/powerpoint/2010/main" val="3249947514"/>
+        <p14:creationId xmlns:p14="http://schemas.microsoft.com/office/powerpoint/2010/main" val="1852807460"/>
       </p:ext>
     </p:extLst>
   </p:cSld>
   <p:clrMapOvr>
     <a:masterClrMapping/>
   </p:clrMapOvr>
+  <p:timing>
+    <p:tnLst>
+      <p:par>
+        <p:cTn id="1" dur="indefinite" restart="never" nodeType="tmRoot"/>
+      </p:par>
+    </p:tnLst>
+  </p:timing>
 </p:sld>
 </file>
 
@@ -5507,32 +5824,52 @@
             <a:pPr lvl="0"/>
             <a:r>
               <a:rPr lang="de-DE" dirty="0" err="1" smtClean="0"/>
-              <a:t>Attacker</a:t>
-            </a:r>
-            <a:r>
-              <a:rPr lang="de-DE" dirty="0" smtClean="0"/>
-              <a:t>-DNS als Python-Programm</a:t>
+              <a:t>Victim</a:t>
+            </a:r>
+            <a:r>
+              <a:rPr lang="de-DE" dirty="0" smtClean="0"/>
+              <a:t>-DNS und Bind</a:t>
             </a:r>
           </a:p>
           <a:p>
             <a:pPr lvl="1"/>
             <a:r>
               <a:rPr lang="de-DE" dirty="0" smtClean="0"/>
-              <a:t>Code</a:t>
-            </a:r>
+              <a:t>Ziel: Cache dieses Servers mit einem selbstgewählten NS-</a:t>
+            </a:r>
+            <a:r>
+              <a:rPr lang="de-DE" dirty="0" err="1" smtClean="0"/>
+              <a:t>Record</a:t>
+            </a:r>
+            <a:r>
+              <a:rPr lang="de-DE" smtClean="0"/>
+              <a:t> </a:t>
+            </a:r>
+            <a:r>
+              <a:rPr lang="de-DE" smtClean="0"/>
+              <a:t>füllen</a:t>
+            </a:r>
+            <a:endParaRPr lang="de-DE" dirty="0" smtClean="0"/>
           </a:p>
         </p:txBody>
       </p:sp>
     </p:spTree>
     <p:extLst>
       <p:ext uri="{BB962C8B-B14F-4D97-AF65-F5344CB8AC3E}">
-        <p14:creationId xmlns:p14="http://schemas.microsoft.com/office/powerpoint/2010/main" val="1852807460"/>
+        <p14:creationId xmlns:p14="http://schemas.microsoft.com/office/powerpoint/2010/main" val="2822399188"/>
       </p:ext>
     </p:extLst>
   </p:cSld>
   <p:clrMapOvr>
     <a:masterClrMapping/>
   </p:clrMapOvr>
+  <p:timing>
+    <p:tnLst>
+      <p:par>
+        <p:cTn id="1" dur="indefinite" restart="never" nodeType="tmRoot"/>
+      </p:par>
+    </p:tnLst>
+  </p:timing>
 </p:sld>
 </file>
 

--- a/Präsentationen/PT3.pptx
+++ b/Präsentationen/PT3.pptx
@@ -13,9 +13,9 @@
     <p:sldId id="266" r:id="rId7"/>
     <p:sldId id="268" r:id="rId8"/>
     <p:sldId id="269" r:id="rId9"/>
-    <p:sldId id="270" r:id="rId10"/>
-    <p:sldId id="271" r:id="rId11"/>
-    <p:sldId id="262" r:id="rId12"/>
+    <p:sldId id="271" r:id="rId10"/>
+    <p:sldId id="262" r:id="rId11"/>
+    <p:sldId id="274" r:id="rId12"/>
     <p:sldId id="263" r:id="rId13"/>
     <p:sldId id="272" r:id="rId14"/>
     <p:sldId id="273" r:id="rId15"/>
@@ -3863,131 +3863,6 @@
         </p:nvSpPr>
         <p:spPr/>
         <p:txBody>
-          <a:bodyPr/>
-          <a:lstStyle/>
-          <a:p>
-            <a:r>
-              <a:rPr lang="de-DE" dirty="0" smtClean="0"/>
-              <a:t>Das Setup und die Konfigurationen</a:t>
-            </a:r>
-            <a:endParaRPr lang="de-DE" dirty="0"/>
-          </a:p>
-        </p:txBody>
-      </p:sp>
-      <p:sp>
-        <p:nvSpPr>
-          <p:cNvPr id="3" name="Inhaltsplatzhalter 2"/>
-          <p:cNvSpPr>
-            <a:spLocks noGrp="1"/>
-          </p:cNvSpPr>
-          <p:nvPr>
-            <p:ph sz="quarter" idx="1"/>
-          </p:nvPr>
-        </p:nvSpPr>
-        <p:spPr/>
-        <p:txBody>
-          <a:bodyPr/>
-          <a:lstStyle/>
-          <a:p>
-            <a:pPr lvl="0"/>
-            <a:r>
-              <a:rPr lang="de-DE" dirty="0" err="1" smtClean="0"/>
-              <a:t>Victim</a:t>
-            </a:r>
-            <a:r>
-              <a:rPr lang="de-DE" dirty="0" smtClean="0"/>
-              <a:t>-DNS und </a:t>
-            </a:r>
-            <a:r>
-              <a:rPr lang="de-DE" dirty="0" smtClean="0"/>
-              <a:t>Bind</a:t>
-            </a:r>
-          </a:p>
-          <a:p>
-            <a:pPr lvl="0"/>
-            <a:endParaRPr lang="de-DE" dirty="0" smtClean="0"/>
-          </a:p>
-        </p:txBody>
-      </p:sp>
-      <p:pic>
-        <p:nvPicPr>
-          <p:cNvPr id="6" name="Grafik 5"/>
-          <p:cNvPicPr>
-            <a:picLocks noChangeAspect="1"/>
-          </p:cNvPicPr>
-          <p:nvPr/>
-        </p:nvPicPr>
-        <p:blipFill>
-          <a:blip r:embed="rId2">
-            <a:extLst>
-              <a:ext uri="{28A0092B-C50C-407E-A947-70E740481C1C}">
-                <a14:useLocalDpi xmlns:a14="http://schemas.microsoft.com/office/drawing/2010/main" val="0"/>
-              </a:ext>
-            </a:extLst>
-          </a:blip>
-          <a:stretch>
-            <a:fillRect/>
-          </a:stretch>
-        </p:blipFill>
-        <p:spPr>
-          <a:xfrm>
-            <a:off x="755576" y="2223035"/>
-            <a:ext cx="5184576" cy="3872965"/>
-          </a:xfrm>
-          <a:prstGeom prst="rect">
-            <a:avLst/>
-          </a:prstGeom>
-        </p:spPr>
-      </p:pic>
-    </p:spTree>
-    <p:extLst>
-      <p:ext uri="{BB962C8B-B14F-4D97-AF65-F5344CB8AC3E}">
-        <p14:creationId xmlns:p14="http://schemas.microsoft.com/office/powerpoint/2010/main" val="2684800396"/>
-      </p:ext>
-    </p:extLst>
-  </p:cSld>
-  <p:clrMapOvr>
-    <a:masterClrMapping/>
-  </p:clrMapOvr>
-  <p:timing>
-    <p:tnLst>
-      <p:par>
-        <p:cTn id="1" dur="indefinite" restart="never" nodeType="tmRoot"/>
-      </p:par>
-    </p:tnLst>
-  </p:timing>
-</p:sld>
-</file>
-
-<file path=ppt/slides/slide11.xml><?xml version="1.0" encoding="utf-8"?>
-<p:sld xmlns:a="http://schemas.openxmlformats.org/drawingml/2006/main" xmlns:r="http://schemas.openxmlformats.org/officeDocument/2006/relationships" xmlns:p="http://schemas.openxmlformats.org/presentationml/2006/main">
-  <p:cSld>
-    <p:spTree>
-      <p:nvGrpSpPr>
-        <p:cNvPr id="1" name=""/>
-        <p:cNvGrpSpPr/>
-        <p:nvPr/>
-      </p:nvGrpSpPr>
-      <p:grpSpPr>
-        <a:xfrm>
-          <a:off x="0" y="0"/>
-          <a:ext cx="0" cy="0"/>
-          <a:chOff x="0" y="0"/>
-          <a:chExt cx="0" cy="0"/>
-        </a:xfrm>
-      </p:grpSpPr>
-      <p:sp>
-        <p:nvSpPr>
-          <p:cNvPr id="2" name="Titel 1"/>
-          <p:cNvSpPr>
-            <a:spLocks noGrp="1"/>
-          </p:cNvSpPr>
-          <p:nvPr>
-            <p:ph type="title"/>
-          </p:nvPr>
-        </p:nvSpPr>
-        <p:spPr/>
-        <p:txBody>
           <a:bodyPr>
             <a:normAutofit/>
           </a:bodyPr>
@@ -4051,6 +3926,126 @@
 </p:sld>
 </file>
 
+<file path=ppt/slides/slide11.xml><?xml version="1.0" encoding="utf-8"?>
+<p:sld xmlns:a="http://schemas.openxmlformats.org/drawingml/2006/main" xmlns:r="http://schemas.openxmlformats.org/officeDocument/2006/relationships" xmlns:p="http://schemas.openxmlformats.org/presentationml/2006/main">
+  <p:cSld>
+    <p:spTree>
+      <p:nvGrpSpPr>
+        <p:cNvPr id="1" name=""/>
+        <p:cNvGrpSpPr/>
+        <p:nvPr/>
+      </p:nvGrpSpPr>
+      <p:grpSpPr>
+        <a:xfrm>
+          <a:off x="0" y="0"/>
+          <a:ext cx="0" cy="0"/>
+          <a:chOff x="0" y="0"/>
+          <a:chExt cx="0" cy="0"/>
+        </a:xfrm>
+      </p:grpSpPr>
+      <p:sp>
+        <p:nvSpPr>
+          <p:cNvPr id="2" name="Titel 1"/>
+          <p:cNvSpPr>
+            <a:spLocks noGrp="1"/>
+          </p:cNvSpPr>
+          <p:nvPr>
+            <p:ph type="title"/>
+          </p:nvPr>
+        </p:nvSpPr>
+        <p:spPr/>
+        <p:txBody>
+          <a:bodyPr/>
+          <a:lstStyle/>
+          <a:p>
+            <a:r>
+              <a:rPr lang="de-DE" dirty="0"/>
+              <a:t>Der Angriff</a:t>
+            </a:r>
+          </a:p>
+        </p:txBody>
+      </p:sp>
+      <p:sp>
+        <p:nvSpPr>
+          <p:cNvPr id="3" name="Inhaltsplatzhalter 2"/>
+          <p:cNvSpPr>
+            <a:spLocks noGrp="1"/>
+          </p:cNvSpPr>
+          <p:nvPr>
+            <p:ph sz="quarter" idx="1"/>
+          </p:nvPr>
+        </p:nvSpPr>
+        <p:spPr/>
+        <p:txBody>
+          <a:bodyPr/>
+          <a:lstStyle/>
+          <a:p>
+            <a:r>
+              <a:rPr lang="de-DE" dirty="0" smtClean="0"/>
+              <a:t>Beispiel </a:t>
+            </a:r>
+            <a:r>
+              <a:rPr lang="de-DE" dirty="0"/>
+              <a:t>Antwort von </a:t>
+            </a:r>
+            <a:r>
+              <a:rPr lang="de-DE" dirty="0" err="1"/>
+              <a:t>forged_ns_response</a:t>
+            </a:r>
+            <a:endParaRPr lang="de-DE" dirty="0" smtClean="0"/>
+          </a:p>
+        </p:txBody>
+      </p:sp>
+      <p:pic>
+        <p:nvPicPr>
+          <p:cNvPr id="4" name="Grafik 3"/>
+          <p:cNvPicPr>
+            <a:picLocks noChangeAspect="1"/>
+          </p:cNvPicPr>
+          <p:nvPr/>
+        </p:nvPicPr>
+        <p:blipFill>
+          <a:blip r:embed="rId2">
+            <a:extLst>
+              <a:ext uri="{28A0092B-C50C-407E-A947-70E740481C1C}">
+                <a14:useLocalDpi xmlns:a14="http://schemas.microsoft.com/office/drawing/2010/main" val="0"/>
+              </a:ext>
+            </a:extLst>
+          </a:blip>
+          <a:stretch>
+            <a:fillRect/>
+          </a:stretch>
+        </p:blipFill>
+        <p:spPr>
+          <a:xfrm>
+            <a:off x="899592" y="2667720"/>
+            <a:ext cx="7271720" cy="2360759"/>
+          </a:xfrm>
+          <a:prstGeom prst="rect">
+            <a:avLst/>
+          </a:prstGeom>
+        </p:spPr>
+      </p:pic>
+    </p:spTree>
+    <p:extLst>
+      <p:ext uri="{BB962C8B-B14F-4D97-AF65-F5344CB8AC3E}">
+        <p14:creationId xmlns:p14="http://schemas.microsoft.com/office/powerpoint/2010/main" val="3412970651"/>
+      </p:ext>
+    </p:extLst>
+  </p:cSld>
+  <p:clrMapOvr>
+    <a:masterClrMapping/>
+  </p:clrMapOvr>
+  <p:timing>
+    <p:tnLst>
+      <p:par>
+        <p:cTn id="1" dur="indefinite" restart="never" nodeType="tmRoot"/>
+      </p:par>
+    </p:tnLst>
+  </p:timing>
+</p:sld>
+</file>
+
 <file path=ppt/slides/slide12.xml><?xml version="1.0" encoding="utf-8"?>
 <p:sld xmlns:a="http://schemas.openxmlformats.org/drawingml/2006/main" xmlns:r="http://schemas.openxmlformats.org/officeDocument/2006/relationships" xmlns:p="http://schemas.openxmlformats.org/presentationml/2006/main">
   <p:cSld>
@@ -4516,8 +4511,8 @@
           </a:p>
         </p:txBody>
       </p:sp>
-      <mc:AlternateContent xmlns:mc="http://schemas.openxmlformats.org/markup-compatibility/2006">
-        <mc:Choice xmlns:a14="http://schemas.microsoft.com/office/drawing/2010/main" Requires="a14">
+      <mc:AlternateContent xmlns:mc="http://schemas.openxmlformats.org/markup-compatibility/2006" xmlns:a14="http://schemas.microsoft.com/office/drawing/2010/main">
+        <mc:Choice Requires="a14">
           <p:sp>
             <p:nvSpPr>
               <p:cNvPr id="3" name="Inhaltsplatzhalter 2"/>
@@ -4548,12 +4543,16 @@
                     <m:f>
                       <m:fPr>
                         <m:ctrlPr>
-                          <a:rPr lang="de-DE" smtClean="0"/>
+                          <a:rPr lang="de-DE" i="1" smtClean="0">
+                            <a:latin typeface="Cambria Math" panose="02040503050406030204" pitchFamily="18" charset="0"/>
+                          </a:rPr>
                         </m:ctrlPr>
                       </m:fPr>
                       <m:num>
                         <m:r>
-                          <a:rPr lang="de-DE" smtClean="0"/>
+                          <a:rPr lang="de-DE" smtClean="0">
+                            <a:latin typeface="Cambria Math" panose="02040503050406030204" pitchFamily="18" charset="0"/>
+                          </a:rPr>
                           <m:t>1</m:t>
                         </m:r>
                       </m:num>
@@ -4561,18 +4560,24 @@
                         <m:sSup>
                           <m:sSupPr>
                             <m:ctrlPr>
-                              <a:rPr lang="de-DE" smtClean="0"/>
+                              <a:rPr lang="de-DE" i="1" smtClean="0">
+                                <a:latin typeface="Cambria Math" panose="02040503050406030204" pitchFamily="18" charset="0"/>
+                              </a:rPr>
                             </m:ctrlPr>
                           </m:sSupPr>
                           <m:e>
                             <m:r>
-                              <a:rPr lang="de-DE" smtClean="0"/>
+                              <a:rPr lang="de-DE" smtClean="0">
+                                <a:latin typeface="Cambria Math" panose="02040503050406030204" pitchFamily="18" charset="0"/>
+                              </a:rPr>
                               <m:t>2</m:t>
                             </m:r>
                           </m:e>
                           <m:sup>
                             <m:r>
-                              <a:rPr lang="de-DE" smtClean="0"/>
+                              <a:rPr lang="de-DE" smtClean="0">
+                                <a:latin typeface="Cambria Math" panose="02040503050406030204" pitchFamily="18" charset="0"/>
+                              </a:rPr>
                               <m:t>16</m:t>
                             </m:r>
                           </m:sup>
@@ -4580,7 +4585,9 @@
                       </m:den>
                     </m:f>
                     <m:r>
-                      <a:rPr lang="de-DE" smtClean="0"/>
+                      <a:rPr lang="de-DE" smtClean="0">
+                        <a:latin typeface="Cambria Math" panose="02040503050406030204" pitchFamily="18" charset="0"/>
+                      </a:rPr>
                       <m:t>=</m:t>
                     </m:r>
                     <m:r>
@@ -4630,12 +4637,16 @@
                     <m:f>
                       <m:fPr>
                         <m:ctrlPr>
-                          <a:rPr lang="de-DE" smtClean="0"/>
+                          <a:rPr lang="de-DE" i="1" smtClean="0">
+                            <a:latin typeface="Cambria Math" panose="02040503050406030204" pitchFamily="18" charset="0"/>
+                          </a:rPr>
                         </m:ctrlPr>
                       </m:fPr>
                       <m:num>
                         <m:r>
-                          <a:rPr lang="de-DE" smtClean="0"/>
+                          <a:rPr lang="de-DE" smtClean="0">
+                            <a:latin typeface="Cambria Math" panose="02040503050406030204" pitchFamily="18" charset="0"/>
+                          </a:rPr>
                           <m:t>1</m:t>
                         </m:r>
                       </m:num>
@@ -4643,18 +4654,24 @@
                         <m:sSup>
                           <m:sSupPr>
                             <m:ctrlPr>
-                              <a:rPr lang="de-DE" smtClean="0"/>
+                              <a:rPr lang="de-DE" i="1" smtClean="0">
+                                <a:latin typeface="Cambria Math" panose="02040503050406030204" pitchFamily="18" charset="0"/>
+                              </a:rPr>
                             </m:ctrlPr>
                           </m:sSupPr>
                           <m:e>
                             <m:r>
-                              <a:rPr lang="de-DE" smtClean="0"/>
+                              <a:rPr lang="de-DE" smtClean="0">
+                                <a:latin typeface="Cambria Math" panose="02040503050406030204" pitchFamily="18" charset="0"/>
+                              </a:rPr>
                               <m:t>2</m:t>
                             </m:r>
                           </m:e>
                           <m:sup>
                             <m:r>
-                              <a:rPr lang="de-DE" smtClean="0"/>
+                              <a:rPr lang="de-DE" smtClean="0">
+                                <a:latin typeface="Cambria Math" panose="02040503050406030204" pitchFamily="18" charset="0"/>
+                              </a:rPr>
                               <m:t>11</m:t>
                             </m:r>
                           </m:sup>
@@ -4781,21 +4798,7 @@
                         <m:nor/>
                       </m:rPr>
                       <a:rPr lang="de-DE" dirty="0"/>
-                      <m:t>0</m:t>
-                    </m:r>
-                    <m:r>
-                      <m:rPr>
-                        <m:nor/>
-                      </m:rPr>
-                      <a:rPr lang="de-DE" dirty="0"/>
-                      <m:t>,</m:t>
-                    </m:r>
-                    <m:r>
-                      <m:rPr>
-                        <m:nor/>
-                      </m:rPr>
-                      <a:rPr lang="de-DE" dirty="0"/>
-                      <m:t>00048828125</m:t>
+                      <m:t>0,00048828125</m:t>
                     </m:r>
                   </m:oMath>
                 </a14:m>
@@ -4821,7 +4824,7 @@
             </p:txBody>
           </p:sp>
         </mc:Choice>
-        <mc:Fallback>
+        <mc:Fallback xmlns="">
           <p:sp>
             <p:nvSpPr>
               <p:cNvPr id="3" name="Inhaltsplatzhalter 2"/>
@@ -5700,11 +5703,7 @@
             </a:r>
             <a:r>
               <a:rPr lang="de-DE" dirty="0" smtClean="0"/>
-              <a:t>-DNS als </a:t>
-            </a:r>
-            <a:r>
-              <a:rPr lang="de-DE" dirty="0" smtClean="0"/>
-              <a:t>Python-Programm</a:t>
+              <a:t>-DNS als Python-Programm</a:t>
             </a:r>
             <a:endParaRPr lang="de-DE" dirty="0"/>
           </a:p>
@@ -5738,8 +5737,8 @@
         </p:blipFill>
         <p:spPr>
           <a:xfrm>
-            <a:off x="315221" y="2204864"/>
-            <a:ext cx="8451066" cy="3528392"/>
+            <a:off x="755575" y="2204864"/>
+            <a:ext cx="8010711" cy="3528392"/>
           </a:xfrm>
           <a:prstGeom prst="rect">
             <a:avLst/>
@@ -5832,31 +5831,45 @@
             </a:r>
           </a:p>
           <a:p>
-            <a:pPr lvl="1"/>
-            <a:r>
-              <a:rPr lang="de-DE" dirty="0" smtClean="0"/>
-              <a:t>Ziel: Cache dieses Servers mit einem selbstgewählten NS-</a:t>
-            </a:r>
-            <a:r>
-              <a:rPr lang="de-DE" dirty="0" err="1" smtClean="0"/>
-              <a:t>Record</a:t>
-            </a:r>
-            <a:r>
-              <a:rPr lang="de-DE" smtClean="0"/>
-              <a:t> </a:t>
-            </a:r>
-            <a:r>
-              <a:rPr lang="de-DE" smtClean="0"/>
-              <a:t>füllen</a:t>
-            </a:r>
+            <a:pPr lvl="0"/>
             <a:endParaRPr lang="de-DE" dirty="0" smtClean="0"/>
           </a:p>
         </p:txBody>
       </p:sp>
+      <p:pic>
+        <p:nvPicPr>
+          <p:cNvPr id="6" name="Grafik 5"/>
+          <p:cNvPicPr>
+            <a:picLocks noChangeAspect="1"/>
+          </p:cNvPicPr>
+          <p:nvPr/>
+        </p:nvPicPr>
+        <p:blipFill>
+          <a:blip r:embed="rId2">
+            <a:extLst>
+              <a:ext uri="{28A0092B-C50C-407E-A947-70E740481C1C}">
+                <a14:useLocalDpi xmlns:a14="http://schemas.microsoft.com/office/drawing/2010/main" val="0"/>
+              </a:ext>
+            </a:extLst>
+          </a:blip>
+          <a:stretch>
+            <a:fillRect/>
+          </a:stretch>
+        </p:blipFill>
+        <p:spPr>
+          <a:xfrm>
+            <a:off x="755576" y="2223035"/>
+            <a:ext cx="5184576" cy="3872965"/>
+          </a:xfrm>
+          <a:prstGeom prst="rect">
+            <a:avLst/>
+          </a:prstGeom>
+        </p:spPr>
+      </p:pic>
     </p:spTree>
     <p:extLst>
       <p:ext uri="{BB962C8B-B14F-4D97-AF65-F5344CB8AC3E}">
-        <p14:creationId xmlns:p14="http://schemas.microsoft.com/office/powerpoint/2010/main" val="2822399188"/>
+        <p14:creationId xmlns:p14="http://schemas.microsoft.com/office/powerpoint/2010/main" val="2684800396"/>
       </p:ext>
     </p:extLst>
   </p:cSld>

--- a/Präsentationen/PT3.pptx
+++ b/Präsentationen/PT3.pptx
@@ -17,9 +17,13 @@
     <p:sldId id="262" r:id="rId11"/>
     <p:sldId id="274" r:id="rId12"/>
     <p:sldId id="263" r:id="rId13"/>
-    <p:sldId id="272" r:id="rId14"/>
-    <p:sldId id="273" r:id="rId15"/>
-    <p:sldId id="264" r:id="rId16"/>
+    <p:sldId id="279" r:id="rId14"/>
+    <p:sldId id="272" r:id="rId15"/>
+    <p:sldId id="276" r:id="rId16"/>
+    <p:sldId id="277" r:id="rId17"/>
+    <p:sldId id="278" r:id="rId18"/>
+    <p:sldId id="273" r:id="rId19"/>
+    <p:sldId id="264" r:id="rId20"/>
   </p:sldIdLst>
   <p:sldSz cx="9144000" cy="6858000" type="screen4x3"/>
   <p:notesSz cx="6858000" cy="9144000"/>
@@ -120,7 +124,7 @@
   </p:defaultTextStyle>
   <p:extLst>
     <p:ext uri="{EFAFB233-063F-42B5-8137-9DF3F51BA10A}">
-      <p15:sldGuideLst xmlns:p15="http://schemas.microsoft.com/office/powerpoint/2012/main">
+      <p15:sldGuideLst xmlns:p15="http://schemas.microsoft.com/office/powerpoint/2012/main" xmlns="">
         <p15:guide id="1" orient="horz" pos="2160">
           <p15:clr>
             <a:srgbClr val="A4A3A4"/>
@@ -140,11 +144,7 @@
 <file path=ppt/commentAuthors.xml><?xml version="1.0" encoding="utf-8"?>
 <p:cmAuthorLst xmlns:a="http://schemas.openxmlformats.org/drawingml/2006/main" xmlns:r="http://schemas.openxmlformats.org/officeDocument/2006/relationships" xmlns:p="http://schemas.openxmlformats.org/presentationml/2006/main">
   <p:cmAuthor id="1" name="Marc" initials="M" lastIdx="1" clrIdx="0">
-    <p:extLst>
-      <p:ext uri="{19B8F6BF-5375-455C-9EA6-DF929625EA0E}">
-        <p15:presenceInfo xmlns:p15="http://schemas.microsoft.com/office/powerpoint/2012/main" userId="Marc" providerId="None"/>
-      </p:ext>
-    </p:extLst>
+    <p:extLst/>
   </p:cmAuthor>
 </p:cmAuthorLst>
 </file>
@@ -456,7 +456,7 @@
           <a:p>
             <a:fld id="{1BA50D42-C9CD-4801-B293-61D1F53EC57E}" type="datetimeFigureOut">
               <a:rPr lang="de-DE" smtClean="0"/>
-              <a:t>26.01.2017</a:t>
+              <a:t>27.01.2017</a:t>
             </a:fld>
             <a:endParaRPr lang="de-DE"/>
           </a:p>
@@ -647,7 +647,7 @@
           <a:p>
             <a:fld id="{1BA50D42-C9CD-4801-B293-61D1F53EC57E}" type="datetimeFigureOut">
               <a:rPr lang="de-DE" smtClean="0"/>
-              <a:t>26.01.2017</a:t>
+              <a:t>27.01.2017</a:t>
             </a:fld>
             <a:endParaRPr lang="de-DE"/>
           </a:p>
@@ -832,7 +832,7 @@
           <a:p>
             <a:fld id="{1BA50D42-C9CD-4801-B293-61D1F53EC57E}" type="datetimeFigureOut">
               <a:rPr lang="de-DE" smtClean="0"/>
-              <a:t>26.01.2017</a:t>
+              <a:t>27.01.2017</a:t>
             </a:fld>
             <a:endParaRPr lang="de-DE"/>
           </a:p>
@@ -1095,7 +1095,7 @@
           <a:p>
             <a:fld id="{1BA50D42-C9CD-4801-B293-61D1F53EC57E}" type="datetimeFigureOut">
               <a:rPr lang="de-DE" smtClean="0"/>
-              <a:t>26.01.2017</a:t>
+              <a:t>27.01.2017</a:t>
             </a:fld>
             <a:endParaRPr lang="de-DE"/>
           </a:p>
@@ -1511,7 +1511,7 @@
           <a:p>
             <a:fld id="{1BA50D42-C9CD-4801-B293-61D1F53EC57E}" type="datetimeFigureOut">
               <a:rPr lang="de-DE" smtClean="0"/>
-              <a:t>26.01.2017</a:t>
+              <a:t>27.01.2017</a:t>
             </a:fld>
             <a:endParaRPr lang="de-DE"/>
           </a:p>
@@ -1753,7 +1753,7 @@
           <a:p>
             <a:fld id="{1BA50D42-C9CD-4801-B293-61D1F53EC57E}" type="datetimeFigureOut">
               <a:rPr lang="de-DE" smtClean="0"/>
-              <a:t>26.01.2017</a:t>
+              <a:t>27.01.2017</a:t>
             </a:fld>
             <a:endParaRPr lang="de-DE"/>
           </a:p>
@@ -1989,7 +1989,7 @@
           <a:p>
             <a:fld id="{1BA50D42-C9CD-4801-B293-61D1F53EC57E}" type="datetimeFigureOut">
               <a:rPr lang="de-DE" smtClean="0"/>
-              <a:t>26.01.2017</a:t>
+              <a:t>27.01.2017</a:t>
             </a:fld>
             <a:endParaRPr lang="de-DE"/>
           </a:p>
@@ -2184,7 +2184,7 @@
           <a:p>
             <a:fld id="{1BA50D42-C9CD-4801-B293-61D1F53EC57E}" type="datetimeFigureOut">
               <a:rPr lang="de-DE" smtClean="0"/>
-              <a:t>26.01.2017</a:t>
+              <a:t>27.01.2017</a:t>
             </a:fld>
             <a:endParaRPr lang="de-DE"/>
           </a:p>
@@ -2282,7 +2282,7 @@
           <a:p>
             <a:fld id="{1BA50D42-C9CD-4801-B293-61D1F53EC57E}" type="datetimeFigureOut">
               <a:rPr lang="de-DE" smtClean="0"/>
-              <a:t>26.01.2017</a:t>
+              <a:t>27.01.2017</a:t>
             </a:fld>
             <a:endParaRPr lang="de-DE"/>
           </a:p>
@@ -2418,7 +2418,7 @@
           <a:p>
             <a:fld id="{1BA50D42-C9CD-4801-B293-61D1F53EC57E}" type="datetimeFigureOut">
               <a:rPr lang="de-DE" smtClean="0"/>
-              <a:t>26.01.2017</a:t>
+              <a:t>27.01.2017</a:t>
             </a:fld>
             <a:endParaRPr lang="de-DE"/>
           </a:p>
@@ -2936,7 +2936,7 @@
           <a:p>
             <a:fld id="{1BA50D42-C9CD-4801-B293-61D1F53EC57E}" type="datetimeFigureOut">
               <a:rPr lang="de-DE" smtClean="0"/>
-              <a:t>26.01.2017</a:t>
+              <a:t>27.01.2017</a:t>
             </a:fld>
             <a:endParaRPr lang="de-DE"/>
           </a:p>
@@ -3197,7 +3197,7 @@
           <a:p>
             <a:fld id="{1BA50D42-C9CD-4801-B293-61D1F53EC57E}" type="datetimeFigureOut">
               <a:rPr lang="de-DE" smtClean="0"/>
-              <a:t>26.01.2017</a:t>
+              <a:t>27.01.2017</a:t>
             </a:fld>
             <a:endParaRPr lang="de-DE"/>
           </a:p>
@@ -4105,45 +4105,613 @@
           <a:p>
             <a:r>
               <a:rPr lang="de-DE" dirty="0" smtClean="0"/>
-              <a:t>Erster Schritt:</a:t>
+              <a:t>Erster Schritt</a:t>
+            </a:r>
+            <a:r>
+              <a:rPr lang="de-DE" dirty="0" smtClean="0"/>
+              <a:t>:</a:t>
             </a:r>
             <a:endParaRPr lang="de-DE" dirty="0"/>
           </a:p>
-          <a:p>
-            <a:pPr lvl="1"/>
-            <a:r>
-              <a:rPr lang="de-DE" dirty="0" err="1" smtClean="0"/>
-              <a:t>Victim</a:t>
-            </a:r>
+        </p:txBody>
+      </p:sp>
+      <p:pic>
+        <p:nvPicPr>
+          <p:cNvPr id="1027" name="Picture 3" descr="C:\Users\TZeimetz\Desktop\firefox-256.e2c1fc556816.jpg"/>
+          <p:cNvPicPr>
+            <a:picLocks noChangeAspect="1" noChangeArrowheads="1"/>
+          </p:cNvPicPr>
+          <p:nvPr/>
+        </p:nvPicPr>
+        <p:blipFill>
+          <a:blip r:embed="rId2">
+            <a:extLst>
+              <a:ext uri="{28A0092B-C50C-407E-A947-70E740481C1C}">
+                <a14:useLocalDpi xmlns:a14="http://schemas.microsoft.com/office/drawing/2010/main" val="0"/>
+              </a:ext>
+            </a:extLst>
+          </a:blip>
+          <a:srcRect/>
+          <a:stretch>
+            <a:fillRect/>
+          </a:stretch>
+        </p:blipFill>
+        <p:spPr bwMode="auto">
+          <a:xfrm>
+            <a:off x="1176874" y="5202591"/>
+            <a:ext cx="1296144" cy="1296144"/>
+          </a:xfrm>
+          <a:prstGeom prst="rect">
+            <a:avLst/>
+          </a:prstGeom>
+          <a:noFill/>
+          <a:extLst>
+            <a:ext uri="{909E8E84-426E-40DD-AFC4-6F175D3DCCD1}">
+              <a14:hiddenFill xmlns:a14="http://schemas.microsoft.com/office/drawing/2010/main">
+                <a:solidFill>
+                  <a:srgbClr val="FFFFFF"/>
+                </a:solidFill>
+              </a14:hiddenFill>
+            </a:ext>
+          </a:extLst>
+        </p:spPr>
+      </p:pic>
+      <p:pic>
+        <p:nvPicPr>
+          <p:cNvPr id="7" name="Picture 2" descr="C:\Users\TZeimetz\Desktop\server-square.png"/>
+          <p:cNvPicPr>
+            <a:picLocks noChangeAspect="1" noChangeArrowheads="1"/>
+          </p:cNvPicPr>
+          <p:nvPr/>
+        </p:nvPicPr>
+        <p:blipFill>
+          <a:blip r:embed="rId3">
+            <a:extLst>
+              <a:ext uri="{28A0092B-C50C-407E-A947-70E740481C1C}">
+                <a14:useLocalDpi xmlns:a14="http://schemas.microsoft.com/office/drawing/2010/main" val="0"/>
+              </a:ext>
+            </a:extLst>
+          </a:blip>
+          <a:srcRect/>
+          <a:stretch>
+            <a:fillRect/>
+          </a:stretch>
+        </p:blipFill>
+        <p:spPr bwMode="auto">
+          <a:xfrm>
+            <a:off x="1190032" y="2420888"/>
+            <a:ext cx="1442566" cy="1442566"/>
+          </a:xfrm>
+          <a:prstGeom prst="rect">
+            <a:avLst/>
+          </a:prstGeom>
+          <a:noFill/>
+          <a:extLst>
+            <a:ext uri="{909E8E84-426E-40DD-AFC4-6F175D3DCCD1}">
+              <a14:hiddenFill xmlns:a14="http://schemas.microsoft.com/office/drawing/2010/main">
+                <a:solidFill>
+                  <a:srgbClr val="FFFFFF"/>
+                </a:solidFill>
+              </a14:hiddenFill>
+            </a:ext>
+          </a:extLst>
+        </p:spPr>
+      </p:pic>
+      <p:pic>
+        <p:nvPicPr>
+          <p:cNvPr id="8" name="Picture 2" descr="C:\Users\TZeimetz\Desktop\server-square.png"/>
+          <p:cNvPicPr>
+            <a:picLocks noChangeAspect="1" noChangeArrowheads="1"/>
+          </p:cNvPicPr>
+          <p:nvPr/>
+        </p:nvPicPr>
+        <p:blipFill>
+          <a:blip r:embed="rId3">
+            <a:extLst>
+              <a:ext uri="{28A0092B-C50C-407E-A947-70E740481C1C}">
+                <a14:useLocalDpi xmlns:a14="http://schemas.microsoft.com/office/drawing/2010/main" val="0"/>
+              </a:ext>
+            </a:extLst>
+          </a:blip>
+          <a:srcRect/>
+          <a:stretch>
+            <a:fillRect/>
+          </a:stretch>
+        </p:blipFill>
+        <p:spPr bwMode="auto">
+          <a:xfrm>
+            <a:off x="3998344" y="2364949"/>
+            <a:ext cx="1442566" cy="1442566"/>
+          </a:xfrm>
+          <a:prstGeom prst="rect">
+            <a:avLst/>
+          </a:prstGeom>
+          <a:noFill/>
+          <a:extLst>
+            <a:ext uri="{909E8E84-426E-40DD-AFC4-6F175D3DCCD1}">
+              <a14:hiddenFill xmlns:a14="http://schemas.microsoft.com/office/drawing/2010/main">
+                <a:solidFill>
+                  <a:srgbClr val="FFFFFF"/>
+                </a:solidFill>
+              </a14:hiddenFill>
+            </a:ext>
+          </a:extLst>
+        </p:spPr>
+      </p:pic>
+      <p:pic>
+        <p:nvPicPr>
+          <p:cNvPr id="1028" name="Picture 4" descr="C:\Users\TZeimetz\Desktop\guyfawkes.sh.png"/>
+          <p:cNvPicPr>
+            <a:picLocks noChangeAspect="1" noChangeArrowheads="1"/>
+          </p:cNvPicPr>
+          <p:nvPr/>
+        </p:nvPicPr>
+        <p:blipFill>
+          <a:blip r:embed="rId4" cstate="print">
+            <a:extLst>
+              <a:ext uri="{28A0092B-C50C-407E-A947-70E740481C1C}">
+                <a14:useLocalDpi xmlns:a14="http://schemas.microsoft.com/office/drawing/2010/main" val="0"/>
+              </a:ext>
+            </a:extLst>
+          </a:blip>
+          <a:srcRect/>
+          <a:stretch>
+            <a:fillRect/>
+          </a:stretch>
+        </p:blipFill>
+        <p:spPr bwMode="auto">
+          <a:xfrm>
+            <a:off x="3779554" y="3186913"/>
+            <a:ext cx="940073" cy="940073"/>
+          </a:xfrm>
+          <a:prstGeom prst="rect">
+            <a:avLst/>
+          </a:prstGeom>
+          <a:noFill/>
+          <a:extLst>
+            <a:ext uri="{909E8E84-426E-40DD-AFC4-6F175D3DCCD1}">
+              <a14:hiddenFill xmlns:a14="http://schemas.microsoft.com/office/drawing/2010/main">
+                <a:solidFill>
+                  <a:srgbClr val="FFFFFF"/>
+                </a:solidFill>
+              </a14:hiddenFill>
+            </a:ext>
+          </a:extLst>
+        </p:spPr>
+      </p:pic>
+      <p:cxnSp>
+        <p:nvCxnSpPr>
+          <p:cNvPr id="5" name="Gerade Verbindung mit Pfeil 4"/>
+          <p:cNvCxnSpPr/>
+          <p:nvPr/>
+        </p:nvCxnSpPr>
+        <p:spPr>
+          <a:xfrm>
+            <a:off x="2632598" y="2636912"/>
+            <a:ext cx="1221730" cy="0"/>
+          </a:xfrm>
+          <a:prstGeom prst="straightConnector1">
+            <a:avLst/>
+          </a:prstGeom>
+          <a:ln w="15875">
+            <a:solidFill>
+              <a:schemeClr val="tx1"/>
+            </a:solidFill>
+            <a:tailEnd type="arrow"/>
+          </a:ln>
+        </p:spPr>
+        <p:style>
+          <a:lnRef idx="1">
+            <a:schemeClr val="accent1"/>
+          </a:lnRef>
+          <a:fillRef idx="0">
+            <a:schemeClr val="accent1"/>
+          </a:fillRef>
+          <a:effectRef idx="0">
+            <a:schemeClr val="accent1"/>
+          </a:effectRef>
+          <a:fontRef idx="minor">
+            <a:schemeClr val="tx1"/>
+          </a:fontRef>
+        </p:style>
+      </p:cxnSp>
+      <p:pic>
+        <p:nvPicPr>
+          <p:cNvPr id="1030" name="Picture 6" descr="C:\Users\TZeimetz\Desktop\fdasdf.JPG"/>
+          <p:cNvPicPr>
+            <a:picLocks noChangeAspect="1" noChangeArrowheads="1"/>
+          </p:cNvPicPr>
+          <p:nvPr/>
+        </p:nvPicPr>
+        <p:blipFill>
+          <a:blip r:embed="rId5" cstate="print">
+            <a:extLst>
+              <a:ext uri="{28A0092B-C50C-407E-A947-70E740481C1C}">
+                <a14:useLocalDpi xmlns:a14="http://schemas.microsoft.com/office/drawing/2010/main" val="0"/>
+              </a:ext>
+            </a:extLst>
+          </a:blip>
+          <a:srcRect/>
+          <a:stretch>
+            <a:fillRect/>
+          </a:stretch>
+        </p:blipFill>
+        <p:spPr bwMode="auto">
+          <a:xfrm>
+            <a:off x="6982691" y="2265820"/>
+            <a:ext cx="1403073" cy="1640825"/>
+          </a:xfrm>
+          <a:prstGeom prst="rect">
+            <a:avLst/>
+          </a:prstGeom>
+          <a:noFill/>
+          <a:extLst>
+            <a:ext uri="{909E8E84-426E-40DD-AFC4-6F175D3DCCD1}">
+              <a14:hiddenFill xmlns:a14="http://schemas.microsoft.com/office/drawing/2010/main">
+                <a:solidFill>
+                  <a:srgbClr val="FFFFFF"/>
+                </a:solidFill>
+              </a14:hiddenFill>
+            </a:ext>
+          </a:extLst>
+        </p:spPr>
+      </p:pic>
+      <p:cxnSp>
+        <p:nvCxnSpPr>
+          <p:cNvPr id="17" name="Gerade Verbindung mit Pfeil 16"/>
+          <p:cNvCxnSpPr/>
+          <p:nvPr/>
+        </p:nvCxnSpPr>
+        <p:spPr>
+          <a:xfrm flipH="1">
+            <a:off x="2632600" y="3086232"/>
+            <a:ext cx="1221728" cy="0"/>
+          </a:xfrm>
+          <a:prstGeom prst="straightConnector1">
+            <a:avLst/>
+          </a:prstGeom>
+          <a:ln w="15875">
+            <a:solidFill>
+              <a:schemeClr val="tx1"/>
+            </a:solidFill>
+            <a:tailEnd type="arrow"/>
+          </a:ln>
+        </p:spPr>
+        <p:style>
+          <a:lnRef idx="1">
+            <a:schemeClr val="accent1"/>
+          </a:lnRef>
+          <a:fillRef idx="0">
+            <a:schemeClr val="accent1"/>
+          </a:fillRef>
+          <a:effectRef idx="0">
+            <a:schemeClr val="accent1"/>
+          </a:effectRef>
+          <a:fontRef idx="minor">
+            <a:schemeClr val="tx1"/>
+          </a:fontRef>
+        </p:style>
+      </p:cxnSp>
+      <p:cxnSp>
+        <p:nvCxnSpPr>
+          <p:cNvPr id="21" name="Gerade Verbindung mit Pfeil 20"/>
+          <p:cNvCxnSpPr/>
+          <p:nvPr/>
+        </p:nvCxnSpPr>
+        <p:spPr>
+          <a:xfrm>
+            <a:off x="5294488" y="2636912"/>
+            <a:ext cx="1584176" cy="0"/>
+          </a:xfrm>
+          <a:prstGeom prst="straightConnector1">
+            <a:avLst/>
+          </a:prstGeom>
+          <a:ln w="15875">
+            <a:solidFill>
+              <a:schemeClr val="tx1"/>
+            </a:solidFill>
+            <a:tailEnd type="arrow"/>
+          </a:ln>
+        </p:spPr>
+        <p:style>
+          <a:lnRef idx="1">
+            <a:schemeClr val="accent1"/>
+          </a:lnRef>
+          <a:fillRef idx="0">
+            <a:schemeClr val="accent1"/>
+          </a:fillRef>
+          <a:effectRef idx="0">
+            <a:schemeClr val="accent1"/>
+          </a:effectRef>
+          <a:fontRef idx="minor">
+            <a:schemeClr val="tx1"/>
+          </a:fontRef>
+        </p:style>
+      </p:cxnSp>
+      <p:cxnSp>
+        <p:nvCxnSpPr>
+          <p:cNvPr id="23" name="Gerade Verbindung mit Pfeil 22"/>
+          <p:cNvCxnSpPr/>
+          <p:nvPr/>
+        </p:nvCxnSpPr>
+        <p:spPr>
+          <a:xfrm flipH="1">
+            <a:off x="5294488" y="2996952"/>
+            <a:ext cx="1584176" cy="0"/>
+          </a:xfrm>
+          <a:prstGeom prst="straightConnector1">
+            <a:avLst/>
+          </a:prstGeom>
+          <a:ln w="15875">
+            <a:solidFill>
+              <a:schemeClr val="tx1"/>
+            </a:solidFill>
+            <a:tailEnd type="arrow"/>
+          </a:ln>
+        </p:spPr>
+        <p:style>
+          <a:lnRef idx="1">
+            <a:schemeClr val="accent1"/>
+          </a:lnRef>
+          <a:fillRef idx="0">
+            <a:schemeClr val="accent1"/>
+          </a:fillRef>
+          <a:effectRef idx="0">
+            <a:schemeClr val="accent1"/>
+          </a:effectRef>
+          <a:fontRef idx="minor">
+            <a:schemeClr val="tx1"/>
+          </a:fontRef>
+        </p:style>
+      </p:cxnSp>
+      <p:cxnSp>
+        <p:nvCxnSpPr>
+          <p:cNvPr id="25" name="Gerade Verbindung mit Pfeil 24"/>
+          <p:cNvCxnSpPr/>
+          <p:nvPr/>
+        </p:nvCxnSpPr>
+        <p:spPr>
+          <a:xfrm flipV="1">
+            <a:off x="1475656" y="4005064"/>
+            <a:ext cx="0" cy="1154574"/>
+          </a:xfrm>
+          <a:prstGeom prst="straightConnector1">
+            <a:avLst/>
+          </a:prstGeom>
+          <a:ln w="15875">
+            <a:solidFill>
+              <a:schemeClr val="tx1"/>
+            </a:solidFill>
+            <a:tailEnd type="arrow"/>
+          </a:ln>
+        </p:spPr>
+        <p:style>
+          <a:lnRef idx="1">
+            <a:schemeClr val="accent1"/>
+          </a:lnRef>
+          <a:fillRef idx="0">
+            <a:schemeClr val="accent1"/>
+          </a:fillRef>
+          <a:effectRef idx="0">
+            <a:schemeClr val="accent1"/>
+          </a:effectRef>
+          <a:fontRef idx="minor">
+            <a:schemeClr val="tx1"/>
+          </a:fontRef>
+        </p:style>
+      </p:cxnSp>
+      <p:cxnSp>
+        <p:nvCxnSpPr>
+          <p:cNvPr id="28" name="Gerade Verbindung mit Pfeil 27"/>
+          <p:cNvCxnSpPr/>
+          <p:nvPr/>
+        </p:nvCxnSpPr>
+        <p:spPr>
+          <a:xfrm>
+            <a:off x="2126136" y="4005064"/>
+            <a:ext cx="0" cy="1154574"/>
+          </a:xfrm>
+          <a:prstGeom prst="straightConnector1">
+            <a:avLst/>
+          </a:prstGeom>
+          <a:ln w="15875">
+            <a:solidFill>
+              <a:schemeClr val="tx1"/>
+            </a:solidFill>
+            <a:tailEnd type="arrow"/>
+          </a:ln>
+        </p:spPr>
+        <p:style>
+          <a:lnRef idx="1">
+            <a:schemeClr val="accent1"/>
+          </a:lnRef>
+          <a:fillRef idx="0">
+            <a:schemeClr val="accent1"/>
+          </a:fillRef>
+          <a:effectRef idx="0">
+            <a:schemeClr val="accent1"/>
+          </a:effectRef>
+          <a:fontRef idx="minor">
+            <a:schemeClr val="tx1"/>
+          </a:fontRef>
+        </p:style>
+      </p:cxnSp>
+      <p:sp>
+        <p:nvSpPr>
+          <p:cNvPr id="26" name="Textfeld 25"/>
+          <p:cNvSpPr txBox="1"/>
+          <p:nvPr/>
+        </p:nvSpPr>
+        <p:spPr>
+          <a:xfrm>
+            <a:off x="1115616" y="4397685"/>
+            <a:ext cx="360040" cy="369332"/>
+          </a:xfrm>
+          <a:prstGeom prst="rect">
+            <a:avLst/>
+          </a:prstGeom>
+          <a:noFill/>
+        </p:spPr>
+        <p:txBody>
+          <a:bodyPr wrap="square" rtlCol="0">
+            <a:spAutoFit/>
+          </a:bodyPr>
+          <a:lstStyle/>
+          <a:p>
             <a:r>
               <a:rPr lang="de-DE" dirty="0" smtClean="0"/>
-              <a:t>-DNS fragt beim </a:t>
-            </a:r>
-            <a:r>
-              <a:rPr lang="de-DE" dirty="0" err="1" smtClean="0"/>
-              <a:t>Attacker</a:t>
-            </a:r>
-            <a:r>
-              <a:rPr lang="de-DE" dirty="0" smtClean="0"/>
-              <a:t>-DNS nach der IP</a:t>
-            </a:r>
-          </a:p>
-          <a:p>
-            <a:pPr lvl="1"/>
-            <a:r>
-              <a:rPr lang="de-DE" dirty="0" smtClean="0"/>
-              <a:t>Korrekte Form der Antwort testen</a:t>
-            </a:r>
-          </a:p>
-          <a:p>
-            <a:pPr lvl="1"/>
-            <a:r>
-              <a:rPr lang="de-DE" dirty="0" smtClean="0"/>
-              <a:t>Versteht der Browser die angegeben Informationen</a:t>
-            </a:r>
-          </a:p>
-          <a:p>
-            <a:pPr lvl="1"/>
+              <a:t>1</a:t>
+            </a:r>
+            <a:endParaRPr lang="de-DE" dirty="0"/>
+          </a:p>
+        </p:txBody>
+      </p:sp>
+      <p:sp>
+        <p:nvSpPr>
+          <p:cNvPr id="33" name="Textfeld 32"/>
+          <p:cNvSpPr txBox="1"/>
+          <p:nvPr/>
+        </p:nvSpPr>
+        <p:spPr>
+          <a:xfrm>
+            <a:off x="3063443" y="2267580"/>
+            <a:ext cx="360040" cy="369332"/>
+          </a:xfrm>
+          <a:prstGeom prst="rect">
+            <a:avLst/>
+          </a:prstGeom>
+          <a:noFill/>
+        </p:spPr>
+        <p:txBody>
+          <a:bodyPr wrap="square" rtlCol="0">
+            <a:spAutoFit/>
+          </a:bodyPr>
+          <a:lstStyle/>
+          <a:p>
+            <a:r>
+              <a:rPr lang="de-DE" dirty="0"/>
+              <a:t>2</a:t>
+            </a:r>
+            <a:endParaRPr lang="de-DE" dirty="0"/>
+          </a:p>
+        </p:txBody>
+      </p:sp>
+      <p:sp>
+        <p:nvSpPr>
+          <p:cNvPr id="34" name="Textfeld 33"/>
+          <p:cNvSpPr txBox="1"/>
+          <p:nvPr/>
+        </p:nvSpPr>
+        <p:spPr>
+          <a:xfrm>
+            <a:off x="5870552" y="2265820"/>
+            <a:ext cx="360040" cy="369332"/>
+          </a:xfrm>
+          <a:prstGeom prst="rect">
+            <a:avLst/>
+          </a:prstGeom>
+          <a:noFill/>
+        </p:spPr>
+        <p:txBody>
+          <a:bodyPr wrap="square" rtlCol="0">
+            <a:spAutoFit/>
+          </a:bodyPr>
+          <a:lstStyle/>
+          <a:p>
+            <a:r>
+              <a:rPr lang="de-DE" dirty="0"/>
+              <a:t>3</a:t>
+            </a:r>
+            <a:endParaRPr lang="de-DE" dirty="0"/>
+          </a:p>
+        </p:txBody>
+      </p:sp>
+      <p:sp>
+        <p:nvSpPr>
+          <p:cNvPr id="35" name="Textfeld 34"/>
+          <p:cNvSpPr txBox="1"/>
+          <p:nvPr/>
+        </p:nvSpPr>
+        <p:spPr>
+          <a:xfrm>
+            <a:off x="5906556" y="3017766"/>
+            <a:ext cx="360040" cy="369332"/>
+          </a:xfrm>
+          <a:prstGeom prst="rect">
+            <a:avLst/>
+          </a:prstGeom>
+          <a:noFill/>
+        </p:spPr>
+        <p:txBody>
+          <a:bodyPr wrap="square" rtlCol="0">
+            <a:spAutoFit/>
+          </a:bodyPr>
+          <a:lstStyle/>
+          <a:p>
+            <a:r>
+              <a:rPr lang="de-DE" dirty="0"/>
+              <a:t>4</a:t>
+            </a:r>
+            <a:endParaRPr lang="de-DE" dirty="0"/>
+          </a:p>
+        </p:txBody>
+      </p:sp>
+      <p:sp>
+        <p:nvSpPr>
+          <p:cNvPr id="36" name="Textfeld 35"/>
+          <p:cNvSpPr txBox="1"/>
+          <p:nvPr/>
+        </p:nvSpPr>
+        <p:spPr>
+          <a:xfrm>
+            <a:off x="3063443" y="3086232"/>
+            <a:ext cx="360040" cy="369332"/>
+          </a:xfrm>
+          <a:prstGeom prst="rect">
+            <a:avLst/>
+          </a:prstGeom>
+          <a:noFill/>
+        </p:spPr>
+        <p:txBody>
+          <a:bodyPr wrap="square" rtlCol="0">
+            <a:spAutoFit/>
+          </a:bodyPr>
+          <a:lstStyle/>
+          <a:p>
+            <a:r>
+              <a:rPr lang="de-DE" dirty="0"/>
+              <a:t>5</a:t>
+            </a:r>
+            <a:endParaRPr lang="de-DE" dirty="0"/>
+          </a:p>
+        </p:txBody>
+      </p:sp>
+      <p:sp>
+        <p:nvSpPr>
+          <p:cNvPr id="37" name="Textfeld 36"/>
+          <p:cNvSpPr txBox="1"/>
+          <p:nvPr/>
+        </p:nvSpPr>
+        <p:spPr>
+          <a:xfrm>
+            <a:off x="2126136" y="4397685"/>
+            <a:ext cx="360040" cy="369332"/>
+          </a:xfrm>
+          <a:prstGeom prst="rect">
+            <a:avLst/>
+          </a:prstGeom>
+          <a:noFill/>
+        </p:spPr>
+        <p:txBody>
+          <a:bodyPr wrap="square" rtlCol="0">
+            <a:spAutoFit/>
+          </a:bodyPr>
+          <a:lstStyle/>
+          <a:p>
+            <a:r>
+              <a:rPr lang="de-DE" dirty="0"/>
+              <a:t>6</a:t>
+            </a:r>
             <a:endParaRPr lang="de-DE" dirty="0"/>
           </a:p>
         </p:txBody>
@@ -4227,97 +4795,102 @@
           <a:p>
             <a:r>
               <a:rPr lang="de-DE" dirty="0" smtClean="0"/>
-              <a:t>Aufbau des Versuchs-Set-</a:t>
-            </a:r>
-            <a:r>
-              <a:rPr lang="de-DE" dirty="0" err="1" smtClean="0"/>
-              <a:t>Ups</a:t>
-            </a:r>
-            <a:endParaRPr lang="de-DE" dirty="0" smtClean="0"/>
-          </a:p>
-          <a:p>
-            <a:pPr lvl="1"/>
-            <a:r>
-              <a:rPr lang="de-DE" dirty="0" err="1" smtClean="0"/>
-              <a:t>Victim</a:t>
+              <a:t>Erster Schritt</a:t>
             </a:r>
             <a:r>
               <a:rPr lang="de-DE" dirty="0" smtClean="0"/>
-              <a:t>-DNS fragt TLD-Server nach NS-Server</a:t>
-            </a:r>
-          </a:p>
-          <a:p>
-            <a:pPr lvl="2"/>
-            <a:r>
-              <a:rPr lang="de-DE" dirty="0" smtClean="0"/>
-              <a:t>Erst nur Googles DNS-Server</a:t>
-            </a:r>
-          </a:p>
-          <a:p>
-            <a:pPr lvl="1"/>
-            <a:r>
-              <a:rPr lang="de-DE" dirty="0" err="1" smtClean="0"/>
-              <a:t>Attacker</a:t>
-            </a:r>
-            <a:r>
-              <a:rPr lang="de-DE" dirty="0" smtClean="0"/>
-              <a:t>-Skript sendet DNS-Responses</a:t>
-            </a:r>
-          </a:p>
-          <a:p>
-            <a:pPr lvl="2"/>
-            <a:r>
-              <a:rPr lang="de-DE" dirty="0" smtClean="0"/>
-              <a:t>Erste Testreihe nur mit A-Records</a:t>
-            </a:r>
-          </a:p>
-          <a:p>
-            <a:pPr lvl="2"/>
-            <a:r>
-              <a:rPr lang="de-DE" dirty="0" smtClean="0"/>
-              <a:t>Später auch komplexer mit NS-Records</a:t>
-            </a:r>
-          </a:p>
-          <a:p>
-            <a:pPr lvl="1"/>
-            <a:r>
-              <a:rPr lang="de-DE" dirty="0" err="1" smtClean="0"/>
-              <a:t>Attacker</a:t>
-            </a:r>
-            <a:r>
-              <a:rPr lang="de-DE" dirty="0" smtClean="0"/>
-              <a:t>-DNS antwortet immer mit der IP des </a:t>
-            </a:r>
-            <a:r>
-              <a:rPr lang="de-DE" dirty="0" err="1" smtClean="0"/>
-              <a:t>Attacker</a:t>
-            </a:r>
-            <a:r>
-              <a:rPr lang="de-DE" dirty="0" smtClean="0"/>
-              <a:t>-Webservers</a:t>
-            </a:r>
-          </a:p>
-          <a:p>
-            <a:pPr lvl="2"/>
-            <a:r>
-              <a:rPr lang="de-DE" dirty="0" err="1" smtClean="0"/>
-              <a:t>Fake</a:t>
-            </a:r>
-            <a:r>
-              <a:rPr lang="de-DE" dirty="0" smtClean="0"/>
-              <a:t>-Porta zum Benutzerdaten abgreifen</a:t>
-            </a:r>
-          </a:p>
-          <a:p>
-            <a:pPr lvl="1"/>
+              <a:t>:</a:t>
+            </a:r>
             <a:endParaRPr lang="de-DE" dirty="0"/>
           </a:p>
         </p:txBody>
       </p:sp>
+      <p:pic>
+        <p:nvPicPr>
+          <p:cNvPr id="6148" name="Picture 4" descr="https://www.brownstonelaw.com/wp-content/uploads/2014/09/hacking.jpg"/>
+          <p:cNvPicPr>
+            <a:picLocks noChangeAspect="1" noChangeArrowheads="1"/>
+          </p:cNvPicPr>
+          <p:nvPr/>
+        </p:nvPicPr>
+        <p:blipFill>
+          <a:blip r:embed="rId2">
+            <a:extLst>
+              <a:ext uri="{28A0092B-C50C-407E-A947-70E740481C1C}">
+                <a14:useLocalDpi xmlns:a14="http://schemas.microsoft.com/office/drawing/2010/main" val="0"/>
+              </a:ext>
+            </a:extLst>
+          </a:blip>
+          <a:srcRect/>
+          <a:stretch>
+            <a:fillRect/>
+          </a:stretch>
+        </p:blipFill>
+        <p:spPr bwMode="auto">
+          <a:xfrm>
+            <a:off x="323528" y="4569669"/>
+            <a:ext cx="3580325" cy="2016224"/>
+          </a:xfrm>
+          <a:prstGeom prst="rect">
+            <a:avLst/>
+          </a:prstGeom>
+          <a:noFill/>
+          <a:extLst>
+            <a:ext uri="{909E8E84-426E-40DD-AFC4-6F175D3DCCD1}">
+              <a14:hiddenFill xmlns:a14="http://schemas.microsoft.com/office/drawing/2010/main">
+                <a:solidFill>
+                  <a:srgbClr val="FFFFFF"/>
+                </a:solidFill>
+              </a14:hiddenFill>
+            </a:ext>
+          </a:extLst>
+        </p:spPr>
+      </p:pic>
+      <p:pic>
+        <p:nvPicPr>
+          <p:cNvPr id="6146" name="Picture 2" descr="https://maxwellsullivan.files.wordpress.com/2013/02/3-4.png"/>
+          <p:cNvPicPr>
+            <a:picLocks noChangeAspect="1" noChangeArrowheads="1"/>
+          </p:cNvPicPr>
+          <p:nvPr/>
+        </p:nvPicPr>
+        <p:blipFill>
+          <a:blip r:embed="rId3" cstate="print">
+            <a:extLst>
+              <a:ext uri="{28A0092B-C50C-407E-A947-70E740481C1C}">
+                <a14:useLocalDpi xmlns:a14="http://schemas.microsoft.com/office/drawing/2010/main" val="0"/>
+              </a:ext>
+            </a:extLst>
+          </a:blip>
+          <a:srcRect/>
+          <a:stretch>
+            <a:fillRect/>
+          </a:stretch>
+        </p:blipFill>
+        <p:spPr bwMode="auto">
+          <a:xfrm>
+            <a:off x="3203848" y="2138488"/>
+            <a:ext cx="5539670" cy="2952328"/>
+          </a:xfrm>
+          <a:prstGeom prst="rect">
+            <a:avLst/>
+          </a:prstGeom>
+          <a:noFill/>
+          <a:extLst>
+            <a:ext uri="{909E8E84-426E-40DD-AFC4-6F175D3DCCD1}">
+              <a14:hiddenFill xmlns:a14="http://schemas.microsoft.com/office/drawing/2010/main">
+                <a:solidFill>
+                  <a:srgbClr val="FFFFFF"/>
+                </a:solidFill>
+              </a14:hiddenFill>
+            </a:ext>
+          </a:extLst>
+        </p:spPr>
+      </p:pic>
     </p:spTree>
     <p:extLst>
       <p:ext uri="{BB962C8B-B14F-4D97-AF65-F5344CB8AC3E}">
-        <p14:creationId xmlns:p14="http://schemas.microsoft.com/office/powerpoint/2010/main" val="1371295851"/>
+        <p14:creationId xmlns:p14="http://schemas.microsoft.com/office/powerpoint/2010/main" val="2366735815"/>
       </p:ext>
     </p:extLst>
   </p:cSld>
@@ -4393,67 +4966,378 @@
           <a:p>
             <a:r>
               <a:rPr lang="de-DE" dirty="0" smtClean="0"/>
-              <a:t>Versuche</a:t>
-            </a:r>
-          </a:p>
-          <a:p>
-            <a:pPr lvl="1"/>
+              <a:t>Aufbau des </a:t>
+            </a:r>
             <a:r>
               <a:rPr lang="de-DE" dirty="0" smtClean="0"/>
-              <a:t>BIND4, BIND8 (mehrere Versionen) und </a:t>
-            </a:r>
-            <a:br>
+              <a:t>Versuchs-Set-</a:t>
+            </a:r>
+            <a:r>
+              <a:rPr lang="de-DE" dirty="0" err="1" smtClean="0"/>
+              <a:t>Ups</a:t>
+            </a:r>
+            <a:endParaRPr lang="de-DE" dirty="0" smtClean="0"/>
+          </a:p>
+        </p:txBody>
+      </p:sp>
+      <p:pic>
+        <p:nvPicPr>
+          <p:cNvPr id="4" name="Picture 2" descr="C:\Users\TZeimetz\Desktop\server-square.png"/>
+          <p:cNvPicPr>
+            <a:picLocks noChangeAspect="1" noChangeArrowheads="1"/>
+          </p:cNvPicPr>
+          <p:nvPr/>
+        </p:nvPicPr>
+        <p:blipFill>
+          <a:blip r:embed="rId2">
+            <a:extLst>
+              <a:ext uri="{28A0092B-C50C-407E-A947-70E740481C1C}">
+                <a14:useLocalDpi xmlns:a14="http://schemas.microsoft.com/office/drawing/2010/main" val="0"/>
+              </a:ext>
+            </a:extLst>
+          </a:blip>
+          <a:srcRect/>
+          <a:stretch>
+            <a:fillRect/>
+          </a:stretch>
+        </p:blipFill>
+        <p:spPr bwMode="auto">
+          <a:xfrm>
+            <a:off x="1190032" y="2420888"/>
+            <a:ext cx="1442566" cy="1442566"/>
+          </a:xfrm>
+          <a:prstGeom prst="rect">
+            <a:avLst/>
+          </a:prstGeom>
+          <a:noFill/>
+          <a:extLst>
+            <a:ext uri="{909E8E84-426E-40DD-AFC4-6F175D3DCCD1}">
+              <a14:hiddenFill xmlns:a14="http://schemas.microsoft.com/office/drawing/2010/main">
+                <a:solidFill>
+                  <a:srgbClr val="FFFFFF"/>
+                </a:solidFill>
+              </a14:hiddenFill>
+            </a:ext>
+          </a:extLst>
+        </p:spPr>
+      </p:pic>
+      <p:pic>
+        <p:nvPicPr>
+          <p:cNvPr id="5" name="Picture 2" descr="C:\Users\TZeimetz\Desktop\server-square.png"/>
+          <p:cNvPicPr>
+            <a:picLocks noChangeAspect="1" noChangeArrowheads="1"/>
+          </p:cNvPicPr>
+          <p:nvPr/>
+        </p:nvPicPr>
+        <p:blipFill>
+          <a:blip r:embed="rId2">
+            <a:extLst>
+              <a:ext uri="{28A0092B-C50C-407E-A947-70E740481C1C}">
+                <a14:useLocalDpi xmlns:a14="http://schemas.microsoft.com/office/drawing/2010/main" val="0"/>
+              </a:ext>
+            </a:extLst>
+          </a:blip>
+          <a:srcRect/>
+          <a:stretch>
+            <a:fillRect/>
+          </a:stretch>
+        </p:blipFill>
+        <p:spPr bwMode="auto">
+          <a:xfrm>
+            <a:off x="6804248" y="2268364"/>
+            <a:ext cx="1442566" cy="1442566"/>
+          </a:xfrm>
+          <a:prstGeom prst="rect">
+            <a:avLst/>
+          </a:prstGeom>
+          <a:noFill/>
+          <a:extLst>
+            <a:ext uri="{909E8E84-426E-40DD-AFC4-6F175D3DCCD1}">
+              <a14:hiddenFill xmlns:a14="http://schemas.microsoft.com/office/drawing/2010/main">
+                <a:solidFill>
+                  <a:srgbClr val="FFFFFF"/>
+                </a:solidFill>
+              </a14:hiddenFill>
+            </a:ext>
+          </a:extLst>
+        </p:spPr>
+      </p:pic>
+      <p:cxnSp>
+        <p:nvCxnSpPr>
+          <p:cNvPr id="7" name="Gerade Verbindung mit Pfeil 6"/>
+          <p:cNvCxnSpPr/>
+          <p:nvPr/>
+        </p:nvCxnSpPr>
+        <p:spPr>
+          <a:xfrm>
+            <a:off x="2632598" y="2573412"/>
+            <a:ext cx="4027634" cy="0"/>
+          </a:xfrm>
+          <a:prstGeom prst="straightConnector1">
+            <a:avLst/>
+          </a:prstGeom>
+          <a:ln w="15875">
+            <a:solidFill>
+              <a:schemeClr val="tx1"/>
+            </a:solidFill>
+            <a:tailEnd type="arrow"/>
+          </a:ln>
+        </p:spPr>
+        <p:style>
+          <a:lnRef idx="1">
+            <a:schemeClr val="accent1"/>
+          </a:lnRef>
+          <a:fillRef idx="0">
+            <a:schemeClr val="accent1"/>
+          </a:fillRef>
+          <a:effectRef idx="0">
+            <a:schemeClr val="accent1"/>
+          </a:effectRef>
+          <a:fontRef idx="minor">
+            <a:schemeClr val="tx1"/>
+          </a:fontRef>
+        </p:style>
+      </p:cxnSp>
+      <p:cxnSp>
+        <p:nvCxnSpPr>
+          <p:cNvPr id="9" name="Gerade Verbindung mit Pfeil 8"/>
+          <p:cNvCxnSpPr/>
+          <p:nvPr/>
+        </p:nvCxnSpPr>
+        <p:spPr>
+          <a:xfrm flipH="1">
+            <a:off x="2632600" y="3417307"/>
+            <a:ext cx="3955624" cy="0"/>
+          </a:xfrm>
+          <a:prstGeom prst="straightConnector1">
+            <a:avLst/>
+          </a:prstGeom>
+          <a:ln w="15875">
+            <a:solidFill>
+              <a:schemeClr val="tx1"/>
+            </a:solidFill>
+            <a:tailEnd type="arrow"/>
+          </a:ln>
+        </p:spPr>
+        <p:style>
+          <a:lnRef idx="1">
+            <a:schemeClr val="accent1"/>
+          </a:lnRef>
+          <a:fillRef idx="0">
+            <a:schemeClr val="accent1"/>
+          </a:fillRef>
+          <a:effectRef idx="0">
+            <a:schemeClr val="accent1"/>
+          </a:effectRef>
+          <a:fontRef idx="minor">
+            <a:schemeClr val="tx1"/>
+          </a:fontRef>
+        </p:style>
+      </p:cxnSp>
+      <p:sp>
+        <p:nvSpPr>
+          <p:cNvPr id="12" name="Textfeld 11"/>
+          <p:cNvSpPr txBox="1"/>
+          <p:nvPr/>
+        </p:nvSpPr>
+        <p:spPr>
+          <a:xfrm>
+            <a:off x="4466395" y="2204864"/>
+            <a:ext cx="360040" cy="369332"/>
+          </a:xfrm>
+          <a:prstGeom prst="rect">
+            <a:avLst/>
+          </a:prstGeom>
+          <a:noFill/>
+        </p:spPr>
+        <p:txBody>
+          <a:bodyPr wrap="square" rtlCol="0">
+            <a:spAutoFit/>
+          </a:bodyPr>
+          <a:lstStyle/>
+          <a:p>
+            <a:r>
+              <a:rPr lang="de-DE" dirty="0"/>
+              <a:t>2</a:t>
+            </a:r>
+            <a:endParaRPr lang="de-DE" dirty="0"/>
+          </a:p>
+        </p:txBody>
+      </p:sp>
+      <p:sp>
+        <p:nvSpPr>
+          <p:cNvPr id="15" name="Textfeld 14"/>
+          <p:cNvSpPr txBox="1"/>
+          <p:nvPr/>
+        </p:nvSpPr>
+        <p:spPr>
+          <a:xfrm>
+            <a:off x="4466395" y="3419708"/>
+            <a:ext cx="360040" cy="369332"/>
+          </a:xfrm>
+          <a:prstGeom prst="rect">
+            <a:avLst/>
+          </a:prstGeom>
+          <a:noFill/>
+        </p:spPr>
+        <p:txBody>
+          <a:bodyPr wrap="square" rtlCol="0">
+            <a:spAutoFit/>
+          </a:bodyPr>
+          <a:lstStyle/>
+          <a:p>
+            <a:r>
+              <a:rPr lang="de-DE" dirty="0"/>
+              <a:t>5</a:t>
+            </a:r>
+            <a:endParaRPr lang="de-DE" dirty="0"/>
+          </a:p>
+        </p:txBody>
+      </p:sp>
+      <p:pic>
+        <p:nvPicPr>
+          <p:cNvPr id="2050" name="Picture 2" descr="C:\Users\TZeimetz\Desktop\Google_2015_logo.svg.png"/>
+          <p:cNvPicPr>
+            <a:picLocks noChangeAspect="1" noChangeArrowheads="1"/>
+          </p:cNvPicPr>
+          <p:nvPr/>
+        </p:nvPicPr>
+        <p:blipFill>
+          <a:blip r:embed="rId3">
+            <a:extLst>
+              <a:ext uri="{28A0092B-C50C-407E-A947-70E740481C1C}">
+                <a14:useLocalDpi xmlns:a14="http://schemas.microsoft.com/office/drawing/2010/main" val="0"/>
+              </a:ext>
+            </a:extLst>
+          </a:blip>
+          <a:srcRect/>
+          <a:stretch>
+            <a:fillRect/>
+          </a:stretch>
+        </p:blipFill>
+        <p:spPr bwMode="auto">
+          <a:xfrm>
+            <a:off x="6804992" y="3614345"/>
+            <a:ext cx="1295400" cy="438150"/>
+          </a:xfrm>
+          <a:prstGeom prst="rect">
+            <a:avLst/>
+          </a:prstGeom>
+          <a:noFill/>
+          <a:extLst>
+            <a:ext uri="{909E8E84-426E-40DD-AFC4-6F175D3DCCD1}">
+              <a14:hiddenFill xmlns:a14="http://schemas.microsoft.com/office/drawing/2010/main">
+                <a:solidFill>
+                  <a:srgbClr val="FFFFFF"/>
+                </a:solidFill>
+              </a14:hiddenFill>
+            </a:ext>
+          </a:extLst>
+        </p:spPr>
+      </p:pic>
+      <p:pic>
+        <p:nvPicPr>
+          <p:cNvPr id="2051" name="Picture 3" descr="C:\Users\TZeimetz\Desktop\guyfawkes.sh.png"/>
+          <p:cNvPicPr>
+            <a:picLocks noChangeAspect="1" noChangeArrowheads="1"/>
+          </p:cNvPicPr>
+          <p:nvPr/>
+        </p:nvPicPr>
+        <p:blipFill>
+          <a:blip r:embed="rId4" cstate="print">
+            <a:extLst>
+              <a:ext uri="{28A0092B-C50C-407E-A947-70E740481C1C}">
+                <a14:useLocalDpi xmlns:a14="http://schemas.microsoft.com/office/drawing/2010/main" val="0"/>
+              </a:ext>
+            </a:extLst>
+          </a:blip>
+          <a:srcRect/>
+          <a:stretch>
+            <a:fillRect/>
+          </a:stretch>
+        </p:blipFill>
+        <p:spPr bwMode="auto">
+          <a:xfrm>
+            <a:off x="1190032" y="5085184"/>
+            <a:ext cx="1296144" cy="1296144"/>
+          </a:xfrm>
+          <a:prstGeom prst="rect">
+            <a:avLst/>
+          </a:prstGeom>
+          <a:noFill/>
+          <a:extLst>
+            <a:ext uri="{909E8E84-426E-40DD-AFC4-6F175D3DCCD1}">
+              <a14:hiddenFill xmlns:a14="http://schemas.microsoft.com/office/drawing/2010/main">
+                <a:solidFill>
+                  <a:srgbClr val="FFFFFF"/>
+                </a:solidFill>
+              </a14:hiddenFill>
+            </a:ext>
+          </a:extLst>
+        </p:spPr>
+      </p:pic>
+      <p:cxnSp>
+        <p:nvCxnSpPr>
+          <p:cNvPr id="20" name="Gerade Verbindung mit Pfeil 19"/>
+          <p:cNvCxnSpPr/>
+          <p:nvPr/>
+        </p:nvCxnSpPr>
+        <p:spPr>
+          <a:xfrm flipV="1">
+            <a:off x="1835696" y="3933056"/>
+            <a:ext cx="0" cy="1080120"/>
+          </a:xfrm>
+          <a:prstGeom prst="straightConnector1">
+            <a:avLst/>
+          </a:prstGeom>
+          <a:ln w="15875">
+            <a:solidFill>
+              <a:schemeClr val="tx1"/>
+            </a:solidFill>
+            <a:tailEnd type="arrow"/>
+          </a:ln>
+        </p:spPr>
+        <p:style>
+          <a:lnRef idx="1">
+            <a:schemeClr val="accent1"/>
+          </a:lnRef>
+          <a:fillRef idx="0">
+            <a:schemeClr val="accent1"/>
+          </a:fillRef>
+          <a:effectRef idx="0">
+            <a:schemeClr val="accent1"/>
+          </a:effectRef>
+          <a:fontRef idx="minor">
+            <a:schemeClr val="tx1"/>
+          </a:fontRef>
+        </p:style>
+      </p:cxnSp>
+      <p:sp>
+        <p:nvSpPr>
+          <p:cNvPr id="22" name="Textfeld 21"/>
+          <p:cNvSpPr txBox="1"/>
+          <p:nvPr/>
+        </p:nvSpPr>
+        <p:spPr>
+          <a:xfrm>
+            <a:off x="1475656" y="4288450"/>
+            <a:ext cx="360040" cy="369332"/>
+          </a:xfrm>
+          <a:prstGeom prst="rect">
+            <a:avLst/>
+          </a:prstGeom>
+          <a:noFill/>
+        </p:spPr>
+        <p:txBody>
+          <a:bodyPr wrap="square" rtlCol="0">
+            <a:spAutoFit/>
+          </a:bodyPr>
+          <a:lstStyle/>
+          <a:p>
+            <a:r>
               <a:rPr lang="de-DE" dirty="0" smtClean="0"/>
-            </a:br>
-            <a:r>
-              <a:rPr lang="de-DE" dirty="0" smtClean="0"/>
-              <a:t>BIND9 (mehrere Versionen)</a:t>
-            </a:r>
-          </a:p>
-          <a:p>
-            <a:pPr lvl="1"/>
-            <a:r>
-              <a:rPr lang="de-DE" dirty="0" smtClean="0"/>
-              <a:t>Mit unterschiedlichen </a:t>
-            </a:r>
-            <a:r>
-              <a:rPr lang="de-DE" dirty="0" err="1" smtClean="0"/>
-              <a:t>Betriebsystemen</a:t>
-            </a:r>
-            <a:endParaRPr lang="de-DE" dirty="0" smtClean="0"/>
-          </a:p>
-          <a:p>
-            <a:pPr lvl="2"/>
-            <a:r>
-              <a:rPr lang="de-DE" dirty="0" smtClean="0"/>
-              <a:t>Ubuntu 8, 14 und 16</a:t>
-            </a:r>
-          </a:p>
-          <a:p>
-            <a:pPr lvl="2"/>
-            <a:r>
-              <a:rPr lang="de-DE" dirty="0" smtClean="0"/>
-              <a:t>Suse</a:t>
-            </a:r>
-          </a:p>
-          <a:p>
-            <a:pPr lvl="2"/>
-            <a:r>
-              <a:rPr lang="de-DE" dirty="0" err="1" smtClean="0"/>
-              <a:t>centOS</a:t>
-            </a:r>
-            <a:endParaRPr lang="de-DE" dirty="0" smtClean="0"/>
-          </a:p>
-          <a:p>
-            <a:pPr lvl="2"/>
-            <a:r>
-              <a:rPr lang="de-DE" dirty="0" err="1" smtClean="0"/>
-              <a:t>Manjaro</a:t>
-            </a:r>
-            <a:endParaRPr lang="de-DE" dirty="0" smtClean="0"/>
-          </a:p>
-          <a:p>
-            <a:pPr lvl="1"/>
+              <a:t>1</a:t>
+            </a:r>
             <a:endParaRPr lang="de-DE" dirty="0"/>
           </a:p>
         </p:txBody>
@@ -4461,13 +5345,20 @@
     </p:spTree>
     <p:extLst>
       <p:ext uri="{BB962C8B-B14F-4D97-AF65-F5344CB8AC3E}">
-        <p14:creationId xmlns:p14="http://schemas.microsoft.com/office/powerpoint/2010/main" val="1818596622"/>
+        <p14:creationId xmlns:p14="http://schemas.microsoft.com/office/powerpoint/2010/main" val="1371295851"/>
       </p:ext>
     </p:extLst>
   </p:cSld>
   <p:clrMapOvr>
     <a:masterClrMapping/>
   </p:clrMapOvr>
+  <p:timing>
+    <p:tnLst>
+      <p:par>
+        <p:cTn id="1" dur="indefinite" restart="never" nodeType="tmRoot"/>
+      </p:par>
+    </p:tnLst>
+  </p:timing>
 </p:sld>
 </file>
 
@@ -4488,6 +5379,1856 @@
           <a:chExt cx="0" cy="0"/>
         </a:xfrm>
       </p:grpSpPr>
+      <p:cxnSp>
+        <p:nvCxnSpPr>
+          <p:cNvPr id="7" name="Gerade Verbindung mit Pfeil 6"/>
+          <p:cNvCxnSpPr/>
+          <p:nvPr/>
+        </p:nvCxnSpPr>
+        <p:spPr>
+          <a:xfrm>
+            <a:off x="2632598" y="2573412"/>
+            <a:ext cx="4027634" cy="0"/>
+          </a:xfrm>
+          <a:prstGeom prst="straightConnector1">
+            <a:avLst/>
+          </a:prstGeom>
+          <a:ln w="15875">
+            <a:solidFill>
+              <a:schemeClr val="tx1"/>
+            </a:solidFill>
+            <a:tailEnd type="arrow"/>
+          </a:ln>
+        </p:spPr>
+        <p:style>
+          <a:lnRef idx="1">
+            <a:schemeClr val="accent1"/>
+          </a:lnRef>
+          <a:fillRef idx="0">
+            <a:schemeClr val="accent1"/>
+          </a:fillRef>
+          <a:effectRef idx="0">
+            <a:schemeClr val="accent1"/>
+          </a:effectRef>
+          <a:fontRef idx="minor">
+            <a:schemeClr val="tx1"/>
+          </a:fontRef>
+        </p:style>
+      </p:cxnSp>
+      <p:cxnSp>
+        <p:nvCxnSpPr>
+          <p:cNvPr id="9" name="Gerade Verbindung mit Pfeil 8"/>
+          <p:cNvCxnSpPr/>
+          <p:nvPr/>
+        </p:nvCxnSpPr>
+        <p:spPr>
+          <a:xfrm flipH="1">
+            <a:off x="2632600" y="3417307"/>
+            <a:ext cx="3955624" cy="0"/>
+          </a:xfrm>
+          <a:prstGeom prst="straightConnector1">
+            <a:avLst/>
+          </a:prstGeom>
+          <a:ln w="15875">
+            <a:solidFill>
+              <a:schemeClr val="tx1"/>
+            </a:solidFill>
+            <a:tailEnd type="arrow"/>
+          </a:ln>
+        </p:spPr>
+        <p:style>
+          <a:lnRef idx="1">
+            <a:schemeClr val="accent1"/>
+          </a:lnRef>
+          <a:fillRef idx="0">
+            <a:schemeClr val="accent1"/>
+          </a:fillRef>
+          <a:effectRef idx="0">
+            <a:schemeClr val="accent1"/>
+          </a:effectRef>
+          <a:fontRef idx="minor">
+            <a:schemeClr val="tx1"/>
+          </a:fontRef>
+        </p:style>
+      </p:cxnSp>
+      <p:sp>
+        <p:nvSpPr>
+          <p:cNvPr id="6" name="Wolke 5"/>
+          <p:cNvSpPr/>
+          <p:nvPr/>
+        </p:nvSpPr>
+        <p:spPr>
+          <a:xfrm>
+            <a:off x="3491880" y="2295289"/>
+            <a:ext cx="2088232" cy="1440160"/>
+          </a:xfrm>
+          <a:prstGeom prst="cloud">
+            <a:avLst/>
+          </a:prstGeom>
+        </p:spPr>
+        <p:style>
+          <a:lnRef idx="2">
+            <a:schemeClr val="accent1">
+              <a:shade val="50000"/>
+            </a:schemeClr>
+          </a:lnRef>
+          <a:fillRef idx="1">
+            <a:schemeClr val="accent1"/>
+          </a:fillRef>
+          <a:effectRef idx="0">
+            <a:schemeClr val="accent1"/>
+          </a:effectRef>
+          <a:fontRef idx="minor">
+            <a:schemeClr val="lt1"/>
+          </a:fontRef>
+        </p:style>
+        <p:txBody>
+          <a:bodyPr rtlCol="0" anchor="ctr"/>
+          <a:lstStyle/>
+          <a:p>
+            <a:pPr algn="ctr"/>
+            <a:endParaRPr lang="de-DE"/>
+          </a:p>
+        </p:txBody>
+      </p:sp>
+      <p:sp>
+        <p:nvSpPr>
+          <p:cNvPr id="2" name="Titel 1"/>
+          <p:cNvSpPr>
+            <a:spLocks noGrp="1"/>
+          </p:cNvSpPr>
+          <p:nvPr>
+            <p:ph type="title"/>
+          </p:nvPr>
+        </p:nvSpPr>
+        <p:spPr/>
+        <p:txBody>
+          <a:bodyPr>
+            <a:normAutofit fontScale="90000"/>
+          </a:bodyPr>
+          <a:lstStyle/>
+          <a:p>
+            <a:r>
+              <a:rPr lang="de-DE" dirty="0" smtClean="0"/>
+              <a:t>Versuchsreihen und Vorgehensweisen</a:t>
+            </a:r>
+            <a:endParaRPr lang="de-DE" dirty="0"/>
+          </a:p>
+        </p:txBody>
+      </p:sp>
+      <p:sp>
+        <p:nvSpPr>
+          <p:cNvPr id="3" name="Inhaltsplatzhalter 2"/>
+          <p:cNvSpPr>
+            <a:spLocks noGrp="1"/>
+          </p:cNvSpPr>
+          <p:nvPr>
+            <p:ph sz="quarter" idx="1"/>
+          </p:nvPr>
+        </p:nvSpPr>
+        <p:spPr/>
+        <p:txBody>
+          <a:bodyPr/>
+          <a:lstStyle/>
+          <a:p>
+            <a:r>
+              <a:rPr lang="de-DE" dirty="0" smtClean="0"/>
+              <a:t>Aufbau des </a:t>
+            </a:r>
+            <a:r>
+              <a:rPr lang="de-DE" dirty="0" smtClean="0"/>
+              <a:t>Versuchs-Set-</a:t>
+            </a:r>
+            <a:r>
+              <a:rPr lang="de-DE" dirty="0" err="1" smtClean="0"/>
+              <a:t>Ups</a:t>
+            </a:r>
+            <a:endParaRPr lang="de-DE" dirty="0" smtClean="0"/>
+          </a:p>
+        </p:txBody>
+      </p:sp>
+      <p:pic>
+        <p:nvPicPr>
+          <p:cNvPr id="4" name="Picture 2" descr="C:\Users\TZeimetz\Desktop\server-square.png"/>
+          <p:cNvPicPr>
+            <a:picLocks noChangeAspect="1" noChangeArrowheads="1"/>
+          </p:cNvPicPr>
+          <p:nvPr/>
+        </p:nvPicPr>
+        <p:blipFill>
+          <a:blip r:embed="rId2">
+            <a:extLst>
+              <a:ext uri="{28A0092B-C50C-407E-A947-70E740481C1C}">
+                <a14:useLocalDpi xmlns:a14="http://schemas.microsoft.com/office/drawing/2010/main" val="0"/>
+              </a:ext>
+            </a:extLst>
+          </a:blip>
+          <a:srcRect/>
+          <a:stretch>
+            <a:fillRect/>
+          </a:stretch>
+        </p:blipFill>
+        <p:spPr bwMode="auto">
+          <a:xfrm>
+            <a:off x="1190032" y="2420888"/>
+            <a:ext cx="1442566" cy="1442566"/>
+          </a:xfrm>
+          <a:prstGeom prst="rect">
+            <a:avLst/>
+          </a:prstGeom>
+          <a:noFill/>
+          <a:extLst>
+            <a:ext uri="{909E8E84-426E-40DD-AFC4-6F175D3DCCD1}">
+              <a14:hiddenFill xmlns:a14="http://schemas.microsoft.com/office/drawing/2010/main">
+                <a:solidFill>
+                  <a:srgbClr val="FFFFFF"/>
+                </a:solidFill>
+              </a14:hiddenFill>
+            </a:ext>
+          </a:extLst>
+        </p:spPr>
+      </p:pic>
+      <p:pic>
+        <p:nvPicPr>
+          <p:cNvPr id="5" name="Picture 2" descr="C:\Users\TZeimetz\Desktop\server-square.png"/>
+          <p:cNvPicPr>
+            <a:picLocks noChangeAspect="1" noChangeArrowheads="1"/>
+          </p:cNvPicPr>
+          <p:nvPr/>
+        </p:nvPicPr>
+        <p:blipFill>
+          <a:blip r:embed="rId2">
+            <a:extLst>
+              <a:ext uri="{28A0092B-C50C-407E-A947-70E740481C1C}">
+                <a14:useLocalDpi xmlns:a14="http://schemas.microsoft.com/office/drawing/2010/main" val="0"/>
+              </a:ext>
+            </a:extLst>
+          </a:blip>
+          <a:srcRect/>
+          <a:stretch>
+            <a:fillRect/>
+          </a:stretch>
+        </p:blipFill>
+        <p:spPr bwMode="auto">
+          <a:xfrm>
+            <a:off x="6804248" y="2268364"/>
+            <a:ext cx="1442566" cy="1442566"/>
+          </a:xfrm>
+          <a:prstGeom prst="rect">
+            <a:avLst/>
+          </a:prstGeom>
+          <a:noFill/>
+          <a:extLst>
+            <a:ext uri="{909E8E84-426E-40DD-AFC4-6F175D3DCCD1}">
+              <a14:hiddenFill xmlns:a14="http://schemas.microsoft.com/office/drawing/2010/main">
+                <a:solidFill>
+                  <a:srgbClr val="FFFFFF"/>
+                </a:solidFill>
+              </a14:hiddenFill>
+            </a:ext>
+          </a:extLst>
+        </p:spPr>
+      </p:pic>
+      <p:pic>
+        <p:nvPicPr>
+          <p:cNvPr id="2050" name="Picture 2" descr="C:\Users\TZeimetz\Desktop\Google_2015_logo.svg.png"/>
+          <p:cNvPicPr>
+            <a:picLocks noChangeAspect="1" noChangeArrowheads="1"/>
+          </p:cNvPicPr>
+          <p:nvPr/>
+        </p:nvPicPr>
+        <p:blipFill>
+          <a:blip r:embed="rId3">
+            <a:extLst>
+              <a:ext uri="{28A0092B-C50C-407E-A947-70E740481C1C}">
+                <a14:useLocalDpi xmlns:a14="http://schemas.microsoft.com/office/drawing/2010/main" val="0"/>
+              </a:ext>
+            </a:extLst>
+          </a:blip>
+          <a:srcRect/>
+          <a:stretch>
+            <a:fillRect/>
+          </a:stretch>
+        </p:blipFill>
+        <p:spPr bwMode="auto">
+          <a:xfrm>
+            <a:off x="6804992" y="3614345"/>
+            <a:ext cx="1295400" cy="438150"/>
+          </a:xfrm>
+          <a:prstGeom prst="rect">
+            <a:avLst/>
+          </a:prstGeom>
+          <a:noFill/>
+          <a:extLst>
+            <a:ext uri="{909E8E84-426E-40DD-AFC4-6F175D3DCCD1}">
+              <a14:hiddenFill xmlns:a14="http://schemas.microsoft.com/office/drawing/2010/main">
+                <a:solidFill>
+                  <a:srgbClr val="FFFFFF"/>
+                </a:solidFill>
+              </a14:hiddenFill>
+            </a:ext>
+          </a:extLst>
+        </p:spPr>
+      </p:pic>
+      <p:pic>
+        <p:nvPicPr>
+          <p:cNvPr id="2051" name="Picture 3" descr="C:\Users\TZeimetz\Desktop\guyfawkes.sh.png"/>
+          <p:cNvPicPr>
+            <a:picLocks noChangeAspect="1" noChangeArrowheads="1"/>
+          </p:cNvPicPr>
+          <p:nvPr/>
+        </p:nvPicPr>
+        <p:blipFill>
+          <a:blip r:embed="rId4" cstate="print">
+            <a:extLst>
+              <a:ext uri="{28A0092B-C50C-407E-A947-70E740481C1C}">
+                <a14:useLocalDpi xmlns:a14="http://schemas.microsoft.com/office/drawing/2010/main" val="0"/>
+              </a:ext>
+            </a:extLst>
+          </a:blip>
+          <a:srcRect/>
+          <a:stretch>
+            <a:fillRect/>
+          </a:stretch>
+        </p:blipFill>
+        <p:spPr bwMode="auto">
+          <a:xfrm>
+            <a:off x="1190032" y="5085184"/>
+            <a:ext cx="1296144" cy="1296144"/>
+          </a:xfrm>
+          <a:prstGeom prst="rect">
+            <a:avLst/>
+          </a:prstGeom>
+          <a:noFill/>
+          <a:extLst>
+            <a:ext uri="{909E8E84-426E-40DD-AFC4-6F175D3DCCD1}">
+              <a14:hiddenFill xmlns:a14="http://schemas.microsoft.com/office/drawing/2010/main">
+                <a:solidFill>
+                  <a:srgbClr val="FFFFFF"/>
+                </a:solidFill>
+              </a14:hiddenFill>
+            </a:ext>
+          </a:extLst>
+        </p:spPr>
+      </p:pic>
+      <p:cxnSp>
+        <p:nvCxnSpPr>
+          <p:cNvPr id="20" name="Gerade Verbindung mit Pfeil 19"/>
+          <p:cNvCxnSpPr/>
+          <p:nvPr/>
+        </p:nvCxnSpPr>
+        <p:spPr>
+          <a:xfrm flipV="1">
+            <a:off x="1835696" y="3933056"/>
+            <a:ext cx="0" cy="1080120"/>
+          </a:xfrm>
+          <a:prstGeom prst="straightConnector1">
+            <a:avLst/>
+          </a:prstGeom>
+          <a:ln w="15875">
+            <a:solidFill>
+              <a:schemeClr val="tx1"/>
+            </a:solidFill>
+            <a:tailEnd type="arrow"/>
+          </a:ln>
+        </p:spPr>
+        <p:style>
+          <a:lnRef idx="1">
+            <a:schemeClr val="accent1"/>
+          </a:lnRef>
+          <a:fillRef idx="0">
+            <a:schemeClr val="accent1"/>
+          </a:fillRef>
+          <a:effectRef idx="0">
+            <a:schemeClr val="accent1"/>
+          </a:effectRef>
+          <a:fontRef idx="minor">
+            <a:schemeClr val="tx1"/>
+          </a:fontRef>
+        </p:style>
+      </p:cxnSp>
+      <p:sp>
+        <p:nvSpPr>
+          <p:cNvPr id="22" name="Textfeld 21"/>
+          <p:cNvSpPr txBox="1"/>
+          <p:nvPr/>
+        </p:nvSpPr>
+        <p:spPr>
+          <a:xfrm>
+            <a:off x="1475656" y="4288450"/>
+            <a:ext cx="360040" cy="369332"/>
+          </a:xfrm>
+          <a:prstGeom prst="rect">
+            <a:avLst/>
+          </a:prstGeom>
+          <a:noFill/>
+        </p:spPr>
+        <p:txBody>
+          <a:bodyPr wrap="square" rtlCol="0">
+            <a:spAutoFit/>
+          </a:bodyPr>
+          <a:lstStyle/>
+          <a:p>
+            <a:r>
+              <a:rPr lang="de-DE" dirty="0" smtClean="0"/>
+              <a:t>1</a:t>
+            </a:r>
+            <a:endParaRPr lang="de-DE" dirty="0"/>
+          </a:p>
+        </p:txBody>
+      </p:sp>
+      <p:pic>
+        <p:nvPicPr>
+          <p:cNvPr id="4098" name="Picture 2" descr="http://freeflaticons.com/wp-content/uploads/2014/09/injection-copy-1411038662nk84g.png"/>
+          <p:cNvPicPr>
+            <a:picLocks noChangeAspect="1" noChangeArrowheads="1"/>
+          </p:cNvPicPr>
+          <p:nvPr/>
+        </p:nvPicPr>
+        <p:blipFill>
+          <a:blip r:embed="rId5" cstate="print">
+            <a:extLst>
+              <a:ext uri="{28A0092B-C50C-407E-A947-70E740481C1C}">
+                <a14:useLocalDpi xmlns:a14="http://schemas.microsoft.com/office/drawing/2010/main" val="0"/>
+              </a:ext>
+            </a:extLst>
+          </a:blip>
+          <a:srcRect/>
+          <a:stretch>
+            <a:fillRect/>
+          </a:stretch>
+        </p:blipFill>
+        <p:spPr bwMode="auto">
+          <a:xfrm>
+            <a:off x="4273178" y="2652413"/>
+            <a:ext cx="674468" cy="674468"/>
+          </a:xfrm>
+          <a:prstGeom prst="rect">
+            <a:avLst/>
+          </a:prstGeom>
+          <a:noFill/>
+          <a:extLst>
+            <a:ext uri="{909E8E84-426E-40DD-AFC4-6F175D3DCCD1}">
+              <a14:hiddenFill xmlns:a14="http://schemas.microsoft.com/office/drawing/2010/main">
+                <a:solidFill>
+                  <a:srgbClr val="FFFFFF"/>
+                </a:solidFill>
+              </a14:hiddenFill>
+            </a:ext>
+          </a:extLst>
+        </p:spPr>
+      </p:pic>
+      <p:cxnSp>
+        <p:nvCxnSpPr>
+          <p:cNvPr id="17" name="Gerade Verbindung mit Pfeil 16"/>
+          <p:cNvCxnSpPr/>
+          <p:nvPr/>
+        </p:nvCxnSpPr>
+        <p:spPr>
+          <a:xfrm flipV="1">
+            <a:off x="2411760" y="3710930"/>
+            <a:ext cx="1800200" cy="1878310"/>
+          </a:xfrm>
+          <a:prstGeom prst="straightConnector1">
+            <a:avLst/>
+          </a:prstGeom>
+          <a:ln w="15875">
+            <a:solidFill>
+              <a:srgbClr val="FF0000"/>
+            </a:solidFill>
+            <a:prstDash val="dash"/>
+            <a:tailEnd type="arrow"/>
+          </a:ln>
+        </p:spPr>
+        <p:style>
+          <a:lnRef idx="1">
+            <a:schemeClr val="accent1"/>
+          </a:lnRef>
+          <a:fillRef idx="0">
+            <a:schemeClr val="accent1"/>
+          </a:fillRef>
+          <a:effectRef idx="0">
+            <a:schemeClr val="accent1"/>
+          </a:effectRef>
+          <a:fontRef idx="minor">
+            <a:schemeClr val="tx1"/>
+          </a:fontRef>
+        </p:style>
+      </p:cxnSp>
+      <p:sp>
+        <p:nvSpPr>
+          <p:cNvPr id="21" name="Textfeld 20"/>
+          <p:cNvSpPr txBox="1"/>
+          <p:nvPr/>
+        </p:nvSpPr>
+        <p:spPr>
+          <a:xfrm>
+            <a:off x="3419872" y="4608561"/>
+            <a:ext cx="1584176" cy="369332"/>
+          </a:xfrm>
+          <a:prstGeom prst="rect">
+            <a:avLst/>
+          </a:prstGeom>
+          <a:noFill/>
+        </p:spPr>
+        <p:txBody>
+          <a:bodyPr wrap="square" rtlCol="0">
+            <a:spAutoFit/>
+          </a:bodyPr>
+          <a:lstStyle/>
+          <a:p>
+            <a:r>
+              <a:rPr lang="de-DE" dirty="0" smtClean="0"/>
+              <a:t>A-Records</a:t>
+            </a:r>
+            <a:endParaRPr lang="de-DE" dirty="0"/>
+          </a:p>
+        </p:txBody>
+      </p:sp>
+    </p:spTree>
+    <p:extLst>
+      <p:ext uri="{BB962C8B-B14F-4D97-AF65-F5344CB8AC3E}">
+        <p14:creationId xmlns:p14="http://schemas.microsoft.com/office/powerpoint/2010/main" val="1886332259"/>
+      </p:ext>
+    </p:extLst>
+  </p:cSld>
+  <p:clrMapOvr>
+    <a:masterClrMapping/>
+  </p:clrMapOvr>
+  <p:timing>
+    <p:tnLst>
+      <p:par>
+        <p:cTn id="1" dur="indefinite" restart="never" nodeType="tmRoot"/>
+      </p:par>
+    </p:tnLst>
+  </p:timing>
+</p:sld>
+</file>
+
+<file path=ppt/slides/slide16.xml><?xml version="1.0" encoding="utf-8"?>
+<p:sld xmlns:a="http://schemas.openxmlformats.org/drawingml/2006/main" xmlns:r="http://schemas.openxmlformats.org/officeDocument/2006/relationships" xmlns:p="http://schemas.openxmlformats.org/presentationml/2006/main">
+  <p:cSld>
+    <p:spTree>
+      <p:nvGrpSpPr>
+        <p:cNvPr id="1" name=""/>
+        <p:cNvGrpSpPr/>
+        <p:nvPr/>
+      </p:nvGrpSpPr>
+      <p:grpSpPr>
+        <a:xfrm>
+          <a:off x="0" y="0"/>
+          <a:ext cx="0" cy="0"/>
+          <a:chOff x="0" y="0"/>
+          <a:chExt cx="0" cy="0"/>
+        </a:xfrm>
+      </p:grpSpPr>
+      <p:cxnSp>
+        <p:nvCxnSpPr>
+          <p:cNvPr id="7" name="Gerade Verbindung mit Pfeil 6"/>
+          <p:cNvCxnSpPr/>
+          <p:nvPr/>
+        </p:nvCxnSpPr>
+        <p:spPr>
+          <a:xfrm>
+            <a:off x="2632598" y="2573412"/>
+            <a:ext cx="4027634" cy="0"/>
+          </a:xfrm>
+          <a:prstGeom prst="straightConnector1">
+            <a:avLst/>
+          </a:prstGeom>
+          <a:ln w="15875">
+            <a:solidFill>
+              <a:schemeClr val="tx1"/>
+            </a:solidFill>
+            <a:tailEnd type="arrow"/>
+          </a:ln>
+        </p:spPr>
+        <p:style>
+          <a:lnRef idx="1">
+            <a:schemeClr val="accent1"/>
+          </a:lnRef>
+          <a:fillRef idx="0">
+            <a:schemeClr val="accent1"/>
+          </a:fillRef>
+          <a:effectRef idx="0">
+            <a:schemeClr val="accent1"/>
+          </a:effectRef>
+          <a:fontRef idx="minor">
+            <a:schemeClr val="tx1"/>
+          </a:fontRef>
+        </p:style>
+      </p:cxnSp>
+      <p:cxnSp>
+        <p:nvCxnSpPr>
+          <p:cNvPr id="9" name="Gerade Verbindung mit Pfeil 8"/>
+          <p:cNvCxnSpPr/>
+          <p:nvPr/>
+        </p:nvCxnSpPr>
+        <p:spPr>
+          <a:xfrm flipH="1">
+            <a:off x="2632600" y="3417307"/>
+            <a:ext cx="3955624" cy="0"/>
+          </a:xfrm>
+          <a:prstGeom prst="straightConnector1">
+            <a:avLst/>
+          </a:prstGeom>
+          <a:ln w="15875">
+            <a:solidFill>
+              <a:schemeClr val="tx1"/>
+            </a:solidFill>
+            <a:tailEnd type="arrow"/>
+          </a:ln>
+        </p:spPr>
+        <p:style>
+          <a:lnRef idx="1">
+            <a:schemeClr val="accent1"/>
+          </a:lnRef>
+          <a:fillRef idx="0">
+            <a:schemeClr val="accent1"/>
+          </a:fillRef>
+          <a:effectRef idx="0">
+            <a:schemeClr val="accent1"/>
+          </a:effectRef>
+          <a:fontRef idx="minor">
+            <a:schemeClr val="tx1"/>
+          </a:fontRef>
+        </p:style>
+      </p:cxnSp>
+      <p:sp>
+        <p:nvSpPr>
+          <p:cNvPr id="6" name="Wolke 5"/>
+          <p:cNvSpPr/>
+          <p:nvPr/>
+        </p:nvSpPr>
+        <p:spPr>
+          <a:xfrm>
+            <a:off x="3491880" y="2295289"/>
+            <a:ext cx="2088232" cy="1440160"/>
+          </a:xfrm>
+          <a:prstGeom prst="cloud">
+            <a:avLst/>
+          </a:prstGeom>
+        </p:spPr>
+        <p:style>
+          <a:lnRef idx="2">
+            <a:schemeClr val="accent1">
+              <a:shade val="50000"/>
+            </a:schemeClr>
+          </a:lnRef>
+          <a:fillRef idx="1">
+            <a:schemeClr val="accent1"/>
+          </a:fillRef>
+          <a:effectRef idx="0">
+            <a:schemeClr val="accent1"/>
+          </a:effectRef>
+          <a:fontRef idx="minor">
+            <a:schemeClr val="lt1"/>
+          </a:fontRef>
+        </p:style>
+        <p:txBody>
+          <a:bodyPr rtlCol="0" anchor="ctr"/>
+          <a:lstStyle/>
+          <a:p>
+            <a:pPr algn="ctr"/>
+            <a:endParaRPr lang="de-DE"/>
+          </a:p>
+        </p:txBody>
+      </p:sp>
+      <p:sp>
+        <p:nvSpPr>
+          <p:cNvPr id="2" name="Titel 1"/>
+          <p:cNvSpPr>
+            <a:spLocks noGrp="1"/>
+          </p:cNvSpPr>
+          <p:nvPr>
+            <p:ph type="title"/>
+          </p:nvPr>
+        </p:nvSpPr>
+        <p:spPr/>
+        <p:txBody>
+          <a:bodyPr>
+            <a:normAutofit fontScale="90000"/>
+          </a:bodyPr>
+          <a:lstStyle/>
+          <a:p>
+            <a:r>
+              <a:rPr lang="de-DE" dirty="0" smtClean="0"/>
+              <a:t>Versuchsreihen und Vorgehensweisen</a:t>
+            </a:r>
+            <a:endParaRPr lang="de-DE" dirty="0"/>
+          </a:p>
+        </p:txBody>
+      </p:sp>
+      <p:sp>
+        <p:nvSpPr>
+          <p:cNvPr id="3" name="Inhaltsplatzhalter 2"/>
+          <p:cNvSpPr>
+            <a:spLocks noGrp="1"/>
+          </p:cNvSpPr>
+          <p:nvPr>
+            <p:ph sz="quarter" idx="1"/>
+          </p:nvPr>
+        </p:nvSpPr>
+        <p:spPr/>
+        <p:txBody>
+          <a:bodyPr/>
+          <a:lstStyle/>
+          <a:p>
+            <a:r>
+              <a:rPr lang="de-DE" dirty="0" smtClean="0"/>
+              <a:t>Aufbau des </a:t>
+            </a:r>
+            <a:r>
+              <a:rPr lang="de-DE" dirty="0" smtClean="0"/>
+              <a:t>Versuchs-Set-</a:t>
+            </a:r>
+            <a:r>
+              <a:rPr lang="de-DE" dirty="0" err="1" smtClean="0"/>
+              <a:t>Ups</a:t>
+            </a:r>
+            <a:r>
+              <a:rPr lang="de-DE" dirty="0" smtClean="0"/>
+              <a:t> (weitere)</a:t>
+            </a:r>
+            <a:endParaRPr lang="de-DE" dirty="0" smtClean="0"/>
+          </a:p>
+        </p:txBody>
+      </p:sp>
+      <p:pic>
+        <p:nvPicPr>
+          <p:cNvPr id="4" name="Picture 2" descr="C:\Users\TZeimetz\Desktop\server-square.png"/>
+          <p:cNvPicPr>
+            <a:picLocks noChangeAspect="1" noChangeArrowheads="1"/>
+          </p:cNvPicPr>
+          <p:nvPr/>
+        </p:nvPicPr>
+        <p:blipFill>
+          <a:blip r:embed="rId2">
+            <a:extLst>
+              <a:ext uri="{28A0092B-C50C-407E-A947-70E740481C1C}">
+                <a14:useLocalDpi xmlns:a14="http://schemas.microsoft.com/office/drawing/2010/main" val="0"/>
+              </a:ext>
+            </a:extLst>
+          </a:blip>
+          <a:srcRect/>
+          <a:stretch>
+            <a:fillRect/>
+          </a:stretch>
+        </p:blipFill>
+        <p:spPr bwMode="auto">
+          <a:xfrm>
+            <a:off x="1190032" y="2420888"/>
+            <a:ext cx="1442566" cy="1442566"/>
+          </a:xfrm>
+          <a:prstGeom prst="rect">
+            <a:avLst/>
+          </a:prstGeom>
+          <a:noFill/>
+          <a:extLst>
+            <a:ext uri="{909E8E84-426E-40DD-AFC4-6F175D3DCCD1}">
+              <a14:hiddenFill xmlns:a14="http://schemas.microsoft.com/office/drawing/2010/main">
+                <a:solidFill>
+                  <a:srgbClr val="FFFFFF"/>
+                </a:solidFill>
+              </a14:hiddenFill>
+            </a:ext>
+          </a:extLst>
+        </p:spPr>
+      </p:pic>
+      <p:pic>
+        <p:nvPicPr>
+          <p:cNvPr id="5" name="Picture 2" descr="C:\Users\TZeimetz\Desktop\server-square.png"/>
+          <p:cNvPicPr>
+            <a:picLocks noChangeAspect="1" noChangeArrowheads="1"/>
+          </p:cNvPicPr>
+          <p:nvPr/>
+        </p:nvPicPr>
+        <p:blipFill>
+          <a:blip r:embed="rId2">
+            <a:extLst>
+              <a:ext uri="{28A0092B-C50C-407E-A947-70E740481C1C}">
+                <a14:useLocalDpi xmlns:a14="http://schemas.microsoft.com/office/drawing/2010/main" val="0"/>
+              </a:ext>
+            </a:extLst>
+          </a:blip>
+          <a:srcRect/>
+          <a:stretch>
+            <a:fillRect/>
+          </a:stretch>
+        </p:blipFill>
+        <p:spPr bwMode="auto">
+          <a:xfrm>
+            <a:off x="6804248" y="2268364"/>
+            <a:ext cx="1442566" cy="1442566"/>
+          </a:xfrm>
+          <a:prstGeom prst="rect">
+            <a:avLst/>
+          </a:prstGeom>
+          <a:noFill/>
+          <a:extLst>
+            <a:ext uri="{909E8E84-426E-40DD-AFC4-6F175D3DCCD1}">
+              <a14:hiddenFill xmlns:a14="http://schemas.microsoft.com/office/drawing/2010/main">
+                <a:solidFill>
+                  <a:srgbClr val="FFFFFF"/>
+                </a:solidFill>
+              </a14:hiddenFill>
+            </a:ext>
+          </a:extLst>
+        </p:spPr>
+      </p:pic>
+      <p:pic>
+        <p:nvPicPr>
+          <p:cNvPr id="2050" name="Picture 2" descr="C:\Users\TZeimetz\Desktop\Google_2015_logo.svg.png"/>
+          <p:cNvPicPr>
+            <a:picLocks noChangeAspect="1" noChangeArrowheads="1"/>
+          </p:cNvPicPr>
+          <p:nvPr/>
+        </p:nvPicPr>
+        <p:blipFill>
+          <a:blip r:embed="rId3">
+            <a:extLst>
+              <a:ext uri="{28A0092B-C50C-407E-A947-70E740481C1C}">
+                <a14:useLocalDpi xmlns:a14="http://schemas.microsoft.com/office/drawing/2010/main" val="0"/>
+              </a:ext>
+            </a:extLst>
+          </a:blip>
+          <a:srcRect/>
+          <a:stretch>
+            <a:fillRect/>
+          </a:stretch>
+        </p:blipFill>
+        <p:spPr bwMode="auto">
+          <a:xfrm>
+            <a:off x="6804992" y="3614345"/>
+            <a:ext cx="1295400" cy="438150"/>
+          </a:xfrm>
+          <a:prstGeom prst="rect">
+            <a:avLst/>
+          </a:prstGeom>
+          <a:noFill/>
+          <a:extLst>
+            <a:ext uri="{909E8E84-426E-40DD-AFC4-6F175D3DCCD1}">
+              <a14:hiddenFill xmlns:a14="http://schemas.microsoft.com/office/drawing/2010/main">
+                <a:solidFill>
+                  <a:srgbClr val="FFFFFF"/>
+                </a:solidFill>
+              </a14:hiddenFill>
+            </a:ext>
+          </a:extLst>
+        </p:spPr>
+      </p:pic>
+      <p:pic>
+        <p:nvPicPr>
+          <p:cNvPr id="2051" name="Picture 3" descr="C:\Users\TZeimetz\Desktop\guyfawkes.sh.png"/>
+          <p:cNvPicPr>
+            <a:picLocks noChangeAspect="1" noChangeArrowheads="1"/>
+          </p:cNvPicPr>
+          <p:nvPr/>
+        </p:nvPicPr>
+        <p:blipFill>
+          <a:blip r:embed="rId4" cstate="print">
+            <a:extLst>
+              <a:ext uri="{28A0092B-C50C-407E-A947-70E740481C1C}">
+                <a14:useLocalDpi xmlns:a14="http://schemas.microsoft.com/office/drawing/2010/main" val="0"/>
+              </a:ext>
+            </a:extLst>
+          </a:blip>
+          <a:srcRect/>
+          <a:stretch>
+            <a:fillRect/>
+          </a:stretch>
+        </p:blipFill>
+        <p:spPr bwMode="auto">
+          <a:xfrm>
+            <a:off x="1190032" y="5085184"/>
+            <a:ext cx="1296144" cy="1296144"/>
+          </a:xfrm>
+          <a:prstGeom prst="rect">
+            <a:avLst/>
+          </a:prstGeom>
+          <a:noFill/>
+          <a:extLst>
+            <a:ext uri="{909E8E84-426E-40DD-AFC4-6F175D3DCCD1}">
+              <a14:hiddenFill xmlns:a14="http://schemas.microsoft.com/office/drawing/2010/main">
+                <a:solidFill>
+                  <a:srgbClr val="FFFFFF"/>
+                </a:solidFill>
+              </a14:hiddenFill>
+            </a:ext>
+          </a:extLst>
+        </p:spPr>
+      </p:pic>
+      <p:cxnSp>
+        <p:nvCxnSpPr>
+          <p:cNvPr id="20" name="Gerade Verbindung mit Pfeil 19"/>
+          <p:cNvCxnSpPr/>
+          <p:nvPr/>
+        </p:nvCxnSpPr>
+        <p:spPr>
+          <a:xfrm flipV="1">
+            <a:off x="1835696" y="3933056"/>
+            <a:ext cx="0" cy="1080120"/>
+          </a:xfrm>
+          <a:prstGeom prst="straightConnector1">
+            <a:avLst/>
+          </a:prstGeom>
+          <a:ln w="15875">
+            <a:solidFill>
+              <a:schemeClr val="tx1"/>
+            </a:solidFill>
+            <a:tailEnd type="arrow"/>
+          </a:ln>
+        </p:spPr>
+        <p:style>
+          <a:lnRef idx="1">
+            <a:schemeClr val="accent1"/>
+          </a:lnRef>
+          <a:fillRef idx="0">
+            <a:schemeClr val="accent1"/>
+          </a:fillRef>
+          <a:effectRef idx="0">
+            <a:schemeClr val="accent1"/>
+          </a:effectRef>
+          <a:fontRef idx="minor">
+            <a:schemeClr val="tx1"/>
+          </a:fontRef>
+        </p:style>
+      </p:cxnSp>
+      <p:sp>
+        <p:nvSpPr>
+          <p:cNvPr id="22" name="Textfeld 21"/>
+          <p:cNvSpPr txBox="1"/>
+          <p:nvPr/>
+        </p:nvSpPr>
+        <p:spPr>
+          <a:xfrm>
+            <a:off x="1475656" y="4288450"/>
+            <a:ext cx="360040" cy="369332"/>
+          </a:xfrm>
+          <a:prstGeom prst="rect">
+            <a:avLst/>
+          </a:prstGeom>
+          <a:noFill/>
+        </p:spPr>
+        <p:txBody>
+          <a:bodyPr wrap="square" rtlCol="0">
+            <a:spAutoFit/>
+          </a:bodyPr>
+          <a:lstStyle/>
+          <a:p>
+            <a:r>
+              <a:rPr lang="de-DE" dirty="0" smtClean="0"/>
+              <a:t>1</a:t>
+            </a:r>
+            <a:endParaRPr lang="de-DE" dirty="0"/>
+          </a:p>
+        </p:txBody>
+      </p:sp>
+      <p:pic>
+        <p:nvPicPr>
+          <p:cNvPr id="4098" name="Picture 2" descr="http://freeflaticons.com/wp-content/uploads/2014/09/injection-copy-1411038662nk84g.png"/>
+          <p:cNvPicPr>
+            <a:picLocks noChangeAspect="1" noChangeArrowheads="1"/>
+          </p:cNvPicPr>
+          <p:nvPr/>
+        </p:nvPicPr>
+        <p:blipFill>
+          <a:blip r:embed="rId5" cstate="print">
+            <a:extLst>
+              <a:ext uri="{28A0092B-C50C-407E-A947-70E740481C1C}">
+                <a14:useLocalDpi xmlns:a14="http://schemas.microsoft.com/office/drawing/2010/main" val="0"/>
+              </a:ext>
+            </a:extLst>
+          </a:blip>
+          <a:srcRect/>
+          <a:stretch>
+            <a:fillRect/>
+          </a:stretch>
+        </p:blipFill>
+        <p:spPr bwMode="auto">
+          <a:xfrm>
+            <a:off x="4273178" y="2652413"/>
+            <a:ext cx="674468" cy="674468"/>
+          </a:xfrm>
+          <a:prstGeom prst="rect">
+            <a:avLst/>
+          </a:prstGeom>
+          <a:noFill/>
+          <a:extLst>
+            <a:ext uri="{909E8E84-426E-40DD-AFC4-6F175D3DCCD1}">
+              <a14:hiddenFill xmlns:a14="http://schemas.microsoft.com/office/drawing/2010/main">
+                <a:solidFill>
+                  <a:srgbClr val="FFFFFF"/>
+                </a:solidFill>
+              </a14:hiddenFill>
+            </a:ext>
+          </a:extLst>
+        </p:spPr>
+      </p:pic>
+      <p:cxnSp>
+        <p:nvCxnSpPr>
+          <p:cNvPr id="17" name="Gerade Verbindung mit Pfeil 16"/>
+          <p:cNvCxnSpPr/>
+          <p:nvPr/>
+        </p:nvCxnSpPr>
+        <p:spPr>
+          <a:xfrm flipV="1">
+            <a:off x="2411760" y="3710930"/>
+            <a:ext cx="1800200" cy="1878310"/>
+          </a:xfrm>
+          <a:prstGeom prst="straightConnector1">
+            <a:avLst/>
+          </a:prstGeom>
+          <a:ln w="15875">
+            <a:solidFill>
+              <a:srgbClr val="FF0000"/>
+            </a:solidFill>
+            <a:prstDash val="dash"/>
+            <a:tailEnd type="arrow"/>
+          </a:ln>
+        </p:spPr>
+        <p:style>
+          <a:lnRef idx="1">
+            <a:schemeClr val="accent1"/>
+          </a:lnRef>
+          <a:fillRef idx="0">
+            <a:schemeClr val="accent1"/>
+          </a:fillRef>
+          <a:effectRef idx="0">
+            <a:schemeClr val="accent1"/>
+          </a:effectRef>
+          <a:fontRef idx="minor">
+            <a:schemeClr val="tx1"/>
+          </a:fontRef>
+        </p:style>
+      </p:cxnSp>
+      <p:sp>
+        <p:nvSpPr>
+          <p:cNvPr id="21" name="Textfeld 20"/>
+          <p:cNvSpPr txBox="1"/>
+          <p:nvPr/>
+        </p:nvSpPr>
+        <p:spPr>
+          <a:xfrm>
+            <a:off x="3419872" y="4608561"/>
+            <a:ext cx="1584176" cy="369332"/>
+          </a:xfrm>
+          <a:prstGeom prst="rect">
+            <a:avLst/>
+          </a:prstGeom>
+          <a:noFill/>
+        </p:spPr>
+        <p:txBody>
+          <a:bodyPr wrap="square" rtlCol="0">
+            <a:spAutoFit/>
+          </a:bodyPr>
+          <a:lstStyle/>
+          <a:p>
+            <a:r>
+              <a:rPr lang="de-DE" dirty="0" smtClean="0"/>
+              <a:t>A-Records</a:t>
+            </a:r>
+            <a:endParaRPr lang="de-DE" dirty="0"/>
+          </a:p>
+        </p:txBody>
+      </p:sp>
+      <p:cxnSp>
+        <p:nvCxnSpPr>
+          <p:cNvPr id="10" name="Gerade Verbindung 9"/>
+          <p:cNvCxnSpPr/>
+          <p:nvPr/>
+        </p:nvCxnSpPr>
+        <p:spPr>
+          <a:xfrm>
+            <a:off x="6660232" y="3833420"/>
+            <a:ext cx="1586582" cy="0"/>
+          </a:xfrm>
+          <a:prstGeom prst="line">
+            <a:avLst/>
+          </a:prstGeom>
+          <a:ln w="25400">
+            <a:solidFill>
+              <a:srgbClr val="FF0000"/>
+            </a:solidFill>
+          </a:ln>
+        </p:spPr>
+        <p:style>
+          <a:lnRef idx="1">
+            <a:schemeClr val="accent1"/>
+          </a:lnRef>
+          <a:fillRef idx="0">
+            <a:schemeClr val="accent1"/>
+          </a:fillRef>
+          <a:effectRef idx="0">
+            <a:schemeClr val="accent1"/>
+          </a:effectRef>
+          <a:fontRef idx="minor">
+            <a:schemeClr val="tx1"/>
+          </a:fontRef>
+        </p:style>
+      </p:cxnSp>
+      <p:pic>
+        <p:nvPicPr>
+          <p:cNvPr id="5122" name="Picture 2" descr="http://www.cmdsonline.com/wp-content/uploads/top-level-domain.jpg"/>
+          <p:cNvPicPr>
+            <a:picLocks noChangeAspect="1" noChangeArrowheads="1"/>
+          </p:cNvPicPr>
+          <p:nvPr/>
+        </p:nvPicPr>
+        <p:blipFill>
+          <a:blip r:embed="rId6" cstate="print">
+            <a:extLst>
+              <a:ext uri="{28A0092B-C50C-407E-A947-70E740481C1C}">
+                <a14:useLocalDpi xmlns:a14="http://schemas.microsoft.com/office/drawing/2010/main" val="0"/>
+              </a:ext>
+            </a:extLst>
+          </a:blip>
+          <a:srcRect/>
+          <a:stretch>
+            <a:fillRect/>
+          </a:stretch>
+        </p:blipFill>
+        <p:spPr bwMode="auto">
+          <a:xfrm>
+            <a:off x="6497971" y="3933056"/>
+            <a:ext cx="1911103" cy="955552"/>
+          </a:xfrm>
+          <a:prstGeom prst="rect">
+            <a:avLst/>
+          </a:prstGeom>
+          <a:noFill/>
+          <a:extLst>
+            <a:ext uri="{909E8E84-426E-40DD-AFC4-6F175D3DCCD1}">
+              <a14:hiddenFill xmlns:a14="http://schemas.microsoft.com/office/drawing/2010/main">
+                <a:solidFill>
+                  <a:srgbClr val="FFFFFF"/>
+                </a:solidFill>
+              </a14:hiddenFill>
+            </a:ext>
+          </a:extLst>
+        </p:spPr>
+      </p:pic>
+    </p:spTree>
+    <p:extLst>
+      <p:ext uri="{BB962C8B-B14F-4D97-AF65-F5344CB8AC3E}">
+        <p14:creationId xmlns:p14="http://schemas.microsoft.com/office/powerpoint/2010/main" val="3380429865"/>
+      </p:ext>
+    </p:extLst>
+  </p:cSld>
+  <p:clrMapOvr>
+    <a:masterClrMapping/>
+  </p:clrMapOvr>
+  <p:timing>
+    <p:tnLst>
+      <p:par>
+        <p:cTn id="1" dur="indefinite" restart="never" nodeType="tmRoot"/>
+      </p:par>
+    </p:tnLst>
+  </p:timing>
+</p:sld>
+</file>
+
+<file path=ppt/slides/slide17.xml><?xml version="1.0" encoding="utf-8"?>
+<p:sld xmlns:a="http://schemas.openxmlformats.org/drawingml/2006/main" xmlns:r="http://schemas.openxmlformats.org/officeDocument/2006/relationships" xmlns:p="http://schemas.openxmlformats.org/presentationml/2006/main">
+  <p:cSld>
+    <p:spTree>
+      <p:nvGrpSpPr>
+        <p:cNvPr id="1" name=""/>
+        <p:cNvGrpSpPr/>
+        <p:nvPr/>
+      </p:nvGrpSpPr>
+      <p:grpSpPr>
+        <a:xfrm>
+          <a:off x="0" y="0"/>
+          <a:ext cx="0" cy="0"/>
+          <a:chOff x="0" y="0"/>
+          <a:chExt cx="0" cy="0"/>
+        </a:xfrm>
+      </p:grpSpPr>
+      <p:cxnSp>
+        <p:nvCxnSpPr>
+          <p:cNvPr id="7" name="Gerade Verbindung mit Pfeil 6"/>
+          <p:cNvCxnSpPr/>
+          <p:nvPr/>
+        </p:nvCxnSpPr>
+        <p:spPr>
+          <a:xfrm>
+            <a:off x="2632598" y="2573412"/>
+            <a:ext cx="4027634" cy="0"/>
+          </a:xfrm>
+          <a:prstGeom prst="straightConnector1">
+            <a:avLst/>
+          </a:prstGeom>
+          <a:ln w="15875">
+            <a:solidFill>
+              <a:schemeClr val="tx1"/>
+            </a:solidFill>
+            <a:tailEnd type="arrow"/>
+          </a:ln>
+        </p:spPr>
+        <p:style>
+          <a:lnRef idx="1">
+            <a:schemeClr val="accent1"/>
+          </a:lnRef>
+          <a:fillRef idx="0">
+            <a:schemeClr val="accent1"/>
+          </a:fillRef>
+          <a:effectRef idx="0">
+            <a:schemeClr val="accent1"/>
+          </a:effectRef>
+          <a:fontRef idx="minor">
+            <a:schemeClr val="tx1"/>
+          </a:fontRef>
+        </p:style>
+      </p:cxnSp>
+      <p:cxnSp>
+        <p:nvCxnSpPr>
+          <p:cNvPr id="9" name="Gerade Verbindung mit Pfeil 8"/>
+          <p:cNvCxnSpPr/>
+          <p:nvPr/>
+        </p:nvCxnSpPr>
+        <p:spPr>
+          <a:xfrm flipH="1">
+            <a:off x="2632600" y="3417307"/>
+            <a:ext cx="3955624" cy="0"/>
+          </a:xfrm>
+          <a:prstGeom prst="straightConnector1">
+            <a:avLst/>
+          </a:prstGeom>
+          <a:ln w="15875">
+            <a:solidFill>
+              <a:schemeClr val="tx1"/>
+            </a:solidFill>
+            <a:tailEnd type="arrow"/>
+          </a:ln>
+        </p:spPr>
+        <p:style>
+          <a:lnRef idx="1">
+            <a:schemeClr val="accent1"/>
+          </a:lnRef>
+          <a:fillRef idx="0">
+            <a:schemeClr val="accent1"/>
+          </a:fillRef>
+          <a:effectRef idx="0">
+            <a:schemeClr val="accent1"/>
+          </a:effectRef>
+          <a:fontRef idx="minor">
+            <a:schemeClr val="tx1"/>
+          </a:fontRef>
+        </p:style>
+      </p:cxnSp>
+      <p:sp>
+        <p:nvSpPr>
+          <p:cNvPr id="6" name="Wolke 5"/>
+          <p:cNvSpPr/>
+          <p:nvPr/>
+        </p:nvSpPr>
+        <p:spPr>
+          <a:xfrm>
+            <a:off x="3491880" y="2295289"/>
+            <a:ext cx="2088232" cy="1440160"/>
+          </a:xfrm>
+          <a:prstGeom prst="cloud">
+            <a:avLst/>
+          </a:prstGeom>
+        </p:spPr>
+        <p:style>
+          <a:lnRef idx="2">
+            <a:schemeClr val="accent1">
+              <a:shade val="50000"/>
+            </a:schemeClr>
+          </a:lnRef>
+          <a:fillRef idx="1">
+            <a:schemeClr val="accent1"/>
+          </a:fillRef>
+          <a:effectRef idx="0">
+            <a:schemeClr val="accent1"/>
+          </a:effectRef>
+          <a:fontRef idx="minor">
+            <a:schemeClr val="lt1"/>
+          </a:fontRef>
+        </p:style>
+        <p:txBody>
+          <a:bodyPr rtlCol="0" anchor="ctr"/>
+          <a:lstStyle/>
+          <a:p>
+            <a:pPr algn="ctr"/>
+            <a:endParaRPr lang="de-DE"/>
+          </a:p>
+        </p:txBody>
+      </p:sp>
+      <p:sp>
+        <p:nvSpPr>
+          <p:cNvPr id="2" name="Titel 1"/>
+          <p:cNvSpPr>
+            <a:spLocks noGrp="1"/>
+          </p:cNvSpPr>
+          <p:nvPr>
+            <p:ph type="title"/>
+          </p:nvPr>
+        </p:nvSpPr>
+        <p:spPr/>
+        <p:txBody>
+          <a:bodyPr>
+            <a:normAutofit fontScale="90000"/>
+          </a:bodyPr>
+          <a:lstStyle/>
+          <a:p>
+            <a:r>
+              <a:rPr lang="de-DE" dirty="0" smtClean="0"/>
+              <a:t>Versuchsreihen und Vorgehensweisen</a:t>
+            </a:r>
+            <a:endParaRPr lang="de-DE" dirty="0"/>
+          </a:p>
+        </p:txBody>
+      </p:sp>
+      <p:sp>
+        <p:nvSpPr>
+          <p:cNvPr id="3" name="Inhaltsplatzhalter 2"/>
+          <p:cNvSpPr>
+            <a:spLocks noGrp="1"/>
+          </p:cNvSpPr>
+          <p:nvPr>
+            <p:ph sz="quarter" idx="1"/>
+          </p:nvPr>
+        </p:nvSpPr>
+        <p:spPr/>
+        <p:txBody>
+          <a:bodyPr/>
+          <a:lstStyle/>
+          <a:p>
+            <a:r>
+              <a:rPr lang="de-DE" dirty="0" smtClean="0"/>
+              <a:t>Aufbau des </a:t>
+            </a:r>
+            <a:r>
+              <a:rPr lang="de-DE" dirty="0" smtClean="0"/>
+              <a:t>Versuchs-Set-</a:t>
+            </a:r>
+            <a:r>
+              <a:rPr lang="de-DE" dirty="0" err="1" smtClean="0"/>
+              <a:t>Ups</a:t>
+            </a:r>
+            <a:r>
+              <a:rPr lang="de-DE" dirty="0" smtClean="0"/>
+              <a:t> (weitere)</a:t>
+            </a:r>
+            <a:endParaRPr lang="de-DE" dirty="0" smtClean="0"/>
+          </a:p>
+        </p:txBody>
+      </p:sp>
+      <p:pic>
+        <p:nvPicPr>
+          <p:cNvPr id="4" name="Picture 2" descr="C:\Users\TZeimetz\Desktop\server-square.png"/>
+          <p:cNvPicPr>
+            <a:picLocks noChangeAspect="1" noChangeArrowheads="1"/>
+          </p:cNvPicPr>
+          <p:nvPr/>
+        </p:nvPicPr>
+        <p:blipFill>
+          <a:blip r:embed="rId2">
+            <a:extLst>
+              <a:ext uri="{28A0092B-C50C-407E-A947-70E740481C1C}">
+                <a14:useLocalDpi xmlns:a14="http://schemas.microsoft.com/office/drawing/2010/main" val="0"/>
+              </a:ext>
+            </a:extLst>
+          </a:blip>
+          <a:srcRect/>
+          <a:stretch>
+            <a:fillRect/>
+          </a:stretch>
+        </p:blipFill>
+        <p:spPr bwMode="auto">
+          <a:xfrm>
+            <a:off x="1190032" y="2420888"/>
+            <a:ext cx="1442566" cy="1442566"/>
+          </a:xfrm>
+          <a:prstGeom prst="rect">
+            <a:avLst/>
+          </a:prstGeom>
+          <a:noFill/>
+          <a:extLst>
+            <a:ext uri="{909E8E84-426E-40DD-AFC4-6F175D3DCCD1}">
+              <a14:hiddenFill xmlns:a14="http://schemas.microsoft.com/office/drawing/2010/main">
+                <a:solidFill>
+                  <a:srgbClr val="FFFFFF"/>
+                </a:solidFill>
+              </a14:hiddenFill>
+            </a:ext>
+          </a:extLst>
+        </p:spPr>
+      </p:pic>
+      <p:pic>
+        <p:nvPicPr>
+          <p:cNvPr id="2051" name="Picture 3" descr="C:\Users\TZeimetz\Desktop\guyfawkes.sh.png"/>
+          <p:cNvPicPr>
+            <a:picLocks noChangeAspect="1" noChangeArrowheads="1"/>
+          </p:cNvPicPr>
+          <p:nvPr/>
+        </p:nvPicPr>
+        <p:blipFill>
+          <a:blip r:embed="rId3" cstate="print">
+            <a:extLst>
+              <a:ext uri="{28A0092B-C50C-407E-A947-70E740481C1C}">
+                <a14:useLocalDpi xmlns:a14="http://schemas.microsoft.com/office/drawing/2010/main" val="0"/>
+              </a:ext>
+            </a:extLst>
+          </a:blip>
+          <a:srcRect/>
+          <a:stretch>
+            <a:fillRect/>
+          </a:stretch>
+        </p:blipFill>
+        <p:spPr bwMode="auto">
+          <a:xfrm>
+            <a:off x="1190032" y="5085184"/>
+            <a:ext cx="1296144" cy="1296144"/>
+          </a:xfrm>
+          <a:prstGeom prst="rect">
+            <a:avLst/>
+          </a:prstGeom>
+          <a:noFill/>
+          <a:extLst>
+            <a:ext uri="{909E8E84-426E-40DD-AFC4-6F175D3DCCD1}">
+              <a14:hiddenFill xmlns:a14="http://schemas.microsoft.com/office/drawing/2010/main">
+                <a:solidFill>
+                  <a:srgbClr val="FFFFFF"/>
+                </a:solidFill>
+              </a14:hiddenFill>
+            </a:ext>
+          </a:extLst>
+        </p:spPr>
+      </p:pic>
+      <p:cxnSp>
+        <p:nvCxnSpPr>
+          <p:cNvPr id="20" name="Gerade Verbindung mit Pfeil 19"/>
+          <p:cNvCxnSpPr/>
+          <p:nvPr/>
+        </p:nvCxnSpPr>
+        <p:spPr>
+          <a:xfrm flipV="1">
+            <a:off x="1835696" y="3933056"/>
+            <a:ext cx="0" cy="1080120"/>
+          </a:xfrm>
+          <a:prstGeom prst="straightConnector1">
+            <a:avLst/>
+          </a:prstGeom>
+          <a:ln w="15875">
+            <a:solidFill>
+              <a:schemeClr val="tx1"/>
+            </a:solidFill>
+            <a:tailEnd type="arrow"/>
+          </a:ln>
+        </p:spPr>
+        <p:style>
+          <a:lnRef idx="1">
+            <a:schemeClr val="accent1"/>
+          </a:lnRef>
+          <a:fillRef idx="0">
+            <a:schemeClr val="accent1"/>
+          </a:fillRef>
+          <a:effectRef idx="0">
+            <a:schemeClr val="accent1"/>
+          </a:effectRef>
+          <a:fontRef idx="minor">
+            <a:schemeClr val="tx1"/>
+          </a:fontRef>
+        </p:style>
+      </p:cxnSp>
+      <p:sp>
+        <p:nvSpPr>
+          <p:cNvPr id="22" name="Textfeld 21"/>
+          <p:cNvSpPr txBox="1"/>
+          <p:nvPr/>
+        </p:nvSpPr>
+        <p:spPr>
+          <a:xfrm>
+            <a:off x="1475656" y="4288450"/>
+            <a:ext cx="360040" cy="369332"/>
+          </a:xfrm>
+          <a:prstGeom prst="rect">
+            <a:avLst/>
+          </a:prstGeom>
+          <a:noFill/>
+        </p:spPr>
+        <p:txBody>
+          <a:bodyPr wrap="square" rtlCol="0">
+            <a:spAutoFit/>
+          </a:bodyPr>
+          <a:lstStyle/>
+          <a:p>
+            <a:r>
+              <a:rPr lang="de-DE" dirty="0" smtClean="0"/>
+              <a:t>1</a:t>
+            </a:r>
+            <a:endParaRPr lang="de-DE" dirty="0"/>
+          </a:p>
+        </p:txBody>
+      </p:sp>
+      <p:pic>
+        <p:nvPicPr>
+          <p:cNvPr id="4098" name="Picture 2" descr="http://freeflaticons.com/wp-content/uploads/2014/09/injection-copy-1411038662nk84g.png"/>
+          <p:cNvPicPr>
+            <a:picLocks noChangeAspect="1" noChangeArrowheads="1"/>
+          </p:cNvPicPr>
+          <p:nvPr/>
+        </p:nvPicPr>
+        <p:blipFill>
+          <a:blip r:embed="rId4" cstate="print">
+            <a:extLst>
+              <a:ext uri="{28A0092B-C50C-407E-A947-70E740481C1C}">
+                <a14:useLocalDpi xmlns:a14="http://schemas.microsoft.com/office/drawing/2010/main" val="0"/>
+              </a:ext>
+            </a:extLst>
+          </a:blip>
+          <a:srcRect/>
+          <a:stretch>
+            <a:fillRect/>
+          </a:stretch>
+        </p:blipFill>
+        <p:spPr bwMode="auto">
+          <a:xfrm>
+            <a:off x="4273178" y="2652413"/>
+            <a:ext cx="674468" cy="674468"/>
+          </a:xfrm>
+          <a:prstGeom prst="rect">
+            <a:avLst/>
+          </a:prstGeom>
+          <a:noFill/>
+          <a:extLst>
+            <a:ext uri="{909E8E84-426E-40DD-AFC4-6F175D3DCCD1}">
+              <a14:hiddenFill xmlns:a14="http://schemas.microsoft.com/office/drawing/2010/main">
+                <a:solidFill>
+                  <a:srgbClr val="FFFFFF"/>
+                </a:solidFill>
+              </a14:hiddenFill>
+            </a:ext>
+          </a:extLst>
+        </p:spPr>
+      </p:pic>
+      <p:cxnSp>
+        <p:nvCxnSpPr>
+          <p:cNvPr id="17" name="Gerade Verbindung mit Pfeil 16"/>
+          <p:cNvCxnSpPr/>
+          <p:nvPr/>
+        </p:nvCxnSpPr>
+        <p:spPr>
+          <a:xfrm flipV="1">
+            <a:off x="2411760" y="3710930"/>
+            <a:ext cx="1800200" cy="1878310"/>
+          </a:xfrm>
+          <a:prstGeom prst="straightConnector1">
+            <a:avLst/>
+          </a:prstGeom>
+          <a:ln w="15875">
+            <a:solidFill>
+              <a:srgbClr val="FF0000"/>
+            </a:solidFill>
+            <a:prstDash val="dash"/>
+            <a:tailEnd type="arrow"/>
+          </a:ln>
+        </p:spPr>
+        <p:style>
+          <a:lnRef idx="1">
+            <a:schemeClr val="accent1"/>
+          </a:lnRef>
+          <a:fillRef idx="0">
+            <a:schemeClr val="accent1"/>
+          </a:fillRef>
+          <a:effectRef idx="0">
+            <a:schemeClr val="accent1"/>
+          </a:effectRef>
+          <a:fontRef idx="minor">
+            <a:schemeClr val="tx1"/>
+          </a:fontRef>
+        </p:style>
+      </p:cxnSp>
+      <p:sp>
+        <p:nvSpPr>
+          <p:cNvPr id="21" name="Textfeld 20"/>
+          <p:cNvSpPr txBox="1"/>
+          <p:nvPr/>
+        </p:nvSpPr>
+        <p:spPr>
+          <a:xfrm>
+            <a:off x="3419872" y="4608561"/>
+            <a:ext cx="1584176" cy="369332"/>
+          </a:xfrm>
+          <a:prstGeom prst="rect">
+            <a:avLst/>
+          </a:prstGeom>
+          <a:noFill/>
+        </p:spPr>
+        <p:txBody>
+          <a:bodyPr wrap="square" rtlCol="0">
+            <a:spAutoFit/>
+          </a:bodyPr>
+          <a:lstStyle/>
+          <a:p>
+            <a:r>
+              <a:rPr lang="de-DE" dirty="0" smtClean="0"/>
+              <a:t>NS-Records</a:t>
+            </a:r>
+            <a:endParaRPr lang="de-DE" dirty="0"/>
+          </a:p>
+        </p:txBody>
+      </p:sp>
+      <p:pic>
+        <p:nvPicPr>
+          <p:cNvPr id="5122" name="Picture 2" descr="http://www.cmdsonline.com/wp-content/uploads/top-level-domain.jpg"/>
+          <p:cNvPicPr>
+            <a:picLocks noChangeAspect="1" noChangeArrowheads="1"/>
+          </p:cNvPicPr>
+          <p:nvPr/>
+        </p:nvPicPr>
+        <p:blipFill>
+          <a:blip r:embed="rId5" cstate="print">
+            <a:extLst>
+              <a:ext uri="{28A0092B-C50C-407E-A947-70E740481C1C}">
+                <a14:useLocalDpi xmlns:a14="http://schemas.microsoft.com/office/drawing/2010/main" val="0"/>
+              </a:ext>
+            </a:extLst>
+          </a:blip>
+          <a:srcRect/>
+          <a:stretch>
+            <a:fillRect/>
+          </a:stretch>
+        </p:blipFill>
+        <p:spPr bwMode="auto">
+          <a:xfrm>
+            <a:off x="6549329" y="3553568"/>
+            <a:ext cx="1911103" cy="955552"/>
+          </a:xfrm>
+          <a:prstGeom prst="rect">
+            <a:avLst/>
+          </a:prstGeom>
+          <a:noFill/>
+          <a:extLst>
+            <a:ext uri="{909E8E84-426E-40DD-AFC4-6F175D3DCCD1}">
+              <a14:hiddenFill xmlns:a14="http://schemas.microsoft.com/office/drawing/2010/main">
+                <a:solidFill>
+                  <a:srgbClr val="FFFFFF"/>
+                </a:solidFill>
+              </a14:hiddenFill>
+            </a:ext>
+          </a:extLst>
+        </p:spPr>
+      </p:pic>
+      <p:pic>
+        <p:nvPicPr>
+          <p:cNvPr id="5" name="Picture 2" descr="C:\Users\TZeimetz\Desktop\server-square.png"/>
+          <p:cNvPicPr>
+            <a:picLocks noChangeAspect="1" noChangeArrowheads="1"/>
+          </p:cNvPicPr>
+          <p:nvPr/>
+        </p:nvPicPr>
+        <p:blipFill>
+          <a:blip r:embed="rId2">
+            <a:extLst>
+              <a:ext uri="{28A0092B-C50C-407E-A947-70E740481C1C}">
+                <a14:useLocalDpi xmlns:a14="http://schemas.microsoft.com/office/drawing/2010/main" val="0"/>
+              </a:ext>
+            </a:extLst>
+          </a:blip>
+          <a:srcRect/>
+          <a:stretch>
+            <a:fillRect/>
+          </a:stretch>
+        </p:blipFill>
+        <p:spPr bwMode="auto">
+          <a:xfrm>
+            <a:off x="6804248" y="2268364"/>
+            <a:ext cx="1442566" cy="1442566"/>
+          </a:xfrm>
+          <a:prstGeom prst="rect">
+            <a:avLst/>
+          </a:prstGeom>
+          <a:noFill/>
+          <a:extLst>
+            <a:ext uri="{909E8E84-426E-40DD-AFC4-6F175D3DCCD1}">
+              <a14:hiddenFill xmlns:a14="http://schemas.microsoft.com/office/drawing/2010/main">
+                <a:solidFill>
+                  <a:srgbClr val="FFFFFF"/>
+                </a:solidFill>
+              </a14:hiddenFill>
+            </a:ext>
+          </a:extLst>
+        </p:spPr>
+      </p:pic>
+    </p:spTree>
+    <p:extLst>
+      <p:ext uri="{BB962C8B-B14F-4D97-AF65-F5344CB8AC3E}">
+        <p14:creationId xmlns:p14="http://schemas.microsoft.com/office/powerpoint/2010/main" val="38910770"/>
+      </p:ext>
+    </p:extLst>
+  </p:cSld>
+  <p:clrMapOvr>
+    <a:masterClrMapping/>
+  </p:clrMapOvr>
+  <p:timing>
+    <p:tnLst>
+      <p:par>
+        <p:cTn id="1" dur="indefinite" restart="never" nodeType="tmRoot"/>
+      </p:par>
+    </p:tnLst>
+  </p:timing>
+</p:sld>
+</file>
+
+<file path=ppt/slides/slide18.xml><?xml version="1.0" encoding="utf-8"?>
+<p:sld xmlns:a="http://schemas.openxmlformats.org/drawingml/2006/main" xmlns:r="http://schemas.openxmlformats.org/officeDocument/2006/relationships" xmlns:p="http://schemas.openxmlformats.org/presentationml/2006/main">
+  <p:cSld>
+    <p:spTree>
+      <p:nvGrpSpPr>
+        <p:cNvPr id="1" name=""/>
+        <p:cNvGrpSpPr/>
+        <p:nvPr/>
+      </p:nvGrpSpPr>
+      <p:grpSpPr>
+        <a:xfrm>
+          <a:off x="0" y="0"/>
+          <a:ext cx="0" cy="0"/>
+          <a:chOff x="0" y="0"/>
+          <a:chExt cx="0" cy="0"/>
+        </a:xfrm>
+      </p:grpSpPr>
+      <p:sp>
+        <p:nvSpPr>
+          <p:cNvPr id="2" name="Titel 1"/>
+          <p:cNvSpPr>
+            <a:spLocks noGrp="1"/>
+          </p:cNvSpPr>
+          <p:nvPr>
+            <p:ph type="title"/>
+          </p:nvPr>
+        </p:nvSpPr>
+        <p:spPr/>
+        <p:txBody>
+          <a:bodyPr>
+            <a:normAutofit fontScale="90000"/>
+          </a:bodyPr>
+          <a:lstStyle/>
+          <a:p>
+            <a:r>
+              <a:rPr lang="de-DE" dirty="0" smtClean="0"/>
+              <a:t>Versuchsreihen und Vorgehensweisen</a:t>
+            </a:r>
+            <a:endParaRPr lang="de-DE" dirty="0"/>
+          </a:p>
+        </p:txBody>
+      </p:sp>
+      <p:sp>
+        <p:nvSpPr>
+          <p:cNvPr id="3" name="Inhaltsplatzhalter 2"/>
+          <p:cNvSpPr>
+            <a:spLocks noGrp="1"/>
+          </p:cNvSpPr>
+          <p:nvPr>
+            <p:ph sz="quarter" idx="1"/>
+          </p:nvPr>
+        </p:nvSpPr>
+        <p:spPr/>
+        <p:txBody>
+          <a:bodyPr/>
+          <a:lstStyle/>
+          <a:p>
+            <a:r>
+              <a:rPr lang="de-DE" dirty="0" smtClean="0"/>
+              <a:t>Versuche</a:t>
+            </a:r>
+          </a:p>
+          <a:p>
+            <a:pPr lvl="1"/>
+            <a:r>
+              <a:rPr lang="de-DE" dirty="0" smtClean="0"/>
+              <a:t>BIND4, BIND8 (mehrere Versionen) und </a:t>
+            </a:r>
+            <a:br>
+              <a:rPr lang="de-DE" dirty="0" smtClean="0"/>
+            </a:br>
+            <a:r>
+              <a:rPr lang="de-DE" dirty="0" smtClean="0"/>
+              <a:t>BIND9 (mehrere Versionen)</a:t>
+            </a:r>
+          </a:p>
+          <a:p>
+            <a:pPr lvl="1"/>
+            <a:r>
+              <a:rPr lang="de-DE" dirty="0" smtClean="0"/>
+              <a:t>Mit unterschiedlichen </a:t>
+            </a:r>
+            <a:r>
+              <a:rPr lang="de-DE" dirty="0" err="1" smtClean="0"/>
+              <a:t>Betriebsystemen</a:t>
+            </a:r>
+            <a:endParaRPr lang="de-DE" dirty="0" smtClean="0"/>
+          </a:p>
+          <a:p>
+            <a:pPr lvl="2"/>
+            <a:r>
+              <a:rPr lang="de-DE" dirty="0" smtClean="0"/>
+              <a:t>Ubuntu 8, 14 und 16</a:t>
+            </a:r>
+          </a:p>
+          <a:p>
+            <a:pPr lvl="2"/>
+            <a:r>
+              <a:rPr lang="de-DE" dirty="0" smtClean="0"/>
+              <a:t>Suse</a:t>
+            </a:r>
+          </a:p>
+          <a:p>
+            <a:pPr lvl="2"/>
+            <a:r>
+              <a:rPr lang="de-DE" dirty="0" err="1" smtClean="0"/>
+              <a:t>centOS</a:t>
+            </a:r>
+            <a:endParaRPr lang="de-DE" dirty="0" smtClean="0"/>
+          </a:p>
+          <a:p>
+            <a:pPr lvl="2"/>
+            <a:r>
+              <a:rPr lang="de-DE" dirty="0" err="1" smtClean="0"/>
+              <a:t>Manjaro</a:t>
+            </a:r>
+            <a:endParaRPr lang="de-DE" dirty="0" smtClean="0"/>
+          </a:p>
+          <a:p>
+            <a:pPr lvl="1"/>
+            <a:endParaRPr lang="de-DE" dirty="0"/>
+          </a:p>
+        </p:txBody>
+      </p:sp>
+    </p:spTree>
+    <p:extLst>
+      <p:ext uri="{BB962C8B-B14F-4D97-AF65-F5344CB8AC3E}">
+        <p14:creationId xmlns:p14="http://schemas.microsoft.com/office/powerpoint/2010/main" val="1818596622"/>
+      </p:ext>
+    </p:extLst>
+  </p:cSld>
+  <p:clrMapOvr>
+    <a:masterClrMapping/>
+  </p:clrMapOvr>
+</p:sld>
+</file>
+
+<file path=ppt/slides/slide19.xml><?xml version="1.0" encoding="utf-8"?>
+<p:sld xmlns:a="http://schemas.openxmlformats.org/drawingml/2006/main" xmlns:r="http://schemas.openxmlformats.org/officeDocument/2006/relationships" xmlns:p="http://schemas.openxmlformats.org/presentationml/2006/main">
+  <p:cSld>
+    <p:spTree>
+      <p:nvGrpSpPr>
+        <p:cNvPr id="1" name=""/>
+        <p:cNvGrpSpPr/>
+        <p:nvPr/>
+      </p:nvGrpSpPr>
+      <p:grpSpPr>
+        <a:xfrm>
+          <a:off x="0" y="0"/>
+          <a:ext cx="0" cy="0"/>
+          <a:chOff x="0" y="0"/>
+          <a:chExt cx="0" cy="0"/>
+        </a:xfrm>
+      </p:grpSpPr>
       <p:sp>
         <p:nvSpPr>
           <p:cNvPr id="2" name="Titel 1"/>
@@ -4511,8 +7252,8 @@
           </a:p>
         </p:txBody>
       </p:sp>
-      <mc:AlternateContent xmlns:mc="http://schemas.openxmlformats.org/markup-compatibility/2006" xmlns:a14="http://schemas.microsoft.com/office/drawing/2010/main">
-        <mc:Choice Requires="a14">
+      <mc:AlternateContent xmlns:mc="http://schemas.openxmlformats.org/markup-compatibility/2006">
+        <mc:Choice xmlns:a14="http://schemas.microsoft.com/office/drawing/2010/main" Requires="a14">
           <p:sp>
             <p:nvSpPr>
               <p:cNvPr id="3" name="Inhaltsplatzhalter 2"/>
@@ -4544,7 +7285,7 @@
                       <m:fPr>
                         <m:ctrlPr>
                           <a:rPr lang="de-DE" i="1" smtClean="0">
-                            <a:latin typeface="Cambria Math" panose="02040503050406030204" pitchFamily="18" charset="0"/>
+                            <a:latin typeface="Cambria Math"/>
                           </a:rPr>
                         </m:ctrlPr>
                       </m:fPr>
@@ -4561,7 +7302,7 @@
                           <m:sSupPr>
                             <m:ctrlPr>
                               <a:rPr lang="de-DE" i="1" smtClean="0">
-                                <a:latin typeface="Cambria Math" panose="02040503050406030204" pitchFamily="18" charset="0"/>
+                                <a:latin typeface="Cambria Math"/>
                               </a:rPr>
                             </m:ctrlPr>
                           </m:sSupPr>
@@ -4638,7 +7379,7 @@
                       <m:fPr>
                         <m:ctrlPr>
                           <a:rPr lang="de-DE" i="1" smtClean="0">
-                            <a:latin typeface="Cambria Math" panose="02040503050406030204" pitchFamily="18" charset="0"/>
+                            <a:latin typeface="Cambria Math"/>
                           </a:rPr>
                         </m:ctrlPr>
                       </m:fPr>
@@ -4655,7 +7396,7 @@
                           <m:sSupPr>
                             <m:ctrlPr>
                               <a:rPr lang="de-DE" i="1" smtClean="0">
-                                <a:latin typeface="Cambria Math" panose="02040503050406030204" pitchFamily="18" charset="0"/>
+                                <a:latin typeface="Cambria Math"/>
                               </a:rPr>
                             </m:ctrlPr>
                           </m:sSupPr>
@@ -4736,7 +7477,11 @@
                 </a:r>
                 <a:r>
                   <a:rPr lang="de-DE" dirty="0" smtClean="0"/>
-                  <a:t>wikipedia.de z.B. 11 Buchstaben, also:</a:t>
+                  <a:t>www.wikipedia.de </a:t>
+                </a:r>
+                <a:r>
+                  <a:rPr lang="de-DE" dirty="0" smtClean="0"/>
+                  <a:t>z.B. 11 Buchstaben, also:</a:t>
                 </a:r>
               </a:p>
               <a:p>
@@ -4747,7 +7492,7 @@
                       <m:fPr>
                         <m:ctrlPr>
                           <a:rPr lang="de-DE" i="1">
-                            <a:latin typeface="Cambria Math" panose="02040503050406030204" pitchFamily="18" charset="0"/>
+                            <a:latin typeface="Cambria Math"/>
                           </a:rPr>
                         </m:ctrlPr>
                       </m:fPr>
@@ -4764,7 +7509,7 @@
                           <m:sSupPr>
                             <m:ctrlPr>
                               <a:rPr lang="de-DE" i="1">
-                                <a:latin typeface="Cambria Math" panose="02040503050406030204" pitchFamily="18" charset="0"/>
+                                <a:latin typeface="Cambria Math"/>
                               </a:rPr>
                             </m:ctrlPr>
                           </m:sSupPr>
@@ -4781,7 +7526,13 @@
                               <a:rPr lang="de-DE">
                                 <a:latin typeface="Cambria Math" panose="02040503050406030204" pitchFamily="18" charset="0"/>
                               </a:rPr>
-                              <m:t>11</m:t>
+                              <m:t>1</m:t>
+                            </m:r>
+                            <m:r>
+                              <a:rPr lang="de-DE" b="0" i="1" smtClean="0">
+                                <a:latin typeface="Cambria Math"/>
+                              </a:rPr>
+                              <m:t>4</m:t>
                             </m:r>
                           </m:sup>
                         </m:sSup>
@@ -4797,8 +7548,8 @@
                       <m:rPr>
                         <m:nor/>
                       </m:rPr>
-                      <a:rPr lang="de-DE" dirty="0"/>
-                      <m:t>0,00048828125</m:t>
+                      <a:rPr lang="de-DE"/>
+                      <m:t>0.00006103515</m:t>
                     </m:r>
                   </m:oMath>
                 </a14:m>
@@ -4824,7 +7575,7 @@
             </p:txBody>
           </p:sp>
         </mc:Choice>
-        <mc:Fallback xmlns="">
+        <mc:Fallback>
           <p:sp>
             <p:nvSpPr>
               <p:cNvPr id="3" name="Inhaltsplatzhalter 2"/>
@@ -4836,7 +7587,7 @@
               </p:nvPr>
             </p:nvSpPr>
             <p:spPr>
-              <a:blipFill rotWithShape="0">
+              <a:blipFill rotWithShape="1">
                 <a:blip r:embed="rId2"/>
                 <a:stretch>
                   <a:fillRect l="-449" t="-1357"/>

--- a/Präsentationen/PT3.pptx
+++ b/Präsentationen/PT3.pptx
@@ -10,20 +10,25 @@
     <p:sldId id="258" r:id="rId4"/>
     <p:sldId id="260" r:id="rId5"/>
     <p:sldId id="265" r:id="rId6"/>
-    <p:sldId id="266" r:id="rId7"/>
-    <p:sldId id="268" r:id="rId8"/>
-    <p:sldId id="269" r:id="rId9"/>
-    <p:sldId id="271" r:id="rId10"/>
-    <p:sldId id="262" r:id="rId11"/>
-    <p:sldId id="274" r:id="rId12"/>
-    <p:sldId id="263" r:id="rId13"/>
-    <p:sldId id="279" r:id="rId14"/>
-    <p:sldId id="272" r:id="rId15"/>
-    <p:sldId id="276" r:id="rId16"/>
-    <p:sldId id="277" r:id="rId17"/>
-    <p:sldId id="278" r:id="rId18"/>
-    <p:sldId id="273" r:id="rId19"/>
-    <p:sldId id="264" r:id="rId20"/>
+    <p:sldId id="281" r:id="rId7"/>
+    <p:sldId id="280" r:id="rId8"/>
+    <p:sldId id="266" r:id="rId9"/>
+    <p:sldId id="268" r:id="rId10"/>
+    <p:sldId id="282" r:id="rId11"/>
+    <p:sldId id="283" r:id="rId12"/>
+    <p:sldId id="269" r:id="rId13"/>
+    <p:sldId id="271" r:id="rId14"/>
+    <p:sldId id="262" r:id="rId15"/>
+    <p:sldId id="284" r:id="rId16"/>
+    <p:sldId id="274" r:id="rId17"/>
+    <p:sldId id="263" r:id="rId18"/>
+    <p:sldId id="279" r:id="rId19"/>
+    <p:sldId id="272" r:id="rId20"/>
+    <p:sldId id="276" r:id="rId21"/>
+    <p:sldId id="277" r:id="rId22"/>
+    <p:sldId id="278" r:id="rId23"/>
+    <p:sldId id="273" r:id="rId24"/>
+    <p:sldId id="264" r:id="rId25"/>
   </p:sldIdLst>
   <p:sldSz cx="9144000" cy="6858000" type="screen4x3"/>
   <p:notesSz cx="6858000" cy="9144000"/>
@@ -124,7 +129,7 @@
   </p:defaultTextStyle>
   <p:extLst>
     <p:ext uri="{EFAFB233-063F-42B5-8137-9DF3F51BA10A}">
-      <p15:sldGuideLst xmlns:p15="http://schemas.microsoft.com/office/powerpoint/2012/main" xmlns="">
+      <p15:sldGuideLst xmlns:p15="http://schemas.microsoft.com/office/powerpoint/2012/main">
         <p15:guide id="1" orient="horz" pos="2160">
           <p15:clr>
             <a:srgbClr val="A4A3A4"/>
@@ -3863,17 +3868,13 @@
         </p:nvSpPr>
         <p:spPr/>
         <p:txBody>
-          <a:bodyPr>
-            <a:normAutofit/>
-          </a:bodyPr>
-          <a:lstStyle/>
-          <a:p>
-            <a:pPr lvl="0"/>
-            <a:r>
-              <a:rPr lang="de-DE" dirty="0" smtClean="0"/>
-              <a:t>Der Angriff</a:t>
-            </a:r>
-            <a:endParaRPr lang="de-DE" dirty="0"/>
+          <a:bodyPr/>
+          <a:lstStyle/>
+          <a:p>
+            <a:r>
+              <a:rPr lang="de-DE" dirty="0"/>
+              <a:t>Grundlagen des Angriffs</a:t>
+            </a:r>
           </a:p>
         </p:txBody>
       </p:sp>
@@ -3901,15 +3902,15 @@
         </p:blipFill>
         <p:spPr>
           <a:xfrm>
-            <a:off x="612648" y="1628799"/>
-            <a:ext cx="5903568" cy="5050645"/>
+            <a:off x="251520" y="1988840"/>
+            <a:ext cx="8419395" cy="2304256"/>
           </a:xfrm>
         </p:spPr>
       </p:pic>
     </p:spTree>
     <p:extLst>
       <p:ext uri="{BB962C8B-B14F-4D97-AF65-F5344CB8AC3E}">
-        <p14:creationId xmlns:p14="http://schemas.microsoft.com/office/powerpoint/2010/main" val="1726158280"/>
+        <p14:creationId xmlns:p14="http://schemas.microsoft.com/office/powerpoint/2010/main" val="947012039"/>
       </p:ext>
     </p:extLst>
   </p:cSld>
@@ -3960,49 +3961,20 @@
           <a:p>
             <a:r>
               <a:rPr lang="de-DE" dirty="0"/>
-              <a:t>Der Angriff</a:t>
-            </a:r>
-          </a:p>
-        </p:txBody>
-      </p:sp>
-      <p:sp>
-        <p:nvSpPr>
-          <p:cNvPr id="3" name="Inhaltsplatzhalter 2"/>
-          <p:cNvSpPr>
-            <a:spLocks noGrp="1"/>
-          </p:cNvSpPr>
-          <p:nvPr>
-            <p:ph sz="quarter" idx="1"/>
-          </p:nvPr>
-        </p:nvSpPr>
-        <p:spPr/>
-        <p:txBody>
-          <a:bodyPr/>
-          <a:lstStyle/>
-          <a:p>
-            <a:r>
-              <a:rPr lang="de-DE" dirty="0" smtClean="0"/>
-              <a:t>Beispiel </a:t>
-            </a:r>
-            <a:r>
-              <a:rPr lang="de-DE" dirty="0"/>
-              <a:t>Antwort von </a:t>
-            </a:r>
-            <a:r>
-              <a:rPr lang="de-DE" dirty="0" err="1"/>
-              <a:t>forged_ns_response</a:t>
-            </a:r>
-            <a:endParaRPr lang="de-DE" dirty="0" smtClean="0"/>
+              <a:t>Grundlagen des Angriffs</a:t>
+            </a:r>
           </a:p>
         </p:txBody>
       </p:sp>
       <p:pic>
         <p:nvPicPr>
-          <p:cNvPr id="4" name="Grafik 3"/>
+          <p:cNvPr id="4" name="Inhaltsplatzhalter 3"/>
           <p:cNvPicPr>
-            <a:picLocks noChangeAspect="1"/>
+            <a:picLocks noGrp="1" noChangeAspect="1"/>
           </p:cNvPicPr>
-          <p:nvPr/>
+          <p:nvPr>
+            <p:ph sz="quarter" idx="1"/>
+          </p:nvPr>
         </p:nvPicPr>
         <p:blipFill>
           <a:blip r:embed="rId2">
@@ -4018,18 +3990,15 @@
         </p:blipFill>
         <p:spPr>
           <a:xfrm>
-            <a:off x="899592" y="2667720"/>
-            <a:ext cx="7271720" cy="2360759"/>
-          </a:xfrm>
-          <a:prstGeom prst="rect">
-            <a:avLst/>
-          </a:prstGeom>
+            <a:off x="212278" y="1916832"/>
+            <a:ext cx="8569417" cy="4176464"/>
+          </a:xfrm>
         </p:spPr>
       </p:pic>
     </p:spTree>
     <p:extLst>
       <p:ext uri="{BB962C8B-B14F-4D97-AF65-F5344CB8AC3E}">
-        <p14:creationId xmlns:p14="http://schemas.microsoft.com/office/powerpoint/2010/main" val="3412970651"/>
+        <p14:creationId xmlns:p14="http://schemas.microsoft.com/office/powerpoint/2010/main" val="4613058"/>
       </p:ext>
     </p:extLst>
   </p:cSld>
@@ -4075,14 +4044,12 @@
         </p:nvSpPr>
         <p:spPr/>
         <p:txBody>
-          <a:bodyPr>
-            <a:normAutofit fontScale="90000"/>
-          </a:bodyPr>
+          <a:bodyPr/>
           <a:lstStyle/>
           <a:p>
             <a:r>
               <a:rPr lang="de-DE" dirty="0" smtClean="0"/>
-              <a:t>Versuchsreihen und Vorgehensweisen</a:t>
+              <a:t>Das Setup und die Konfigurationen</a:t>
             </a:r>
             <a:endParaRPr lang="de-DE" dirty="0"/>
           </a:p>
@@ -4103,23 +4070,30 @@
           <a:bodyPr/>
           <a:lstStyle/>
           <a:p>
+            <a:pPr lvl="0"/>
+            <a:r>
+              <a:rPr lang="de-DE" dirty="0" err="1" smtClean="0"/>
+              <a:t>Attacker</a:t>
+            </a:r>
             <a:r>
               <a:rPr lang="de-DE" dirty="0" smtClean="0"/>
-              <a:t>Erster Schritt</a:t>
-            </a:r>
-            <a:r>
-              <a:rPr lang="de-DE" dirty="0" smtClean="0"/>
-              <a:t>:</a:t>
+              <a:t>-DNS als Python-Programm</a:t>
             </a:r>
             <a:endParaRPr lang="de-DE" dirty="0"/>
+          </a:p>
+          <a:p>
+            <a:pPr marL="0" lvl="0" indent="0">
+              <a:buNone/>
+            </a:pPr>
+            <a:endParaRPr lang="de-DE" dirty="0" smtClean="0"/>
           </a:p>
         </p:txBody>
       </p:sp>
       <p:pic>
         <p:nvPicPr>
-          <p:cNvPr id="1027" name="Picture 3" descr="C:\Users\TZeimetz\Desktop\firefox-256.e2c1fc556816.jpg"/>
+          <p:cNvPr id="4" name="Grafik 3"/>
           <p:cNvPicPr>
-            <a:picLocks noChangeAspect="1" noChangeArrowheads="1"/>
+            <a:picLocks noChangeAspect="1"/>
           </p:cNvPicPr>
           <p:nvPr/>
         </p:nvPicPr>
@@ -4131,595 +4105,24 @@
               </a:ext>
             </a:extLst>
           </a:blip>
-          <a:srcRect/>
           <a:stretch>
             <a:fillRect/>
           </a:stretch>
         </p:blipFill>
-        <p:spPr bwMode="auto">
-          <a:xfrm>
-            <a:off x="1176874" y="5202591"/>
-            <a:ext cx="1296144" cy="1296144"/>
+        <p:spPr>
+          <a:xfrm>
+            <a:off x="755575" y="2204864"/>
+            <a:ext cx="8010711" cy="3528392"/>
           </a:xfrm>
           <a:prstGeom prst="rect">
             <a:avLst/>
           </a:prstGeom>
-          <a:noFill/>
-          <a:extLst>
-            <a:ext uri="{909E8E84-426E-40DD-AFC4-6F175D3DCCD1}">
-              <a14:hiddenFill xmlns:a14="http://schemas.microsoft.com/office/drawing/2010/main">
-                <a:solidFill>
-                  <a:srgbClr val="FFFFFF"/>
-                </a:solidFill>
-              </a14:hiddenFill>
-            </a:ext>
-          </a:extLst>
         </p:spPr>
       </p:pic>
-      <p:pic>
-        <p:nvPicPr>
-          <p:cNvPr id="7" name="Picture 2" descr="C:\Users\TZeimetz\Desktop\server-square.png"/>
-          <p:cNvPicPr>
-            <a:picLocks noChangeAspect="1" noChangeArrowheads="1"/>
-          </p:cNvPicPr>
-          <p:nvPr/>
-        </p:nvPicPr>
-        <p:blipFill>
-          <a:blip r:embed="rId3">
-            <a:extLst>
-              <a:ext uri="{28A0092B-C50C-407E-A947-70E740481C1C}">
-                <a14:useLocalDpi xmlns:a14="http://schemas.microsoft.com/office/drawing/2010/main" val="0"/>
-              </a:ext>
-            </a:extLst>
-          </a:blip>
-          <a:srcRect/>
-          <a:stretch>
-            <a:fillRect/>
-          </a:stretch>
-        </p:blipFill>
-        <p:spPr bwMode="auto">
-          <a:xfrm>
-            <a:off x="1190032" y="2420888"/>
-            <a:ext cx="1442566" cy="1442566"/>
-          </a:xfrm>
-          <a:prstGeom prst="rect">
-            <a:avLst/>
-          </a:prstGeom>
-          <a:noFill/>
-          <a:extLst>
-            <a:ext uri="{909E8E84-426E-40DD-AFC4-6F175D3DCCD1}">
-              <a14:hiddenFill xmlns:a14="http://schemas.microsoft.com/office/drawing/2010/main">
-                <a:solidFill>
-                  <a:srgbClr val="FFFFFF"/>
-                </a:solidFill>
-              </a14:hiddenFill>
-            </a:ext>
-          </a:extLst>
-        </p:spPr>
-      </p:pic>
-      <p:pic>
-        <p:nvPicPr>
-          <p:cNvPr id="8" name="Picture 2" descr="C:\Users\TZeimetz\Desktop\server-square.png"/>
-          <p:cNvPicPr>
-            <a:picLocks noChangeAspect="1" noChangeArrowheads="1"/>
-          </p:cNvPicPr>
-          <p:nvPr/>
-        </p:nvPicPr>
-        <p:blipFill>
-          <a:blip r:embed="rId3">
-            <a:extLst>
-              <a:ext uri="{28A0092B-C50C-407E-A947-70E740481C1C}">
-                <a14:useLocalDpi xmlns:a14="http://schemas.microsoft.com/office/drawing/2010/main" val="0"/>
-              </a:ext>
-            </a:extLst>
-          </a:blip>
-          <a:srcRect/>
-          <a:stretch>
-            <a:fillRect/>
-          </a:stretch>
-        </p:blipFill>
-        <p:spPr bwMode="auto">
-          <a:xfrm>
-            <a:off x="3998344" y="2364949"/>
-            <a:ext cx="1442566" cy="1442566"/>
-          </a:xfrm>
-          <a:prstGeom prst="rect">
-            <a:avLst/>
-          </a:prstGeom>
-          <a:noFill/>
-          <a:extLst>
-            <a:ext uri="{909E8E84-426E-40DD-AFC4-6F175D3DCCD1}">
-              <a14:hiddenFill xmlns:a14="http://schemas.microsoft.com/office/drawing/2010/main">
-                <a:solidFill>
-                  <a:srgbClr val="FFFFFF"/>
-                </a:solidFill>
-              </a14:hiddenFill>
-            </a:ext>
-          </a:extLst>
-        </p:spPr>
-      </p:pic>
-      <p:pic>
-        <p:nvPicPr>
-          <p:cNvPr id="1028" name="Picture 4" descr="C:\Users\TZeimetz\Desktop\guyfawkes.sh.png"/>
-          <p:cNvPicPr>
-            <a:picLocks noChangeAspect="1" noChangeArrowheads="1"/>
-          </p:cNvPicPr>
-          <p:nvPr/>
-        </p:nvPicPr>
-        <p:blipFill>
-          <a:blip r:embed="rId4" cstate="print">
-            <a:extLst>
-              <a:ext uri="{28A0092B-C50C-407E-A947-70E740481C1C}">
-                <a14:useLocalDpi xmlns:a14="http://schemas.microsoft.com/office/drawing/2010/main" val="0"/>
-              </a:ext>
-            </a:extLst>
-          </a:blip>
-          <a:srcRect/>
-          <a:stretch>
-            <a:fillRect/>
-          </a:stretch>
-        </p:blipFill>
-        <p:spPr bwMode="auto">
-          <a:xfrm>
-            <a:off x="3779554" y="3186913"/>
-            <a:ext cx="940073" cy="940073"/>
-          </a:xfrm>
-          <a:prstGeom prst="rect">
-            <a:avLst/>
-          </a:prstGeom>
-          <a:noFill/>
-          <a:extLst>
-            <a:ext uri="{909E8E84-426E-40DD-AFC4-6F175D3DCCD1}">
-              <a14:hiddenFill xmlns:a14="http://schemas.microsoft.com/office/drawing/2010/main">
-                <a:solidFill>
-                  <a:srgbClr val="FFFFFF"/>
-                </a:solidFill>
-              </a14:hiddenFill>
-            </a:ext>
-          </a:extLst>
-        </p:spPr>
-      </p:pic>
-      <p:cxnSp>
-        <p:nvCxnSpPr>
-          <p:cNvPr id="5" name="Gerade Verbindung mit Pfeil 4"/>
-          <p:cNvCxnSpPr/>
-          <p:nvPr/>
-        </p:nvCxnSpPr>
-        <p:spPr>
-          <a:xfrm>
-            <a:off x="2632598" y="2636912"/>
-            <a:ext cx="1221730" cy="0"/>
-          </a:xfrm>
-          <a:prstGeom prst="straightConnector1">
-            <a:avLst/>
-          </a:prstGeom>
-          <a:ln w="15875">
-            <a:solidFill>
-              <a:schemeClr val="tx1"/>
-            </a:solidFill>
-            <a:tailEnd type="arrow"/>
-          </a:ln>
-        </p:spPr>
-        <p:style>
-          <a:lnRef idx="1">
-            <a:schemeClr val="accent1"/>
-          </a:lnRef>
-          <a:fillRef idx="0">
-            <a:schemeClr val="accent1"/>
-          </a:fillRef>
-          <a:effectRef idx="0">
-            <a:schemeClr val="accent1"/>
-          </a:effectRef>
-          <a:fontRef idx="minor">
-            <a:schemeClr val="tx1"/>
-          </a:fontRef>
-        </p:style>
-      </p:cxnSp>
-      <p:pic>
-        <p:nvPicPr>
-          <p:cNvPr id="1030" name="Picture 6" descr="C:\Users\TZeimetz\Desktop\fdasdf.JPG"/>
-          <p:cNvPicPr>
-            <a:picLocks noChangeAspect="1" noChangeArrowheads="1"/>
-          </p:cNvPicPr>
-          <p:nvPr/>
-        </p:nvPicPr>
-        <p:blipFill>
-          <a:blip r:embed="rId5" cstate="print">
-            <a:extLst>
-              <a:ext uri="{28A0092B-C50C-407E-A947-70E740481C1C}">
-                <a14:useLocalDpi xmlns:a14="http://schemas.microsoft.com/office/drawing/2010/main" val="0"/>
-              </a:ext>
-            </a:extLst>
-          </a:blip>
-          <a:srcRect/>
-          <a:stretch>
-            <a:fillRect/>
-          </a:stretch>
-        </p:blipFill>
-        <p:spPr bwMode="auto">
-          <a:xfrm>
-            <a:off x="6982691" y="2265820"/>
-            <a:ext cx="1403073" cy="1640825"/>
-          </a:xfrm>
-          <a:prstGeom prst="rect">
-            <a:avLst/>
-          </a:prstGeom>
-          <a:noFill/>
-          <a:extLst>
-            <a:ext uri="{909E8E84-426E-40DD-AFC4-6F175D3DCCD1}">
-              <a14:hiddenFill xmlns:a14="http://schemas.microsoft.com/office/drawing/2010/main">
-                <a:solidFill>
-                  <a:srgbClr val="FFFFFF"/>
-                </a:solidFill>
-              </a14:hiddenFill>
-            </a:ext>
-          </a:extLst>
-        </p:spPr>
-      </p:pic>
-      <p:cxnSp>
-        <p:nvCxnSpPr>
-          <p:cNvPr id="17" name="Gerade Verbindung mit Pfeil 16"/>
-          <p:cNvCxnSpPr/>
-          <p:nvPr/>
-        </p:nvCxnSpPr>
-        <p:spPr>
-          <a:xfrm flipH="1">
-            <a:off x="2632600" y="3086232"/>
-            <a:ext cx="1221728" cy="0"/>
-          </a:xfrm>
-          <a:prstGeom prst="straightConnector1">
-            <a:avLst/>
-          </a:prstGeom>
-          <a:ln w="15875">
-            <a:solidFill>
-              <a:schemeClr val="tx1"/>
-            </a:solidFill>
-            <a:tailEnd type="arrow"/>
-          </a:ln>
-        </p:spPr>
-        <p:style>
-          <a:lnRef idx="1">
-            <a:schemeClr val="accent1"/>
-          </a:lnRef>
-          <a:fillRef idx="0">
-            <a:schemeClr val="accent1"/>
-          </a:fillRef>
-          <a:effectRef idx="0">
-            <a:schemeClr val="accent1"/>
-          </a:effectRef>
-          <a:fontRef idx="minor">
-            <a:schemeClr val="tx1"/>
-          </a:fontRef>
-        </p:style>
-      </p:cxnSp>
-      <p:cxnSp>
-        <p:nvCxnSpPr>
-          <p:cNvPr id="21" name="Gerade Verbindung mit Pfeil 20"/>
-          <p:cNvCxnSpPr/>
-          <p:nvPr/>
-        </p:nvCxnSpPr>
-        <p:spPr>
-          <a:xfrm>
-            <a:off x="5294488" y="2636912"/>
-            <a:ext cx="1584176" cy="0"/>
-          </a:xfrm>
-          <a:prstGeom prst="straightConnector1">
-            <a:avLst/>
-          </a:prstGeom>
-          <a:ln w="15875">
-            <a:solidFill>
-              <a:schemeClr val="tx1"/>
-            </a:solidFill>
-            <a:tailEnd type="arrow"/>
-          </a:ln>
-        </p:spPr>
-        <p:style>
-          <a:lnRef idx="1">
-            <a:schemeClr val="accent1"/>
-          </a:lnRef>
-          <a:fillRef idx="0">
-            <a:schemeClr val="accent1"/>
-          </a:fillRef>
-          <a:effectRef idx="0">
-            <a:schemeClr val="accent1"/>
-          </a:effectRef>
-          <a:fontRef idx="minor">
-            <a:schemeClr val="tx1"/>
-          </a:fontRef>
-        </p:style>
-      </p:cxnSp>
-      <p:cxnSp>
-        <p:nvCxnSpPr>
-          <p:cNvPr id="23" name="Gerade Verbindung mit Pfeil 22"/>
-          <p:cNvCxnSpPr/>
-          <p:nvPr/>
-        </p:nvCxnSpPr>
-        <p:spPr>
-          <a:xfrm flipH="1">
-            <a:off x="5294488" y="2996952"/>
-            <a:ext cx="1584176" cy="0"/>
-          </a:xfrm>
-          <a:prstGeom prst="straightConnector1">
-            <a:avLst/>
-          </a:prstGeom>
-          <a:ln w="15875">
-            <a:solidFill>
-              <a:schemeClr val="tx1"/>
-            </a:solidFill>
-            <a:tailEnd type="arrow"/>
-          </a:ln>
-        </p:spPr>
-        <p:style>
-          <a:lnRef idx="1">
-            <a:schemeClr val="accent1"/>
-          </a:lnRef>
-          <a:fillRef idx="0">
-            <a:schemeClr val="accent1"/>
-          </a:fillRef>
-          <a:effectRef idx="0">
-            <a:schemeClr val="accent1"/>
-          </a:effectRef>
-          <a:fontRef idx="minor">
-            <a:schemeClr val="tx1"/>
-          </a:fontRef>
-        </p:style>
-      </p:cxnSp>
-      <p:cxnSp>
-        <p:nvCxnSpPr>
-          <p:cNvPr id="25" name="Gerade Verbindung mit Pfeil 24"/>
-          <p:cNvCxnSpPr/>
-          <p:nvPr/>
-        </p:nvCxnSpPr>
-        <p:spPr>
-          <a:xfrm flipV="1">
-            <a:off x="1475656" y="4005064"/>
-            <a:ext cx="0" cy="1154574"/>
-          </a:xfrm>
-          <a:prstGeom prst="straightConnector1">
-            <a:avLst/>
-          </a:prstGeom>
-          <a:ln w="15875">
-            <a:solidFill>
-              <a:schemeClr val="tx1"/>
-            </a:solidFill>
-            <a:tailEnd type="arrow"/>
-          </a:ln>
-        </p:spPr>
-        <p:style>
-          <a:lnRef idx="1">
-            <a:schemeClr val="accent1"/>
-          </a:lnRef>
-          <a:fillRef idx="0">
-            <a:schemeClr val="accent1"/>
-          </a:fillRef>
-          <a:effectRef idx="0">
-            <a:schemeClr val="accent1"/>
-          </a:effectRef>
-          <a:fontRef idx="minor">
-            <a:schemeClr val="tx1"/>
-          </a:fontRef>
-        </p:style>
-      </p:cxnSp>
-      <p:cxnSp>
-        <p:nvCxnSpPr>
-          <p:cNvPr id="28" name="Gerade Verbindung mit Pfeil 27"/>
-          <p:cNvCxnSpPr/>
-          <p:nvPr/>
-        </p:nvCxnSpPr>
-        <p:spPr>
-          <a:xfrm>
-            <a:off x="2126136" y="4005064"/>
-            <a:ext cx="0" cy="1154574"/>
-          </a:xfrm>
-          <a:prstGeom prst="straightConnector1">
-            <a:avLst/>
-          </a:prstGeom>
-          <a:ln w="15875">
-            <a:solidFill>
-              <a:schemeClr val="tx1"/>
-            </a:solidFill>
-            <a:tailEnd type="arrow"/>
-          </a:ln>
-        </p:spPr>
-        <p:style>
-          <a:lnRef idx="1">
-            <a:schemeClr val="accent1"/>
-          </a:lnRef>
-          <a:fillRef idx="0">
-            <a:schemeClr val="accent1"/>
-          </a:fillRef>
-          <a:effectRef idx="0">
-            <a:schemeClr val="accent1"/>
-          </a:effectRef>
-          <a:fontRef idx="minor">
-            <a:schemeClr val="tx1"/>
-          </a:fontRef>
-        </p:style>
-      </p:cxnSp>
-      <p:sp>
-        <p:nvSpPr>
-          <p:cNvPr id="26" name="Textfeld 25"/>
-          <p:cNvSpPr txBox="1"/>
-          <p:nvPr/>
-        </p:nvSpPr>
-        <p:spPr>
-          <a:xfrm>
-            <a:off x="1115616" y="4397685"/>
-            <a:ext cx="360040" cy="369332"/>
-          </a:xfrm>
-          <a:prstGeom prst="rect">
-            <a:avLst/>
-          </a:prstGeom>
-          <a:noFill/>
-        </p:spPr>
-        <p:txBody>
-          <a:bodyPr wrap="square" rtlCol="0">
-            <a:spAutoFit/>
-          </a:bodyPr>
-          <a:lstStyle/>
-          <a:p>
-            <a:r>
-              <a:rPr lang="de-DE" dirty="0" smtClean="0"/>
-              <a:t>1</a:t>
-            </a:r>
-            <a:endParaRPr lang="de-DE" dirty="0"/>
-          </a:p>
-        </p:txBody>
-      </p:sp>
-      <p:sp>
-        <p:nvSpPr>
-          <p:cNvPr id="33" name="Textfeld 32"/>
-          <p:cNvSpPr txBox="1"/>
-          <p:nvPr/>
-        </p:nvSpPr>
-        <p:spPr>
-          <a:xfrm>
-            <a:off x="3063443" y="2267580"/>
-            <a:ext cx="360040" cy="369332"/>
-          </a:xfrm>
-          <a:prstGeom prst="rect">
-            <a:avLst/>
-          </a:prstGeom>
-          <a:noFill/>
-        </p:spPr>
-        <p:txBody>
-          <a:bodyPr wrap="square" rtlCol="0">
-            <a:spAutoFit/>
-          </a:bodyPr>
-          <a:lstStyle/>
-          <a:p>
-            <a:r>
-              <a:rPr lang="de-DE" dirty="0"/>
-              <a:t>2</a:t>
-            </a:r>
-            <a:endParaRPr lang="de-DE" dirty="0"/>
-          </a:p>
-        </p:txBody>
-      </p:sp>
-      <p:sp>
-        <p:nvSpPr>
-          <p:cNvPr id="34" name="Textfeld 33"/>
-          <p:cNvSpPr txBox="1"/>
-          <p:nvPr/>
-        </p:nvSpPr>
-        <p:spPr>
-          <a:xfrm>
-            <a:off x="5870552" y="2265820"/>
-            <a:ext cx="360040" cy="369332"/>
-          </a:xfrm>
-          <a:prstGeom prst="rect">
-            <a:avLst/>
-          </a:prstGeom>
-          <a:noFill/>
-        </p:spPr>
-        <p:txBody>
-          <a:bodyPr wrap="square" rtlCol="0">
-            <a:spAutoFit/>
-          </a:bodyPr>
-          <a:lstStyle/>
-          <a:p>
-            <a:r>
-              <a:rPr lang="de-DE" dirty="0"/>
-              <a:t>3</a:t>
-            </a:r>
-            <a:endParaRPr lang="de-DE" dirty="0"/>
-          </a:p>
-        </p:txBody>
-      </p:sp>
-      <p:sp>
-        <p:nvSpPr>
-          <p:cNvPr id="35" name="Textfeld 34"/>
-          <p:cNvSpPr txBox="1"/>
-          <p:nvPr/>
-        </p:nvSpPr>
-        <p:spPr>
-          <a:xfrm>
-            <a:off x="5906556" y="3017766"/>
-            <a:ext cx="360040" cy="369332"/>
-          </a:xfrm>
-          <a:prstGeom prst="rect">
-            <a:avLst/>
-          </a:prstGeom>
-          <a:noFill/>
-        </p:spPr>
-        <p:txBody>
-          <a:bodyPr wrap="square" rtlCol="0">
-            <a:spAutoFit/>
-          </a:bodyPr>
-          <a:lstStyle/>
-          <a:p>
-            <a:r>
-              <a:rPr lang="de-DE" dirty="0"/>
-              <a:t>4</a:t>
-            </a:r>
-            <a:endParaRPr lang="de-DE" dirty="0"/>
-          </a:p>
-        </p:txBody>
-      </p:sp>
-      <p:sp>
-        <p:nvSpPr>
-          <p:cNvPr id="36" name="Textfeld 35"/>
-          <p:cNvSpPr txBox="1"/>
-          <p:nvPr/>
-        </p:nvSpPr>
-        <p:spPr>
-          <a:xfrm>
-            <a:off x="3063443" y="3086232"/>
-            <a:ext cx="360040" cy="369332"/>
-          </a:xfrm>
-          <a:prstGeom prst="rect">
-            <a:avLst/>
-          </a:prstGeom>
-          <a:noFill/>
-        </p:spPr>
-        <p:txBody>
-          <a:bodyPr wrap="square" rtlCol="0">
-            <a:spAutoFit/>
-          </a:bodyPr>
-          <a:lstStyle/>
-          <a:p>
-            <a:r>
-              <a:rPr lang="de-DE" dirty="0"/>
-              <a:t>5</a:t>
-            </a:r>
-            <a:endParaRPr lang="de-DE" dirty="0"/>
-          </a:p>
-        </p:txBody>
-      </p:sp>
-      <p:sp>
-        <p:nvSpPr>
-          <p:cNvPr id="37" name="Textfeld 36"/>
-          <p:cNvSpPr txBox="1"/>
-          <p:nvPr/>
-        </p:nvSpPr>
-        <p:spPr>
-          <a:xfrm>
-            <a:off x="2126136" y="4397685"/>
-            <a:ext cx="360040" cy="369332"/>
-          </a:xfrm>
-          <a:prstGeom prst="rect">
-            <a:avLst/>
-          </a:prstGeom>
-          <a:noFill/>
-        </p:spPr>
-        <p:txBody>
-          <a:bodyPr wrap="square" rtlCol="0">
-            <a:spAutoFit/>
-          </a:bodyPr>
-          <a:lstStyle/>
-          <a:p>
-            <a:r>
-              <a:rPr lang="de-DE" dirty="0"/>
-              <a:t>6</a:t>
-            </a:r>
-            <a:endParaRPr lang="de-DE" dirty="0"/>
-          </a:p>
-        </p:txBody>
-      </p:sp>
     </p:spTree>
     <p:extLst>
       <p:ext uri="{BB962C8B-B14F-4D97-AF65-F5344CB8AC3E}">
-        <p14:creationId xmlns:p14="http://schemas.microsoft.com/office/powerpoint/2010/main" val="3625774942"/>
+        <p14:creationId xmlns:p14="http://schemas.microsoft.com/office/powerpoint/2010/main" val="1852807460"/>
       </p:ext>
     </p:extLst>
   </p:cSld>
@@ -4765,14 +4168,12 @@
         </p:nvSpPr>
         <p:spPr/>
         <p:txBody>
-          <a:bodyPr>
-            <a:normAutofit fontScale="90000"/>
-          </a:bodyPr>
+          <a:bodyPr/>
           <a:lstStyle/>
           <a:p>
             <a:r>
               <a:rPr lang="de-DE" dirty="0" smtClean="0"/>
-              <a:t>Versuchsreihen und Vorgehensweisen</a:t>
+              <a:t>Das Setup und die Konfigurationen</a:t>
             </a:r>
             <a:endParaRPr lang="de-DE" dirty="0"/>
           </a:p>
@@ -4793,23 +4194,27 @@
           <a:bodyPr/>
           <a:lstStyle/>
           <a:p>
+            <a:pPr lvl="0"/>
+            <a:r>
+              <a:rPr lang="de-DE" dirty="0" err="1" smtClean="0"/>
+              <a:t>Victim</a:t>
+            </a:r>
             <a:r>
               <a:rPr lang="de-DE" dirty="0" smtClean="0"/>
-              <a:t>Erster Schritt</a:t>
-            </a:r>
-            <a:r>
-              <a:rPr lang="de-DE" dirty="0" smtClean="0"/>
-              <a:t>:</a:t>
-            </a:r>
-            <a:endParaRPr lang="de-DE" dirty="0"/>
+              <a:t>-DNS und Bind</a:t>
+            </a:r>
+          </a:p>
+          <a:p>
+            <a:pPr lvl="0"/>
+            <a:endParaRPr lang="de-DE" dirty="0" smtClean="0"/>
           </a:p>
         </p:txBody>
       </p:sp>
       <p:pic>
         <p:nvPicPr>
-          <p:cNvPr id="6148" name="Picture 4" descr="https://www.brownstonelaw.com/wp-content/uploads/2014/09/hacking.jpg"/>
+          <p:cNvPr id="4" name="Grafik 3"/>
           <p:cNvPicPr>
-            <a:picLocks noChangeAspect="1" noChangeArrowheads="1"/>
+            <a:picLocks noChangeAspect="1"/>
           </p:cNvPicPr>
           <p:nvPr/>
         </p:nvPicPr>
@@ -4821,76 +4226,24 @@
               </a:ext>
             </a:extLst>
           </a:blip>
-          <a:srcRect/>
           <a:stretch>
             <a:fillRect/>
           </a:stretch>
         </p:blipFill>
-        <p:spPr bwMode="auto">
-          <a:xfrm>
-            <a:off x="323528" y="4569669"/>
-            <a:ext cx="3580325" cy="2016224"/>
+        <p:spPr>
+          <a:xfrm>
+            <a:off x="612648" y="2276872"/>
+            <a:ext cx="6853017" cy="3024336"/>
           </a:xfrm>
           <a:prstGeom prst="rect">
             <a:avLst/>
           </a:prstGeom>
-          <a:noFill/>
-          <a:extLst>
-            <a:ext uri="{909E8E84-426E-40DD-AFC4-6F175D3DCCD1}">
-              <a14:hiddenFill xmlns:a14="http://schemas.microsoft.com/office/drawing/2010/main">
-                <a:solidFill>
-                  <a:srgbClr val="FFFFFF"/>
-                </a:solidFill>
-              </a14:hiddenFill>
-            </a:ext>
-          </a:extLst>
-        </p:spPr>
-      </p:pic>
-      <p:pic>
-        <p:nvPicPr>
-          <p:cNvPr id="6146" name="Picture 2" descr="https://maxwellsullivan.files.wordpress.com/2013/02/3-4.png"/>
-          <p:cNvPicPr>
-            <a:picLocks noChangeAspect="1" noChangeArrowheads="1"/>
-          </p:cNvPicPr>
-          <p:nvPr/>
-        </p:nvPicPr>
-        <p:blipFill>
-          <a:blip r:embed="rId3" cstate="print">
-            <a:extLst>
-              <a:ext uri="{28A0092B-C50C-407E-A947-70E740481C1C}">
-                <a14:useLocalDpi xmlns:a14="http://schemas.microsoft.com/office/drawing/2010/main" val="0"/>
-              </a:ext>
-            </a:extLst>
-          </a:blip>
-          <a:srcRect/>
-          <a:stretch>
-            <a:fillRect/>
-          </a:stretch>
-        </p:blipFill>
-        <p:spPr bwMode="auto">
-          <a:xfrm>
-            <a:off x="3203848" y="2138488"/>
-            <a:ext cx="5539670" cy="2952328"/>
-          </a:xfrm>
-          <a:prstGeom prst="rect">
-            <a:avLst/>
-          </a:prstGeom>
-          <a:noFill/>
-          <a:extLst>
-            <a:ext uri="{909E8E84-426E-40DD-AFC4-6F175D3DCCD1}">
-              <a14:hiddenFill xmlns:a14="http://schemas.microsoft.com/office/drawing/2010/main">
-                <a:solidFill>
-                  <a:srgbClr val="FFFFFF"/>
-                </a:solidFill>
-              </a14:hiddenFill>
-            </a:ext>
-          </a:extLst>
         </p:spPr>
       </p:pic>
     </p:spTree>
     <p:extLst>
       <p:ext uri="{BB962C8B-B14F-4D97-AF65-F5344CB8AC3E}">
-        <p14:creationId xmlns:p14="http://schemas.microsoft.com/office/powerpoint/2010/main" val="2366735815"/>
+        <p14:creationId xmlns:p14="http://schemas.microsoft.com/office/powerpoint/2010/main" val="2684800396"/>
       </p:ext>
     </p:extLst>
   </p:cSld>
@@ -4937,56 +4290,28 @@
         <p:spPr/>
         <p:txBody>
           <a:bodyPr>
-            <a:normAutofit fontScale="90000"/>
+            <a:normAutofit/>
           </a:bodyPr>
           <a:lstStyle/>
           <a:p>
+            <a:pPr lvl="0"/>
             <a:r>
               <a:rPr lang="de-DE" dirty="0" smtClean="0"/>
-              <a:t>Versuchsreihen und Vorgehensweisen</a:t>
+              <a:t>Der Angriff</a:t>
             </a:r>
             <a:endParaRPr lang="de-DE" dirty="0"/>
-          </a:p>
-        </p:txBody>
-      </p:sp>
-      <p:sp>
-        <p:nvSpPr>
-          <p:cNvPr id="3" name="Inhaltsplatzhalter 2"/>
-          <p:cNvSpPr>
-            <a:spLocks noGrp="1"/>
-          </p:cNvSpPr>
-          <p:nvPr>
-            <p:ph sz="quarter" idx="1"/>
-          </p:nvPr>
-        </p:nvSpPr>
-        <p:spPr/>
-        <p:txBody>
-          <a:bodyPr/>
-          <a:lstStyle/>
-          <a:p>
-            <a:r>
-              <a:rPr lang="de-DE" dirty="0" smtClean="0"/>
-              <a:t>Aufbau des </a:t>
-            </a:r>
-            <a:r>
-              <a:rPr lang="de-DE" dirty="0" smtClean="0"/>
-              <a:t>Versuchs-Set-</a:t>
-            </a:r>
-            <a:r>
-              <a:rPr lang="de-DE" dirty="0" err="1" smtClean="0"/>
-              <a:t>Ups</a:t>
-            </a:r>
-            <a:endParaRPr lang="de-DE" dirty="0" smtClean="0"/>
           </a:p>
         </p:txBody>
       </p:sp>
       <p:pic>
         <p:nvPicPr>
-          <p:cNvPr id="4" name="Picture 2" descr="C:\Users\TZeimetz\Desktop\server-square.png"/>
+          <p:cNvPr id="5" name="Inhaltsplatzhalter 4"/>
           <p:cNvPicPr>
-            <a:picLocks noChangeAspect="1" noChangeArrowheads="1"/>
+            <a:picLocks noGrp="1" noChangeAspect="1"/>
           </p:cNvPicPr>
-          <p:nvPr/>
+          <p:nvPr>
+            <p:ph sz="quarter" idx="1"/>
+          </p:nvPr>
         </p:nvPicPr>
         <p:blipFill>
           <a:blip r:embed="rId2">
@@ -4996,356 +4321,21 @@
               </a:ext>
             </a:extLst>
           </a:blip>
-          <a:srcRect/>
           <a:stretch>
             <a:fillRect/>
           </a:stretch>
         </p:blipFill>
-        <p:spPr bwMode="auto">
-          <a:xfrm>
-            <a:off x="1190032" y="2420888"/>
-            <a:ext cx="1442566" cy="1442566"/>
-          </a:xfrm>
-          <a:prstGeom prst="rect">
-            <a:avLst/>
-          </a:prstGeom>
-          <a:noFill/>
-          <a:extLst>
-            <a:ext uri="{909E8E84-426E-40DD-AFC4-6F175D3DCCD1}">
-              <a14:hiddenFill xmlns:a14="http://schemas.microsoft.com/office/drawing/2010/main">
-                <a:solidFill>
-                  <a:srgbClr val="FFFFFF"/>
-                </a:solidFill>
-              </a14:hiddenFill>
-            </a:ext>
-          </a:extLst>
+        <p:spPr>
+          <a:xfrm>
+            <a:off x="755576" y="1772816"/>
+            <a:ext cx="7388995" cy="4605040"/>
+          </a:xfrm>
         </p:spPr>
       </p:pic>
-      <p:pic>
-        <p:nvPicPr>
-          <p:cNvPr id="5" name="Picture 2" descr="C:\Users\TZeimetz\Desktop\server-square.png"/>
-          <p:cNvPicPr>
-            <a:picLocks noChangeAspect="1" noChangeArrowheads="1"/>
-          </p:cNvPicPr>
-          <p:nvPr/>
-        </p:nvPicPr>
-        <p:blipFill>
-          <a:blip r:embed="rId2">
-            <a:extLst>
-              <a:ext uri="{28A0092B-C50C-407E-A947-70E740481C1C}">
-                <a14:useLocalDpi xmlns:a14="http://schemas.microsoft.com/office/drawing/2010/main" val="0"/>
-              </a:ext>
-            </a:extLst>
-          </a:blip>
-          <a:srcRect/>
-          <a:stretch>
-            <a:fillRect/>
-          </a:stretch>
-        </p:blipFill>
-        <p:spPr bwMode="auto">
-          <a:xfrm>
-            <a:off x="6804248" y="2268364"/>
-            <a:ext cx="1442566" cy="1442566"/>
-          </a:xfrm>
-          <a:prstGeom prst="rect">
-            <a:avLst/>
-          </a:prstGeom>
-          <a:noFill/>
-          <a:extLst>
-            <a:ext uri="{909E8E84-426E-40DD-AFC4-6F175D3DCCD1}">
-              <a14:hiddenFill xmlns:a14="http://schemas.microsoft.com/office/drawing/2010/main">
-                <a:solidFill>
-                  <a:srgbClr val="FFFFFF"/>
-                </a:solidFill>
-              </a14:hiddenFill>
-            </a:ext>
-          </a:extLst>
-        </p:spPr>
-      </p:pic>
-      <p:cxnSp>
-        <p:nvCxnSpPr>
-          <p:cNvPr id="7" name="Gerade Verbindung mit Pfeil 6"/>
-          <p:cNvCxnSpPr/>
-          <p:nvPr/>
-        </p:nvCxnSpPr>
-        <p:spPr>
-          <a:xfrm>
-            <a:off x="2632598" y="2573412"/>
-            <a:ext cx="4027634" cy="0"/>
-          </a:xfrm>
-          <a:prstGeom prst="straightConnector1">
-            <a:avLst/>
-          </a:prstGeom>
-          <a:ln w="15875">
-            <a:solidFill>
-              <a:schemeClr val="tx1"/>
-            </a:solidFill>
-            <a:tailEnd type="arrow"/>
-          </a:ln>
-        </p:spPr>
-        <p:style>
-          <a:lnRef idx="1">
-            <a:schemeClr val="accent1"/>
-          </a:lnRef>
-          <a:fillRef idx="0">
-            <a:schemeClr val="accent1"/>
-          </a:fillRef>
-          <a:effectRef idx="0">
-            <a:schemeClr val="accent1"/>
-          </a:effectRef>
-          <a:fontRef idx="minor">
-            <a:schemeClr val="tx1"/>
-          </a:fontRef>
-        </p:style>
-      </p:cxnSp>
-      <p:cxnSp>
-        <p:nvCxnSpPr>
-          <p:cNvPr id="9" name="Gerade Verbindung mit Pfeil 8"/>
-          <p:cNvCxnSpPr/>
-          <p:nvPr/>
-        </p:nvCxnSpPr>
-        <p:spPr>
-          <a:xfrm flipH="1">
-            <a:off x="2632600" y="3417307"/>
-            <a:ext cx="3955624" cy="0"/>
-          </a:xfrm>
-          <a:prstGeom prst="straightConnector1">
-            <a:avLst/>
-          </a:prstGeom>
-          <a:ln w="15875">
-            <a:solidFill>
-              <a:schemeClr val="tx1"/>
-            </a:solidFill>
-            <a:tailEnd type="arrow"/>
-          </a:ln>
-        </p:spPr>
-        <p:style>
-          <a:lnRef idx="1">
-            <a:schemeClr val="accent1"/>
-          </a:lnRef>
-          <a:fillRef idx="0">
-            <a:schemeClr val="accent1"/>
-          </a:fillRef>
-          <a:effectRef idx="0">
-            <a:schemeClr val="accent1"/>
-          </a:effectRef>
-          <a:fontRef idx="minor">
-            <a:schemeClr val="tx1"/>
-          </a:fontRef>
-        </p:style>
-      </p:cxnSp>
-      <p:sp>
-        <p:nvSpPr>
-          <p:cNvPr id="12" name="Textfeld 11"/>
-          <p:cNvSpPr txBox="1"/>
-          <p:nvPr/>
-        </p:nvSpPr>
-        <p:spPr>
-          <a:xfrm>
-            <a:off x="4466395" y="2204864"/>
-            <a:ext cx="360040" cy="369332"/>
-          </a:xfrm>
-          <a:prstGeom prst="rect">
-            <a:avLst/>
-          </a:prstGeom>
-          <a:noFill/>
-        </p:spPr>
-        <p:txBody>
-          <a:bodyPr wrap="square" rtlCol="0">
-            <a:spAutoFit/>
-          </a:bodyPr>
-          <a:lstStyle/>
-          <a:p>
-            <a:r>
-              <a:rPr lang="de-DE" dirty="0"/>
-              <a:t>2</a:t>
-            </a:r>
-            <a:endParaRPr lang="de-DE" dirty="0"/>
-          </a:p>
-        </p:txBody>
-      </p:sp>
-      <p:sp>
-        <p:nvSpPr>
-          <p:cNvPr id="15" name="Textfeld 14"/>
-          <p:cNvSpPr txBox="1"/>
-          <p:nvPr/>
-        </p:nvSpPr>
-        <p:spPr>
-          <a:xfrm>
-            <a:off x="4466395" y="3419708"/>
-            <a:ext cx="360040" cy="369332"/>
-          </a:xfrm>
-          <a:prstGeom prst="rect">
-            <a:avLst/>
-          </a:prstGeom>
-          <a:noFill/>
-        </p:spPr>
-        <p:txBody>
-          <a:bodyPr wrap="square" rtlCol="0">
-            <a:spAutoFit/>
-          </a:bodyPr>
-          <a:lstStyle/>
-          <a:p>
-            <a:r>
-              <a:rPr lang="de-DE" dirty="0"/>
-              <a:t>5</a:t>
-            </a:r>
-            <a:endParaRPr lang="de-DE" dirty="0"/>
-          </a:p>
-        </p:txBody>
-      </p:sp>
-      <p:pic>
-        <p:nvPicPr>
-          <p:cNvPr id="2050" name="Picture 2" descr="C:\Users\TZeimetz\Desktop\Google_2015_logo.svg.png"/>
-          <p:cNvPicPr>
-            <a:picLocks noChangeAspect="1" noChangeArrowheads="1"/>
-          </p:cNvPicPr>
-          <p:nvPr/>
-        </p:nvPicPr>
-        <p:blipFill>
-          <a:blip r:embed="rId3">
-            <a:extLst>
-              <a:ext uri="{28A0092B-C50C-407E-A947-70E740481C1C}">
-                <a14:useLocalDpi xmlns:a14="http://schemas.microsoft.com/office/drawing/2010/main" val="0"/>
-              </a:ext>
-            </a:extLst>
-          </a:blip>
-          <a:srcRect/>
-          <a:stretch>
-            <a:fillRect/>
-          </a:stretch>
-        </p:blipFill>
-        <p:spPr bwMode="auto">
-          <a:xfrm>
-            <a:off x="6804992" y="3614345"/>
-            <a:ext cx="1295400" cy="438150"/>
-          </a:xfrm>
-          <a:prstGeom prst="rect">
-            <a:avLst/>
-          </a:prstGeom>
-          <a:noFill/>
-          <a:extLst>
-            <a:ext uri="{909E8E84-426E-40DD-AFC4-6F175D3DCCD1}">
-              <a14:hiddenFill xmlns:a14="http://schemas.microsoft.com/office/drawing/2010/main">
-                <a:solidFill>
-                  <a:srgbClr val="FFFFFF"/>
-                </a:solidFill>
-              </a14:hiddenFill>
-            </a:ext>
-          </a:extLst>
-        </p:spPr>
-      </p:pic>
-      <p:pic>
-        <p:nvPicPr>
-          <p:cNvPr id="2051" name="Picture 3" descr="C:\Users\TZeimetz\Desktop\guyfawkes.sh.png"/>
-          <p:cNvPicPr>
-            <a:picLocks noChangeAspect="1" noChangeArrowheads="1"/>
-          </p:cNvPicPr>
-          <p:nvPr/>
-        </p:nvPicPr>
-        <p:blipFill>
-          <a:blip r:embed="rId4" cstate="print">
-            <a:extLst>
-              <a:ext uri="{28A0092B-C50C-407E-A947-70E740481C1C}">
-                <a14:useLocalDpi xmlns:a14="http://schemas.microsoft.com/office/drawing/2010/main" val="0"/>
-              </a:ext>
-            </a:extLst>
-          </a:blip>
-          <a:srcRect/>
-          <a:stretch>
-            <a:fillRect/>
-          </a:stretch>
-        </p:blipFill>
-        <p:spPr bwMode="auto">
-          <a:xfrm>
-            <a:off x="1190032" y="5085184"/>
-            <a:ext cx="1296144" cy="1296144"/>
-          </a:xfrm>
-          <a:prstGeom prst="rect">
-            <a:avLst/>
-          </a:prstGeom>
-          <a:noFill/>
-          <a:extLst>
-            <a:ext uri="{909E8E84-426E-40DD-AFC4-6F175D3DCCD1}">
-              <a14:hiddenFill xmlns:a14="http://schemas.microsoft.com/office/drawing/2010/main">
-                <a:solidFill>
-                  <a:srgbClr val="FFFFFF"/>
-                </a:solidFill>
-              </a14:hiddenFill>
-            </a:ext>
-          </a:extLst>
-        </p:spPr>
-      </p:pic>
-      <p:cxnSp>
-        <p:nvCxnSpPr>
-          <p:cNvPr id="20" name="Gerade Verbindung mit Pfeil 19"/>
-          <p:cNvCxnSpPr/>
-          <p:nvPr/>
-        </p:nvCxnSpPr>
-        <p:spPr>
-          <a:xfrm flipV="1">
-            <a:off x="1835696" y="3933056"/>
-            <a:ext cx="0" cy="1080120"/>
-          </a:xfrm>
-          <a:prstGeom prst="straightConnector1">
-            <a:avLst/>
-          </a:prstGeom>
-          <a:ln w="15875">
-            <a:solidFill>
-              <a:schemeClr val="tx1"/>
-            </a:solidFill>
-            <a:tailEnd type="arrow"/>
-          </a:ln>
-        </p:spPr>
-        <p:style>
-          <a:lnRef idx="1">
-            <a:schemeClr val="accent1"/>
-          </a:lnRef>
-          <a:fillRef idx="0">
-            <a:schemeClr val="accent1"/>
-          </a:fillRef>
-          <a:effectRef idx="0">
-            <a:schemeClr val="accent1"/>
-          </a:effectRef>
-          <a:fontRef idx="minor">
-            <a:schemeClr val="tx1"/>
-          </a:fontRef>
-        </p:style>
-      </p:cxnSp>
-      <p:sp>
-        <p:nvSpPr>
-          <p:cNvPr id="22" name="Textfeld 21"/>
-          <p:cNvSpPr txBox="1"/>
-          <p:nvPr/>
-        </p:nvSpPr>
-        <p:spPr>
-          <a:xfrm>
-            <a:off x="1475656" y="4288450"/>
-            <a:ext cx="360040" cy="369332"/>
-          </a:xfrm>
-          <a:prstGeom prst="rect">
-            <a:avLst/>
-          </a:prstGeom>
-          <a:noFill/>
-        </p:spPr>
-        <p:txBody>
-          <a:bodyPr wrap="square" rtlCol="0">
-            <a:spAutoFit/>
-          </a:bodyPr>
-          <a:lstStyle/>
-          <a:p>
-            <a:r>
-              <a:rPr lang="de-DE" dirty="0" smtClean="0"/>
-              <a:t>1</a:t>
-            </a:r>
-            <a:endParaRPr lang="de-DE" dirty="0"/>
-          </a:p>
-        </p:txBody>
-      </p:sp>
     </p:spTree>
     <p:extLst>
       <p:ext uri="{BB962C8B-B14F-4D97-AF65-F5344CB8AC3E}">
-        <p14:creationId xmlns:p14="http://schemas.microsoft.com/office/powerpoint/2010/main" val="1371295851"/>
+        <p14:creationId xmlns:p14="http://schemas.microsoft.com/office/powerpoint/2010/main" val="1726158280"/>
       </p:ext>
     </p:extLst>
   </p:cSld>
@@ -5379,118 +4369,6 @@
           <a:chExt cx="0" cy="0"/>
         </a:xfrm>
       </p:grpSpPr>
-      <p:cxnSp>
-        <p:nvCxnSpPr>
-          <p:cNvPr id="7" name="Gerade Verbindung mit Pfeil 6"/>
-          <p:cNvCxnSpPr/>
-          <p:nvPr/>
-        </p:nvCxnSpPr>
-        <p:spPr>
-          <a:xfrm>
-            <a:off x="2632598" y="2573412"/>
-            <a:ext cx="4027634" cy="0"/>
-          </a:xfrm>
-          <a:prstGeom prst="straightConnector1">
-            <a:avLst/>
-          </a:prstGeom>
-          <a:ln w="15875">
-            <a:solidFill>
-              <a:schemeClr val="tx1"/>
-            </a:solidFill>
-            <a:tailEnd type="arrow"/>
-          </a:ln>
-        </p:spPr>
-        <p:style>
-          <a:lnRef idx="1">
-            <a:schemeClr val="accent1"/>
-          </a:lnRef>
-          <a:fillRef idx="0">
-            <a:schemeClr val="accent1"/>
-          </a:fillRef>
-          <a:effectRef idx="0">
-            <a:schemeClr val="accent1"/>
-          </a:effectRef>
-          <a:fontRef idx="minor">
-            <a:schemeClr val="tx1"/>
-          </a:fontRef>
-        </p:style>
-      </p:cxnSp>
-      <p:cxnSp>
-        <p:nvCxnSpPr>
-          <p:cNvPr id="9" name="Gerade Verbindung mit Pfeil 8"/>
-          <p:cNvCxnSpPr/>
-          <p:nvPr/>
-        </p:nvCxnSpPr>
-        <p:spPr>
-          <a:xfrm flipH="1">
-            <a:off x="2632600" y="3417307"/>
-            <a:ext cx="3955624" cy="0"/>
-          </a:xfrm>
-          <a:prstGeom prst="straightConnector1">
-            <a:avLst/>
-          </a:prstGeom>
-          <a:ln w="15875">
-            <a:solidFill>
-              <a:schemeClr val="tx1"/>
-            </a:solidFill>
-            <a:tailEnd type="arrow"/>
-          </a:ln>
-        </p:spPr>
-        <p:style>
-          <a:lnRef idx="1">
-            <a:schemeClr val="accent1"/>
-          </a:lnRef>
-          <a:fillRef idx="0">
-            <a:schemeClr val="accent1"/>
-          </a:fillRef>
-          <a:effectRef idx="0">
-            <a:schemeClr val="accent1"/>
-          </a:effectRef>
-          <a:fontRef idx="minor">
-            <a:schemeClr val="tx1"/>
-          </a:fontRef>
-        </p:style>
-      </p:cxnSp>
-      <p:sp>
-        <p:nvSpPr>
-          <p:cNvPr id="6" name="Wolke 5"/>
-          <p:cNvSpPr/>
-          <p:nvPr/>
-        </p:nvSpPr>
-        <p:spPr>
-          <a:xfrm>
-            <a:off x="3491880" y="2295289"/>
-            <a:ext cx="2088232" cy="1440160"/>
-          </a:xfrm>
-          <a:prstGeom prst="cloud">
-            <a:avLst/>
-          </a:prstGeom>
-        </p:spPr>
-        <p:style>
-          <a:lnRef idx="2">
-            <a:schemeClr val="accent1">
-              <a:shade val="50000"/>
-            </a:schemeClr>
-          </a:lnRef>
-          <a:fillRef idx="1">
-            <a:schemeClr val="accent1"/>
-          </a:fillRef>
-          <a:effectRef idx="0">
-            <a:schemeClr val="accent1"/>
-          </a:effectRef>
-          <a:fontRef idx="minor">
-            <a:schemeClr val="lt1"/>
-          </a:fontRef>
-        </p:style>
-        <p:txBody>
-          <a:bodyPr rtlCol="0" anchor="ctr"/>
-          <a:lstStyle/>
-          <a:p>
-            <a:pPr algn="ctr"/>
-            <a:endParaRPr lang="de-DE"/>
-          </a:p>
-        </p:txBody>
-      </p:sp>
       <p:sp>
         <p:nvSpPr>
           <p:cNvPr id="2" name="Titel 1"/>
@@ -5503,57 +4381,25 @@
         </p:nvSpPr>
         <p:spPr/>
         <p:txBody>
-          <a:bodyPr>
-            <a:normAutofit fontScale="90000"/>
-          </a:bodyPr>
-          <a:lstStyle/>
-          <a:p>
-            <a:r>
-              <a:rPr lang="de-DE" dirty="0" smtClean="0"/>
-              <a:t>Versuchsreihen und Vorgehensweisen</a:t>
-            </a:r>
-            <a:endParaRPr lang="de-DE" dirty="0"/>
-          </a:p>
-        </p:txBody>
-      </p:sp>
-      <p:sp>
-        <p:nvSpPr>
-          <p:cNvPr id="3" name="Inhaltsplatzhalter 2"/>
-          <p:cNvSpPr>
-            <a:spLocks noGrp="1"/>
-          </p:cNvSpPr>
-          <p:nvPr>
-            <p:ph sz="quarter" idx="1"/>
-          </p:nvPr>
-        </p:nvSpPr>
-        <p:spPr/>
-        <p:txBody>
           <a:bodyPr/>
           <a:lstStyle/>
           <a:p>
             <a:r>
-              <a:rPr lang="de-DE" dirty="0" smtClean="0"/>
-              <a:t>Aufbau des </a:t>
-            </a:r>
-            <a:r>
-              <a:rPr lang="de-DE" dirty="0" smtClean="0"/>
-              <a:t>Versuchs-Set-</a:t>
-            </a:r>
-            <a:r>
-              <a:rPr lang="de-DE" dirty="0" err="1" smtClean="0"/>
-              <a:t>Ups</a:t>
-            </a:r>
-            <a:endParaRPr lang="de-DE" dirty="0" smtClean="0"/>
+              <a:rPr lang="de-DE" dirty="0"/>
+              <a:t>Der Angriff</a:t>
+            </a:r>
           </a:p>
         </p:txBody>
       </p:sp>
       <p:pic>
         <p:nvPicPr>
-          <p:cNvPr id="4" name="Picture 2" descr="C:\Users\TZeimetz\Desktop\server-square.png"/>
+          <p:cNvPr id="4" name="Inhaltsplatzhalter 3"/>
           <p:cNvPicPr>
-            <a:picLocks noChangeAspect="1" noChangeArrowheads="1"/>
+            <a:picLocks noGrp="1" noChangeAspect="1"/>
           </p:cNvPicPr>
-          <p:nvPr/>
+          <p:nvPr>
+            <p:ph sz="quarter" idx="1"/>
+          </p:nvPr>
         </p:nvPicPr>
         <p:blipFill>
           <a:blip r:embed="rId2">
@@ -5563,332 +4409,21 @@
               </a:ext>
             </a:extLst>
           </a:blip>
-          <a:srcRect/>
           <a:stretch>
             <a:fillRect/>
           </a:stretch>
         </p:blipFill>
-        <p:spPr bwMode="auto">
-          <a:xfrm>
-            <a:off x="1190032" y="2420888"/>
-            <a:ext cx="1442566" cy="1442566"/>
-          </a:xfrm>
-          <a:prstGeom prst="rect">
-            <a:avLst/>
-          </a:prstGeom>
-          <a:noFill/>
-          <a:extLst>
-            <a:ext uri="{909E8E84-426E-40DD-AFC4-6F175D3DCCD1}">
-              <a14:hiddenFill xmlns:a14="http://schemas.microsoft.com/office/drawing/2010/main">
-                <a:solidFill>
-                  <a:srgbClr val="FFFFFF"/>
-                </a:solidFill>
-              </a14:hiddenFill>
-            </a:ext>
-          </a:extLst>
+        <p:spPr>
+          <a:xfrm>
+            <a:off x="527202" y="2708920"/>
+            <a:ext cx="8324292" cy="2016224"/>
+          </a:xfrm>
         </p:spPr>
       </p:pic>
-      <p:pic>
-        <p:nvPicPr>
-          <p:cNvPr id="5" name="Picture 2" descr="C:\Users\TZeimetz\Desktop\server-square.png"/>
-          <p:cNvPicPr>
-            <a:picLocks noChangeAspect="1" noChangeArrowheads="1"/>
-          </p:cNvPicPr>
-          <p:nvPr/>
-        </p:nvPicPr>
-        <p:blipFill>
-          <a:blip r:embed="rId2">
-            <a:extLst>
-              <a:ext uri="{28A0092B-C50C-407E-A947-70E740481C1C}">
-                <a14:useLocalDpi xmlns:a14="http://schemas.microsoft.com/office/drawing/2010/main" val="0"/>
-              </a:ext>
-            </a:extLst>
-          </a:blip>
-          <a:srcRect/>
-          <a:stretch>
-            <a:fillRect/>
-          </a:stretch>
-        </p:blipFill>
-        <p:spPr bwMode="auto">
-          <a:xfrm>
-            <a:off x="6804248" y="2268364"/>
-            <a:ext cx="1442566" cy="1442566"/>
-          </a:xfrm>
-          <a:prstGeom prst="rect">
-            <a:avLst/>
-          </a:prstGeom>
-          <a:noFill/>
-          <a:extLst>
-            <a:ext uri="{909E8E84-426E-40DD-AFC4-6F175D3DCCD1}">
-              <a14:hiddenFill xmlns:a14="http://schemas.microsoft.com/office/drawing/2010/main">
-                <a:solidFill>
-                  <a:srgbClr val="FFFFFF"/>
-                </a:solidFill>
-              </a14:hiddenFill>
-            </a:ext>
-          </a:extLst>
-        </p:spPr>
-      </p:pic>
-      <p:pic>
-        <p:nvPicPr>
-          <p:cNvPr id="2050" name="Picture 2" descr="C:\Users\TZeimetz\Desktop\Google_2015_logo.svg.png"/>
-          <p:cNvPicPr>
-            <a:picLocks noChangeAspect="1" noChangeArrowheads="1"/>
-          </p:cNvPicPr>
-          <p:nvPr/>
-        </p:nvPicPr>
-        <p:blipFill>
-          <a:blip r:embed="rId3">
-            <a:extLst>
-              <a:ext uri="{28A0092B-C50C-407E-A947-70E740481C1C}">
-                <a14:useLocalDpi xmlns:a14="http://schemas.microsoft.com/office/drawing/2010/main" val="0"/>
-              </a:ext>
-            </a:extLst>
-          </a:blip>
-          <a:srcRect/>
-          <a:stretch>
-            <a:fillRect/>
-          </a:stretch>
-        </p:blipFill>
-        <p:spPr bwMode="auto">
-          <a:xfrm>
-            <a:off x="6804992" y="3614345"/>
-            <a:ext cx="1295400" cy="438150"/>
-          </a:xfrm>
-          <a:prstGeom prst="rect">
-            <a:avLst/>
-          </a:prstGeom>
-          <a:noFill/>
-          <a:extLst>
-            <a:ext uri="{909E8E84-426E-40DD-AFC4-6F175D3DCCD1}">
-              <a14:hiddenFill xmlns:a14="http://schemas.microsoft.com/office/drawing/2010/main">
-                <a:solidFill>
-                  <a:srgbClr val="FFFFFF"/>
-                </a:solidFill>
-              </a14:hiddenFill>
-            </a:ext>
-          </a:extLst>
-        </p:spPr>
-      </p:pic>
-      <p:pic>
-        <p:nvPicPr>
-          <p:cNvPr id="2051" name="Picture 3" descr="C:\Users\TZeimetz\Desktop\guyfawkes.sh.png"/>
-          <p:cNvPicPr>
-            <a:picLocks noChangeAspect="1" noChangeArrowheads="1"/>
-          </p:cNvPicPr>
-          <p:nvPr/>
-        </p:nvPicPr>
-        <p:blipFill>
-          <a:blip r:embed="rId4" cstate="print">
-            <a:extLst>
-              <a:ext uri="{28A0092B-C50C-407E-A947-70E740481C1C}">
-                <a14:useLocalDpi xmlns:a14="http://schemas.microsoft.com/office/drawing/2010/main" val="0"/>
-              </a:ext>
-            </a:extLst>
-          </a:blip>
-          <a:srcRect/>
-          <a:stretch>
-            <a:fillRect/>
-          </a:stretch>
-        </p:blipFill>
-        <p:spPr bwMode="auto">
-          <a:xfrm>
-            <a:off x="1190032" y="5085184"/>
-            <a:ext cx="1296144" cy="1296144"/>
-          </a:xfrm>
-          <a:prstGeom prst="rect">
-            <a:avLst/>
-          </a:prstGeom>
-          <a:noFill/>
-          <a:extLst>
-            <a:ext uri="{909E8E84-426E-40DD-AFC4-6F175D3DCCD1}">
-              <a14:hiddenFill xmlns:a14="http://schemas.microsoft.com/office/drawing/2010/main">
-                <a:solidFill>
-                  <a:srgbClr val="FFFFFF"/>
-                </a:solidFill>
-              </a14:hiddenFill>
-            </a:ext>
-          </a:extLst>
-        </p:spPr>
-      </p:pic>
-      <p:cxnSp>
-        <p:nvCxnSpPr>
-          <p:cNvPr id="20" name="Gerade Verbindung mit Pfeil 19"/>
-          <p:cNvCxnSpPr/>
-          <p:nvPr/>
-        </p:nvCxnSpPr>
-        <p:spPr>
-          <a:xfrm flipV="1">
-            <a:off x="1835696" y="3933056"/>
-            <a:ext cx="0" cy="1080120"/>
-          </a:xfrm>
-          <a:prstGeom prst="straightConnector1">
-            <a:avLst/>
-          </a:prstGeom>
-          <a:ln w="15875">
-            <a:solidFill>
-              <a:schemeClr val="tx1"/>
-            </a:solidFill>
-            <a:tailEnd type="arrow"/>
-          </a:ln>
-        </p:spPr>
-        <p:style>
-          <a:lnRef idx="1">
-            <a:schemeClr val="accent1"/>
-          </a:lnRef>
-          <a:fillRef idx="0">
-            <a:schemeClr val="accent1"/>
-          </a:fillRef>
-          <a:effectRef idx="0">
-            <a:schemeClr val="accent1"/>
-          </a:effectRef>
-          <a:fontRef idx="minor">
-            <a:schemeClr val="tx1"/>
-          </a:fontRef>
-        </p:style>
-      </p:cxnSp>
-      <p:sp>
-        <p:nvSpPr>
-          <p:cNvPr id="22" name="Textfeld 21"/>
-          <p:cNvSpPr txBox="1"/>
-          <p:nvPr/>
-        </p:nvSpPr>
-        <p:spPr>
-          <a:xfrm>
-            <a:off x="1475656" y="4288450"/>
-            <a:ext cx="360040" cy="369332"/>
-          </a:xfrm>
-          <a:prstGeom prst="rect">
-            <a:avLst/>
-          </a:prstGeom>
-          <a:noFill/>
-        </p:spPr>
-        <p:txBody>
-          <a:bodyPr wrap="square" rtlCol="0">
-            <a:spAutoFit/>
-          </a:bodyPr>
-          <a:lstStyle/>
-          <a:p>
-            <a:r>
-              <a:rPr lang="de-DE" dirty="0" smtClean="0"/>
-              <a:t>1</a:t>
-            </a:r>
-            <a:endParaRPr lang="de-DE" dirty="0"/>
-          </a:p>
-        </p:txBody>
-      </p:sp>
-      <p:pic>
-        <p:nvPicPr>
-          <p:cNvPr id="4098" name="Picture 2" descr="http://freeflaticons.com/wp-content/uploads/2014/09/injection-copy-1411038662nk84g.png"/>
-          <p:cNvPicPr>
-            <a:picLocks noChangeAspect="1" noChangeArrowheads="1"/>
-          </p:cNvPicPr>
-          <p:nvPr/>
-        </p:nvPicPr>
-        <p:blipFill>
-          <a:blip r:embed="rId5" cstate="print">
-            <a:extLst>
-              <a:ext uri="{28A0092B-C50C-407E-A947-70E740481C1C}">
-                <a14:useLocalDpi xmlns:a14="http://schemas.microsoft.com/office/drawing/2010/main" val="0"/>
-              </a:ext>
-            </a:extLst>
-          </a:blip>
-          <a:srcRect/>
-          <a:stretch>
-            <a:fillRect/>
-          </a:stretch>
-        </p:blipFill>
-        <p:spPr bwMode="auto">
-          <a:xfrm>
-            <a:off x="4273178" y="2652413"/>
-            <a:ext cx="674468" cy="674468"/>
-          </a:xfrm>
-          <a:prstGeom prst="rect">
-            <a:avLst/>
-          </a:prstGeom>
-          <a:noFill/>
-          <a:extLst>
-            <a:ext uri="{909E8E84-426E-40DD-AFC4-6F175D3DCCD1}">
-              <a14:hiddenFill xmlns:a14="http://schemas.microsoft.com/office/drawing/2010/main">
-                <a:solidFill>
-                  <a:srgbClr val="FFFFFF"/>
-                </a:solidFill>
-              </a14:hiddenFill>
-            </a:ext>
-          </a:extLst>
-        </p:spPr>
-      </p:pic>
-      <p:cxnSp>
-        <p:nvCxnSpPr>
-          <p:cNvPr id="17" name="Gerade Verbindung mit Pfeil 16"/>
-          <p:cNvCxnSpPr/>
-          <p:nvPr/>
-        </p:nvCxnSpPr>
-        <p:spPr>
-          <a:xfrm flipV="1">
-            <a:off x="2411760" y="3710930"/>
-            <a:ext cx="1800200" cy="1878310"/>
-          </a:xfrm>
-          <a:prstGeom prst="straightConnector1">
-            <a:avLst/>
-          </a:prstGeom>
-          <a:ln w="15875">
-            <a:solidFill>
-              <a:srgbClr val="FF0000"/>
-            </a:solidFill>
-            <a:prstDash val="dash"/>
-            <a:tailEnd type="arrow"/>
-          </a:ln>
-        </p:spPr>
-        <p:style>
-          <a:lnRef idx="1">
-            <a:schemeClr val="accent1"/>
-          </a:lnRef>
-          <a:fillRef idx="0">
-            <a:schemeClr val="accent1"/>
-          </a:fillRef>
-          <a:effectRef idx="0">
-            <a:schemeClr val="accent1"/>
-          </a:effectRef>
-          <a:fontRef idx="minor">
-            <a:schemeClr val="tx1"/>
-          </a:fontRef>
-        </p:style>
-      </p:cxnSp>
-      <p:sp>
-        <p:nvSpPr>
-          <p:cNvPr id="21" name="Textfeld 20"/>
-          <p:cNvSpPr txBox="1"/>
-          <p:nvPr/>
-        </p:nvSpPr>
-        <p:spPr>
-          <a:xfrm>
-            <a:off x="3419872" y="4608561"/>
-            <a:ext cx="1584176" cy="369332"/>
-          </a:xfrm>
-          <a:prstGeom prst="rect">
-            <a:avLst/>
-          </a:prstGeom>
-          <a:noFill/>
-        </p:spPr>
-        <p:txBody>
-          <a:bodyPr wrap="square" rtlCol="0">
-            <a:spAutoFit/>
-          </a:bodyPr>
-          <a:lstStyle/>
-          <a:p>
-            <a:r>
-              <a:rPr lang="de-DE" dirty="0" smtClean="0"/>
-              <a:t>A-Records</a:t>
-            </a:r>
-            <a:endParaRPr lang="de-DE" dirty="0"/>
-          </a:p>
-        </p:txBody>
-      </p:sp>
     </p:spTree>
     <p:extLst>
       <p:ext uri="{BB962C8B-B14F-4D97-AF65-F5344CB8AC3E}">
-        <p14:creationId xmlns:p14="http://schemas.microsoft.com/office/powerpoint/2010/main" val="1886332259"/>
+        <p14:creationId xmlns:p14="http://schemas.microsoft.com/office/powerpoint/2010/main" val="2047688959"/>
       </p:ext>
     </p:extLst>
   </p:cSld>
@@ -5922,118 +4457,6 @@
           <a:chExt cx="0" cy="0"/>
         </a:xfrm>
       </p:grpSpPr>
-      <p:cxnSp>
-        <p:nvCxnSpPr>
-          <p:cNvPr id="7" name="Gerade Verbindung mit Pfeil 6"/>
-          <p:cNvCxnSpPr/>
-          <p:nvPr/>
-        </p:nvCxnSpPr>
-        <p:spPr>
-          <a:xfrm>
-            <a:off x="2632598" y="2573412"/>
-            <a:ext cx="4027634" cy="0"/>
-          </a:xfrm>
-          <a:prstGeom prst="straightConnector1">
-            <a:avLst/>
-          </a:prstGeom>
-          <a:ln w="15875">
-            <a:solidFill>
-              <a:schemeClr val="tx1"/>
-            </a:solidFill>
-            <a:tailEnd type="arrow"/>
-          </a:ln>
-        </p:spPr>
-        <p:style>
-          <a:lnRef idx="1">
-            <a:schemeClr val="accent1"/>
-          </a:lnRef>
-          <a:fillRef idx="0">
-            <a:schemeClr val="accent1"/>
-          </a:fillRef>
-          <a:effectRef idx="0">
-            <a:schemeClr val="accent1"/>
-          </a:effectRef>
-          <a:fontRef idx="minor">
-            <a:schemeClr val="tx1"/>
-          </a:fontRef>
-        </p:style>
-      </p:cxnSp>
-      <p:cxnSp>
-        <p:nvCxnSpPr>
-          <p:cNvPr id="9" name="Gerade Verbindung mit Pfeil 8"/>
-          <p:cNvCxnSpPr/>
-          <p:nvPr/>
-        </p:nvCxnSpPr>
-        <p:spPr>
-          <a:xfrm flipH="1">
-            <a:off x="2632600" y="3417307"/>
-            <a:ext cx="3955624" cy="0"/>
-          </a:xfrm>
-          <a:prstGeom prst="straightConnector1">
-            <a:avLst/>
-          </a:prstGeom>
-          <a:ln w="15875">
-            <a:solidFill>
-              <a:schemeClr val="tx1"/>
-            </a:solidFill>
-            <a:tailEnd type="arrow"/>
-          </a:ln>
-        </p:spPr>
-        <p:style>
-          <a:lnRef idx="1">
-            <a:schemeClr val="accent1"/>
-          </a:lnRef>
-          <a:fillRef idx="0">
-            <a:schemeClr val="accent1"/>
-          </a:fillRef>
-          <a:effectRef idx="0">
-            <a:schemeClr val="accent1"/>
-          </a:effectRef>
-          <a:fontRef idx="minor">
-            <a:schemeClr val="tx1"/>
-          </a:fontRef>
-        </p:style>
-      </p:cxnSp>
-      <p:sp>
-        <p:nvSpPr>
-          <p:cNvPr id="6" name="Wolke 5"/>
-          <p:cNvSpPr/>
-          <p:nvPr/>
-        </p:nvSpPr>
-        <p:spPr>
-          <a:xfrm>
-            <a:off x="3491880" y="2295289"/>
-            <a:ext cx="2088232" cy="1440160"/>
-          </a:xfrm>
-          <a:prstGeom prst="cloud">
-            <a:avLst/>
-          </a:prstGeom>
-        </p:spPr>
-        <p:style>
-          <a:lnRef idx="2">
-            <a:schemeClr val="accent1">
-              <a:shade val="50000"/>
-            </a:schemeClr>
-          </a:lnRef>
-          <a:fillRef idx="1">
-            <a:schemeClr val="accent1"/>
-          </a:fillRef>
-          <a:effectRef idx="0">
-            <a:schemeClr val="accent1"/>
-          </a:effectRef>
-          <a:fontRef idx="minor">
-            <a:schemeClr val="lt1"/>
-          </a:fontRef>
-        </p:style>
-        <p:txBody>
-          <a:bodyPr rtlCol="0" anchor="ctr"/>
-          <a:lstStyle/>
-          <a:p>
-            <a:pPr algn="ctr"/>
-            <a:endParaRPr lang="de-DE"/>
-          </a:p>
-        </p:txBody>
-      </p:sp>
       <p:sp>
         <p:nvSpPr>
           <p:cNvPr id="2" name="Titel 1"/>
@@ -6046,49 +4469,42 @@
         </p:nvSpPr>
         <p:spPr/>
         <p:txBody>
-          <a:bodyPr>
-            <a:normAutofit fontScale="90000"/>
-          </a:bodyPr>
+          <a:bodyPr/>
+          <a:lstStyle/>
+          <a:p>
+            <a:r>
+              <a:rPr lang="de-DE" dirty="0"/>
+              <a:t>Der Angriff</a:t>
+            </a:r>
+          </a:p>
+        </p:txBody>
+      </p:sp>
+      <p:sp>
+        <p:nvSpPr>
+          <p:cNvPr id="3" name="Inhaltsplatzhalter 2"/>
+          <p:cNvSpPr>
+            <a:spLocks noGrp="1"/>
+          </p:cNvSpPr>
+          <p:nvPr>
+            <p:ph sz="quarter" idx="1"/>
+          </p:nvPr>
+        </p:nvSpPr>
+        <p:spPr/>
+        <p:txBody>
+          <a:bodyPr/>
           <a:lstStyle/>
           <a:p>
             <a:r>
               <a:rPr lang="de-DE" dirty="0" smtClean="0"/>
-              <a:t>Versuchsreihen und Vorgehensweisen</a:t>
-            </a:r>
-            <a:endParaRPr lang="de-DE" dirty="0"/>
-          </a:p>
-        </p:txBody>
-      </p:sp>
-      <p:sp>
-        <p:nvSpPr>
-          <p:cNvPr id="3" name="Inhaltsplatzhalter 2"/>
-          <p:cNvSpPr>
-            <a:spLocks noGrp="1"/>
-          </p:cNvSpPr>
-          <p:nvPr>
-            <p:ph sz="quarter" idx="1"/>
-          </p:nvPr>
-        </p:nvSpPr>
-        <p:spPr/>
-        <p:txBody>
-          <a:bodyPr/>
-          <a:lstStyle/>
-          <a:p>
-            <a:r>
-              <a:rPr lang="de-DE" dirty="0" smtClean="0"/>
-              <a:t>Aufbau des </a:t>
-            </a:r>
-            <a:r>
-              <a:rPr lang="de-DE" dirty="0" smtClean="0"/>
-              <a:t>Versuchs-Set-</a:t>
-            </a:r>
-            <a:r>
-              <a:rPr lang="de-DE" dirty="0" err="1" smtClean="0"/>
-              <a:t>Ups</a:t>
-            </a:r>
-            <a:r>
-              <a:rPr lang="de-DE" dirty="0" smtClean="0"/>
-              <a:t> (weitere)</a:t>
+              <a:t>Beispiel </a:t>
+            </a:r>
+            <a:r>
+              <a:rPr lang="de-DE" dirty="0"/>
+              <a:t>Antwort von </a:t>
+            </a:r>
+            <a:r>
+              <a:rPr lang="de-DE" dirty="0" err="1"/>
+              <a:t>forged_ns_response</a:t>
             </a:r>
             <a:endParaRPr lang="de-DE" dirty="0" smtClean="0"/>
           </a:p>
@@ -6096,9 +4512,9 @@
       </p:sp>
       <p:pic>
         <p:nvPicPr>
-          <p:cNvPr id="4" name="Picture 2" descr="C:\Users\TZeimetz\Desktop\server-square.png"/>
+          <p:cNvPr id="5" name="Grafik 4"/>
           <p:cNvPicPr>
-            <a:picLocks noChangeAspect="1" noChangeArrowheads="1"/>
+            <a:picLocks noChangeAspect="1"/>
           </p:cNvPicPr>
           <p:nvPr/>
         </p:nvPicPr>
@@ -6110,408 +4526,24 @@
               </a:ext>
             </a:extLst>
           </a:blip>
-          <a:srcRect/>
           <a:stretch>
             <a:fillRect/>
           </a:stretch>
         </p:blipFill>
-        <p:spPr bwMode="auto">
-          <a:xfrm>
-            <a:off x="1190032" y="2420888"/>
-            <a:ext cx="1442566" cy="1442566"/>
+        <p:spPr>
+          <a:xfrm>
+            <a:off x="612647" y="2348880"/>
+            <a:ext cx="7761343" cy="2592288"/>
           </a:xfrm>
           <a:prstGeom prst="rect">
             <a:avLst/>
           </a:prstGeom>
-          <a:noFill/>
-          <a:extLst>
-            <a:ext uri="{909E8E84-426E-40DD-AFC4-6F175D3DCCD1}">
-              <a14:hiddenFill xmlns:a14="http://schemas.microsoft.com/office/drawing/2010/main">
-                <a:solidFill>
-                  <a:srgbClr val="FFFFFF"/>
-                </a:solidFill>
-              </a14:hiddenFill>
-            </a:ext>
-          </a:extLst>
-        </p:spPr>
-      </p:pic>
-      <p:pic>
-        <p:nvPicPr>
-          <p:cNvPr id="5" name="Picture 2" descr="C:\Users\TZeimetz\Desktop\server-square.png"/>
-          <p:cNvPicPr>
-            <a:picLocks noChangeAspect="1" noChangeArrowheads="1"/>
-          </p:cNvPicPr>
-          <p:nvPr/>
-        </p:nvPicPr>
-        <p:blipFill>
-          <a:blip r:embed="rId2">
-            <a:extLst>
-              <a:ext uri="{28A0092B-C50C-407E-A947-70E740481C1C}">
-                <a14:useLocalDpi xmlns:a14="http://schemas.microsoft.com/office/drawing/2010/main" val="0"/>
-              </a:ext>
-            </a:extLst>
-          </a:blip>
-          <a:srcRect/>
-          <a:stretch>
-            <a:fillRect/>
-          </a:stretch>
-        </p:blipFill>
-        <p:spPr bwMode="auto">
-          <a:xfrm>
-            <a:off x="6804248" y="2268364"/>
-            <a:ext cx="1442566" cy="1442566"/>
-          </a:xfrm>
-          <a:prstGeom prst="rect">
-            <a:avLst/>
-          </a:prstGeom>
-          <a:noFill/>
-          <a:extLst>
-            <a:ext uri="{909E8E84-426E-40DD-AFC4-6F175D3DCCD1}">
-              <a14:hiddenFill xmlns:a14="http://schemas.microsoft.com/office/drawing/2010/main">
-                <a:solidFill>
-                  <a:srgbClr val="FFFFFF"/>
-                </a:solidFill>
-              </a14:hiddenFill>
-            </a:ext>
-          </a:extLst>
-        </p:spPr>
-      </p:pic>
-      <p:pic>
-        <p:nvPicPr>
-          <p:cNvPr id="2050" name="Picture 2" descr="C:\Users\TZeimetz\Desktop\Google_2015_logo.svg.png"/>
-          <p:cNvPicPr>
-            <a:picLocks noChangeAspect="1" noChangeArrowheads="1"/>
-          </p:cNvPicPr>
-          <p:nvPr/>
-        </p:nvPicPr>
-        <p:blipFill>
-          <a:blip r:embed="rId3">
-            <a:extLst>
-              <a:ext uri="{28A0092B-C50C-407E-A947-70E740481C1C}">
-                <a14:useLocalDpi xmlns:a14="http://schemas.microsoft.com/office/drawing/2010/main" val="0"/>
-              </a:ext>
-            </a:extLst>
-          </a:blip>
-          <a:srcRect/>
-          <a:stretch>
-            <a:fillRect/>
-          </a:stretch>
-        </p:blipFill>
-        <p:spPr bwMode="auto">
-          <a:xfrm>
-            <a:off x="6804992" y="3614345"/>
-            <a:ext cx="1295400" cy="438150"/>
-          </a:xfrm>
-          <a:prstGeom prst="rect">
-            <a:avLst/>
-          </a:prstGeom>
-          <a:noFill/>
-          <a:extLst>
-            <a:ext uri="{909E8E84-426E-40DD-AFC4-6F175D3DCCD1}">
-              <a14:hiddenFill xmlns:a14="http://schemas.microsoft.com/office/drawing/2010/main">
-                <a:solidFill>
-                  <a:srgbClr val="FFFFFF"/>
-                </a:solidFill>
-              </a14:hiddenFill>
-            </a:ext>
-          </a:extLst>
-        </p:spPr>
-      </p:pic>
-      <p:pic>
-        <p:nvPicPr>
-          <p:cNvPr id="2051" name="Picture 3" descr="C:\Users\TZeimetz\Desktop\guyfawkes.sh.png"/>
-          <p:cNvPicPr>
-            <a:picLocks noChangeAspect="1" noChangeArrowheads="1"/>
-          </p:cNvPicPr>
-          <p:nvPr/>
-        </p:nvPicPr>
-        <p:blipFill>
-          <a:blip r:embed="rId4" cstate="print">
-            <a:extLst>
-              <a:ext uri="{28A0092B-C50C-407E-A947-70E740481C1C}">
-                <a14:useLocalDpi xmlns:a14="http://schemas.microsoft.com/office/drawing/2010/main" val="0"/>
-              </a:ext>
-            </a:extLst>
-          </a:blip>
-          <a:srcRect/>
-          <a:stretch>
-            <a:fillRect/>
-          </a:stretch>
-        </p:blipFill>
-        <p:spPr bwMode="auto">
-          <a:xfrm>
-            <a:off x="1190032" y="5085184"/>
-            <a:ext cx="1296144" cy="1296144"/>
-          </a:xfrm>
-          <a:prstGeom prst="rect">
-            <a:avLst/>
-          </a:prstGeom>
-          <a:noFill/>
-          <a:extLst>
-            <a:ext uri="{909E8E84-426E-40DD-AFC4-6F175D3DCCD1}">
-              <a14:hiddenFill xmlns:a14="http://schemas.microsoft.com/office/drawing/2010/main">
-                <a:solidFill>
-                  <a:srgbClr val="FFFFFF"/>
-                </a:solidFill>
-              </a14:hiddenFill>
-            </a:ext>
-          </a:extLst>
-        </p:spPr>
-      </p:pic>
-      <p:cxnSp>
-        <p:nvCxnSpPr>
-          <p:cNvPr id="20" name="Gerade Verbindung mit Pfeil 19"/>
-          <p:cNvCxnSpPr/>
-          <p:nvPr/>
-        </p:nvCxnSpPr>
-        <p:spPr>
-          <a:xfrm flipV="1">
-            <a:off x="1835696" y="3933056"/>
-            <a:ext cx="0" cy="1080120"/>
-          </a:xfrm>
-          <a:prstGeom prst="straightConnector1">
-            <a:avLst/>
-          </a:prstGeom>
-          <a:ln w="15875">
-            <a:solidFill>
-              <a:schemeClr val="tx1"/>
-            </a:solidFill>
-            <a:tailEnd type="arrow"/>
-          </a:ln>
-        </p:spPr>
-        <p:style>
-          <a:lnRef idx="1">
-            <a:schemeClr val="accent1"/>
-          </a:lnRef>
-          <a:fillRef idx="0">
-            <a:schemeClr val="accent1"/>
-          </a:fillRef>
-          <a:effectRef idx="0">
-            <a:schemeClr val="accent1"/>
-          </a:effectRef>
-          <a:fontRef idx="minor">
-            <a:schemeClr val="tx1"/>
-          </a:fontRef>
-        </p:style>
-      </p:cxnSp>
-      <p:sp>
-        <p:nvSpPr>
-          <p:cNvPr id="22" name="Textfeld 21"/>
-          <p:cNvSpPr txBox="1"/>
-          <p:nvPr/>
-        </p:nvSpPr>
-        <p:spPr>
-          <a:xfrm>
-            <a:off x="1475656" y="4288450"/>
-            <a:ext cx="360040" cy="369332"/>
-          </a:xfrm>
-          <a:prstGeom prst="rect">
-            <a:avLst/>
-          </a:prstGeom>
-          <a:noFill/>
-        </p:spPr>
-        <p:txBody>
-          <a:bodyPr wrap="square" rtlCol="0">
-            <a:spAutoFit/>
-          </a:bodyPr>
-          <a:lstStyle/>
-          <a:p>
-            <a:r>
-              <a:rPr lang="de-DE" dirty="0" smtClean="0"/>
-              <a:t>1</a:t>
-            </a:r>
-            <a:endParaRPr lang="de-DE" dirty="0"/>
-          </a:p>
-        </p:txBody>
-      </p:sp>
-      <p:pic>
-        <p:nvPicPr>
-          <p:cNvPr id="4098" name="Picture 2" descr="http://freeflaticons.com/wp-content/uploads/2014/09/injection-copy-1411038662nk84g.png"/>
-          <p:cNvPicPr>
-            <a:picLocks noChangeAspect="1" noChangeArrowheads="1"/>
-          </p:cNvPicPr>
-          <p:nvPr/>
-        </p:nvPicPr>
-        <p:blipFill>
-          <a:blip r:embed="rId5" cstate="print">
-            <a:extLst>
-              <a:ext uri="{28A0092B-C50C-407E-A947-70E740481C1C}">
-                <a14:useLocalDpi xmlns:a14="http://schemas.microsoft.com/office/drawing/2010/main" val="0"/>
-              </a:ext>
-            </a:extLst>
-          </a:blip>
-          <a:srcRect/>
-          <a:stretch>
-            <a:fillRect/>
-          </a:stretch>
-        </p:blipFill>
-        <p:spPr bwMode="auto">
-          <a:xfrm>
-            <a:off x="4273178" y="2652413"/>
-            <a:ext cx="674468" cy="674468"/>
-          </a:xfrm>
-          <a:prstGeom prst="rect">
-            <a:avLst/>
-          </a:prstGeom>
-          <a:noFill/>
-          <a:extLst>
-            <a:ext uri="{909E8E84-426E-40DD-AFC4-6F175D3DCCD1}">
-              <a14:hiddenFill xmlns:a14="http://schemas.microsoft.com/office/drawing/2010/main">
-                <a:solidFill>
-                  <a:srgbClr val="FFFFFF"/>
-                </a:solidFill>
-              </a14:hiddenFill>
-            </a:ext>
-          </a:extLst>
-        </p:spPr>
-      </p:pic>
-      <p:cxnSp>
-        <p:nvCxnSpPr>
-          <p:cNvPr id="17" name="Gerade Verbindung mit Pfeil 16"/>
-          <p:cNvCxnSpPr/>
-          <p:nvPr/>
-        </p:nvCxnSpPr>
-        <p:spPr>
-          <a:xfrm flipV="1">
-            <a:off x="2411760" y="3710930"/>
-            <a:ext cx="1800200" cy="1878310"/>
-          </a:xfrm>
-          <a:prstGeom prst="straightConnector1">
-            <a:avLst/>
-          </a:prstGeom>
-          <a:ln w="15875">
-            <a:solidFill>
-              <a:srgbClr val="FF0000"/>
-            </a:solidFill>
-            <a:prstDash val="dash"/>
-            <a:tailEnd type="arrow"/>
-          </a:ln>
-        </p:spPr>
-        <p:style>
-          <a:lnRef idx="1">
-            <a:schemeClr val="accent1"/>
-          </a:lnRef>
-          <a:fillRef idx="0">
-            <a:schemeClr val="accent1"/>
-          </a:fillRef>
-          <a:effectRef idx="0">
-            <a:schemeClr val="accent1"/>
-          </a:effectRef>
-          <a:fontRef idx="minor">
-            <a:schemeClr val="tx1"/>
-          </a:fontRef>
-        </p:style>
-      </p:cxnSp>
-      <p:sp>
-        <p:nvSpPr>
-          <p:cNvPr id="21" name="Textfeld 20"/>
-          <p:cNvSpPr txBox="1"/>
-          <p:nvPr/>
-        </p:nvSpPr>
-        <p:spPr>
-          <a:xfrm>
-            <a:off x="3419872" y="4608561"/>
-            <a:ext cx="1584176" cy="369332"/>
-          </a:xfrm>
-          <a:prstGeom prst="rect">
-            <a:avLst/>
-          </a:prstGeom>
-          <a:noFill/>
-        </p:spPr>
-        <p:txBody>
-          <a:bodyPr wrap="square" rtlCol="0">
-            <a:spAutoFit/>
-          </a:bodyPr>
-          <a:lstStyle/>
-          <a:p>
-            <a:r>
-              <a:rPr lang="de-DE" dirty="0" smtClean="0"/>
-              <a:t>A-Records</a:t>
-            </a:r>
-            <a:endParaRPr lang="de-DE" dirty="0"/>
-          </a:p>
-        </p:txBody>
-      </p:sp>
-      <p:cxnSp>
-        <p:nvCxnSpPr>
-          <p:cNvPr id="10" name="Gerade Verbindung 9"/>
-          <p:cNvCxnSpPr/>
-          <p:nvPr/>
-        </p:nvCxnSpPr>
-        <p:spPr>
-          <a:xfrm>
-            <a:off x="6660232" y="3833420"/>
-            <a:ext cx="1586582" cy="0"/>
-          </a:xfrm>
-          <a:prstGeom prst="line">
-            <a:avLst/>
-          </a:prstGeom>
-          <a:ln w="25400">
-            <a:solidFill>
-              <a:srgbClr val="FF0000"/>
-            </a:solidFill>
-          </a:ln>
-        </p:spPr>
-        <p:style>
-          <a:lnRef idx="1">
-            <a:schemeClr val="accent1"/>
-          </a:lnRef>
-          <a:fillRef idx="0">
-            <a:schemeClr val="accent1"/>
-          </a:fillRef>
-          <a:effectRef idx="0">
-            <a:schemeClr val="accent1"/>
-          </a:effectRef>
-          <a:fontRef idx="minor">
-            <a:schemeClr val="tx1"/>
-          </a:fontRef>
-        </p:style>
-      </p:cxnSp>
-      <p:pic>
-        <p:nvPicPr>
-          <p:cNvPr id="5122" name="Picture 2" descr="http://www.cmdsonline.com/wp-content/uploads/top-level-domain.jpg"/>
-          <p:cNvPicPr>
-            <a:picLocks noChangeAspect="1" noChangeArrowheads="1"/>
-          </p:cNvPicPr>
-          <p:nvPr/>
-        </p:nvPicPr>
-        <p:blipFill>
-          <a:blip r:embed="rId6" cstate="print">
-            <a:extLst>
-              <a:ext uri="{28A0092B-C50C-407E-A947-70E740481C1C}">
-                <a14:useLocalDpi xmlns:a14="http://schemas.microsoft.com/office/drawing/2010/main" val="0"/>
-              </a:ext>
-            </a:extLst>
-          </a:blip>
-          <a:srcRect/>
-          <a:stretch>
-            <a:fillRect/>
-          </a:stretch>
-        </p:blipFill>
-        <p:spPr bwMode="auto">
-          <a:xfrm>
-            <a:off x="6497971" y="3933056"/>
-            <a:ext cx="1911103" cy="955552"/>
-          </a:xfrm>
-          <a:prstGeom prst="rect">
-            <a:avLst/>
-          </a:prstGeom>
-          <a:noFill/>
-          <a:extLst>
-            <a:ext uri="{909E8E84-426E-40DD-AFC4-6F175D3DCCD1}">
-              <a14:hiddenFill xmlns:a14="http://schemas.microsoft.com/office/drawing/2010/main">
-                <a:solidFill>
-                  <a:srgbClr val="FFFFFF"/>
-                </a:solidFill>
-              </a14:hiddenFill>
-            </a:ext>
-          </a:extLst>
         </p:spPr>
       </p:pic>
     </p:spTree>
     <p:extLst>
       <p:ext uri="{BB962C8B-B14F-4D97-AF65-F5344CB8AC3E}">
-        <p14:creationId xmlns:p14="http://schemas.microsoft.com/office/powerpoint/2010/main" val="3380429865"/>
+        <p14:creationId xmlns:p14="http://schemas.microsoft.com/office/powerpoint/2010/main" val="3412970651"/>
       </p:ext>
     </p:extLst>
   </p:cSld>
@@ -6545,118 +4577,6 @@
           <a:chExt cx="0" cy="0"/>
         </a:xfrm>
       </p:grpSpPr>
-      <p:cxnSp>
-        <p:nvCxnSpPr>
-          <p:cNvPr id="7" name="Gerade Verbindung mit Pfeil 6"/>
-          <p:cNvCxnSpPr/>
-          <p:nvPr/>
-        </p:nvCxnSpPr>
-        <p:spPr>
-          <a:xfrm>
-            <a:off x="2632598" y="2573412"/>
-            <a:ext cx="4027634" cy="0"/>
-          </a:xfrm>
-          <a:prstGeom prst="straightConnector1">
-            <a:avLst/>
-          </a:prstGeom>
-          <a:ln w="15875">
-            <a:solidFill>
-              <a:schemeClr val="tx1"/>
-            </a:solidFill>
-            <a:tailEnd type="arrow"/>
-          </a:ln>
-        </p:spPr>
-        <p:style>
-          <a:lnRef idx="1">
-            <a:schemeClr val="accent1"/>
-          </a:lnRef>
-          <a:fillRef idx="0">
-            <a:schemeClr val="accent1"/>
-          </a:fillRef>
-          <a:effectRef idx="0">
-            <a:schemeClr val="accent1"/>
-          </a:effectRef>
-          <a:fontRef idx="minor">
-            <a:schemeClr val="tx1"/>
-          </a:fontRef>
-        </p:style>
-      </p:cxnSp>
-      <p:cxnSp>
-        <p:nvCxnSpPr>
-          <p:cNvPr id="9" name="Gerade Verbindung mit Pfeil 8"/>
-          <p:cNvCxnSpPr/>
-          <p:nvPr/>
-        </p:nvCxnSpPr>
-        <p:spPr>
-          <a:xfrm flipH="1">
-            <a:off x="2632600" y="3417307"/>
-            <a:ext cx="3955624" cy="0"/>
-          </a:xfrm>
-          <a:prstGeom prst="straightConnector1">
-            <a:avLst/>
-          </a:prstGeom>
-          <a:ln w="15875">
-            <a:solidFill>
-              <a:schemeClr val="tx1"/>
-            </a:solidFill>
-            <a:tailEnd type="arrow"/>
-          </a:ln>
-        </p:spPr>
-        <p:style>
-          <a:lnRef idx="1">
-            <a:schemeClr val="accent1"/>
-          </a:lnRef>
-          <a:fillRef idx="0">
-            <a:schemeClr val="accent1"/>
-          </a:fillRef>
-          <a:effectRef idx="0">
-            <a:schemeClr val="accent1"/>
-          </a:effectRef>
-          <a:fontRef idx="minor">
-            <a:schemeClr val="tx1"/>
-          </a:fontRef>
-        </p:style>
-      </p:cxnSp>
-      <p:sp>
-        <p:nvSpPr>
-          <p:cNvPr id="6" name="Wolke 5"/>
-          <p:cNvSpPr/>
-          <p:nvPr/>
-        </p:nvSpPr>
-        <p:spPr>
-          <a:xfrm>
-            <a:off x="3491880" y="2295289"/>
-            <a:ext cx="2088232" cy="1440160"/>
-          </a:xfrm>
-          <a:prstGeom prst="cloud">
-            <a:avLst/>
-          </a:prstGeom>
-        </p:spPr>
-        <p:style>
-          <a:lnRef idx="2">
-            <a:schemeClr val="accent1">
-              <a:shade val="50000"/>
-            </a:schemeClr>
-          </a:lnRef>
-          <a:fillRef idx="1">
-            <a:schemeClr val="accent1"/>
-          </a:fillRef>
-          <a:effectRef idx="0">
-            <a:schemeClr val="accent1"/>
-          </a:effectRef>
-          <a:fontRef idx="minor">
-            <a:schemeClr val="lt1"/>
-          </a:fontRef>
-        </p:style>
-        <p:txBody>
-          <a:bodyPr rtlCol="0" anchor="ctr"/>
-          <a:lstStyle/>
-          <a:p>
-            <a:pPr algn="ctr"/>
-            <a:endParaRPr lang="de-DE"/>
-          </a:p>
-        </p:txBody>
-      </p:sp>
       <p:sp>
         <p:nvSpPr>
           <p:cNvPr id="2" name="Titel 1"/>
@@ -6699,27 +4619,15 @@
           <a:p>
             <a:r>
               <a:rPr lang="de-DE" dirty="0" smtClean="0"/>
-              <a:t>Aufbau des </a:t>
-            </a:r>
-            <a:r>
-              <a:rPr lang="de-DE" dirty="0" smtClean="0"/>
-              <a:t>Versuchs-Set-</a:t>
-            </a:r>
-            <a:r>
-              <a:rPr lang="de-DE" dirty="0" err="1" smtClean="0"/>
-              <a:t>Ups</a:t>
-            </a:r>
-            <a:r>
-              <a:rPr lang="de-DE" dirty="0" smtClean="0"/>
-              <a:t> (weitere)</a:t>
-            </a:r>
-            <a:endParaRPr lang="de-DE" dirty="0" smtClean="0"/>
+              <a:t>Erster Schritt:</a:t>
+            </a:r>
+            <a:endParaRPr lang="de-DE" dirty="0"/>
           </a:p>
         </p:txBody>
       </p:sp>
       <p:pic>
         <p:nvPicPr>
-          <p:cNvPr id="4" name="Picture 2" descr="C:\Users\TZeimetz\Desktop\server-square.png"/>
+          <p:cNvPr id="1027" name="Picture 3" descr="C:\Users\TZeimetz\Desktop\firefox-256.e2c1fc556816.jpg"/>
           <p:cNvPicPr>
             <a:picLocks noChangeAspect="1" noChangeArrowheads="1"/>
           </p:cNvPicPr>
@@ -6740,8 +4648,8 @@
         </p:blipFill>
         <p:spPr bwMode="auto">
           <a:xfrm>
-            <a:off x="1190032" y="2420888"/>
-            <a:ext cx="1442566" cy="1442566"/>
+            <a:off x="1176874" y="5202591"/>
+            <a:ext cx="1296144" cy="1296144"/>
           </a:xfrm>
           <a:prstGeom prst="rect">
             <a:avLst/>
@@ -6760,14 +4668,14 @@
       </p:pic>
       <p:pic>
         <p:nvPicPr>
-          <p:cNvPr id="2051" name="Picture 3" descr="C:\Users\TZeimetz\Desktop\guyfawkes.sh.png"/>
+          <p:cNvPr id="7" name="Picture 2" descr="C:\Users\TZeimetz\Desktop\server-square.png"/>
           <p:cNvPicPr>
             <a:picLocks noChangeAspect="1" noChangeArrowheads="1"/>
           </p:cNvPicPr>
           <p:nvPr/>
         </p:nvPicPr>
         <p:blipFill>
-          <a:blip r:embed="rId3" cstate="print">
+          <a:blip r:embed="rId3">
             <a:extLst>
               <a:ext uri="{28A0092B-C50C-407E-A947-70E740481C1C}">
                 <a14:useLocalDpi xmlns:a14="http://schemas.microsoft.com/office/drawing/2010/main" val="0"/>
@@ -6781,8 +4689,8 @@
         </p:blipFill>
         <p:spPr bwMode="auto">
           <a:xfrm>
-            <a:off x="1190032" y="5085184"/>
-            <a:ext cx="1296144" cy="1296144"/>
+            <a:off x="1190032" y="2420888"/>
+            <a:ext cx="1442566" cy="1442566"/>
           </a:xfrm>
           <a:prstGeom prst="rect">
             <a:avLst/>
@@ -6799,75 +4707,50 @@
           </a:extLst>
         </p:spPr>
       </p:pic>
-      <p:cxnSp>
-        <p:nvCxnSpPr>
-          <p:cNvPr id="20" name="Gerade Verbindung mit Pfeil 19"/>
-          <p:cNvCxnSpPr/>
-          <p:nvPr/>
-        </p:nvCxnSpPr>
-        <p:spPr>
-          <a:xfrm flipV="1">
-            <a:off x="1835696" y="3933056"/>
-            <a:ext cx="0" cy="1080120"/>
-          </a:xfrm>
-          <a:prstGeom prst="straightConnector1">
-            <a:avLst/>
-          </a:prstGeom>
-          <a:ln w="15875">
-            <a:solidFill>
-              <a:schemeClr val="tx1"/>
-            </a:solidFill>
-            <a:tailEnd type="arrow"/>
-          </a:ln>
-        </p:spPr>
-        <p:style>
-          <a:lnRef idx="1">
-            <a:schemeClr val="accent1"/>
-          </a:lnRef>
-          <a:fillRef idx="0">
-            <a:schemeClr val="accent1"/>
-          </a:fillRef>
-          <a:effectRef idx="0">
-            <a:schemeClr val="accent1"/>
-          </a:effectRef>
-          <a:fontRef idx="minor">
-            <a:schemeClr val="tx1"/>
-          </a:fontRef>
-        </p:style>
-      </p:cxnSp>
-      <p:sp>
-        <p:nvSpPr>
-          <p:cNvPr id="22" name="Textfeld 21"/>
-          <p:cNvSpPr txBox="1"/>
-          <p:nvPr/>
-        </p:nvSpPr>
-        <p:spPr>
-          <a:xfrm>
-            <a:off x="1475656" y="4288450"/>
-            <a:ext cx="360040" cy="369332"/>
-          </a:xfrm>
-          <a:prstGeom prst="rect">
-            <a:avLst/>
-          </a:prstGeom>
-          <a:noFill/>
-        </p:spPr>
-        <p:txBody>
-          <a:bodyPr wrap="square" rtlCol="0">
-            <a:spAutoFit/>
-          </a:bodyPr>
-          <a:lstStyle/>
-          <a:p>
-            <a:r>
-              <a:rPr lang="de-DE" dirty="0" smtClean="0"/>
-              <a:t>1</a:t>
-            </a:r>
-            <a:endParaRPr lang="de-DE" dirty="0"/>
-          </a:p>
-        </p:txBody>
-      </p:sp>
       <p:pic>
         <p:nvPicPr>
-          <p:cNvPr id="4098" name="Picture 2" descr="http://freeflaticons.com/wp-content/uploads/2014/09/injection-copy-1411038662nk84g.png"/>
+          <p:cNvPr id="8" name="Picture 2" descr="C:\Users\TZeimetz\Desktop\server-square.png"/>
+          <p:cNvPicPr>
+            <a:picLocks noChangeAspect="1" noChangeArrowheads="1"/>
+          </p:cNvPicPr>
+          <p:nvPr/>
+        </p:nvPicPr>
+        <p:blipFill>
+          <a:blip r:embed="rId3">
+            <a:extLst>
+              <a:ext uri="{28A0092B-C50C-407E-A947-70E740481C1C}">
+                <a14:useLocalDpi xmlns:a14="http://schemas.microsoft.com/office/drawing/2010/main" val="0"/>
+              </a:ext>
+            </a:extLst>
+          </a:blip>
+          <a:srcRect/>
+          <a:stretch>
+            <a:fillRect/>
+          </a:stretch>
+        </p:blipFill>
+        <p:spPr bwMode="auto">
+          <a:xfrm>
+            <a:off x="6744021" y="2420888"/>
+            <a:ext cx="1442566" cy="1442566"/>
+          </a:xfrm>
+          <a:prstGeom prst="rect">
+            <a:avLst/>
+          </a:prstGeom>
+          <a:noFill/>
+          <a:extLst>
+            <a:ext uri="{909E8E84-426E-40DD-AFC4-6F175D3DCCD1}">
+              <a14:hiddenFill xmlns:a14="http://schemas.microsoft.com/office/drawing/2010/main">
+                <a:solidFill>
+                  <a:srgbClr val="FFFFFF"/>
+                </a:solidFill>
+              </a14:hiddenFill>
+            </a:ext>
+          </a:extLst>
+        </p:spPr>
+      </p:pic>
+      <p:pic>
+        <p:nvPicPr>
+          <p:cNvPr id="1028" name="Picture 4" descr="C:\Users\TZeimetz\Desktop\guyfawkes.sh.png"/>
           <p:cNvPicPr>
             <a:picLocks noChangeAspect="1" noChangeArrowheads="1"/>
           </p:cNvPicPr>
@@ -6888,8 +4771,8 @@
         </p:blipFill>
         <p:spPr bwMode="auto">
           <a:xfrm>
-            <a:off x="4273178" y="2652413"/>
-            <a:ext cx="674468" cy="674468"/>
+            <a:off x="6525231" y="3242852"/>
+            <a:ext cx="940073" cy="940073"/>
           </a:xfrm>
           <a:prstGeom prst="rect">
             <a:avLst/>
@@ -6908,23 +4791,22 @@
       </p:pic>
       <p:cxnSp>
         <p:nvCxnSpPr>
-          <p:cNvPr id="17" name="Gerade Verbindung mit Pfeil 16"/>
+          <p:cNvPr id="5" name="Gerade Verbindung mit Pfeil 4"/>
           <p:cNvCxnSpPr/>
           <p:nvPr/>
         </p:nvCxnSpPr>
         <p:spPr>
-          <a:xfrm flipV="1">
-            <a:off x="2411760" y="3710930"/>
-            <a:ext cx="1800200" cy="1878310"/>
+          <a:xfrm>
+            <a:off x="2632598" y="2636912"/>
+            <a:ext cx="3739602" cy="0"/>
           </a:xfrm>
           <a:prstGeom prst="straightConnector1">
             <a:avLst/>
           </a:prstGeom>
           <a:ln w="15875">
             <a:solidFill>
-              <a:srgbClr val="FF0000"/>
+              <a:schemeClr val="tx1"/>
             </a:solidFill>
-            <a:prstDash val="dash"/>
             <a:tailEnd type="arrow"/>
           </a:ln>
         </p:spPr>
@@ -6943,16 +4825,124 @@
           </a:fontRef>
         </p:style>
       </p:cxnSp>
-      <p:sp>
-        <p:nvSpPr>
-          <p:cNvPr id="21" name="Textfeld 20"/>
+      <p:cxnSp>
+        <p:nvCxnSpPr>
+          <p:cNvPr id="17" name="Gerade Verbindung mit Pfeil 16"/>
+          <p:cNvCxnSpPr/>
+          <p:nvPr/>
+        </p:nvCxnSpPr>
+        <p:spPr>
+          <a:xfrm flipH="1">
+            <a:off x="2632600" y="3086232"/>
+            <a:ext cx="3739600" cy="0"/>
+          </a:xfrm>
+          <a:prstGeom prst="straightConnector1">
+            <a:avLst/>
+          </a:prstGeom>
+          <a:ln w="15875">
+            <a:solidFill>
+              <a:schemeClr val="tx1"/>
+            </a:solidFill>
+            <a:tailEnd type="arrow"/>
+          </a:ln>
+        </p:spPr>
+        <p:style>
+          <a:lnRef idx="1">
+            <a:schemeClr val="accent1"/>
+          </a:lnRef>
+          <a:fillRef idx="0">
+            <a:schemeClr val="accent1"/>
+          </a:fillRef>
+          <a:effectRef idx="0">
+            <a:schemeClr val="accent1"/>
+          </a:effectRef>
+          <a:fontRef idx="minor">
+            <a:schemeClr val="tx1"/>
+          </a:fontRef>
+        </p:style>
+      </p:cxnSp>
+      <p:cxnSp>
+        <p:nvCxnSpPr>
+          <p:cNvPr id="25" name="Gerade Verbindung mit Pfeil 24"/>
+          <p:cNvCxnSpPr/>
+          <p:nvPr/>
+        </p:nvCxnSpPr>
+        <p:spPr>
+          <a:xfrm flipV="1">
+            <a:off x="1475656" y="4005064"/>
+            <a:ext cx="0" cy="1154574"/>
+          </a:xfrm>
+          <a:prstGeom prst="straightConnector1">
+            <a:avLst/>
+          </a:prstGeom>
+          <a:ln w="15875">
+            <a:solidFill>
+              <a:schemeClr val="tx1"/>
+            </a:solidFill>
+            <a:tailEnd type="arrow"/>
+          </a:ln>
+        </p:spPr>
+        <p:style>
+          <a:lnRef idx="1">
+            <a:schemeClr val="accent1"/>
+          </a:lnRef>
+          <a:fillRef idx="0">
+            <a:schemeClr val="accent1"/>
+          </a:fillRef>
+          <a:effectRef idx="0">
+            <a:schemeClr val="accent1"/>
+          </a:effectRef>
+          <a:fontRef idx="minor">
+            <a:schemeClr val="tx1"/>
+          </a:fontRef>
+        </p:style>
+      </p:cxnSp>
+      <p:cxnSp>
+        <p:nvCxnSpPr>
+          <p:cNvPr id="28" name="Gerade Verbindung mit Pfeil 27"/>
+          <p:cNvCxnSpPr/>
+          <p:nvPr/>
+        </p:nvCxnSpPr>
+        <p:spPr>
+          <a:xfrm>
+            <a:off x="2126136" y="4005064"/>
+            <a:ext cx="0" cy="1154574"/>
+          </a:xfrm>
+          <a:prstGeom prst="straightConnector1">
+            <a:avLst/>
+          </a:prstGeom>
+          <a:ln w="15875">
+            <a:solidFill>
+              <a:schemeClr val="tx1"/>
+            </a:solidFill>
+            <a:tailEnd type="arrow"/>
+          </a:ln>
+        </p:spPr>
+        <p:style>
+          <a:lnRef idx="1">
+            <a:schemeClr val="accent1"/>
+          </a:lnRef>
+          <a:fillRef idx="0">
+            <a:schemeClr val="accent1"/>
+          </a:fillRef>
+          <a:effectRef idx="0">
+            <a:schemeClr val="accent1"/>
+          </a:effectRef>
+          <a:fontRef idx="minor">
+            <a:schemeClr val="tx1"/>
+          </a:fontRef>
+        </p:style>
+      </p:cxnSp>
+      <p:sp>
+        <p:nvSpPr>
+          <p:cNvPr id="26" name="Textfeld 25"/>
           <p:cNvSpPr txBox="1"/>
           <p:nvPr/>
         </p:nvSpPr>
         <p:spPr>
           <a:xfrm>
-            <a:off x="3419872" y="4608561"/>
-            <a:ext cx="1584176" cy="369332"/>
+            <a:off x="1115616" y="4397685"/>
+            <a:ext cx="360040" cy="369332"/>
           </a:xfrm>
           <a:prstGeom prst="rect">
             <a:avLst/>
@@ -6967,98 +4957,105 @@
           <a:p>
             <a:r>
               <a:rPr lang="de-DE" dirty="0" smtClean="0"/>
-              <a:t>NS-Records</a:t>
+              <a:t>1</a:t>
             </a:r>
             <a:endParaRPr lang="de-DE" dirty="0"/>
           </a:p>
         </p:txBody>
       </p:sp>
-      <p:pic>
-        <p:nvPicPr>
-          <p:cNvPr id="5122" name="Picture 2" descr="http://www.cmdsonline.com/wp-content/uploads/top-level-domain.jpg"/>
-          <p:cNvPicPr>
-            <a:picLocks noChangeAspect="1" noChangeArrowheads="1"/>
-          </p:cNvPicPr>
+      <p:sp>
+        <p:nvSpPr>
+          <p:cNvPr id="33" name="Textfeld 32"/>
+          <p:cNvSpPr txBox="1"/>
           <p:nvPr/>
-        </p:nvPicPr>
-        <p:blipFill>
-          <a:blip r:embed="rId5" cstate="print">
-            <a:extLst>
-              <a:ext uri="{28A0092B-C50C-407E-A947-70E740481C1C}">
-                <a14:useLocalDpi xmlns:a14="http://schemas.microsoft.com/office/drawing/2010/main" val="0"/>
-              </a:ext>
-            </a:extLst>
-          </a:blip>
-          <a:srcRect/>
-          <a:stretch>
-            <a:fillRect/>
-          </a:stretch>
-        </p:blipFill>
-        <p:spPr bwMode="auto">
-          <a:xfrm>
-            <a:off x="6549329" y="3553568"/>
-            <a:ext cx="1911103" cy="955552"/>
+        </p:nvSpPr>
+        <p:spPr>
+          <a:xfrm>
+            <a:off x="4322379" y="2267580"/>
+            <a:ext cx="360040" cy="369332"/>
           </a:xfrm>
           <a:prstGeom prst="rect">
             <a:avLst/>
           </a:prstGeom>
           <a:noFill/>
-          <a:extLst>
-            <a:ext uri="{909E8E84-426E-40DD-AFC4-6F175D3DCCD1}">
-              <a14:hiddenFill xmlns:a14="http://schemas.microsoft.com/office/drawing/2010/main">
-                <a:solidFill>
-                  <a:srgbClr val="FFFFFF"/>
-                </a:solidFill>
-              </a14:hiddenFill>
-            </a:ext>
-          </a:extLst>
-        </p:spPr>
-      </p:pic>
-      <p:pic>
-        <p:nvPicPr>
-          <p:cNvPr id="5" name="Picture 2" descr="C:\Users\TZeimetz\Desktop\server-square.png"/>
-          <p:cNvPicPr>
-            <a:picLocks noChangeAspect="1" noChangeArrowheads="1"/>
-          </p:cNvPicPr>
+        </p:spPr>
+        <p:txBody>
+          <a:bodyPr wrap="square" rtlCol="0">
+            <a:spAutoFit/>
+          </a:bodyPr>
+          <a:lstStyle/>
+          <a:p>
+            <a:r>
+              <a:rPr lang="de-DE" dirty="0"/>
+              <a:t>2</a:t>
+            </a:r>
+          </a:p>
+        </p:txBody>
+      </p:sp>
+      <p:sp>
+        <p:nvSpPr>
+          <p:cNvPr id="36" name="Textfeld 35"/>
+          <p:cNvSpPr txBox="1"/>
           <p:nvPr/>
-        </p:nvPicPr>
-        <p:blipFill>
-          <a:blip r:embed="rId2">
-            <a:extLst>
-              <a:ext uri="{28A0092B-C50C-407E-A947-70E740481C1C}">
-                <a14:useLocalDpi xmlns:a14="http://schemas.microsoft.com/office/drawing/2010/main" val="0"/>
-              </a:ext>
-            </a:extLst>
-          </a:blip>
-          <a:srcRect/>
-          <a:stretch>
-            <a:fillRect/>
-          </a:stretch>
-        </p:blipFill>
-        <p:spPr bwMode="auto">
-          <a:xfrm>
-            <a:off x="6804248" y="2268364"/>
-            <a:ext cx="1442566" cy="1442566"/>
+        </p:nvSpPr>
+        <p:spPr>
+          <a:xfrm>
+            <a:off x="4324902" y="3097901"/>
+            <a:ext cx="360040" cy="369332"/>
           </a:xfrm>
           <a:prstGeom prst="rect">
             <a:avLst/>
           </a:prstGeom>
           <a:noFill/>
-          <a:extLst>
-            <a:ext uri="{909E8E84-426E-40DD-AFC4-6F175D3DCCD1}">
-              <a14:hiddenFill xmlns:a14="http://schemas.microsoft.com/office/drawing/2010/main">
-                <a:solidFill>
-                  <a:srgbClr val="FFFFFF"/>
-                </a:solidFill>
-              </a14:hiddenFill>
-            </a:ext>
-          </a:extLst>
-        </p:spPr>
-      </p:pic>
+        </p:spPr>
+        <p:txBody>
+          <a:bodyPr wrap="square" rtlCol="0">
+            <a:spAutoFit/>
+          </a:bodyPr>
+          <a:lstStyle/>
+          <a:p>
+            <a:r>
+              <a:rPr lang="de-DE" dirty="0" smtClean="0"/>
+              <a:t>3</a:t>
+            </a:r>
+            <a:endParaRPr lang="de-DE" dirty="0"/>
+          </a:p>
+        </p:txBody>
+      </p:sp>
+      <p:sp>
+        <p:nvSpPr>
+          <p:cNvPr id="37" name="Textfeld 36"/>
+          <p:cNvSpPr txBox="1"/>
+          <p:nvPr/>
+        </p:nvSpPr>
+        <p:spPr>
+          <a:xfrm>
+            <a:off x="2126136" y="4397685"/>
+            <a:ext cx="360040" cy="369332"/>
+          </a:xfrm>
+          <a:prstGeom prst="rect">
+            <a:avLst/>
+          </a:prstGeom>
+          <a:noFill/>
+        </p:spPr>
+        <p:txBody>
+          <a:bodyPr wrap="square" rtlCol="0">
+            <a:spAutoFit/>
+          </a:bodyPr>
+          <a:lstStyle/>
+          <a:p>
+            <a:r>
+              <a:rPr lang="de-DE" dirty="0" smtClean="0"/>
+              <a:t>4</a:t>
+            </a:r>
+            <a:endParaRPr lang="de-DE" dirty="0"/>
+          </a:p>
+        </p:txBody>
+      </p:sp>
     </p:spTree>
     <p:extLst>
       <p:ext uri="{BB962C8B-B14F-4D97-AF65-F5344CB8AC3E}">
-        <p14:creationId xmlns:p14="http://schemas.microsoft.com/office/powerpoint/2010/main" val="38910770"/>
+        <p14:creationId xmlns:p14="http://schemas.microsoft.com/office/powerpoint/2010/main" val="3625774942"/>
       </p:ext>
     </p:extLst>
   </p:cSld>
@@ -7134,81 +5131,111 @@
           <a:p>
             <a:r>
               <a:rPr lang="de-DE" dirty="0" smtClean="0"/>
-              <a:t>Versuche</a:t>
-            </a:r>
-          </a:p>
-          <a:p>
-            <a:pPr lvl="1"/>
-            <a:r>
-              <a:rPr lang="de-DE" dirty="0" smtClean="0"/>
-              <a:t>BIND4, BIND8 (mehrere Versionen) und </a:t>
-            </a:r>
-            <a:br>
-              <a:rPr lang="de-DE" dirty="0" smtClean="0"/>
-            </a:br>
-            <a:r>
-              <a:rPr lang="de-DE" dirty="0" smtClean="0"/>
-              <a:t>BIND9 (mehrere Versionen)</a:t>
-            </a:r>
-          </a:p>
-          <a:p>
-            <a:pPr lvl="1"/>
-            <a:r>
-              <a:rPr lang="de-DE" dirty="0" smtClean="0"/>
-              <a:t>Mit unterschiedlichen </a:t>
-            </a:r>
-            <a:r>
-              <a:rPr lang="de-DE" dirty="0" err="1" smtClean="0"/>
-              <a:t>Betriebsystemen</a:t>
-            </a:r>
-            <a:endParaRPr lang="de-DE" dirty="0" smtClean="0"/>
-          </a:p>
-          <a:p>
-            <a:pPr lvl="2"/>
-            <a:r>
-              <a:rPr lang="de-DE" dirty="0" smtClean="0"/>
-              <a:t>Ubuntu 8, 14 und 16</a:t>
-            </a:r>
-          </a:p>
-          <a:p>
-            <a:pPr lvl="2"/>
-            <a:r>
-              <a:rPr lang="de-DE" dirty="0" smtClean="0"/>
-              <a:t>Suse</a:t>
-            </a:r>
-          </a:p>
-          <a:p>
-            <a:pPr lvl="2"/>
-            <a:r>
-              <a:rPr lang="de-DE" dirty="0" err="1" smtClean="0"/>
-              <a:t>centOS</a:t>
-            </a:r>
-            <a:endParaRPr lang="de-DE" dirty="0" smtClean="0"/>
-          </a:p>
-          <a:p>
-            <a:pPr lvl="2"/>
-            <a:r>
-              <a:rPr lang="de-DE" dirty="0" err="1" smtClean="0"/>
-              <a:t>Manjaro</a:t>
-            </a:r>
-            <a:endParaRPr lang="de-DE" dirty="0" smtClean="0"/>
-          </a:p>
-          <a:p>
-            <a:pPr lvl="1"/>
+              <a:t>Erster Schritt:</a:t>
+            </a:r>
             <a:endParaRPr lang="de-DE" dirty="0"/>
           </a:p>
         </p:txBody>
       </p:sp>
+      <p:pic>
+        <p:nvPicPr>
+          <p:cNvPr id="6148" name="Picture 4" descr="https://www.brownstonelaw.com/wp-content/uploads/2014/09/hacking.jpg"/>
+          <p:cNvPicPr>
+            <a:picLocks noChangeAspect="1" noChangeArrowheads="1"/>
+          </p:cNvPicPr>
+          <p:nvPr/>
+        </p:nvPicPr>
+        <p:blipFill>
+          <a:blip r:embed="rId2">
+            <a:extLst>
+              <a:ext uri="{28A0092B-C50C-407E-A947-70E740481C1C}">
+                <a14:useLocalDpi xmlns:a14="http://schemas.microsoft.com/office/drawing/2010/main" val="0"/>
+              </a:ext>
+            </a:extLst>
+          </a:blip>
+          <a:srcRect/>
+          <a:stretch>
+            <a:fillRect/>
+          </a:stretch>
+        </p:blipFill>
+        <p:spPr bwMode="auto">
+          <a:xfrm>
+            <a:off x="323528" y="4569669"/>
+            <a:ext cx="3580325" cy="2016224"/>
+          </a:xfrm>
+          <a:prstGeom prst="rect">
+            <a:avLst/>
+          </a:prstGeom>
+          <a:noFill/>
+          <a:extLst>
+            <a:ext uri="{909E8E84-426E-40DD-AFC4-6F175D3DCCD1}">
+              <a14:hiddenFill xmlns:a14="http://schemas.microsoft.com/office/drawing/2010/main">
+                <a:solidFill>
+                  <a:srgbClr val="FFFFFF"/>
+                </a:solidFill>
+              </a14:hiddenFill>
+            </a:ext>
+          </a:extLst>
+        </p:spPr>
+      </p:pic>
+      <p:pic>
+        <p:nvPicPr>
+          <p:cNvPr id="6146" name="Picture 2" descr="https://maxwellsullivan.files.wordpress.com/2013/02/3-4.png"/>
+          <p:cNvPicPr>
+            <a:picLocks noChangeAspect="1" noChangeArrowheads="1"/>
+          </p:cNvPicPr>
+          <p:nvPr/>
+        </p:nvPicPr>
+        <p:blipFill>
+          <a:blip r:embed="rId3" cstate="print">
+            <a:extLst>
+              <a:ext uri="{28A0092B-C50C-407E-A947-70E740481C1C}">
+                <a14:useLocalDpi xmlns:a14="http://schemas.microsoft.com/office/drawing/2010/main" val="0"/>
+              </a:ext>
+            </a:extLst>
+          </a:blip>
+          <a:srcRect/>
+          <a:stretch>
+            <a:fillRect/>
+          </a:stretch>
+        </p:blipFill>
+        <p:spPr bwMode="auto">
+          <a:xfrm>
+            <a:off x="3203848" y="2138488"/>
+            <a:ext cx="5539670" cy="2952328"/>
+          </a:xfrm>
+          <a:prstGeom prst="rect">
+            <a:avLst/>
+          </a:prstGeom>
+          <a:noFill/>
+          <a:extLst>
+            <a:ext uri="{909E8E84-426E-40DD-AFC4-6F175D3DCCD1}">
+              <a14:hiddenFill xmlns:a14="http://schemas.microsoft.com/office/drawing/2010/main">
+                <a:solidFill>
+                  <a:srgbClr val="FFFFFF"/>
+                </a:solidFill>
+              </a14:hiddenFill>
+            </a:ext>
+          </a:extLst>
+        </p:spPr>
+      </p:pic>
     </p:spTree>
     <p:extLst>
       <p:ext uri="{BB962C8B-B14F-4D97-AF65-F5344CB8AC3E}">
-        <p14:creationId xmlns:p14="http://schemas.microsoft.com/office/powerpoint/2010/main" val="1818596622"/>
+        <p14:creationId xmlns:p14="http://schemas.microsoft.com/office/powerpoint/2010/main" val="2366735815"/>
       </p:ext>
     </p:extLst>
   </p:cSld>
   <p:clrMapOvr>
     <a:masterClrMapping/>
   </p:clrMapOvr>
+  <p:timing>
+    <p:tnLst>
+      <p:par>
+        <p:cTn id="1" dur="indefinite" restart="never" nodeType="tmRoot"/>
+      </p:par>
+    </p:tnLst>
+  </p:timing>
 </p:sld>
 </file>
 
@@ -7241,6 +5268,2701 @@
         </p:nvSpPr>
         <p:spPr/>
         <p:txBody>
+          <a:bodyPr>
+            <a:normAutofit fontScale="90000"/>
+          </a:bodyPr>
+          <a:lstStyle/>
+          <a:p>
+            <a:r>
+              <a:rPr lang="de-DE" dirty="0" smtClean="0"/>
+              <a:t>Versuchsreihen und Vorgehensweisen</a:t>
+            </a:r>
+            <a:endParaRPr lang="de-DE" dirty="0"/>
+          </a:p>
+        </p:txBody>
+      </p:sp>
+      <p:sp>
+        <p:nvSpPr>
+          <p:cNvPr id="3" name="Inhaltsplatzhalter 2"/>
+          <p:cNvSpPr>
+            <a:spLocks noGrp="1"/>
+          </p:cNvSpPr>
+          <p:nvPr>
+            <p:ph sz="quarter" idx="1"/>
+          </p:nvPr>
+        </p:nvSpPr>
+        <p:spPr/>
+        <p:txBody>
+          <a:bodyPr/>
+          <a:lstStyle/>
+          <a:p>
+            <a:r>
+              <a:rPr lang="de-DE" dirty="0" smtClean="0"/>
+              <a:t>Aufbau des Versuchs-Set-</a:t>
+            </a:r>
+            <a:r>
+              <a:rPr lang="de-DE" dirty="0" err="1" smtClean="0"/>
+              <a:t>Ups</a:t>
+            </a:r>
+            <a:endParaRPr lang="de-DE" dirty="0" smtClean="0"/>
+          </a:p>
+        </p:txBody>
+      </p:sp>
+      <p:pic>
+        <p:nvPicPr>
+          <p:cNvPr id="4" name="Picture 2" descr="C:\Users\TZeimetz\Desktop\server-square.png"/>
+          <p:cNvPicPr>
+            <a:picLocks noChangeAspect="1" noChangeArrowheads="1"/>
+          </p:cNvPicPr>
+          <p:nvPr/>
+        </p:nvPicPr>
+        <p:blipFill>
+          <a:blip r:embed="rId2">
+            <a:extLst>
+              <a:ext uri="{28A0092B-C50C-407E-A947-70E740481C1C}">
+                <a14:useLocalDpi xmlns:a14="http://schemas.microsoft.com/office/drawing/2010/main" val="0"/>
+              </a:ext>
+            </a:extLst>
+          </a:blip>
+          <a:srcRect/>
+          <a:stretch>
+            <a:fillRect/>
+          </a:stretch>
+        </p:blipFill>
+        <p:spPr bwMode="auto">
+          <a:xfrm>
+            <a:off x="1190032" y="2420888"/>
+            <a:ext cx="1442566" cy="1442566"/>
+          </a:xfrm>
+          <a:prstGeom prst="rect">
+            <a:avLst/>
+          </a:prstGeom>
+          <a:noFill/>
+          <a:extLst>
+            <a:ext uri="{909E8E84-426E-40DD-AFC4-6F175D3DCCD1}">
+              <a14:hiddenFill xmlns:a14="http://schemas.microsoft.com/office/drawing/2010/main">
+                <a:solidFill>
+                  <a:srgbClr val="FFFFFF"/>
+                </a:solidFill>
+              </a14:hiddenFill>
+            </a:ext>
+          </a:extLst>
+        </p:spPr>
+      </p:pic>
+      <p:pic>
+        <p:nvPicPr>
+          <p:cNvPr id="5" name="Picture 2" descr="C:\Users\TZeimetz\Desktop\server-square.png"/>
+          <p:cNvPicPr>
+            <a:picLocks noChangeAspect="1" noChangeArrowheads="1"/>
+          </p:cNvPicPr>
+          <p:nvPr/>
+        </p:nvPicPr>
+        <p:blipFill>
+          <a:blip r:embed="rId2">
+            <a:extLst>
+              <a:ext uri="{28A0092B-C50C-407E-A947-70E740481C1C}">
+                <a14:useLocalDpi xmlns:a14="http://schemas.microsoft.com/office/drawing/2010/main" val="0"/>
+              </a:ext>
+            </a:extLst>
+          </a:blip>
+          <a:srcRect/>
+          <a:stretch>
+            <a:fillRect/>
+          </a:stretch>
+        </p:blipFill>
+        <p:spPr bwMode="auto">
+          <a:xfrm>
+            <a:off x="6804248" y="2268364"/>
+            <a:ext cx="1442566" cy="1442566"/>
+          </a:xfrm>
+          <a:prstGeom prst="rect">
+            <a:avLst/>
+          </a:prstGeom>
+          <a:noFill/>
+          <a:extLst>
+            <a:ext uri="{909E8E84-426E-40DD-AFC4-6F175D3DCCD1}">
+              <a14:hiddenFill xmlns:a14="http://schemas.microsoft.com/office/drawing/2010/main">
+                <a:solidFill>
+                  <a:srgbClr val="FFFFFF"/>
+                </a:solidFill>
+              </a14:hiddenFill>
+            </a:ext>
+          </a:extLst>
+        </p:spPr>
+      </p:pic>
+      <p:cxnSp>
+        <p:nvCxnSpPr>
+          <p:cNvPr id="7" name="Gerade Verbindung mit Pfeil 6"/>
+          <p:cNvCxnSpPr/>
+          <p:nvPr/>
+        </p:nvCxnSpPr>
+        <p:spPr>
+          <a:xfrm>
+            <a:off x="2632598" y="2573412"/>
+            <a:ext cx="4027634" cy="0"/>
+          </a:xfrm>
+          <a:prstGeom prst="straightConnector1">
+            <a:avLst/>
+          </a:prstGeom>
+          <a:ln w="15875">
+            <a:solidFill>
+              <a:schemeClr val="tx1"/>
+            </a:solidFill>
+            <a:tailEnd type="arrow"/>
+          </a:ln>
+        </p:spPr>
+        <p:style>
+          <a:lnRef idx="1">
+            <a:schemeClr val="accent1"/>
+          </a:lnRef>
+          <a:fillRef idx="0">
+            <a:schemeClr val="accent1"/>
+          </a:fillRef>
+          <a:effectRef idx="0">
+            <a:schemeClr val="accent1"/>
+          </a:effectRef>
+          <a:fontRef idx="minor">
+            <a:schemeClr val="tx1"/>
+          </a:fontRef>
+        </p:style>
+      </p:cxnSp>
+      <p:cxnSp>
+        <p:nvCxnSpPr>
+          <p:cNvPr id="9" name="Gerade Verbindung mit Pfeil 8"/>
+          <p:cNvCxnSpPr/>
+          <p:nvPr/>
+        </p:nvCxnSpPr>
+        <p:spPr>
+          <a:xfrm flipH="1">
+            <a:off x="2632600" y="3417307"/>
+            <a:ext cx="3955624" cy="0"/>
+          </a:xfrm>
+          <a:prstGeom prst="straightConnector1">
+            <a:avLst/>
+          </a:prstGeom>
+          <a:ln w="15875">
+            <a:solidFill>
+              <a:schemeClr val="tx1"/>
+            </a:solidFill>
+            <a:tailEnd type="arrow"/>
+          </a:ln>
+        </p:spPr>
+        <p:style>
+          <a:lnRef idx="1">
+            <a:schemeClr val="accent1"/>
+          </a:lnRef>
+          <a:fillRef idx="0">
+            <a:schemeClr val="accent1"/>
+          </a:fillRef>
+          <a:effectRef idx="0">
+            <a:schemeClr val="accent1"/>
+          </a:effectRef>
+          <a:fontRef idx="minor">
+            <a:schemeClr val="tx1"/>
+          </a:fontRef>
+        </p:style>
+      </p:cxnSp>
+      <p:sp>
+        <p:nvSpPr>
+          <p:cNvPr id="12" name="Textfeld 11"/>
+          <p:cNvSpPr txBox="1"/>
+          <p:nvPr/>
+        </p:nvSpPr>
+        <p:spPr>
+          <a:xfrm>
+            <a:off x="4466395" y="2204864"/>
+            <a:ext cx="360040" cy="369332"/>
+          </a:xfrm>
+          <a:prstGeom prst="rect">
+            <a:avLst/>
+          </a:prstGeom>
+          <a:noFill/>
+        </p:spPr>
+        <p:txBody>
+          <a:bodyPr wrap="square" rtlCol="0">
+            <a:spAutoFit/>
+          </a:bodyPr>
+          <a:lstStyle/>
+          <a:p>
+            <a:r>
+              <a:rPr lang="de-DE" dirty="0"/>
+              <a:t>2</a:t>
+            </a:r>
+          </a:p>
+        </p:txBody>
+      </p:sp>
+      <p:sp>
+        <p:nvSpPr>
+          <p:cNvPr id="15" name="Textfeld 14"/>
+          <p:cNvSpPr txBox="1"/>
+          <p:nvPr/>
+        </p:nvSpPr>
+        <p:spPr>
+          <a:xfrm>
+            <a:off x="4466395" y="3419708"/>
+            <a:ext cx="360040" cy="369332"/>
+          </a:xfrm>
+          <a:prstGeom prst="rect">
+            <a:avLst/>
+          </a:prstGeom>
+          <a:noFill/>
+        </p:spPr>
+        <p:txBody>
+          <a:bodyPr wrap="square" rtlCol="0">
+            <a:spAutoFit/>
+          </a:bodyPr>
+          <a:lstStyle/>
+          <a:p>
+            <a:r>
+              <a:rPr lang="de-DE" dirty="0"/>
+              <a:t>5</a:t>
+            </a:r>
+          </a:p>
+        </p:txBody>
+      </p:sp>
+      <p:pic>
+        <p:nvPicPr>
+          <p:cNvPr id="2050" name="Picture 2" descr="C:\Users\TZeimetz\Desktop\Google_2015_logo.svg.png"/>
+          <p:cNvPicPr>
+            <a:picLocks noChangeAspect="1" noChangeArrowheads="1"/>
+          </p:cNvPicPr>
+          <p:nvPr/>
+        </p:nvPicPr>
+        <p:blipFill>
+          <a:blip r:embed="rId3">
+            <a:extLst>
+              <a:ext uri="{28A0092B-C50C-407E-A947-70E740481C1C}">
+                <a14:useLocalDpi xmlns:a14="http://schemas.microsoft.com/office/drawing/2010/main" val="0"/>
+              </a:ext>
+            </a:extLst>
+          </a:blip>
+          <a:srcRect/>
+          <a:stretch>
+            <a:fillRect/>
+          </a:stretch>
+        </p:blipFill>
+        <p:spPr bwMode="auto">
+          <a:xfrm>
+            <a:off x="6804992" y="3614345"/>
+            <a:ext cx="1295400" cy="438150"/>
+          </a:xfrm>
+          <a:prstGeom prst="rect">
+            <a:avLst/>
+          </a:prstGeom>
+          <a:noFill/>
+          <a:extLst>
+            <a:ext uri="{909E8E84-426E-40DD-AFC4-6F175D3DCCD1}">
+              <a14:hiddenFill xmlns:a14="http://schemas.microsoft.com/office/drawing/2010/main">
+                <a:solidFill>
+                  <a:srgbClr val="FFFFFF"/>
+                </a:solidFill>
+              </a14:hiddenFill>
+            </a:ext>
+          </a:extLst>
+        </p:spPr>
+      </p:pic>
+      <p:pic>
+        <p:nvPicPr>
+          <p:cNvPr id="2051" name="Picture 3" descr="C:\Users\TZeimetz\Desktop\guyfawkes.sh.png"/>
+          <p:cNvPicPr>
+            <a:picLocks noChangeAspect="1" noChangeArrowheads="1"/>
+          </p:cNvPicPr>
+          <p:nvPr/>
+        </p:nvPicPr>
+        <p:blipFill>
+          <a:blip r:embed="rId4" cstate="print">
+            <a:extLst>
+              <a:ext uri="{28A0092B-C50C-407E-A947-70E740481C1C}">
+                <a14:useLocalDpi xmlns:a14="http://schemas.microsoft.com/office/drawing/2010/main" val="0"/>
+              </a:ext>
+            </a:extLst>
+          </a:blip>
+          <a:srcRect/>
+          <a:stretch>
+            <a:fillRect/>
+          </a:stretch>
+        </p:blipFill>
+        <p:spPr bwMode="auto">
+          <a:xfrm>
+            <a:off x="1190032" y="5085184"/>
+            <a:ext cx="1296144" cy="1296144"/>
+          </a:xfrm>
+          <a:prstGeom prst="rect">
+            <a:avLst/>
+          </a:prstGeom>
+          <a:noFill/>
+          <a:extLst>
+            <a:ext uri="{909E8E84-426E-40DD-AFC4-6F175D3DCCD1}">
+              <a14:hiddenFill xmlns:a14="http://schemas.microsoft.com/office/drawing/2010/main">
+                <a:solidFill>
+                  <a:srgbClr val="FFFFFF"/>
+                </a:solidFill>
+              </a14:hiddenFill>
+            </a:ext>
+          </a:extLst>
+        </p:spPr>
+      </p:pic>
+      <p:cxnSp>
+        <p:nvCxnSpPr>
+          <p:cNvPr id="20" name="Gerade Verbindung mit Pfeil 19"/>
+          <p:cNvCxnSpPr/>
+          <p:nvPr/>
+        </p:nvCxnSpPr>
+        <p:spPr>
+          <a:xfrm flipV="1">
+            <a:off x="1835696" y="3933056"/>
+            <a:ext cx="0" cy="1080120"/>
+          </a:xfrm>
+          <a:prstGeom prst="straightConnector1">
+            <a:avLst/>
+          </a:prstGeom>
+          <a:ln w="15875">
+            <a:solidFill>
+              <a:schemeClr val="tx1"/>
+            </a:solidFill>
+            <a:tailEnd type="arrow"/>
+          </a:ln>
+        </p:spPr>
+        <p:style>
+          <a:lnRef idx="1">
+            <a:schemeClr val="accent1"/>
+          </a:lnRef>
+          <a:fillRef idx="0">
+            <a:schemeClr val="accent1"/>
+          </a:fillRef>
+          <a:effectRef idx="0">
+            <a:schemeClr val="accent1"/>
+          </a:effectRef>
+          <a:fontRef idx="minor">
+            <a:schemeClr val="tx1"/>
+          </a:fontRef>
+        </p:style>
+      </p:cxnSp>
+      <p:sp>
+        <p:nvSpPr>
+          <p:cNvPr id="22" name="Textfeld 21"/>
+          <p:cNvSpPr txBox="1"/>
+          <p:nvPr/>
+        </p:nvSpPr>
+        <p:spPr>
+          <a:xfrm>
+            <a:off x="1475656" y="4288450"/>
+            <a:ext cx="360040" cy="369332"/>
+          </a:xfrm>
+          <a:prstGeom prst="rect">
+            <a:avLst/>
+          </a:prstGeom>
+          <a:noFill/>
+        </p:spPr>
+        <p:txBody>
+          <a:bodyPr wrap="square" rtlCol="0">
+            <a:spAutoFit/>
+          </a:bodyPr>
+          <a:lstStyle/>
+          <a:p>
+            <a:r>
+              <a:rPr lang="de-DE" dirty="0" smtClean="0"/>
+              <a:t>1</a:t>
+            </a:r>
+            <a:endParaRPr lang="de-DE" dirty="0"/>
+          </a:p>
+        </p:txBody>
+      </p:sp>
+      <p:pic>
+        <p:nvPicPr>
+          <p:cNvPr id="14" name="Picture 6" descr="C:\Users\TZeimetz\Desktop\fdasdf.JPG"/>
+          <p:cNvPicPr>
+            <a:picLocks noChangeAspect="1" noChangeArrowheads="1"/>
+          </p:cNvPicPr>
+          <p:nvPr/>
+        </p:nvPicPr>
+        <p:blipFill>
+          <a:blip r:embed="rId5" cstate="print">
+            <a:extLst>
+              <a:ext uri="{28A0092B-C50C-407E-A947-70E740481C1C}">
+                <a14:useLocalDpi xmlns:a14="http://schemas.microsoft.com/office/drawing/2010/main" val="0"/>
+              </a:ext>
+            </a:extLst>
+          </a:blip>
+          <a:srcRect/>
+          <a:stretch>
+            <a:fillRect/>
+          </a:stretch>
+        </p:blipFill>
+        <p:spPr bwMode="auto">
+          <a:xfrm>
+            <a:off x="6801842" y="5006754"/>
+            <a:ext cx="1298550" cy="1518590"/>
+          </a:xfrm>
+          <a:prstGeom prst="rect">
+            <a:avLst/>
+          </a:prstGeom>
+          <a:noFill/>
+          <a:extLst>
+            <a:ext uri="{909E8E84-426E-40DD-AFC4-6F175D3DCCD1}">
+              <a14:hiddenFill xmlns:a14="http://schemas.microsoft.com/office/drawing/2010/main">
+                <a:solidFill>
+                  <a:srgbClr val="FFFFFF"/>
+                </a:solidFill>
+              </a14:hiddenFill>
+            </a:ext>
+          </a:extLst>
+        </p:spPr>
+      </p:pic>
+      <p:cxnSp>
+        <p:nvCxnSpPr>
+          <p:cNvPr id="16" name="Gerade Verbindung mit Pfeil 15"/>
+          <p:cNvCxnSpPr/>
+          <p:nvPr/>
+        </p:nvCxnSpPr>
+        <p:spPr>
+          <a:xfrm>
+            <a:off x="7164288" y="4100552"/>
+            <a:ext cx="2" cy="762186"/>
+          </a:xfrm>
+          <a:prstGeom prst="straightConnector1">
+            <a:avLst/>
+          </a:prstGeom>
+          <a:ln w="15875">
+            <a:solidFill>
+              <a:schemeClr val="tx1"/>
+            </a:solidFill>
+            <a:tailEnd type="arrow"/>
+          </a:ln>
+        </p:spPr>
+        <p:style>
+          <a:lnRef idx="1">
+            <a:schemeClr val="accent1"/>
+          </a:lnRef>
+          <a:fillRef idx="0">
+            <a:schemeClr val="accent1"/>
+          </a:fillRef>
+          <a:effectRef idx="0">
+            <a:schemeClr val="accent1"/>
+          </a:effectRef>
+          <a:fontRef idx="minor">
+            <a:schemeClr val="tx1"/>
+          </a:fontRef>
+        </p:style>
+      </p:cxnSp>
+      <p:cxnSp>
+        <p:nvCxnSpPr>
+          <p:cNvPr id="17" name="Gerade Verbindung mit Pfeil 16"/>
+          <p:cNvCxnSpPr/>
+          <p:nvPr/>
+        </p:nvCxnSpPr>
+        <p:spPr>
+          <a:xfrm flipH="1" flipV="1">
+            <a:off x="7740352" y="4091071"/>
+            <a:ext cx="361" cy="733091"/>
+          </a:xfrm>
+          <a:prstGeom prst="straightConnector1">
+            <a:avLst/>
+          </a:prstGeom>
+          <a:ln w="15875">
+            <a:solidFill>
+              <a:schemeClr val="tx1"/>
+            </a:solidFill>
+            <a:tailEnd type="arrow"/>
+          </a:ln>
+        </p:spPr>
+        <p:style>
+          <a:lnRef idx="1">
+            <a:schemeClr val="accent1"/>
+          </a:lnRef>
+          <a:fillRef idx="0">
+            <a:schemeClr val="accent1"/>
+          </a:fillRef>
+          <a:effectRef idx="0">
+            <a:schemeClr val="accent1"/>
+          </a:effectRef>
+          <a:fontRef idx="minor">
+            <a:schemeClr val="tx1"/>
+          </a:fontRef>
+        </p:style>
+      </p:cxnSp>
+      <p:sp>
+        <p:nvSpPr>
+          <p:cNvPr id="23" name="Textfeld 22"/>
+          <p:cNvSpPr txBox="1"/>
+          <p:nvPr/>
+        </p:nvSpPr>
+        <p:spPr>
+          <a:xfrm>
+            <a:off x="7785149" y="4300699"/>
+            <a:ext cx="360040" cy="369332"/>
+          </a:xfrm>
+          <a:prstGeom prst="rect">
+            <a:avLst/>
+          </a:prstGeom>
+          <a:noFill/>
+        </p:spPr>
+        <p:txBody>
+          <a:bodyPr wrap="square" rtlCol="0">
+            <a:spAutoFit/>
+          </a:bodyPr>
+          <a:lstStyle/>
+          <a:p>
+            <a:r>
+              <a:rPr lang="de-DE" dirty="0" smtClean="0"/>
+              <a:t>4</a:t>
+            </a:r>
+            <a:endParaRPr lang="de-DE" dirty="0"/>
+          </a:p>
+        </p:txBody>
+      </p:sp>
+      <p:sp>
+        <p:nvSpPr>
+          <p:cNvPr id="24" name="Textfeld 23"/>
+          <p:cNvSpPr txBox="1"/>
+          <p:nvPr/>
+        </p:nvSpPr>
+        <p:spPr>
+          <a:xfrm>
+            <a:off x="6759453" y="4295857"/>
+            <a:ext cx="360040" cy="369332"/>
+          </a:xfrm>
+          <a:prstGeom prst="rect">
+            <a:avLst/>
+          </a:prstGeom>
+          <a:noFill/>
+        </p:spPr>
+        <p:txBody>
+          <a:bodyPr wrap="square" rtlCol="0">
+            <a:spAutoFit/>
+          </a:bodyPr>
+          <a:lstStyle/>
+          <a:p>
+            <a:r>
+              <a:rPr lang="de-DE" dirty="0" smtClean="0"/>
+              <a:t>3</a:t>
+            </a:r>
+            <a:endParaRPr lang="de-DE" dirty="0"/>
+          </a:p>
+        </p:txBody>
+      </p:sp>
+    </p:spTree>
+    <p:extLst>
+      <p:ext uri="{BB962C8B-B14F-4D97-AF65-F5344CB8AC3E}">
+        <p14:creationId xmlns:p14="http://schemas.microsoft.com/office/powerpoint/2010/main" val="1371295851"/>
+      </p:ext>
+    </p:extLst>
+  </p:cSld>
+  <p:clrMapOvr>
+    <a:masterClrMapping/>
+  </p:clrMapOvr>
+  <p:timing>
+    <p:tnLst>
+      <p:par>
+        <p:cTn id="1" dur="indefinite" restart="never" nodeType="tmRoot"/>
+      </p:par>
+    </p:tnLst>
+  </p:timing>
+</p:sld>
+</file>
+
+<file path=ppt/slides/slide2.xml><?xml version="1.0" encoding="utf-8"?>
+<p:sld xmlns:a="http://schemas.openxmlformats.org/drawingml/2006/main" xmlns:r="http://schemas.openxmlformats.org/officeDocument/2006/relationships" xmlns:p="http://schemas.openxmlformats.org/presentationml/2006/main">
+  <p:cSld>
+    <p:spTree>
+      <p:nvGrpSpPr>
+        <p:cNvPr id="1" name=""/>
+        <p:cNvGrpSpPr/>
+        <p:nvPr/>
+      </p:nvGrpSpPr>
+      <p:grpSpPr>
+        <a:xfrm>
+          <a:off x="0" y="0"/>
+          <a:ext cx="0" cy="0"/>
+          <a:chOff x="0" y="0"/>
+          <a:chExt cx="0" cy="0"/>
+        </a:xfrm>
+      </p:grpSpPr>
+      <p:sp>
+        <p:nvSpPr>
+          <p:cNvPr id="2" name="Titel 1"/>
+          <p:cNvSpPr>
+            <a:spLocks noGrp="1"/>
+          </p:cNvSpPr>
+          <p:nvPr>
+            <p:ph type="title"/>
+          </p:nvPr>
+        </p:nvSpPr>
+        <p:spPr/>
+        <p:txBody>
+          <a:bodyPr/>
+          <a:lstStyle/>
+          <a:p>
+            <a:r>
+              <a:rPr lang="de-DE" dirty="0" smtClean="0"/>
+              <a:t>Inhalt</a:t>
+            </a:r>
+            <a:endParaRPr lang="de-DE" dirty="0"/>
+          </a:p>
+        </p:txBody>
+      </p:sp>
+      <p:sp>
+        <p:nvSpPr>
+          <p:cNvPr id="3" name="Inhaltsplatzhalter 2"/>
+          <p:cNvSpPr>
+            <a:spLocks noGrp="1"/>
+          </p:cNvSpPr>
+          <p:nvPr>
+            <p:ph sz="quarter" idx="1"/>
+          </p:nvPr>
+        </p:nvSpPr>
+        <p:spPr/>
+        <p:txBody>
+          <a:bodyPr/>
+          <a:lstStyle/>
+          <a:p>
+            <a:pPr lvl="0"/>
+            <a:r>
+              <a:rPr lang="de-DE" dirty="0"/>
+              <a:t>Aufgabenstellung</a:t>
+            </a:r>
+          </a:p>
+          <a:p>
+            <a:pPr lvl="0"/>
+            <a:r>
+              <a:rPr lang="de-DE" dirty="0"/>
+              <a:t>Grundlagen des Angriffs</a:t>
+            </a:r>
+          </a:p>
+          <a:p>
+            <a:pPr lvl="0"/>
+            <a:r>
+              <a:rPr lang="de-DE" dirty="0"/>
+              <a:t>Das Setup und die Konfiguration</a:t>
+            </a:r>
+          </a:p>
+          <a:p>
+            <a:pPr lvl="0"/>
+            <a:r>
+              <a:rPr lang="de-DE" dirty="0"/>
+              <a:t>Der Angriff</a:t>
+            </a:r>
+          </a:p>
+          <a:p>
+            <a:pPr lvl="0"/>
+            <a:r>
+              <a:rPr lang="de-DE" dirty="0" smtClean="0"/>
+              <a:t>Versuchsreihen und Vorgehensweisen</a:t>
+            </a:r>
+          </a:p>
+          <a:p>
+            <a:pPr lvl="0"/>
+            <a:r>
+              <a:rPr lang="de-DE" dirty="0" smtClean="0"/>
+              <a:t>Gegenmaßnahmen</a:t>
+            </a:r>
+            <a:endParaRPr lang="de-DE" dirty="0"/>
+          </a:p>
+        </p:txBody>
+      </p:sp>
+    </p:spTree>
+    <p:extLst>
+      <p:ext uri="{BB962C8B-B14F-4D97-AF65-F5344CB8AC3E}">
+        <p14:creationId xmlns:p14="http://schemas.microsoft.com/office/powerpoint/2010/main" val="2101492515"/>
+      </p:ext>
+    </p:extLst>
+  </p:cSld>
+  <p:clrMapOvr>
+    <a:masterClrMapping/>
+  </p:clrMapOvr>
+  <p:timing>
+    <p:tnLst>
+      <p:par>
+        <p:cTn id="1" dur="indefinite" restart="never" nodeType="tmRoot"/>
+      </p:par>
+    </p:tnLst>
+  </p:timing>
+</p:sld>
+</file>
+
+<file path=ppt/slides/slide20.xml><?xml version="1.0" encoding="utf-8"?>
+<p:sld xmlns:a="http://schemas.openxmlformats.org/drawingml/2006/main" xmlns:r="http://schemas.openxmlformats.org/officeDocument/2006/relationships" xmlns:p="http://schemas.openxmlformats.org/presentationml/2006/main">
+  <p:cSld>
+    <p:spTree>
+      <p:nvGrpSpPr>
+        <p:cNvPr id="1" name=""/>
+        <p:cNvGrpSpPr/>
+        <p:nvPr/>
+      </p:nvGrpSpPr>
+      <p:grpSpPr>
+        <a:xfrm>
+          <a:off x="0" y="0"/>
+          <a:ext cx="0" cy="0"/>
+          <a:chOff x="0" y="0"/>
+          <a:chExt cx="0" cy="0"/>
+        </a:xfrm>
+      </p:grpSpPr>
+      <p:cxnSp>
+        <p:nvCxnSpPr>
+          <p:cNvPr id="7" name="Gerade Verbindung mit Pfeil 6"/>
+          <p:cNvCxnSpPr/>
+          <p:nvPr/>
+        </p:nvCxnSpPr>
+        <p:spPr>
+          <a:xfrm>
+            <a:off x="2632598" y="2573412"/>
+            <a:ext cx="4027634" cy="0"/>
+          </a:xfrm>
+          <a:prstGeom prst="straightConnector1">
+            <a:avLst/>
+          </a:prstGeom>
+          <a:ln w="15875">
+            <a:solidFill>
+              <a:schemeClr val="tx1"/>
+            </a:solidFill>
+            <a:tailEnd type="arrow"/>
+          </a:ln>
+        </p:spPr>
+        <p:style>
+          <a:lnRef idx="1">
+            <a:schemeClr val="accent1"/>
+          </a:lnRef>
+          <a:fillRef idx="0">
+            <a:schemeClr val="accent1"/>
+          </a:fillRef>
+          <a:effectRef idx="0">
+            <a:schemeClr val="accent1"/>
+          </a:effectRef>
+          <a:fontRef idx="minor">
+            <a:schemeClr val="tx1"/>
+          </a:fontRef>
+        </p:style>
+      </p:cxnSp>
+      <p:cxnSp>
+        <p:nvCxnSpPr>
+          <p:cNvPr id="9" name="Gerade Verbindung mit Pfeil 8"/>
+          <p:cNvCxnSpPr/>
+          <p:nvPr/>
+        </p:nvCxnSpPr>
+        <p:spPr>
+          <a:xfrm flipH="1">
+            <a:off x="2632600" y="3417307"/>
+            <a:ext cx="3955624" cy="0"/>
+          </a:xfrm>
+          <a:prstGeom prst="straightConnector1">
+            <a:avLst/>
+          </a:prstGeom>
+          <a:ln w="15875">
+            <a:solidFill>
+              <a:schemeClr val="tx1"/>
+            </a:solidFill>
+            <a:tailEnd type="arrow"/>
+          </a:ln>
+        </p:spPr>
+        <p:style>
+          <a:lnRef idx="1">
+            <a:schemeClr val="accent1"/>
+          </a:lnRef>
+          <a:fillRef idx="0">
+            <a:schemeClr val="accent1"/>
+          </a:fillRef>
+          <a:effectRef idx="0">
+            <a:schemeClr val="accent1"/>
+          </a:effectRef>
+          <a:fontRef idx="minor">
+            <a:schemeClr val="tx1"/>
+          </a:fontRef>
+        </p:style>
+      </p:cxnSp>
+      <p:sp>
+        <p:nvSpPr>
+          <p:cNvPr id="6" name="Wolke 5"/>
+          <p:cNvSpPr/>
+          <p:nvPr/>
+        </p:nvSpPr>
+        <p:spPr>
+          <a:xfrm>
+            <a:off x="3491880" y="2295289"/>
+            <a:ext cx="2088232" cy="1440160"/>
+          </a:xfrm>
+          <a:prstGeom prst="cloud">
+            <a:avLst/>
+          </a:prstGeom>
+        </p:spPr>
+        <p:style>
+          <a:lnRef idx="2">
+            <a:schemeClr val="accent1">
+              <a:shade val="50000"/>
+            </a:schemeClr>
+          </a:lnRef>
+          <a:fillRef idx="1">
+            <a:schemeClr val="accent1"/>
+          </a:fillRef>
+          <a:effectRef idx="0">
+            <a:schemeClr val="accent1"/>
+          </a:effectRef>
+          <a:fontRef idx="minor">
+            <a:schemeClr val="lt1"/>
+          </a:fontRef>
+        </p:style>
+        <p:txBody>
+          <a:bodyPr rtlCol="0" anchor="ctr"/>
+          <a:lstStyle/>
+          <a:p>
+            <a:pPr algn="ctr"/>
+            <a:endParaRPr lang="de-DE"/>
+          </a:p>
+        </p:txBody>
+      </p:sp>
+      <p:sp>
+        <p:nvSpPr>
+          <p:cNvPr id="2" name="Titel 1"/>
+          <p:cNvSpPr>
+            <a:spLocks noGrp="1"/>
+          </p:cNvSpPr>
+          <p:nvPr>
+            <p:ph type="title"/>
+          </p:nvPr>
+        </p:nvSpPr>
+        <p:spPr/>
+        <p:txBody>
+          <a:bodyPr>
+            <a:normAutofit fontScale="90000"/>
+          </a:bodyPr>
+          <a:lstStyle/>
+          <a:p>
+            <a:r>
+              <a:rPr lang="de-DE" dirty="0" smtClean="0"/>
+              <a:t>Versuchsreihen und Vorgehensweisen</a:t>
+            </a:r>
+            <a:endParaRPr lang="de-DE" dirty="0"/>
+          </a:p>
+        </p:txBody>
+      </p:sp>
+      <p:sp>
+        <p:nvSpPr>
+          <p:cNvPr id="3" name="Inhaltsplatzhalter 2"/>
+          <p:cNvSpPr>
+            <a:spLocks noGrp="1"/>
+          </p:cNvSpPr>
+          <p:nvPr>
+            <p:ph sz="quarter" idx="1"/>
+          </p:nvPr>
+        </p:nvSpPr>
+        <p:spPr/>
+        <p:txBody>
+          <a:bodyPr/>
+          <a:lstStyle/>
+          <a:p>
+            <a:r>
+              <a:rPr lang="de-DE" dirty="0" smtClean="0"/>
+              <a:t>Aufbau des Versuchs-Set-</a:t>
+            </a:r>
+            <a:r>
+              <a:rPr lang="de-DE" dirty="0" err="1" smtClean="0"/>
+              <a:t>Ups</a:t>
+            </a:r>
+            <a:endParaRPr lang="de-DE" dirty="0" smtClean="0"/>
+          </a:p>
+        </p:txBody>
+      </p:sp>
+      <p:pic>
+        <p:nvPicPr>
+          <p:cNvPr id="4" name="Picture 2" descr="C:\Users\TZeimetz\Desktop\server-square.png"/>
+          <p:cNvPicPr>
+            <a:picLocks noChangeAspect="1" noChangeArrowheads="1"/>
+          </p:cNvPicPr>
+          <p:nvPr/>
+        </p:nvPicPr>
+        <p:blipFill>
+          <a:blip r:embed="rId2">
+            <a:extLst>
+              <a:ext uri="{28A0092B-C50C-407E-A947-70E740481C1C}">
+                <a14:useLocalDpi xmlns:a14="http://schemas.microsoft.com/office/drawing/2010/main" val="0"/>
+              </a:ext>
+            </a:extLst>
+          </a:blip>
+          <a:srcRect/>
+          <a:stretch>
+            <a:fillRect/>
+          </a:stretch>
+        </p:blipFill>
+        <p:spPr bwMode="auto">
+          <a:xfrm>
+            <a:off x="1190032" y="2420888"/>
+            <a:ext cx="1442566" cy="1442566"/>
+          </a:xfrm>
+          <a:prstGeom prst="rect">
+            <a:avLst/>
+          </a:prstGeom>
+          <a:noFill/>
+          <a:extLst>
+            <a:ext uri="{909E8E84-426E-40DD-AFC4-6F175D3DCCD1}">
+              <a14:hiddenFill xmlns:a14="http://schemas.microsoft.com/office/drawing/2010/main">
+                <a:solidFill>
+                  <a:srgbClr val="FFFFFF"/>
+                </a:solidFill>
+              </a14:hiddenFill>
+            </a:ext>
+          </a:extLst>
+        </p:spPr>
+      </p:pic>
+      <p:pic>
+        <p:nvPicPr>
+          <p:cNvPr id="5" name="Picture 2" descr="C:\Users\TZeimetz\Desktop\server-square.png"/>
+          <p:cNvPicPr>
+            <a:picLocks noChangeAspect="1" noChangeArrowheads="1"/>
+          </p:cNvPicPr>
+          <p:nvPr/>
+        </p:nvPicPr>
+        <p:blipFill>
+          <a:blip r:embed="rId2">
+            <a:extLst>
+              <a:ext uri="{28A0092B-C50C-407E-A947-70E740481C1C}">
+                <a14:useLocalDpi xmlns:a14="http://schemas.microsoft.com/office/drawing/2010/main" val="0"/>
+              </a:ext>
+            </a:extLst>
+          </a:blip>
+          <a:srcRect/>
+          <a:stretch>
+            <a:fillRect/>
+          </a:stretch>
+        </p:blipFill>
+        <p:spPr bwMode="auto">
+          <a:xfrm>
+            <a:off x="6804248" y="2268364"/>
+            <a:ext cx="1442566" cy="1442566"/>
+          </a:xfrm>
+          <a:prstGeom prst="rect">
+            <a:avLst/>
+          </a:prstGeom>
+          <a:noFill/>
+          <a:extLst>
+            <a:ext uri="{909E8E84-426E-40DD-AFC4-6F175D3DCCD1}">
+              <a14:hiddenFill xmlns:a14="http://schemas.microsoft.com/office/drawing/2010/main">
+                <a:solidFill>
+                  <a:srgbClr val="FFFFFF"/>
+                </a:solidFill>
+              </a14:hiddenFill>
+            </a:ext>
+          </a:extLst>
+        </p:spPr>
+      </p:pic>
+      <p:pic>
+        <p:nvPicPr>
+          <p:cNvPr id="2050" name="Picture 2" descr="C:\Users\TZeimetz\Desktop\Google_2015_logo.svg.png"/>
+          <p:cNvPicPr>
+            <a:picLocks noChangeAspect="1" noChangeArrowheads="1"/>
+          </p:cNvPicPr>
+          <p:nvPr/>
+        </p:nvPicPr>
+        <p:blipFill>
+          <a:blip r:embed="rId3">
+            <a:extLst>
+              <a:ext uri="{28A0092B-C50C-407E-A947-70E740481C1C}">
+                <a14:useLocalDpi xmlns:a14="http://schemas.microsoft.com/office/drawing/2010/main" val="0"/>
+              </a:ext>
+            </a:extLst>
+          </a:blip>
+          <a:srcRect/>
+          <a:stretch>
+            <a:fillRect/>
+          </a:stretch>
+        </p:blipFill>
+        <p:spPr bwMode="auto">
+          <a:xfrm>
+            <a:off x="6804992" y="3614345"/>
+            <a:ext cx="1295400" cy="438150"/>
+          </a:xfrm>
+          <a:prstGeom prst="rect">
+            <a:avLst/>
+          </a:prstGeom>
+          <a:noFill/>
+          <a:extLst>
+            <a:ext uri="{909E8E84-426E-40DD-AFC4-6F175D3DCCD1}">
+              <a14:hiddenFill xmlns:a14="http://schemas.microsoft.com/office/drawing/2010/main">
+                <a:solidFill>
+                  <a:srgbClr val="FFFFFF"/>
+                </a:solidFill>
+              </a14:hiddenFill>
+            </a:ext>
+          </a:extLst>
+        </p:spPr>
+      </p:pic>
+      <p:pic>
+        <p:nvPicPr>
+          <p:cNvPr id="2051" name="Picture 3" descr="C:\Users\TZeimetz\Desktop\guyfawkes.sh.png"/>
+          <p:cNvPicPr>
+            <a:picLocks noChangeAspect="1" noChangeArrowheads="1"/>
+          </p:cNvPicPr>
+          <p:nvPr/>
+        </p:nvPicPr>
+        <p:blipFill>
+          <a:blip r:embed="rId4" cstate="print">
+            <a:extLst>
+              <a:ext uri="{28A0092B-C50C-407E-A947-70E740481C1C}">
+                <a14:useLocalDpi xmlns:a14="http://schemas.microsoft.com/office/drawing/2010/main" val="0"/>
+              </a:ext>
+            </a:extLst>
+          </a:blip>
+          <a:srcRect/>
+          <a:stretch>
+            <a:fillRect/>
+          </a:stretch>
+        </p:blipFill>
+        <p:spPr bwMode="auto">
+          <a:xfrm>
+            <a:off x="1190032" y="5085184"/>
+            <a:ext cx="1296144" cy="1296144"/>
+          </a:xfrm>
+          <a:prstGeom prst="rect">
+            <a:avLst/>
+          </a:prstGeom>
+          <a:noFill/>
+          <a:extLst>
+            <a:ext uri="{909E8E84-426E-40DD-AFC4-6F175D3DCCD1}">
+              <a14:hiddenFill xmlns:a14="http://schemas.microsoft.com/office/drawing/2010/main">
+                <a:solidFill>
+                  <a:srgbClr val="FFFFFF"/>
+                </a:solidFill>
+              </a14:hiddenFill>
+            </a:ext>
+          </a:extLst>
+        </p:spPr>
+      </p:pic>
+      <p:cxnSp>
+        <p:nvCxnSpPr>
+          <p:cNvPr id="20" name="Gerade Verbindung mit Pfeil 19"/>
+          <p:cNvCxnSpPr/>
+          <p:nvPr/>
+        </p:nvCxnSpPr>
+        <p:spPr>
+          <a:xfrm flipV="1">
+            <a:off x="1835696" y="3933056"/>
+            <a:ext cx="0" cy="1080120"/>
+          </a:xfrm>
+          <a:prstGeom prst="straightConnector1">
+            <a:avLst/>
+          </a:prstGeom>
+          <a:ln w="15875">
+            <a:solidFill>
+              <a:schemeClr val="tx1"/>
+            </a:solidFill>
+            <a:tailEnd type="arrow"/>
+          </a:ln>
+        </p:spPr>
+        <p:style>
+          <a:lnRef idx="1">
+            <a:schemeClr val="accent1"/>
+          </a:lnRef>
+          <a:fillRef idx="0">
+            <a:schemeClr val="accent1"/>
+          </a:fillRef>
+          <a:effectRef idx="0">
+            <a:schemeClr val="accent1"/>
+          </a:effectRef>
+          <a:fontRef idx="minor">
+            <a:schemeClr val="tx1"/>
+          </a:fontRef>
+        </p:style>
+      </p:cxnSp>
+      <p:sp>
+        <p:nvSpPr>
+          <p:cNvPr id="22" name="Textfeld 21"/>
+          <p:cNvSpPr txBox="1"/>
+          <p:nvPr/>
+        </p:nvSpPr>
+        <p:spPr>
+          <a:xfrm>
+            <a:off x="1475656" y="4288450"/>
+            <a:ext cx="360040" cy="369332"/>
+          </a:xfrm>
+          <a:prstGeom prst="rect">
+            <a:avLst/>
+          </a:prstGeom>
+          <a:noFill/>
+        </p:spPr>
+        <p:txBody>
+          <a:bodyPr wrap="square" rtlCol="0">
+            <a:spAutoFit/>
+          </a:bodyPr>
+          <a:lstStyle/>
+          <a:p>
+            <a:r>
+              <a:rPr lang="de-DE" dirty="0" smtClean="0"/>
+              <a:t>1</a:t>
+            </a:r>
+            <a:endParaRPr lang="de-DE" dirty="0"/>
+          </a:p>
+        </p:txBody>
+      </p:sp>
+      <p:pic>
+        <p:nvPicPr>
+          <p:cNvPr id="4098" name="Picture 2" descr="http://freeflaticons.com/wp-content/uploads/2014/09/injection-copy-1411038662nk84g.png"/>
+          <p:cNvPicPr>
+            <a:picLocks noChangeAspect="1" noChangeArrowheads="1"/>
+          </p:cNvPicPr>
+          <p:nvPr/>
+        </p:nvPicPr>
+        <p:blipFill>
+          <a:blip r:embed="rId5" cstate="print">
+            <a:extLst>
+              <a:ext uri="{28A0092B-C50C-407E-A947-70E740481C1C}">
+                <a14:useLocalDpi xmlns:a14="http://schemas.microsoft.com/office/drawing/2010/main" val="0"/>
+              </a:ext>
+            </a:extLst>
+          </a:blip>
+          <a:srcRect/>
+          <a:stretch>
+            <a:fillRect/>
+          </a:stretch>
+        </p:blipFill>
+        <p:spPr bwMode="auto">
+          <a:xfrm>
+            <a:off x="4273178" y="2652413"/>
+            <a:ext cx="674468" cy="674468"/>
+          </a:xfrm>
+          <a:prstGeom prst="rect">
+            <a:avLst/>
+          </a:prstGeom>
+          <a:noFill/>
+          <a:extLst>
+            <a:ext uri="{909E8E84-426E-40DD-AFC4-6F175D3DCCD1}">
+              <a14:hiddenFill xmlns:a14="http://schemas.microsoft.com/office/drawing/2010/main">
+                <a:solidFill>
+                  <a:srgbClr val="FFFFFF"/>
+                </a:solidFill>
+              </a14:hiddenFill>
+            </a:ext>
+          </a:extLst>
+        </p:spPr>
+      </p:pic>
+      <p:cxnSp>
+        <p:nvCxnSpPr>
+          <p:cNvPr id="17" name="Gerade Verbindung mit Pfeil 16"/>
+          <p:cNvCxnSpPr/>
+          <p:nvPr/>
+        </p:nvCxnSpPr>
+        <p:spPr>
+          <a:xfrm flipV="1">
+            <a:off x="2411760" y="3710930"/>
+            <a:ext cx="1800200" cy="1878310"/>
+          </a:xfrm>
+          <a:prstGeom prst="straightConnector1">
+            <a:avLst/>
+          </a:prstGeom>
+          <a:ln w="15875">
+            <a:solidFill>
+              <a:srgbClr val="FF0000"/>
+            </a:solidFill>
+            <a:prstDash val="dash"/>
+            <a:tailEnd type="arrow"/>
+          </a:ln>
+        </p:spPr>
+        <p:style>
+          <a:lnRef idx="1">
+            <a:schemeClr val="accent1"/>
+          </a:lnRef>
+          <a:fillRef idx="0">
+            <a:schemeClr val="accent1"/>
+          </a:fillRef>
+          <a:effectRef idx="0">
+            <a:schemeClr val="accent1"/>
+          </a:effectRef>
+          <a:fontRef idx="minor">
+            <a:schemeClr val="tx1"/>
+          </a:fontRef>
+        </p:style>
+      </p:cxnSp>
+      <p:sp>
+        <p:nvSpPr>
+          <p:cNvPr id="21" name="Textfeld 20"/>
+          <p:cNvSpPr txBox="1"/>
+          <p:nvPr/>
+        </p:nvSpPr>
+        <p:spPr>
+          <a:xfrm>
+            <a:off x="3419872" y="4608561"/>
+            <a:ext cx="1584176" cy="369332"/>
+          </a:xfrm>
+          <a:prstGeom prst="rect">
+            <a:avLst/>
+          </a:prstGeom>
+          <a:noFill/>
+        </p:spPr>
+        <p:txBody>
+          <a:bodyPr wrap="square" rtlCol="0">
+            <a:spAutoFit/>
+          </a:bodyPr>
+          <a:lstStyle/>
+          <a:p>
+            <a:r>
+              <a:rPr lang="de-DE" dirty="0" smtClean="0"/>
+              <a:t>A-Records</a:t>
+            </a:r>
+            <a:endParaRPr lang="de-DE" dirty="0"/>
+          </a:p>
+        </p:txBody>
+      </p:sp>
+      <p:pic>
+        <p:nvPicPr>
+          <p:cNvPr id="16" name="Picture 6" descr="C:\Users\TZeimetz\Desktop\fdasdf.JPG"/>
+          <p:cNvPicPr>
+            <a:picLocks noChangeAspect="1" noChangeArrowheads="1"/>
+          </p:cNvPicPr>
+          <p:nvPr/>
+        </p:nvPicPr>
+        <p:blipFill>
+          <a:blip r:embed="rId6" cstate="print">
+            <a:extLst>
+              <a:ext uri="{28A0092B-C50C-407E-A947-70E740481C1C}">
+                <a14:useLocalDpi xmlns:a14="http://schemas.microsoft.com/office/drawing/2010/main" val="0"/>
+              </a:ext>
+            </a:extLst>
+          </a:blip>
+          <a:srcRect/>
+          <a:stretch>
+            <a:fillRect/>
+          </a:stretch>
+        </p:blipFill>
+        <p:spPr bwMode="auto">
+          <a:xfrm>
+            <a:off x="6801842" y="5006754"/>
+            <a:ext cx="1298550" cy="1518590"/>
+          </a:xfrm>
+          <a:prstGeom prst="rect">
+            <a:avLst/>
+          </a:prstGeom>
+          <a:noFill/>
+          <a:extLst>
+            <a:ext uri="{909E8E84-426E-40DD-AFC4-6F175D3DCCD1}">
+              <a14:hiddenFill xmlns:a14="http://schemas.microsoft.com/office/drawing/2010/main">
+                <a:solidFill>
+                  <a:srgbClr val="FFFFFF"/>
+                </a:solidFill>
+              </a14:hiddenFill>
+            </a:ext>
+          </a:extLst>
+        </p:spPr>
+      </p:pic>
+      <p:cxnSp>
+        <p:nvCxnSpPr>
+          <p:cNvPr id="18" name="Gerade Verbindung mit Pfeil 17"/>
+          <p:cNvCxnSpPr/>
+          <p:nvPr/>
+        </p:nvCxnSpPr>
+        <p:spPr>
+          <a:xfrm>
+            <a:off x="7164288" y="4100552"/>
+            <a:ext cx="2" cy="762186"/>
+          </a:xfrm>
+          <a:prstGeom prst="straightConnector1">
+            <a:avLst/>
+          </a:prstGeom>
+          <a:ln w="15875">
+            <a:solidFill>
+              <a:schemeClr val="tx1"/>
+            </a:solidFill>
+            <a:tailEnd type="arrow"/>
+          </a:ln>
+        </p:spPr>
+        <p:style>
+          <a:lnRef idx="1">
+            <a:schemeClr val="accent1"/>
+          </a:lnRef>
+          <a:fillRef idx="0">
+            <a:schemeClr val="accent1"/>
+          </a:fillRef>
+          <a:effectRef idx="0">
+            <a:schemeClr val="accent1"/>
+          </a:effectRef>
+          <a:fontRef idx="minor">
+            <a:schemeClr val="tx1"/>
+          </a:fontRef>
+        </p:style>
+      </p:cxnSp>
+      <p:cxnSp>
+        <p:nvCxnSpPr>
+          <p:cNvPr id="19" name="Gerade Verbindung mit Pfeil 18"/>
+          <p:cNvCxnSpPr/>
+          <p:nvPr/>
+        </p:nvCxnSpPr>
+        <p:spPr>
+          <a:xfrm flipH="1" flipV="1">
+            <a:off x="7740352" y="4091071"/>
+            <a:ext cx="361" cy="733091"/>
+          </a:xfrm>
+          <a:prstGeom prst="straightConnector1">
+            <a:avLst/>
+          </a:prstGeom>
+          <a:ln w="15875">
+            <a:solidFill>
+              <a:schemeClr val="tx1"/>
+            </a:solidFill>
+            <a:tailEnd type="arrow"/>
+          </a:ln>
+        </p:spPr>
+        <p:style>
+          <a:lnRef idx="1">
+            <a:schemeClr val="accent1"/>
+          </a:lnRef>
+          <a:fillRef idx="0">
+            <a:schemeClr val="accent1"/>
+          </a:fillRef>
+          <a:effectRef idx="0">
+            <a:schemeClr val="accent1"/>
+          </a:effectRef>
+          <a:fontRef idx="minor">
+            <a:schemeClr val="tx1"/>
+          </a:fontRef>
+        </p:style>
+      </p:cxnSp>
+    </p:spTree>
+    <p:extLst>
+      <p:ext uri="{BB962C8B-B14F-4D97-AF65-F5344CB8AC3E}">
+        <p14:creationId xmlns:p14="http://schemas.microsoft.com/office/powerpoint/2010/main" val="1886332259"/>
+      </p:ext>
+    </p:extLst>
+  </p:cSld>
+  <p:clrMapOvr>
+    <a:masterClrMapping/>
+  </p:clrMapOvr>
+  <p:timing>
+    <p:tnLst>
+      <p:par>
+        <p:cTn id="1" dur="indefinite" restart="never" nodeType="tmRoot"/>
+      </p:par>
+    </p:tnLst>
+  </p:timing>
+</p:sld>
+</file>
+
+<file path=ppt/slides/slide21.xml><?xml version="1.0" encoding="utf-8"?>
+<p:sld xmlns:a="http://schemas.openxmlformats.org/drawingml/2006/main" xmlns:r="http://schemas.openxmlformats.org/officeDocument/2006/relationships" xmlns:p="http://schemas.openxmlformats.org/presentationml/2006/main">
+  <p:cSld>
+    <p:spTree>
+      <p:nvGrpSpPr>
+        <p:cNvPr id="1" name=""/>
+        <p:cNvGrpSpPr/>
+        <p:nvPr/>
+      </p:nvGrpSpPr>
+      <p:grpSpPr>
+        <a:xfrm>
+          <a:off x="0" y="0"/>
+          <a:ext cx="0" cy="0"/>
+          <a:chOff x="0" y="0"/>
+          <a:chExt cx="0" cy="0"/>
+        </a:xfrm>
+      </p:grpSpPr>
+      <p:cxnSp>
+        <p:nvCxnSpPr>
+          <p:cNvPr id="7" name="Gerade Verbindung mit Pfeil 6"/>
+          <p:cNvCxnSpPr/>
+          <p:nvPr/>
+        </p:nvCxnSpPr>
+        <p:spPr>
+          <a:xfrm>
+            <a:off x="2632598" y="2573412"/>
+            <a:ext cx="4027634" cy="0"/>
+          </a:xfrm>
+          <a:prstGeom prst="straightConnector1">
+            <a:avLst/>
+          </a:prstGeom>
+          <a:ln w="15875">
+            <a:solidFill>
+              <a:schemeClr val="tx1"/>
+            </a:solidFill>
+            <a:tailEnd type="arrow"/>
+          </a:ln>
+        </p:spPr>
+        <p:style>
+          <a:lnRef idx="1">
+            <a:schemeClr val="accent1"/>
+          </a:lnRef>
+          <a:fillRef idx="0">
+            <a:schemeClr val="accent1"/>
+          </a:fillRef>
+          <a:effectRef idx="0">
+            <a:schemeClr val="accent1"/>
+          </a:effectRef>
+          <a:fontRef idx="minor">
+            <a:schemeClr val="tx1"/>
+          </a:fontRef>
+        </p:style>
+      </p:cxnSp>
+      <p:cxnSp>
+        <p:nvCxnSpPr>
+          <p:cNvPr id="9" name="Gerade Verbindung mit Pfeil 8"/>
+          <p:cNvCxnSpPr/>
+          <p:nvPr/>
+        </p:nvCxnSpPr>
+        <p:spPr>
+          <a:xfrm flipH="1">
+            <a:off x="2632600" y="3417307"/>
+            <a:ext cx="3955624" cy="0"/>
+          </a:xfrm>
+          <a:prstGeom prst="straightConnector1">
+            <a:avLst/>
+          </a:prstGeom>
+          <a:ln w="15875">
+            <a:solidFill>
+              <a:schemeClr val="tx1"/>
+            </a:solidFill>
+            <a:tailEnd type="arrow"/>
+          </a:ln>
+        </p:spPr>
+        <p:style>
+          <a:lnRef idx="1">
+            <a:schemeClr val="accent1"/>
+          </a:lnRef>
+          <a:fillRef idx="0">
+            <a:schemeClr val="accent1"/>
+          </a:fillRef>
+          <a:effectRef idx="0">
+            <a:schemeClr val="accent1"/>
+          </a:effectRef>
+          <a:fontRef idx="minor">
+            <a:schemeClr val="tx1"/>
+          </a:fontRef>
+        </p:style>
+      </p:cxnSp>
+      <p:sp>
+        <p:nvSpPr>
+          <p:cNvPr id="6" name="Wolke 5"/>
+          <p:cNvSpPr/>
+          <p:nvPr/>
+        </p:nvSpPr>
+        <p:spPr>
+          <a:xfrm>
+            <a:off x="3491880" y="2295289"/>
+            <a:ext cx="2088232" cy="1440160"/>
+          </a:xfrm>
+          <a:prstGeom prst="cloud">
+            <a:avLst/>
+          </a:prstGeom>
+        </p:spPr>
+        <p:style>
+          <a:lnRef idx="2">
+            <a:schemeClr val="accent1">
+              <a:shade val="50000"/>
+            </a:schemeClr>
+          </a:lnRef>
+          <a:fillRef idx="1">
+            <a:schemeClr val="accent1"/>
+          </a:fillRef>
+          <a:effectRef idx="0">
+            <a:schemeClr val="accent1"/>
+          </a:effectRef>
+          <a:fontRef idx="minor">
+            <a:schemeClr val="lt1"/>
+          </a:fontRef>
+        </p:style>
+        <p:txBody>
+          <a:bodyPr rtlCol="0" anchor="ctr"/>
+          <a:lstStyle/>
+          <a:p>
+            <a:pPr algn="ctr"/>
+            <a:endParaRPr lang="de-DE"/>
+          </a:p>
+        </p:txBody>
+      </p:sp>
+      <p:sp>
+        <p:nvSpPr>
+          <p:cNvPr id="2" name="Titel 1"/>
+          <p:cNvSpPr>
+            <a:spLocks noGrp="1"/>
+          </p:cNvSpPr>
+          <p:nvPr>
+            <p:ph type="title"/>
+          </p:nvPr>
+        </p:nvSpPr>
+        <p:spPr/>
+        <p:txBody>
+          <a:bodyPr>
+            <a:normAutofit fontScale="90000"/>
+          </a:bodyPr>
+          <a:lstStyle/>
+          <a:p>
+            <a:r>
+              <a:rPr lang="de-DE" dirty="0" smtClean="0"/>
+              <a:t>Versuchsreihen und Vorgehensweisen</a:t>
+            </a:r>
+            <a:endParaRPr lang="de-DE" dirty="0"/>
+          </a:p>
+        </p:txBody>
+      </p:sp>
+      <p:sp>
+        <p:nvSpPr>
+          <p:cNvPr id="3" name="Inhaltsplatzhalter 2"/>
+          <p:cNvSpPr>
+            <a:spLocks noGrp="1"/>
+          </p:cNvSpPr>
+          <p:nvPr>
+            <p:ph sz="quarter" idx="1"/>
+          </p:nvPr>
+        </p:nvSpPr>
+        <p:spPr/>
+        <p:txBody>
+          <a:bodyPr/>
+          <a:lstStyle/>
+          <a:p>
+            <a:r>
+              <a:rPr lang="de-DE" dirty="0" smtClean="0"/>
+              <a:t>Aufbau des Versuchs-Set-</a:t>
+            </a:r>
+            <a:r>
+              <a:rPr lang="de-DE" dirty="0" err="1" smtClean="0"/>
+              <a:t>Ups</a:t>
+            </a:r>
+            <a:r>
+              <a:rPr lang="de-DE" dirty="0" smtClean="0"/>
+              <a:t> (weitere)</a:t>
+            </a:r>
+          </a:p>
+        </p:txBody>
+      </p:sp>
+      <p:pic>
+        <p:nvPicPr>
+          <p:cNvPr id="4" name="Picture 2" descr="C:\Users\TZeimetz\Desktop\server-square.png"/>
+          <p:cNvPicPr>
+            <a:picLocks noChangeAspect="1" noChangeArrowheads="1"/>
+          </p:cNvPicPr>
+          <p:nvPr/>
+        </p:nvPicPr>
+        <p:blipFill>
+          <a:blip r:embed="rId2">
+            <a:extLst>
+              <a:ext uri="{28A0092B-C50C-407E-A947-70E740481C1C}">
+                <a14:useLocalDpi xmlns:a14="http://schemas.microsoft.com/office/drawing/2010/main" val="0"/>
+              </a:ext>
+            </a:extLst>
+          </a:blip>
+          <a:srcRect/>
+          <a:stretch>
+            <a:fillRect/>
+          </a:stretch>
+        </p:blipFill>
+        <p:spPr bwMode="auto">
+          <a:xfrm>
+            <a:off x="1190032" y="2420888"/>
+            <a:ext cx="1442566" cy="1442566"/>
+          </a:xfrm>
+          <a:prstGeom prst="rect">
+            <a:avLst/>
+          </a:prstGeom>
+          <a:noFill/>
+          <a:extLst>
+            <a:ext uri="{909E8E84-426E-40DD-AFC4-6F175D3DCCD1}">
+              <a14:hiddenFill xmlns:a14="http://schemas.microsoft.com/office/drawing/2010/main">
+                <a:solidFill>
+                  <a:srgbClr val="FFFFFF"/>
+                </a:solidFill>
+              </a14:hiddenFill>
+            </a:ext>
+          </a:extLst>
+        </p:spPr>
+      </p:pic>
+      <p:pic>
+        <p:nvPicPr>
+          <p:cNvPr id="5" name="Picture 2" descr="C:\Users\TZeimetz\Desktop\server-square.png"/>
+          <p:cNvPicPr>
+            <a:picLocks noChangeAspect="1" noChangeArrowheads="1"/>
+          </p:cNvPicPr>
+          <p:nvPr/>
+        </p:nvPicPr>
+        <p:blipFill>
+          <a:blip r:embed="rId2">
+            <a:extLst>
+              <a:ext uri="{28A0092B-C50C-407E-A947-70E740481C1C}">
+                <a14:useLocalDpi xmlns:a14="http://schemas.microsoft.com/office/drawing/2010/main" val="0"/>
+              </a:ext>
+            </a:extLst>
+          </a:blip>
+          <a:srcRect/>
+          <a:stretch>
+            <a:fillRect/>
+          </a:stretch>
+        </p:blipFill>
+        <p:spPr bwMode="auto">
+          <a:xfrm>
+            <a:off x="6804248" y="2268364"/>
+            <a:ext cx="1442566" cy="1442566"/>
+          </a:xfrm>
+          <a:prstGeom prst="rect">
+            <a:avLst/>
+          </a:prstGeom>
+          <a:noFill/>
+          <a:extLst>
+            <a:ext uri="{909E8E84-426E-40DD-AFC4-6F175D3DCCD1}">
+              <a14:hiddenFill xmlns:a14="http://schemas.microsoft.com/office/drawing/2010/main">
+                <a:solidFill>
+                  <a:srgbClr val="FFFFFF"/>
+                </a:solidFill>
+              </a14:hiddenFill>
+            </a:ext>
+          </a:extLst>
+        </p:spPr>
+      </p:pic>
+      <p:pic>
+        <p:nvPicPr>
+          <p:cNvPr id="2050" name="Picture 2" descr="C:\Users\TZeimetz\Desktop\Google_2015_logo.svg.png"/>
+          <p:cNvPicPr>
+            <a:picLocks noChangeAspect="1" noChangeArrowheads="1"/>
+          </p:cNvPicPr>
+          <p:nvPr/>
+        </p:nvPicPr>
+        <p:blipFill>
+          <a:blip r:embed="rId3">
+            <a:extLst>
+              <a:ext uri="{28A0092B-C50C-407E-A947-70E740481C1C}">
+                <a14:useLocalDpi xmlns:a14="http://schemas.microsoft.com/office/drawing/2010/main" val="0"/>
+              </a:ext>
+            </a:extLst>
+          </a:blip>
+          <a:srcRect/>
+          <a:stretch>
+            <a:fillRect/>
+          </a:stretch>
+        </p:blipFill>
+        <p:spPr bwMode="auto">
+          <a:xfrm>
+            <a:off x="6804992" y="3614345"/>
+            <a:ext cx="1295400" cy="438150"/>
+          </a:xfrm>
+          <a:prstGeom prst="rect">
+            <a:avLst/>
+          </a:prstGeom>
+          <a:noFill/>
+          <a:extLst>
+            <a:ext uri="{909E8E84-426E-40DD-AFC4-6F175D3DCCD1}">
+              <a14:hiddenFill xmlns:a14="http://schemas.microsoft.com/office/drawing/2010/main">
+                <a:solidFill>
+                  <a:srgbClr val="FFFFFF"/>
+                </a:solidFill>
+              </a14:hiddenFill>
+            </a:ext>
+          </a:extLst>
+        </p:spPr>
+      </p:pic>
+      <p:pic>
+        <p:nvPicPr>
+          <p:cNvPr id="2051" name="Picture 3" descr="C:\Users\TZeimetz\Desktop\guyfawkes.sh.png"/>
+          <p:cNvPicPr>
+            <a:picLocks noChangeAspect="1" noChangeArrowheads="1"/>
+          </p:cNvPicPr>
+          <p:nvPr/>
+        </p:nvPicPr>
+        <p:blipFill>
+          <a:blip r:embed="rId4" cstate="print">
+            <a:extLst>
+              <a:ext uri="{28A0092B-C50C-407E-A947-70E740481C1C}">
+                <a14:useLocalDpi xmlns:a14="http://schemas.microsoft.com/office/drawing/2010/main" val="0"/>
+              </a:ext>
+            </a:extLst>
+          </a:blip>
+          <a:srcRect/>
+          <a:stretch>
+            <a:fillRect/>
+          </a:stretch>
+        </p:blipFill>
+        <p:spPr bwMode="auto">
+          <a:xfrm>
+            <a:off x="1190032" y="5085184"/>
+            <a:ext cx="1296144" cy="1296144"/>
+          </a:xfrm>
+          <a:prstGeom prst="rect">
+            <a:avLst/>
+          </a:prstGeom>
+          <a:noFill/>
+          <a:extLst>
+            <a:ext uri="{909E8E84-426E-40DD-AFC4-6F175D3DCCD1}">
+              <a14:hiddenFill xmlns:a14="http://schemas.microsoft.com/office/drawing/2010/main">
+                <a:solidFill>
+                  <a:srgbClr val="FFFFFF"/>
+                </a:solidFill>
+              </a14:hiddenFill>
+            </a:ext>
+          </a:extLst>
+        </p:spPr>
+      </p:pic>
+      <p:cxnSp>
+        <p:nvCxnSpPr>
+          <p:cNvPr id="20" name="Gerade Verbindung mit Pfeil 19"/>
+          <p:cNvCxnSpPr/>
+          <p:nvPr/>
+        </p:nvCxnSpPr>
+        <p:spPr>
+          <a:xfrm flipV="1">
+            <a:off x="1835696" y="3933056"/>
+            <a:ext cx="0" cy="1080120"/>
+          </a:xfrm>
+          <a:prstGeom prst="straightConnector1">
+            <a:avLst/>
+          </a:prstGeom>
+          <a:ln w="15875">
+            <a:solidFill>
+              <a:schemeClr val="tx1"/>
+            </a:solidFill>
+            <a:tailEnd type="arrow"/>
+          </a:ln>
+        </p:spPr>
+        <p:style>
+          <a:lnRef idx="1">
+            <a:schemeClr val="accent1"/>
+          </a:lnRef>
+          <a:fillRef idx="0">
+            <a:schemeClr val="accent1"/>
+          </a:fillRef>
+          <a:effectRef idx="0">
+            <a:schemeClr val="accent1"/>
+          </a:effectRef>
+          <a:fontRef idx="minor">
+            <a:schemeClr val="tx1"/>
+          </a:fontRef>
+        </p:style>
+      </p:cxnSp>
+      <p:sp>
+        <p:nvSpPr>
+          <p:cNvPr id="22" name="Textfeld 21"/>
+          <p:cNvSpPr txBox="1"/>
+          <p:nvPr/>
+        </p:nvSpPr>
+        <p:spPr>
+          <a:xfrm>
+            <a:off x="1475656" y="4288450"/>
+            <a:ext cx="360040" cy="369332"/>
+          </a:xfrm>
+          <a:prstGeom prst="rect">
+            <a:avLst/>
+          </a:prstGeom>
+          <a:noFill/>
+        </p:spPr>
+        <p:txBody>
+          <a:bodyPr wrap="square" rtlCol="0">
+            <a:spAutoFit/>
+          </a:bodyPr>
+          <a:lstStyle/>
+          <a:p>
+            <a:r>
+              <a:rPr lang="de-DE" dirty="0" smtClean="0"/>
+              <a:t>1</a:t>
+            </a:r>
+            <a:endParaRPr lang="de-DE" dirty="0"/>
+          </a:p>
+        </p:txBody>
+      </p:sp>
+      <p:pic>
+        <p:nvPicPr>
+          <p:cNvPr id="4098" name="Picture 2" descr="http://freeflaticons.com/wp-content/uploads/2014/09/injection-copy-1411038662nk84g.png"/>
+          <p:cNvPicPr>
+            <a:picLocks noChangeAspect="1" noChangeArrowheads="1"/>
+          </p:cNvPicPr>
+          <p:nvPr/>
+        </p:nvPicPr>
+        <p:blipFill>
+          <a:blip r:embed="rId5" cstate="print">
+            <a:extLst>
+              <a:ext uri="{28A0092B-C50C-407E-A947-70E740481C1C}">
+                <a14:useLocalDpi xmlns:a14="http://schemas.microsoft.com/office/drawing/2010/main" val="0"/>
+              </a:ext>
+            </a:extLst>
+          </a:blip>
+          <a:srcRect/>
+          <a:stretch>
+            <a:fillRect/>
+          </a:stretch>
+        </p:blipFill>
+        <p:spPr bwMode="auto">
+          <a:xfrm>
+            <a:off x="4273178" y="2652413"/>
+            <a:ext cx="674468" cy="674468"/>
+          </a:xfrm>
+          <a:prstGeom prst="rect">
+            <a:avLst/>
+          </a:prstGeom>
+          <a:noFill/>
+          <a:extLst>
+            <a:ext uri="{909E8E84-426E-40DD-AFC4-6F175D3DCCD1}">
+              <a14:hiddenFill xmlns:a14="http://schemas.microsoft.com/office/drawing/2010/main">
+                <a:solidFill>
+                  <a:srgbClr val="FFFFFF"/>
+                </a:solidFill>
+              </a14:hiddenFill>
+            </a:ext>
+          </a:extLst>
+        </p:spPr>
+      </p:pic>
+      <p:cxnSp>
+        <p:nvCxnSpPr>
+          <p:cNvPr id="17" name="Gerade Verbindung mit Pfeil 16"/>
+          <p:cNvCxnSpPr/>
+          <p:nvPr/>
+        </p:nvCxnSpPr>
+        <p:spPr>
+          <a:xfrm flipV="1">
+            <a:off x="2411760" y="3710930"/>
+            <a:ext cx="1800200" cy="1878310"/>
+          </a:xfrm>
+          <a:prstGeom prst="straightConnector1">
+            <a:avLst/>
+          </a:prstGeom>
+          <a:ln w="15875">
+            <a:solidFill>
+              <a:srgbClr val="FF0000"/>
+            </a:solidFill>
+            <a:prstDash val="dash"/>
+            <a:tailEnd type="arrow"/>
+          </a:ln>
+        </p:spPr>
+        <p:style>
+          <a:lnRef idx="1">
+            <a:schemeClr val="accent1"/>
+          </a:lnRef>
+          <a:fillRef idx="0">
+            <a:schemeClr val="accent1"/>
+          </a:fillRef>
+          <a:effectRef idx="0">
+            <a:schemeClr val="accent1"/>
+          </a:effectRef>
+          <a:fontRef idx="minor">
+            <a:schemeClr val="tx1"/>
+          </a:fontRef>
+        </p:style>
+      </p:cxnSp>
+      <p:sp>
+        <p:nvSpPr>
+          <p:cNvPr id="21" name="Textfeld 20"/>
+          <p:cNvSpPr txBox="1"/>
+          <p:nvPr/>
+        </p:nvSpPr>
+        <p:spPr>
+          <a:xfrm>
+            <a:off x="3419872" y="4608561"/>
+            <a:ext cx="1584176" cy="369332"/>
+          </a:xfrm>
+          <a:prstGeom prst="rect">
+            <a:avLst/>
+          </a:prstGeom>
+          <a:noFill/>
+        </p:spPr>
+        <p:txBody>
+          <a:bodyPr wrap="square" rtlCol="0">
+            <a:spAutoFit/>
+          </a:bodyPr>
+          <a:lstStyle/>
+          <a:p>
+            <a:r>
+              <a:rPr lang="de-DE" dirty="0" smtClean="0"/>
+              <a:t>A-Records</a:t>
+            </a:r>
+            <a:endParaRPr lang="de-DE" dirty="0"/>
+          </a:p>
+        </p:txBody>
+      </p:sp>
+      <p:cxnSp>
+        <p:nvCxnSpPr>
+          <p:cNvPr id="10" name="Gerade Verbindung 9"/>
+          <p:cNvCxnSpPr/>
+          <p:nvPr/>
+        </p:nvCxnSpPr>
+        <p:spPr>
+          <a:xfrm>
+            <a:off x="6660232" y="3833420"/>
+            <a:ext cx="1586582" cy="0"/>
+          </a:xfrm>
+          <a:prstGeom prst="line">
+            <a:avLst/>
+          </a:prstGeom>
+          <a:ln w="25400">
+            <a:solidFill>
+              <a:srgbClr val="FF0000"/>
+            </a:solidFill>
+          </a:ln>
+        </p:spPr>
+        <p:style>
+          <a:lnRef idx="1">
+            <a:schemeClr val="accent1"/>
+          </a:lnRef>
+          <a:fillRef idx="0">
+            <a:schemeClr val="accent1"/>
+          </a:fillRef>
+          <a:effectRef idx="0">
+            <a:schemeClr val="accent1"/>
+          </a:effectRef>
+          <a:fontRef idx="minor">
+            <a:schemeClr val="tx1"/>
+          </a:fontRef>
+        </p:style>
+      </p:cxnSp>
+      <p:pic>
+        <p:nvPicPr>
+          <p:cNvPr id="5122" name="Picture 2" descr="http://www.cmdsonline.com/wp-content/uploads/top-level-domain.jpg"/>
+          <p:cNvPicPr>
+            <a:picLocks noChangeAspect="1" noChangeArrowheads="1"/>
+          </p:cNvPicPr>
+          <p:nvPr/>
+        </p:nvPicPr>
+        <p:blipFill>
+          <a:blip r:embed="rId6" cstate="print">
+            <a:extLst>
+              <a:ext uri="{28A0092B-C50C-407E-A947-70E740481C1C}">
+                <a14:useLocalDpi xmlns:a14="http://schemas.microsoft.com/office/drawing/2010/main" val="0"/>
+              </a:ext>
+            </a:extLst>
+          </a:blip>
+          <a:srcRect/>
+          <a:stretch>
+            <a:fillRect/>
+          </a:stretch>
+        </p:blipFill>
+        <p:spPr bwMode="auto">
+          <a:xfrm>
+            <a:off x="6497971" y="3933056"/>
+            <a:ext cx="1911103" cy="955552"/>
+          </a:xfrm>
+          <a:prstGeom prst="rect">
+            <a:avLst/>
+          </a:prstGeom>
+          <a:noFill/>
+          <a:extLst>
+            <a:ext uri="{909E8E84-426E-40DD-AFC4-6F175D3DCCD1}">
+              <a14:hiddenFill xmlns:a14="http://schemas.microsoft.com/office/drawing/2010/main">
+                <a:solidFill>
+                  <a:srgbClr val="FFFFFF"/>
+                </a:solidFill>
+              </a14:hiddenFill>
+            </a:ext>
+          </a:extLst>
+        </p:spPr>
+      </p:pic>
+    </p:spTree>
+    <p:extLst>
+      <p:ext uri="{BB962C8B-B14F-4D97-AF65-F5344CB8AC3E}">
+        <p14:creationId xmlns:p14="http://schemas.microsoft.com/office/powerpoint/2010/main" val="3380429865"/>
+      </p:ext>
+    </p:extLst>
+  </p:cSld>
+  <p:clrMapOvr>
+    <a:masterClrMapping/>
+  </p:clrMapOvr>
+  <p:timing>
+    <p:tnLst>
+      <p:par>
+        <p:cTn id="1" dur="indefinite" restart="never" nodeType="tmRoot"/>
+      </p:par>
+    </p:tnLst>
+  </p:timing>
+</p:sld>
+</file>
+
+<file path=ppt/slides/slide22.xml><?xml version="1.0" encoding="utf-8"?>
+<p:sld xmlns:a="http://schemas.openxmlformats.org/drawingml/2006/main" xmlns:r="http://schemas.openxmlformats.org/officeDocument/2006/relationships" xmlns:p="http://schemas.openxmlformats.org/presentationml/2006/main">
+  <p:cSld>
+    <p:spTree>
+      <p:nvGrpSpPr>
+        <p:cNvPr id="1" name=""/>
+        <p:cNvGrpSpPr/>
+        <p:nvPr/>
+      </p:nvGrpSpPr>
+      <p:grpSpPr>
+        <a:xfrm>
+          <a:off x="0" y="0"/>
+          <a:ext cx="0" cy="0"/>
+          <a:chOff x="0" y="0"/>
+          <a:chExt cx="0" cy="0"/>
+        </a:xfrm>
+      </p:grpSpPr>
+      <p:cxnSp>
+        <p:nvCxnSpPr>
+          <p:cNvPr id="7" name="Gerade Verbindung mit Pfeil 6"/>
+          <p:cNvCxnSpPr/>
+          <p:nvPr/>
+        </p:nvCxnSpPr>
+        <p:spPr>
+          <a:xfrm>
+            <a:off x="2632598" y="2573412"/>
+            <a:ext cx="4027634" cy="0"/>
+          </a:xfrm>
+          <a:prstGeom prst="straightConnector1">
+            <a:avLst/>
+          </a:prstGeom>
+          <a:ln w="15875">
+            <a:solidFill>
+              <a:schemeClr val="tx1"/>
+            </a:solidFill>
+            <a:tailEnd type="arrow"/>
+          </a:ln>
+        </p:spPr>
+        <p:style>
+          <a:lnRef idx="1">
+            <a:schemeClr val="accent1"/>
+          </a:lnRef>
+          <a:fillRef idx="0">
+            <a:schemeClr val="accent1"/>
+          </a:fillRef>
+          <a:effectRef idx="0">
+            <a:schemeClr val="accent1"/>
+          </a:effectRef>
+          <a:fontRef idx="minor">
+            <a:schemeClr val="tx1"/>
+          </a:fontRef>
+        </p:style>
+      </p:cxnSp>
+      <p:cxnSp>
+        <p:nvCxnSpPr>
+          <p:cNvPr id="9" name="Gerade Verbindung mit Pfeil 8"/>
+          <p:cNvCxnSpPr/>
+          <p:nvPr/>
+        </p:nvCxnSpPr>
+        <p:spPr>
+          <a:xfrm flipH="1">
+            <a:off x="2632600" y="3417307"/>
+            <a:ext cx="3955624" cy="0"/>
+          </a:xfrm>
+          <a:prstGeom prst="straightConnector1">
+            <a:avLst/>
+          </a:prstGeom>
+          <a:ln w="15875">
+            <a:solidFill>
+              <a:schemeClr val="tx1"/>
+            </a:solidFill>
+            <a:tailEnd type="arrow"/>
+          </a:ln>
+        </p:spPr>
+        <p:style>
+          <a:lnRef idx="1">
+            <a:schemeClr val="accent1"/>
+          </a:lnRef>
+          <a:fillRef idx="0">
+            <a:schemeClr val="accent1"/>
+          </a:fillRef>
+          <a:effectRef idx="0">
+            <a:schemeClr val="accent1"/>
+          </a:effectRef>
+          <a:fontRef idx="minor">
+            <a:schemeClr val="tx1"/>
+          </a:fontRef>
+        </p:style>
+      </p:cxnSp>
+      <p:sp>
+        <p:nvSpPr>
+          <p:cNvPr id="6" name="Wolke 5"/>
+          <p:cNvSpPr/>
+          <p:nvPr/>
+        </p:nvSpPr>
+        <p:spPr>
+          <a:xfrm>
+            <a:off x="3491880" y="2295289"/>
+            <a:ext cx="2088232" cy="1440160"/>
+          </a:xfrm>
+          <a:prstGeom prst="cloud">
+            <a:avLst/>
+          </a:prstGeom>
+        </p:spPr>
+        <p:style>
+          <a:lnRef idx="2">
+            <a:schemeClr val="accent1">
+              <a:shade val="50000"/>
+            </a:schemeClr>
+          </a:lnRef>
+          <a:fillRef idx="1">
+            <a:schemeClr val="accent1"/>
+          </a:fillRef>
+          <a:effectRef idx="0">
+            <a:schemeClr val="accent1"/>
+          </a:effectRef>
+          <a:fontRef idx="minor">
+            <a:schemeClr val="lt1"/>
+          </a:fontRef>
+        </p:style>
+        <p:txBody>
+          <a:bodyPr rtlCol="0" anchor="ctr"/>
+          <a:lstStyle/>
+          <a:p>
+            <a:pPr algn="ctr"/>
+            <a:endParaRPr lang="de-DE"/>
+          </a:p>
+        </p:txBody>
+      </p:sp>
+      <p:sp>
+        <p:nvSpPr>
+          <p:cNvPr id="2" name="Titel 1"/>
+          <p:cNvSpPr>
+            <a:spLocks noGrp="1"/>
+          </p:cNvSpPr>
+          <p:nvPr>
+            <p:ph type="title"/>
+          </p:nvPr>
+        </p:nvSpPr>
+        <p:spPr/>
+        <p:txBody>
+          <a:bodyPr>
+            <a:normAutofit fontScale="90000"/>
+          </a:bodyPr>
+          <a:lstStyle/>
+          <a:p>
+            <a:r>
+              <a:rPr lang="de-DE" dirty="0" smtClean="0"/>
+              <a:t>Versuchsreihen und Vorgehensweisen</a:t>
+            </a:r>
+            <a:endParaRPr lang="de-DE" dirty="0"/>
+          </a:p>
+        </p:txBody>
+      </p:sp>
+      <p:sp>
+        <p:nvSpPr>
+          <p:cNvPr id="3" name="Inhaltsplatzhalter 2"/>
+          <p:cNvSpPr>
+            <a:spLocks noGrp="1"/>
+          </p:cNvSpPr>
+          <p:nvPr>
+            <p:ph sz="quarter" idx="1"/>
+          </p:nvPr>
+        </p:nvSpPr>
+        <p:spPr/>
+        <p:txBody>
+          <a:bodyPr/>
+          <a:lstStyle/>
+          <a:p>
+            <a:r>
+              <a:rPr lang="de-DE" dirty="0" smtClean="0"/>
+              <a:t>Aufbau des Versuchs-Set-</a:t>
+            </a:r>
+            <a:r>
+              <a:rPr lang="de-DE" dirty="0" err="1" smtClean="0"/>
+              <a:t>Ups</a:t>
+            </a:r>
+            <a:r>
+              <a:rPr lang="de-DE" dirty="0" smtClean="0"/>
+              <a:t> </a:t>
+            </a:r>
+            <a:r>
+              <a:rPr lang="de-DE" dirty="0" smtClean="0"/>
+              <a:t>(Kaminsky)</a:t>
+            </a:r>
+            <a:endParaRPr lang="de-DE" dirty="0" smtClean="0"/>
+          </a:p>
+        </p:txBody>
+      </p:sp>
+      <p:pic>
+        <p:nvPicPr>
+          <p:cNvPr id="4" name="Picture 2" descr="C:\Users\TZeimetz\Desktop\server-square.png"/>
+          <p:cNvPicPr>
+            <a:picLocks noChangeAspect="1" noChangeArrowheads="1"/>
+          </p:cNvPicPr>
+          <p:nvPr/>
+        </p:nvPicPr>
+        <p:blipFill>
+          <a:blip r:embed="rId2">
+            <a:extLst>
+              <a:ext uri="{28A0092B-C50C-407E-A947-70E740481C1C}">
+                <a14:useLocalDpi xmlns:a14="http://schemas.microsoft.com/office/drawing/2010/main" val="0"/>
+              </a:ext>
+            </a:extLst>
+          </a:blip>
+          <a:srcRect/>
+          <a:stretch>
+            <a:fillRect/>
+          </a:stretch>
+        </p:blipFill>
+        <p:spPr bwMode="auto">
+          <a:xfrm>
+            <a:off x="1190032" y="2420888"/>
+            <a:ext cx="1442566" cy="1442566"/>
+          </a:xfrm>
+          <a:prstGeom prst="rect">
+            <a:avLst/>
+          </a:prstGeom>
+          <a:noFill/>
+          <a:extLst>
+            <a:ext uri="{909E8E84-426E-40DD-AFC4-6F175D3DCCD1}">
+              <a14:hiddenFill xmlns:a14="http://schemas.microsoft.com/office/drawing/2010/main">
+                <a:solidFill>
+                  <a:srgbClr val="FFFFFF"/>
+                </a:solidFill>
+              </a14:hiddenFill>
+            </a:ext>
+          </a:extLst>
+        </p:spPr>
+      </p:pic>
+      <p:pic>
+        <p:nvPicPr>
+          <p:cNvPr id="2051" name="Picture 3" descr="C:\Users\TZeimetz\Desktop\guyfawkes.sh.png"/>
+          <p:cNvPicPr>
+            <a:picLocks noChangeAspect="1" noChangeArrowheads="1"/>
+          </p:cNvPicPr>
+          <p:nvPr/>
+        </p:nvPicPr>
+        <p:blipFill>
+          <a:blip r:embed="rId3" cstate="print">
+            <a:extLst>
+              <a:ext uri="{28A0092B-C50C-407E-A947-70E740481C1C}">
+                <a14:useLocalDpi xmlns:a14="http://schemas.microsoft.com/office/drawing/2010/main" val="0"/>
+              </a:ext>
+            </a:extLst>
+          </a:blip>
+          <a:srcRect/>
+          <a:stretch>
+            <a:fillRect/>
+          </a:stretch>
+        </p:blipFill>
+        <p:spPr bwMode="auto">
+          <a:xfrm>
+            <a:off x="1190032" y="5085184"/>
+            <a:ext cx="1296144" cy="1296144"/>
+          </a:xfrm>
+          <a:prstGeom prst="rect">
+            <a:avLst/>
+          </a:prstGeom>
+          <a:noFill/>
+          <a:extLst>
+            <a:ext uri="{909E8E84-426E-40DD-AFC4-6F175D3DCCD1}">
+              <a14:hiddenFill xmlns:a14="http://schemas.microsoft.com/office/drawing/2010/main">
+                <a:solidFill>
+                  <a:srgbClr val="FFFFFF"/>
+                </a:solidFill>
+              </a14:hiddenFill>
+            </a:ext>
+          </a:extLst>
+        </p:spPr>
+      </p:pic>
+      <p:cxnSp>
+        <p:nvCxnSpPr>
+          <p:cNvPr id="20" name="Gerade Verbindung mit Pfeil 19"/>
+          <p:cNvCxnSpPr/>
+          <p:nvPr/>
+        </p:nvCxnSpPr>
+        <p:spPr>
+          <a:xfrm flipV="1">
+            <a:off x="1835696" y="3933056"/>
+            <a:ext cx="0" cy="1080120"/>
+          </a:xfrm>
+          <a:prstGeom prst="straightConnector1">
+            <a:avLst/>
+          </a:prstGeom>
+          <a:ln w="15875">
+            <a:solidFill>
+              <a:schemeClr val="tx1"/>
+            </a:solidFill>
+            <a:tailEnd type="arrow"/>
+          </a:ln>
+        </p:spPr>
+        <p:style>
+          <a:lnRef idx="1">
+            <a:schemeClr val="accent1"/>
+          </a:lnRef>
+          <a:fillRef idx="0">
+            <a:schemeClr val="accent1"/>
+          </a:fillRef>
+          <a:effectRef idx="0">
+            <a:schemeClr val="accent1"/>
+          </a:effectRef>
+          <a:fontRef idx="minor">
+            <a:schemeClr val="tx1"/>
+          </a:fontRef>
+        </p:style>
+      </p:cxnSp>
+      <p:sp>
+        <p:nvSpPr>
+          <p:cNvPr id="22" name="Textfeld 21"/>
+          <p:cNvSpPr txBox="1"/>
+          <p:nvPr/>
+        </p:nvSpPr>
+        <p:spPr>
+          <a:xfrm>
+            <a:off x="1475656" y="4288450"/>
+            <a:ext cx="360040" cy="369332"/>
+          </a:xfrm>
+          <a:prstGeom prst="rect">
+            <a:avLst/>
+          </a:prstGeom>
+          <a:noFill/>
+        </p:spPr>
+        <p:txBody>
+          <a:bodyPr wrap="square" rtlCol="0">
+            <a:spAutoFit/>
+          </a:bodyPr>
+          <a:lstStyle/>
+          <a:p>
+            <a:r>
+              <a:rPr lang="de-DE" dirty="0" smtClean="0"/>
+              <a:t>1</a:t>
+            </a:r>
+            <a:endParaRPr lang="de-DE" dirty="0"/>
+          </a:p>
+        </p:txBody>
+      </p:sp>
+      <p:pic>
+        <p:nvPicPr>
+          <p:cNvPr id="4098" name="Picture 2" descr="http://freeflaticons.com/wp-content/uploads/2014/09/injection-copy-1411038662nk84g.png"/>
+          <p:cNvPicPr>
+            <a:picLocks noChangeAspect="1" noChangeArrowheads="1"/>
+          </p:cNvPicPr>
+          <p:nvPr/>
+        </p:nvPicPr>
+        <p:blipFill>
+          <a:blip r:embed="rId4" cstate="print">
+            <a:extLst>
+              <a:ext uri="{28A0092B-C50C-407E-A947-70E740481C1C}">
+                <a14:useLocalDpi xmlns:a14="http://schemas.microsoft.com/office/drawing/2010/main" val="0"/>
+              </a:ext>
+            </a:extLst>
+          </a:blip>
+          <a:srcRect/>
+          <a:stretch>
+            <a:fillRect/>
+          </a:stretch>
+        </p:blipFill>
+        <p:spPr bwMode="auto">
+          <a:xfrm>
+            <a:off x="4273178" y="2652413"/>
+            <a:ext cx="674468" cy="674468"/>
+          </a:xfrm>
+          <a:prstGeom prst="rect">
+            <a:avLst/>
+          </a:prstGeom>
+          <a:noFill/>
+          <a:extLst>
+            <a:ext uri="{909E8E84-426E-40DD-AFC4-6F175D3DCCD1}">
+              <a14:hiddenFill xmlns:a14="http://schemas.microsoft.com/office/drawing/2010/main">
+                <a:solidFill>
+                  <a:srgbClr val="FFFFFF"/>
+                </a:solidFill>
+              </a14:hiddenFill>
+            </a:ext>
+          </a:extLst>
+        </p:spPr>
+      </p:pic>
+      <p:cxnSp>
+        <p:nvCxnSpPr>
+          <p:cNvPr id="17" name="Gerade Verbindung mit Pfeil 16"/>
+          <p:cNvCxnSpPr/>
+          <p:nvPr/>
+        </p:nvCxnSpPr>
+        <p:spPr>
+          <a:xfrm flipV="1">
+            <a:off x="2411760" y="3710930"/>
+            <a:ext cx="1800200" cy="1878310"/>
+          </a:xfrm>
+          <a:prstGeom prst="straightConnector1">
+            <a:avLst/>
+          </a:prstGeom>
+          <a:ln w="15875">
+            <a:solidFill>
+              <a:srgbClr val="FF0000"/>
+            </a:solidFill>
+            <a:prstDash val="dash"/>
+            <a:tailEnd type="arrow"/>
+          </a:ln>
+        </p:spPr>
+        <p:style>
+          <a:lnRef idx="1">
+            <a:schemeClr val="accent1"/>
+          </a:lnRef>
+          <a:fillRef idx="0">
+            <a:schemeClr val="accent1"/>
+          </a:fillRef>
+          <a:effectRef idx="0">
+            <a:schemeClr val="accent1"/>
+          </a:effectRef>
+          <a:fontRef idx="minor">
+            <a:schemeClr val="tx1"/>
+          </a:fontRef>
+        </p:style>
+      </p:cxnSp>
+      <p:sp>
+        <p:nvSpPr>
+          <p:cNvPr id="21" name="Textfeld 20"/>
+          <p:cNvSpPr txBox="1"/>
+          <p:nvPr/>
+        </p:nvSpPr>
+        <p:spPr>
+          <a:xfrm>
+            <a:off x="3419872" y="4608561"/>
+            <a:ext cx="1584176" cy="369332"/>
+          </a:xfrm>
+          <a:prstGeom prst="rect">
+            <a:avLst/>
+          </a:prstGeom>
+          <a:noFill/>
+        </p:spPr>
+        <p:txBody>
+          <a:bodyPr wrap="square" rtlCol="0">
+            <a:spAutoFit/>
+          </a:bodyPr>
+          <a:lstStyle/>
+          <a:p>
+            <a:r>
+              <a:rPr lang="de-DE" dirty="0" smtClean="0"/>
+              <a:t>NS-Records</a:t>
+            </a:r>
+            <a:endParaRPr lang="de-DE" dirty="0"/>
+          </a:p>
+        </p:txBody>
+      </p:sp>
+      <p:pic>
+        <p:nvPicPr>
+          <p:cNvPr id="5122" name="Picture 2" descr="http://www.cmdsonline.com/wp-content/uploads/top-level-domain.jpg"/>
+          <p:cNvPicPr>
+            <a:picLocks noChangeAspect="1" noChangeArrowheads="1"/>
+          </p:cNvPicPr>
+          <p:nvPr/>
+        </p:nvPicPr>
+        <p:blipFill>
+          <a:blip r:embed="rId5" cstate="print">
+            <a:extLst>
+              <a:ext uri="{28A0092B-C50C-407E-A947-70E740481C1C}">
+                <a14:useLocalDpi xmlns:a14="http://schemas.microsoft.com/office/drawing/2010/main" val="0"/>
+              </a:ext>
+            </a:extLst>
+          </a:blip>
+          <a:srcRect/>
+          <a:stretch>
+            <a:fillRect/>
+          </a:stretch>
+        </p:blipFill>
+        <p:spPr bwMode="auto">
+          <a:xfrm>
+            <a:off x="6549329" y="3553568"/>
+            <a:ext cx="1911103" cy="955552"/>
+          </a:xfrm>
+          <a:prstGeom prst="rect">
+            <a:avLst/>
+          </a:prstGeom>
+          <a:noFill/>
+          <a:extLst>
+            <a:ext uri="{909E8E84-426E-40DD-AFC4-6F175D3DCCD1}">
+              <a14:hiddenFill xmlns:a14="http://schemas.microsoft.com/office/drawing/2010/main">
+                <a:solidFill>
+                  <a:srgbClr val="FFFFFF"/>
+                </a:solidFill>
+              </a14:hiddenFill>
+            </a:ext>
+          </a:extLst>
+        </p:spPr>
+      </p:pic>
+      <p:pic>
+        <p:nvPicPr>
+          <p:cNvPr id="5" name="Picture 2" descr="C:\Users\TZeimetz\Desktop\server-square.png"/>
+          <p:cNvPicPr>
+            <a:picLocks noChangeAspect="1" noChangeArrowheads="1"/>
+          </p:cNvPicPr>
+          <p:nvPr/>
+        </p:nvPicPr>
+        <p:blipFill>
+          <a:blip r:embed="rId2">
+            <a:extLst>
+              <a:ext uri="{28A0092B-C50C-407E-A947-70E740481C1C}">
+                <a14:useLocalDpi xmlns:a14="http://schemas.microsoft.com/office/drawing/2010/main" val="0"/>
+              </a:ext>
+            </a:extLst>
+          </a:blip>
+          <a:srcRect/>
+          <a:stretch>
+            <a:fillRect/>
+          </a:stretch>
+        </p:blipFill>
+        <p:spPr bwMode="auto">
+          <a:xfrm>
+            <a:off x="6804248" y="2268364"/>
+            <a:ext cx="1442566" cy="1442566"/>
+          </a:xfrm>
+          <a:prstGeom prst="rect">
+            <a:avLst/>
+          </a:prstGeom>
+          <a:noFill/>
+          <a:extLst>
+            <a:ext uri="{909E8E84-426E-40DD-AFC4-6F175D3DCCD1}">
+              <a14:hiddenFill xmlns:a14="http://schemas.microsoft.com/office/drawing/2010/main">
+                <a:solidFill>
+                  <a:srgbClr val="FFFFFF"/>
+                </a:solidFill>
+              </a14:hiddenFill>
+            </a:ext>
+          </a:extLst>
+        </p:spPr>
+      </p:pic>
+    </p:spTree>
+    <p:extLst>
+      <p:ext uri="{BB962C8B-B14F-4D97-AF65-F5344CB8AC3E}">
+        <p14:creationId xmlns:p14="http://schemas.microsoft.com/office/powerpoint/2010/main" val="38910770"/>
+      </p:ext>
+    </p:extLst>
+  </p:cSld>
+  <p:clrMapOvr>
+    <a:masterClrMapping/>
+  </p:clrMapOvr>
+  <p:timing>
+    <p:tnLst>
+      <p:par>
+        <p:cTn id="1" dur="indefinite" restart="never" nodeType="tmRoot"/>
+      </p:par>
+    </p:tnLst>
+  </p:timing>
+</p:sld>
+</file>
+
+<file path=ppt/slides/slide23.xml><?xml version="1.0" encoding="utf-8"?>
+<p:sld xmlns:a="http://schemas.openxmlformats.org/drawingml/2006/main" xmlns:r="http://schemas.openxmlformats.org/officeDocument/2006/relationships" xmlns:p="http://schemas.openxmlformats.org/presentationml/2006/main">
+  <p:cSld>
+    <p:spTree>
+      <p:nvGrpSpPr>
+        <p:cNvPr id="1" name=""/>
+        <p:cNvGrpSpPr/>
+        <p:nvPr/>
+      </p:nvGrpSpPr>
+      <p:grpSpPr>
+        <a:xfrm>
+          <a:off x="0" y="0"/>
+          <a:ext cx="0" cy="0"/>
+          <a:chOff x="0" y="0"/>
+          <a:chExt cx="0" cy="0"/>
+        </a:xfrm>
+      </p:grpSpPr>
+      <p:sp>
+        <p:nvSpPr>
+          <p:cNvPr id="2" name="Titel 1"/>
+          <p:cNvSpPr>
+            <a:spLocks noGrp="1"/>
+          </p:cNvSpPr>
+          <p:nvPr>
+            <p:ph type="title"/>
+          </p:nvPr>
+        </p:nvSpPr>
+        <p:spPr/>
+        <p:txBody>
+          <a:bodyPr>
+            <a:normAutofit fontScale="90000"/>
+          </a:bodyPr>
+          <a:lstStyle/>
+          <a:p>
+            <a:r>
+              <a:rPr lang="de-DE" dirty="0" smtClean="0"/>
+              <a:t>Versuchsreihen und Vorgehensweisen</a:t>
+            </a:r>
+            <a:endParaRPr lang="de-DE" dirty="0"/>
+          </a:p>
+        </p:txBody>
+      </p:sp>
+      <p:sp>
+        <p:nvSpPr>
+          <p:cNvPr id="3" name="Inhaltsplatzhalter 2"/>
+          <p:cNvSpPr>
+            <a:spLocks noGrp="1"/>
+          </p:cNvSpPr>
+          <p:nvPr>
+            <p:ph sz="quarter" idx="1"/>
+          </p:nvPr>
+        </p:nvSpPr>
+        <p:spPr/>
+        <p:txBody>
+          <a:bodyPr/>
+          <a:lstStyle/>
+          <a:p>
+            <a:r>
+              <a:rPr lang="de-DE" dirty="0" smtClean="0"/>
+              <a:t>Versuche</a:t>
+            </a:r>
+          </a:p>
+          <a:p>
+            <a:pPr lvl="1"/>
+            <a:r>
+              <a:rPr lang="de-DE" dirty="0" smtClean="0"/>
+              <a:t>BIND4, BIND8 (mehrere Versionen) und </a:t>
+            </a:r>
+            <a:br>
+              <a:rPr lang="de-DE" dirty="0" smtClean="0"/>
+            </a:br>
+            <a:r>
+              <a:rPr lang="de-DE" dirty="0" smtClean="0"/>
+              <a:t>BIND9 (mehrere Versionen)</a:t>
+            </a:r>
+          </a:p>
+          <a:p>
+            <a:pPr lvl="1"/>
+            <a:r>
+              <a:rPr lang="de-DE" dirty="0" smtClean="0"/>
+              <a:t>Mit unterschiedlichen </a:t>
+            </a:r>
+            <a:r>
+              <a:rPr lang="de-DE" dirty="0" err="1" smtClean="0"/>
+              <a:t>Betriebsystemen</a:t>
+            </a:r>
+            <a:endParaRPr lang="de-DE" dirty="0" smtClean="0"/>
+          </a:p>
+          <a:p>
+            <a:pPr lvl="2"/>
+            <a:r>
+              <a:rPr lang="de-DE" dirty="0" smtClean="0"/>
+              <a:t>Ubuntu 8, 14 und 16</a:t>
+            </a:r>
+          </a:p>
+          <a:p>
+            <a:pPr lvl="2"/>
+            <a:r>
+              <a:rPr lang="de-DE" dirty="0" smtClean="0"/>
+              <a:t>Suse</a:t>
+            </a:r>
+          </a:p>
+          <a:p>
+            <a:pPr lvl="2"/>
+            <a:r>
+              <a:rPr lang="de-DE" dirty="0" err="1" smtClean="0"/>
+              <a:t>centOS</a:t>
+            </a:r>
+            <a:endParaRPr lang="de-DE" dirty="0" smtClean="0"/>
+          </a:p>
+          <a:p>
+            <a:pPr lvl="2"/>
+            <a:r>
+              <a:rPr lang="de-DE" dirty="0" err="1" smtClean="0"/>
+              <a:t>Manjaro</a:t>
+            </a:r>
+            <a:endParaRPr lang="de-DE" dirty="0" smtClean="0"/>
+          </a:p>
+          <a:p>
+            <a:pPr lvl="1"/>
+            <a:endParaRPr lang="de-DE" dirty="0"/>
+          </a:p>
+        </p:txBody>
+      </p:sp>
+    </p:spTree>
+    <p:extLst>
+      <p:ext uri="{BB962C8B-B14F-4D97-AF65-F5344CB8AC3E}">
+        <p14:creationId xmlns:p14="http://schemas.microsoft.com/office/powerpoint/2010/main" val="1818596622"/>
+      </p:ext>
+    </p:extLst>
+  </p:cSld>
+  <p:clrMapOvr>
+    <a:masterClrMapping/>
+  </p:clrMapOvr>
+</p:sld>
+</file>
+
+<file path=ppt/slides/slide24.xml><?xml version="1.0" encoding="utf-8"?>
+<p:sld xmlns:a="http://schemas.openxmlformats.org/drawingml/2006/main" xmlns:r="http://schemas.openxmlformats.org/officeDocument/2006/relationships" xmlns:p="http://schemas.openxmlformats.org/presentationml/2006/main">
+  <p:cSld>
+    <p:spTree>
+      <p:nvGrpSpPr>
+        <p:cNvPr id="1" name=""/>
+        <p:cNvGrpSpPr/>
+        <p:nvPr/>
+      </p:nvGrpSpPr>
+      <p:grpSpPr>
+        <a:xfrm>
+          <a:off x="0" y="0"/>
+          <a:ext cx="0" cy="0"/>
+          <a:chOff x="0" y="0"/>
+          <a:chExt cx="0" cy="0"/>
+        </a:xfrm>
+      </p:grpSpPr>
+      <p:sp>
+        <p:nvSpPr>
+          <p:cNvPr id="2" name="Titel 1"/>
+          <p:cNvSpPr>
+            <a:spLocks noGrp="1"/>
+          </p:cNvSpPr>
+          <p:nvPr>
+            <p:ph type="title"/>
+          </p:nvPr>
+        </p:nvSpPr>
+        <p:spPr/>
+        <p:txBody>
           <a:bodyPr/>
           <a:lstStyle/>
           <a:p>
@@ -7252,8 +7974,8 @@
           </a:p>
         </p:txBody>
       </p:sp>
-      <mc:AlternateContent xmlns:mc="http://schemas.openxmlformats.org/markup-compatibility/2006">
-        <mc:Choice xmlns:a14="http://schemas.microsoft.com/office/drawing/2010/main" Requires="a14">
+      <mc:AlternateContent xmlns:mc="http://schemas.openxmlformats.org/markup-compatibility/2006" xmlns:a14="http://schemas.microsoft.com/office/drawing/2010/main">
+        <mc:Choice Requires="a14">
           <p:sp>
             <p:nvSpPr>
               <p:cNvPr id="3" name="Inhaltsplatzhalter 2"/>
@@ -7285,7 +8007,7 @@
                       <m:fPr>
                         <m:ctrlPr>
                           <a:rPr lang="de-DE" i="1" smtClean="0">
-                            <a:latin typeface="Cambria Math"/>
+                            <a:latin typeface="Cambria Math" panose="02040503050406030204" pitchFamily="18" charset="0"/>
                           </a:rPr>
                         </m:ctrlPr>
                       </m:fPr>
@@ -7302,7 +8024,7 @@
                           <m:sSupPr>
                             <m:ctrlPr>
                               <a:rPr lang="de-DE" i="1" smtClean="0">
-                                <a:latin typeface="Cambria Math"/>
+                                <a:latin typeface="Cambria Math" panose="02040503050406030204" pitchFamily="18" charset="0"/>
                               </a:rPr>
                             </m:ctrlPr>
                           </m:sSupPr>
@@ -7379,7 +8101,7 @@
                       <m:fPr>
                         <m:ctrlPr>
                           <a:rPr lang="de-DE" i="1" smtClean="0">
-                            <a:latin typeface="Cambria Math"/>
+                            <a:latin typeface="Cambria Math" panose="02040503050406030204" pitchFamily="18" charset="0"/>
                           </a:rPr>
                         </m:ctrlPr>
                       </m:fPr>
@@ -7396,7 +8118,7 @@
                           <m:sSupPr>
                             <m:ctrlPr>
                               <a:rPr lang="de-DE" i="1" smtClean="0">
-                                <a:latin typeface="Cambria Math"/>
+                                <a:latin typeface="Cambria Math" panose="02040503050406030204" pitchFamily="18" charset="0"/>
                               </a:rPr>
                             </m:ctrlPr>
                           </m:sSupPr>
@@ -7477,11 +8199,7 @@
                 </a:r>
                 <a:r>
                   <a:rPr lang="de-DE" dirty="0" smtClean="0"/>
-                  <a:t>www.wikipedia.de </a:t>
-                </a:r>
-                <a:r>
-                  <a:rPr lang="de-DE" dirty="0" smtClean="0"/>
-                  <a:t>z.B. 11 Buchstaben, also:</a:t>
+                  <a:t>www.wikipedia.de z.B. 11 Buchstaben, also:</a:t>
                 </a:r>
               </a:p>
               <a:p>
@@ -7492,7 +8210,7 @@
                       <m:fPr>
                         <m:ctrlPr>
                           <a:rPr lang="de-DE" i="1">
-                            <a:latin typeface="Cambria Math"/>
+                            <a:latin typeface="Cambria Math" panose="02040503050406030204" pitchFamily="18" charset="0"/>
                           </a:rPr>
                         </m:ctrlPr>
                       </m:fPr>
@@ -7509,7 +8227,7 @@
                           <m:sSupPr>
                             <m:ctrlPr>
                               <a:rPr lang="de-DE" i="1">
-                                <a:latin typeface="Cambria Math"/>
+                                <a:latin typeface="Cambria Math" panose="02040503050406030204" pitchFamily="18" charset="0"/>
                               </a:rPr>
                             </m:ctrlPr>
                           </m:sSupPr>
@@ -7575,7 +8293,7 @@
             </p:txBody>
           </p:sp>
         </mc:Choice>
-        <mc:Fallback>
+        <mc:Fallback xmlns="">
           <p:sp>
             <p:nvSpPr>
               <p:cNvPr id="3" name="Inhaltsplatzhalter 2"/>
@@ -7629,125 +8347,6 @@
 </p:sld>
 </file>
 
-<file path=ppt/slides/slide2.xml><?xml version="1.0" encoding="utf-8"?>
-<p:sld xmlns:a="http://schemas.openxmlformats.org/drawingml/2006/main" xmlns:r="http://schemas.openxmlformats.org/officeDocument/2006/relationships" xmlns:p="http://schemas.openxmlformats.org/presentationml/2006/main">
-  <p:cSld>
-    <p:spTree>
-      <p:nvGrpSpPr>
-        <p:cNvPr id="1" name=""/>
-        <p:cNvGrpSpPr/>
-        <p:nvPr/>
-      </p:nvGrpSpPr>
-      <p:grpSpPr>
-        <a:xfrm>
-          <a:off x="0" y="0"/>
-          <a:ext cx="0" cy="0"/>
-          <a:chOff x="0" y="0"/>
-          <a:chExt cx="0" cy="0"/>
-        </a:xfrm>
-      </p:grpSpPr>
-      <p:sp>
-        <p:nvSpPr>
-          <p:cNvPr id="2" name="Titel 1"/>
-          <p:cNvSpPr>
-            <a:spLocks noGrp="1"/>
-          </p:cNvSpPr>
-          <p:nvPr>
-            <p:ph type="title"/>
-          </p:nvPr>
-        </p:nvSpPr>
-        <p:spPr/>
-        <p:txBody>
-          <a:bodyPr/>
-          <a:lstStyle/>
-          <a:p>
-            <a:r>
-              <a:rPr lang="de-DE" dirty="0" smtClean="0"/>
-              <a:t>Inhalt</a:t>
-            </a:r>
-            <a:endParaRPr lang="de-DE" dirty="0"/>
-          </a:p>
-        </p:txBody>
-      </p:sp>
-      <p:sp>
-        <p:nvSpPr>
-          <p:cNvPr id="3" name="Inhaltsplatzhalter 2"/>
-          <p:cNvSpPr>
-            <a:spLocks noGrp="1"/>
-          </p:cNvSpPr>
-          <p:nvPr>
-            <p:ph sz="quarter" idx="1"/>
-          </p:nvPr>
-        </p:nvSpPr>
-        <p:spPr/>
-        <p:txBody>
-          <a:bodyPr/>
-          <a:lstStyle/>
-          <a:p>
-            <a:pPr lvl="0"/>
-            <a:r>
-              <a:rPr lang="de-DE" dirty="0"/>
-              <a:t>Aufgabenstellung</a:t>
-            </a:r>
-          </a:p>
-          <a:p>
-            <a:pPr lvl="0"/>
-            <a:r>
-              <a:rPr lang="de-DE" dirty="0"/>
-              <a:t>Grundlagen des Angriffs</a:t>
-            </a:r>
-          </a:p>
-          <a:p>
-            <a:pPr lvl="0"/>
-            <a:r>
-              <a:rPr lang="de-DE" dirty="0"/>
-              <a:t>Das Setup und die Konfiguration</a:t>
-            </a:r>
-          </a:p>
-          <a:p>
-            <a:pPr lvl="0"/>
-            <a:r>
-              <a:rPr lang="de-DE" dirty="0"/>
-              <a:t>Der Angriff</a:t>
-            </a:r>
-          </a:p>
-          <a:p>
-            <a:pPr lvl="0"/>
-            <a:r>
-              <a:rPr lang="de-DE" dirty="0" smtClean="0"/>
-              <a:t>Versuchsreihen und Vorgehensweisen</a:t>
-            </a:r>
-          </a:p>
-          <a:p>
-            <a:pPr lvl="0"/>
-            <a:r>
-              <a:rPr lang="de-DE" dirty="0" smtClean="0"/>
-              <a:t>Gegenmaßnahmen</a:t>
-            </a:r>
-            <a:endParaRPr lang="de-DE" dirty="0"/>
-          </a:p>
-        </p:txBody>
-      </p:sp>
-    </p:spTree>
-    <p:extLst>
-      <p:ext uri="{BB962C8B-B14F-4D97-AF65-F5344CB8AC3E}">
-        <p14:creationId xmlns:p14="http://schemas.microsoft.com/office/powerpoint/2010/main" val="2101492515"/>
-      </p:ext>
-    </p:extLst>
-  </p:cSld>
-  <p:clrMapOvr>
-    <a:masterClrMapping/>
-  </p:clrMapOvr>
-  <p:timing>
-    <p:tnLst>
-      <p:par>
-        <p:cTn id="1" dur="indefinite" restart="never" nodeType="tmRoot"/>
-      </p:par>
-    </p:tnLst>
-  </p:timing>
-</p:sld>
-</file>
-
 <file path=ppt/slides/slide3.xml><?xml version="1.0" encoding="utf-8"?>
 <p:sld xmlns:a="http://schemas.openxmlformats.org/drawingml/2006/main" xmlns:r="http://schemas.openxmlformats.org/officeDocument/2006/relationships" xmlns:p="http://schemas.openxmlformats.org/presentationml/2006/main">
   <p:cSld>
@@ -8207,85 +8806,45 @@
           <a:lstStyle/>
           <a:p>
             <a:r>
-              <a:rPr lang="de-DE" dirty="0" smtClean="0"/>
+              <a:rPr lang="de-DE" dirty="0"/>
               <a:t>Grundlagen des Angriffs</a:t>
             </a:r>
-            <a:endParaRPr lang="de-DE" dirty="0"/>
-          </a:p>
-        </p:txBody>
-      </p:sp>
-      <p:sp>
-        <p:nvSpPr>
-          <p:cNvPr id="3" name="Inhaltsplatzhalter 2"/>
-          <p:cNvSpPr>
-            <a:spLocks noGrp="1"/>
-          </p:cNvSpPr>
+          </a:p>
+        </p:txBody>
+      </p:sp>
+      <p:pic>
+        <p:nvPicPr>
+          <p:cNvPr id="4" name="Inhaltsplatzhalter 3"/>
+          <p:cNvPicPr>
+            <a:picLocks noGrp="1" noChangeAspect="1"/>
+          </p:cNvPicPr>
           <p:nvPr>
             <p:ph sz="quarter" idx="1"/>
           </p:nvPr>
-        </p:nvSpPr>
-        <p:spPr/>
-        <p:txBody>
-          <a:bodyPr/>
-          <a:lstStyle/>
-          <a:p>
-            <a:r>
-              <a:rPr lang="de-DE" dirty="0" smtClean="0"/>
-              <a:t>Kaminskys DNS-Cache-</a:t>
-            </a:r>
-            <a:r>
-              <a:rPr lang="de-DE" dirty="0" err="1" smtClean="0"/>
-              <a:t>Poisoning</a:t>
-            </a:r>
-            <a:endParaRPr lang="de-DE" dirty="0" smtClean="0"/>
-          </a:p>
-          <a:p>
-            <a:pPr lvl="1"/>
-            <a:r>
-              <a:rPr lang="de-DE" dirty="0" smtClean="0"/>
-              <a:t>Vorher einen gefälschten A-</a:t>
-            </a:r>
-            <a:r>
-              <a:rPr lang="de-DE" dirty="0" err="1" smtClean="0"/>
-              <a:t>Record</a:t>
-            </a:r>
-            <a:r>
-              <a:rPr lang="de-DE" dirty="0" smtClean="0"/>
-              <a:t> in den Cache geschleust</a:t>
-            </a:r>
-          </a:p>
-          <a:p>
-            <a:pPr lvl="1"/>
-            <a:r>
-              <a:rPr lang="de-DE" dirty="0" smtClean="0"/>
-              <a:t>Jetzt einen gefälschten NS-</a:t>
-            </a:r>
-            <a:r>
-              <a:rPr lang="de-DE" dirty="0" err="1" smtClean="0"/>
-              <a:t>Record</a:t>
-            </a:r>
-            <a:r>
-              <a:rPr lang="de-DE" dirty="0" smtClean="0"/>
-              <a:t> </a:t>
-            </a:r>
-          </a:p>
-          <a:p>
-            <a:pPr lvl="1"/>
-            <a:r>
-              <a:rPr lang="de-DE" dirty="0" smtClean="0"/>
-              <a:t>Flexibel </a:t>
-            </a:r>
-            <a:r>
-              <a:rPr lang="de-DE" dirty="0"/>
-              <a:t>und deutlich stärker</a:t>
-            </a:r>
-          </a:p>
-        </p:txBody>
-      </p:sp>
+        </p:nvPicPr>
+        <p:blipFill>
+          <a:blip r:embed="rId2">
+            <a:extLst>
+              <a:ext uri="{28A0092B-C50C-407E-A947-70E740481C1C}">
+                <a14:useLocalDpi xmlns:a14="http://schemas.microsoft.com/office/drawing/2010/main" val="0"/>
+              </a:ext>
+            </a:extLst>
+          </a:blip>
+          <a:stretch>
+            <a:fillRect/>
+          </a:stretch>
+        </p:blipFill>
+        <p:spPr>
+          <a:xfrm>
+            <a:off x="393902" y="1916832"/>
+            <a:ext cx="8351340" cy="3096344"/>
+          </a:xfrm>
+        </p:spPr>
+      </p:pic>
     </p:spTree>
     <p:extLst>
       <p:ext uri="{BB962C8B-B14F-4D97-AF65-F5344CB8AC3E}">
-        <p14:creationId xmlns:p14="http://schemas.microsoft.com/office/powerpoint/2010/main" val="2539642696"/>
+        <p14:creationId xmlns:p14="http://schemas.microsoft.com/office/powerpoint/2010/main" val="2727652474"/>
       </p:ext>
     </p:extLst>
   </p:cSld>
@@ -8335,20 +8894,21 @@
           <a:lstStyle/>
           <a:p>
             <a:r>
-              <a:rPr lang="de-DE" dirty="0" smtClean="0"/>
+              <a:rPr lang="de-DE" dirty="0"/>
               <a:t>Grundlagen des Angriffs</a:t>
             </a:r>
-            <a:endParaRPr lang="de-DE" dirty="0"/>
           </a:p>
         </p:txBody>
       </p:sp>
       <p:pic>
         <p:nvPicPr>
-          <p:cNvPr id="5" name="Grafik 4"/>
+          <p:cNvPr id="4" name="Inhaltsplatzhalter 3"/>
           <p:cNvPicPr>
-            <a:picLocks noChangeAspect="1"/>
+            <a:picLocks noGrp="1" noChangeAspect="1"/>
           </p:cNvPicPr>
-          <p:nvPr/>
+          <p:nvPr>
+            <p:ph sz="quarter" idx="1"/>
+          </p:nvPr>
         </p:nvPicPr>
         <p:blipFill>
           <a:blip r:embed="rId2">
@@ -8364,18 +8924,15 @@
         </p:blipFill>
         <p:spPr>
           <a:xfrm>
-            <a:off x="1275315" y="1628800"/>
-            <a:ext cx="6828065" cy="5117455"/>
-          </a:xfrm>
-          <a:prstGeom prst="rect">
-            <a:avLst/>
-          </a:prstGeom>
+            <a:off x="251520" y="2204864"/>
+            <a:ext cx="8640960" cy="3499232"/>
+          </a:xfrm>
         </p:spPr>
       </p:pic>
     </p:spTree>
     <p:extLst>
       <p:ext uri="{BB962C8B-B14F-4D97-AF65-F5344CB8AC3E}">
-        <p14:creationId xmlns:p14="http://schemas.microsoft.com/office/powerpoint/2010/main" val="317435253"/>
+        <p14:creationId xmlns:p14="http://schemas.microsoft.com/office/powerpoint/2010/main" val="2942860357"/>
       </p:ext>
     </p:extLst>
   </p:cSld>
@@ -8426,7 +8983,7 @@
           <a:p>
             <a:r>
               <a:rPr lang="de-DE" dirty="0" smtClean="0"/>
-              <a:t>Das Setup und die Konfigurationen</a:t>
+              <a:t>Grundlagen des Angriffs</a:t>
             </a:r>
             <a:endParaRPr lang="de-DE" dirty="0"/>
           </a:p>
@@ -8447,59 +9004,63 @@
           <a:bodyPr/>
           <a:lstStyle/>
           <a:p>
-            <a:pPr lvl="0"/>
+            <a:r>
+              <a:rPr lang="de-DE" dirty="0" smtClean="0"/>
+              <a:t>Kaminskys DNS-Cache-</a:t>
+            </a:r>
             <a:r>
               <a:rPr lang="de-DE" dirty="0" err="1" smtClean="0"/>
-              <a:t>Attacker</a:t>
-            </a:r>
+              <a:t>Poisoning</a:t>
+            </a:r>
+            <a:endParaRPr lang="de-DE" dirty="0" smtClean="0"/>
+          </a:p>
+          <a:p>
+            <a:pPr lvl="1"/>
             <a:r>
               <a:rPr lang="de-DE" dirty="0" smtClean="0"/>
-              <a:t>-DNS als Python-Programm</a:t>
-            </a:r>
-            <a:endParaRPr lang="de-DE" dirty="0"/>
-          </a:p>
-          <a:p>
-            <a:pPr marL="0" lvl="0" indent="0">
-              <a:buNone/>
-            </a:pPr>
-            <a:endParaRPr lang="de-DE" dirty="0" smtClean="0"/>
-          </a:p>
-        </p:txBody>
-      </p:sp>
-      <p:pic>
-        <p:nvPicPr>
-          <p:cNvPr id="4" name="Grafik 3"/>
-          <p:cNvPicPr>
-            <a:picLocks noChangeAspect="1"/>
-          </p:cNvPicPr>
-          <p:nvPr/>
-        </p:nvPicPr>
-        <p:blipFill>
-          <a:blip r:embed="rId2">
-            <a:extLst>
-              <a:ext uri="{28A0092B-C50C-407E-A947-70E740481C1C}">
-                <a14:useLocalDpi xmlns:a14="http://schemas.microsoft.com/office/drawing/2010/main" val="0"/>
-              </a:ext>
-            </a:extLst>
-          </a:blip>
-          <a:stretch>
-            <a:fillRect/>
-          </a:stretch>
-        </p:blipFill>
-        <p:spPr>
-          <a:xfrm>
-            <a:off x="755575" y="2204864"/>
-            <a:ext cx="8010711" cy="3528392"/>
-          </a:xfrm>
-          <a:prstGeom prst="rect">
-            <a:avLst/>
-          </a:prstGeom>
-        </p:spPr>
-      </p:pic>
+              <a:t>Vorher einen gefälschten A-</a:t>
+            </a:r>
+            <a:r>
+              <a:rPr lang="de-DE" dirty="0" err="1" smtClean="0"/>
+              <a:t>Record</a:t>
+            </a:r>
+            <a:r>
+              <a:rPr lang="de-DE" dirty="0" smtClean="0"/>
+              <a:t> in den Cache geschleust</a:t>
+            </a:r>
+          </a:p>
+          <a:p>
+            <a:pPr lvl="1"/>
+            <a:r>
+              <a:rPr lang="de-DE" dirty="0" smtClean="0"/>
+              <a:t>Jetzt einen gefälschten NS-</a:t>
+            </a:r>
+            <a:r>
+              <a:rPr lang="de-DE" dirty="0" err="1" smtClean="0"/>
+              <a:t>Record</a:t>
+            </a:r>
+            <a:r>
+              <a:rPr lang="de-DE" dirty="0" smtClean="0"/>
+              <a:t> </a:t>
+            </a:r>
+          </a:p>
+          <a:p>
+            <a:pPr lvl="1"/>
+            <a:r>
+              <a:rPr lang="de-DE" dirty="0" smtClean="0"/>
+              <a:t>Flexibel </a:t>
+            </a:r>
+            <a:r>
+              <a:rPr lang="de-DE" dirty="0"/>
+              <a:t>und deutlich stärker</a:t>
+            </a:r>
+          </a:p>
+        </p:txBody>
+      </p:sp>
     </p:spTree>
     <p:extLst>
       <p:ext uri="{BB962C8B-B14F-4D97-AF65-F5344CB8AC3E}">
-        <p14:creationId xmlns:p14="http://schemas.microsoft.com/office/powerpoint/2010/main" val="1852807460"/>
+        <p14:creationId xmlns:p14="http://schemas.microsoft.com/office/powerpoint/2010/main" val="2539642696"/>
       </p:ext>
     </p:extLst>
   </p:cSld>
@@ -8550,46 +9111,15 @@
           <a:p>
             <a:r>
               <a:rPr lang="de-DE" dirty="0" smtClean="0"/>
-              <a:t>Das Setup und die Konfigurationen</a:t>
+              <a:t>Grundlagen des Angriffs</a:t>
             </a:r>
             <a:endParaRPr lang="de-DE" dirty="0"/>
-          </a:p>
-        </p:txBody>
-      </p:sp>
-      <p:sp>
-        <p:nvSpPr>
-          <p:cNvPr id="3" name="Inhaltsplatzhalter 2"/>
-          <p:cNvSpPr>
-            <a:spLocks noGrp="1"/>
-          </p:cNvSpPr>
-          <p:nvPr>
-            <p:ph sz="quarter" idx="1"/>
-          </p:nvPr>
-        </p:nvSpPr>
-        <p:spPr/>
-        <p:txBody>
-          <a:bodyPr/>
-          <a:lstStyle/>
-          <a:p>
-            <a:pPr lvl="0"/>
-            <a:r>
-              <a:rPr lang="de-DE" dirty="0" err="1" smtClean="0"/>
-              <a:t>Victim</a:t>
-            </a:r>
-            <a:r>
-              <a:rPr lang="de-DE" dirty="0" smtClean="0"/>
-              <a:t>-DNS und Bind</a:t>
-            </a:r>
-          </a:p>
-          <a:p>
-            <a:pPr lvl="0"/>
-            <a:endParaRPr lang="de-DE" dirty="0" smtClean="0"/>
           </a:p>
         </p:txBody>
       </p:sp>
       <p:pic>
         <p:nvPicPr>
-          <p:cNvPr id="6" name="Grafik 5"/>
+          <p:cNvPr id="5" name="Grafik 4"/>
           <p:cNvPicPr>
             <a:picLocks noChangeAspect="1"/>
           </p:cNvPicPr>
@@ -8609,8 +9139,8 @@
         </p:blipFill>
         <p:spPr>
           <a:xfrm>
-            <a:off x="755576" y="2223035"/>
-            <a:ext cx="5184576" cy="3872965"/>
+            <a:off x="1275315" y="1628800"/>
+            <a:ext cx="6828065" cy="5117455"/>
           </a:xfrm>
           <a:prstGeom prst="rect">
             <a:avLst/>
@@ -8620,7 +9150,7 @@
     </p:spTree>
     <p:extLst>
       <p:ext uri="{BB962C8B-B14F-4D97-AF65-F5344CB8AC3E}">
-        <p14:creationId xmlns:p14="http://schemas.microsoft.com/office/powerpoint/2010/main" val="2684800396"/>
+        <p14:creationId xmlns:p14="http://schemas.microsoft.com/office/powerpoint/2010/main" val="317435253"/>
       </p:ext>
     </p:extLst>
   </p:cSld>

--- a/Präsentationen/PT3.pptx
+++ b/Präsentationen/PT3.pptx
@@ -4,6 +4,9 @@
   <p:sldMasterIdLst>
     <p:sldMasterId id="2147483660" r:id="rId1"/>
   </p:sldMasterIdLst>
+  <p:notesMasterIdLst>
+    <p:notesMasterId r:id="rId25"/>
+  </p:notesMasterIdLst>
   <p:sldIdLst>
     <p:sldId id="256" r:id="rId2"/>
     <p:sldId id="257" r:id="rId3"/>
@@ -28,7 +31,6 @@
     <p:sldId id="277" r:id="rId22"/>
     <p:sldId id="278" r:id="rId23"/>
     <p:sldId id="273" r:id="rId24"/>
-    <p:sldId id="264" r:id="rId25"/>
   </p:sldIdLst>
   <p:sldSz cx="9144000" cy="6858000" type="screen4x3"/>
   <p:notesSz cx="6858000" cy="9144000"/>
@@ -168,6 +170,2288 @@
     </p:extLst>
   </p:cm>
 </p:cmLst>
+</file>
+
+<file path=ppt/notesMasters/notesMaster1.xml><?xml version="1.0" encoding="utf-8"?>
+<p:notesMaster xmlns:a="http://schemas.openxmlformats.org/drawingml/2006/main" xmlns:r="http://schemas.openxmlformats.org/officeDocument/2006/relationships" xmlns:p="http://schemas.openxmlformats.org/presentationml/2006/main">
+  <p:cSld>
+    <p:bg>
+      <p:bgRef idx="1001">
+        <a:schemeClr val="bg1"/>
+      </p:bgRef>
+    </p:bg>
+    <p:spTree>
+      <p:nvGrpSpPr>
+        <p:cNvPr id="1" name=""/>
+        <p:cNvGrpSpPr/>
+        <p:nvPr/>
+      </p:nvGrpSpPr>
+      <p:grpSpPr>
+        <a:xfrm>
+          <a:off x="0" y="0"/>
+          <a:ext cx="0" cy="0"/>
+          <a:chOff x="0" y="0"/>
+          <a:chExt cx="0" cy="0"/>
+        </a:xfrm>
+      </p:grpSpPr>
+      <p:sp>
+        <p:nvSpPr>
+          <p:cNvPr id="2" name="Kopfzeilenplatzhalter 1"/>
+          <p:cNvSpPr>
+            <a:spLocks noGrp="1"/>
+          </p:cNvSpPr>
+          <p:nvPr>
+            <p:ph type="hdr" sz="quarter"/>
+          </p:nvPr>
+        </p:nvSpPr>
+        <p:spPr>
+          <a:xfrm>
+            <a:off x="0" y="0"/>
+            <a:ext cx="2971800" cy="458788"/>
+          </a:xfrm>
+          <a:prstGeom prst="rect">
+            <a:avLst/>
+          </a:prstGeom>
+        </p:spPr>
+        <p:txBody>
+          <a:bodyPr vert="horz" lIns="91440" tIns="45720" rIns="91440" bIns="45720" rtlCol="0"/>
+          <a:lstStyle>
+            <a:lvl1pPr algn="l">
+              <a:defRPr sz="1200"/>
+            </a:lvl1pPr>
+          </a:lstStyle>
+          <a:p>
+            <a:endParaRPr lang="de-DE"/>
+          </a:p>
+        </p:txBody>
+      </p:sp>
+      <p:sp>
+        <p:nvSpPr>
+          <p:cNvPr id="3" name="Datumsplatzhalter 2"/>
+          <p:cNvSpPr>
+            <a:spLocks noGrp="1"/>
+          </p:cNvSpPr>
+          <p:nvPr>
+            <p:ph type="dt" idx="1"/>
+          </p:nvPr>
+        </p:nvSpPr>
+        <p:spPr>
+          <a:xfrm>
+            <a:off x="3884613" y="0"/>
+            <a:ext cx="2971800" cy="458788"/>
+          </a:xfrm>
+          <a:prstGeom prst="rect">
+            <a:avLst/>
+          </a:prstGeom>
+        </p:spPr>
+        <p:txBody>
+          <a:bodyPr vert="horz" lIns="91440" tIns="45720" rIns="91440" bIns="45720" rtlCol="0"/>
+          <a:lstStyle>
+            <a:lvl1pPr algn="r">
+              <a:defRPr sz="1200"/>
+            </a:lvl1pPr>
+          </a:lstStyle>
+          <a:p>
+            <a:fld id="{2027DF73-EBC5-485E-AFDA-C3F15E732D66}" type="datetimeFigureOut">
+              <a:rPr lang="de-DE" smtClean="0"/>
+              <a:t>27.01.2017</a:t>
+            </a:fld>
+            <a:endParaRPr lang="de-DE"/>
+          </a:p>
+        </p:txBody>
+      </p:sp>
+      <p:sp>
+        <p:nvSpPr>
+          <p:cNvPr id="4" name="Folienbildplatzhalter 3"/>
+          <p:cNvSpPr>
+            <a:spLocks noGrp="1" noRot="1" noChangeAspect="1"/>
+          </p:cNvSpPr>
+          <p:nvPr>
+            <p:ph type="sldImg" idx="2"/>
+          </p:nvPr>
+        </p:nvSpPr>
+        <p:spPr>
+          <a:xfrm>
+            <a:off x="1371600" y="1143000"/>
+            <a:ext cx="4114800" cy="3086100"/>
+          </a:xfrm>
+          <a:prstGeom prst="rect">
+            <a:avLst/>
+          </a:prstGeom>
+          <a:noFill/>
+          <a:ln w="12700">
+            <a:solidFill>
+              <a:prstClr val="black"/>
+            </a:solidFill>
+          </a:ln>
+        </p:spPr>
+        <p:txBody>
+          <a:bodyPr vert="horz" lIns="91440" tIns="45720" rIns="91440" bIns="45720" rtlCol="0" anchor="ctr"/>
+          <a:lstStyle/>
+          <a:p>
+            <a:endParaRPr lang="de-DE"/>
+          </a:p>
+        </p:txBody>
+      </p:sp>
+      <p:sp>
+        <p:nvSpPr>
+          <p:cNvPr id="5" name="Notizenplatzhalter 4"/>
+          <p:cNvSpPr>
+            <a:spLocks noGrp="1"/>
+          </p:cNvSpPr>
+          <p:nvPr>
+            <p:ph type="body" sz="quarter" idx="3"/>
+          </p:nvPr>
+        </p:nvSpPr>
+        <p:spPr>
+          <a:xfrm>
+            <a:off x="685800" y="4400550"/>
+            <a:ext cx="5486400" cy="3600450"/>
+          </a:xfrm>
+          <a:prstGeom prst="rect">
+            <a:avLst/>
+          </a:prstGeom>
+        </p:spPr>
+        <p:txBody>
+          <a:bodyPr vert="horz" lIns="91440" tIns="45720" rIns="91440" bIns="45720" rtlCol="0"/>
+          <a:lstStyle/>
+          <a:p>
+            <a:pPr lvl="0"/>
+            <a:r>
+              <a:rPr lang="de-DE" smtClean="0"/>
+              <a:t>Textmasterformat bearbeiten</a:t>
+            </a:r>
+          </a:p>
+          <a:p>
+            <a:pPr lvl="1"/>
+            <a:r>
+              <a:rPr lang="de-DE" smtClean="0"/>
+              <a:t>Zweite Ebene</a:t>
+            </a:r>
+          </a:p>
+          <a:p>
+            <a:pPr lvl="2"/>
+            <a:r>
+              <a:rPr lang="de-DE" smtClean="0"/>
+              <a:t>Dritte Ebene</a:t>
+            </a:r>
+          </a:p>
+          <a:p>
+            <a:pPr lvl="3"/>
+            <a:r>
+              <a:rPr lang="de-DE" smtClean="0"/>
+              <a:t>Vierte Ebene</a:t>
+            </a:r>
+          </a:p>
+          <a:p>
+            <a:pPr lvl="4"/>
+            <a:r>
+              <a:rPr lang="de-DE" smtClean="0"/>
+              <a:t>Fünfte Ebene</a:t>
+            </a:r>
+            <a:endParaRPr lang="de-DE"/>
+          </a:p>
+        </p:txBody>
+      </p:sp>
+      <p:sp>
+        <p:nvSpPr>
+          <p:cNvPr id="6" name="Fußzeilenplatzhalter 5"/>
+          <p:cNvSpPr>
+            <a:spLocks noGrp="1"/>
+          </p:cNvSpPr>
+          <p:nvPr>
+            <p:ph type="ftr" sz="quarter" idx="4"/>
+          </p:nvPr>
+        </p:nvSpPr>
+        <p:spPr>
+          <a:xfrm>
+            <a:off x="0" y="8685213"/>
+            <a:ext cx="2971800" cy="458787"/>
+          </a:xfrm>
+          <a:prstGeom prst="rect">
+            <a:avLst/>
+          </a:prstGeom>
+        </p:spPr>
+        <p:txBody>
+          <a:bodyPr vert="horz" lIns="91440" tIns="45720" rIns="91440" bIns="45720" rtlCol="0" anchor="b"/>
+          <a:lstStyle>
+            <a:lvl1pPr algn="l">
+              <a:defRPr sz="1200"/>
+            </a:lvl1pPr>
+          </a:lstStyle>
+          <a:p>
+            <a:endParaRPr lang="de-DE"/>
+          </a:p>
+        </p:txBody>
+      </p:sp>
+      <p:sp>
+        <p:nvSpPr>
+          <p:cNvPr id="7" name="Foliennummernplatzhalter 6"/>
+          <p:cNvSpPr>
+            <a:spLocks noGrp="1"/>
+          </p:cNvSpPr>
+          <p:nvPr>
+            <p:ph type="sldNum" sz="quarter" idx="5"/>
+          </p:nvPr>
+        </p:nvSpPr>
+        <p:spPr>
+          <a:xfrm>
+            <a:off x="3884613" y="8685213"/>
+            <a:ext cx="2971800" cy="458787"/>
+          </a:xfrm>
+          <a:prstGeom prst="rect">
+            <a:avLst/>
+          </a:prstGeom>
+        </p:spPr>
+        <p:txBody>
+          <a:bodyPr vert="horz" lIns="91440" tIns="45720" rIns="91440" bIns="45720" rtlCol="0" anchor="b"/>
+          <a:lstStyle>
+            <a:lvl1pPr algn="r">
+              <a:defRPr sz="1200"/>
+            </a:lvl1pPr>
+          </a:lstStyle>
+          <a:p>
+            <a:fld id="{06C6CB9D-82A2-4859-B5B4-E36855208F85}" type="slidenum">
+              <a:rPr lang="de-DE" smtClean="0"/>
+              <a:t>‹Nr.›</a:t>
+            </a:fld>
+            <a:endParaRPr lang="de-DE"/>
+          </a:p>
+        </p:txBody>
+      </p:sp>
+    </p:spTree>
+    <p:extLst>
+      <p:ext uri="{BB962C8B-B14F-4D97-AF65-F5344CB8AC3E}">
+        <p14:creationId xmlns:p14="http://schemas.microsoft.com/office/powerpoint/2010/main" val="324771642"/>
+      </p:ext>
+    </p:extLst>
+  </p:cSld>
+  <p:clrMap bg1="lt1" tx1="dk1" bg2="lt2" tx2="dk2" accent1="accent1" accent2="accent2" accent3="accent3" accent4="accent4" accent5="accent5" accent6="accent6" hlink="hlink" folHlink="folHlink"/>
+  <p:notesStyle>
+    <a:lvl1pPr marL="0" algn="l" defTabSz="914400" rtl="0" eaLnBrk="1" latinLnBrk="0" hangingPunct="1">
+      <a:defRPr sz="1200" kern="1200">
+        <a:solidFill>
+          <a:schemeClr val="tx1"/>
+        </a:solidFill>
+        <a:latin typeface="+mn-lt"/>
+        <a:ea typeface="+mn-ea"/>
+        <a:cs typeface="+mn-cs"/>
+      </a:defRPr>
+    </a:lvl1pPr>
+    <a:lvl2pPr marL="457200" algn="l" defTabSz="914400" rtl="0" eaLnBrk="1" latinLnBrk="0" hangingPunct="1">
+      <a:defRPr sz="1200" kern="1200">
+        <a:solidFill>
+          <a:schemeClr val="tx1"/>
+        </a:solidFill>
+        <a:latin typeface="+mn-lt"/>
+        <a:ea typeface="+mn-ea"/>
+        <a:cs typeface="+mn-cs"/>
+      </a:defRPr>
+    </a:lvl2pPr>
+    <a:lvl3pPr marL="914400" algn="l" defTabSz="914400" rtl="0" eaLnBrk="1" latinLnBrk="0" hangingPunct="1">
+      <a:defRPr sz="1200" kern="1200">
+        <a:solidFill>
+          <a:schemeClr val="tx1"/>
+        </a:solidFill>
+        <a:latin typeface="+mn-lt"/>
+        <a:ea typeface="+mn-ea"/>
+        <a:cs typeface="+mn-cs"/>
+      </a:defRPr>
+    </a:lvl3pPr>
+    <a:lvl4pPr marL="1371600" algn="l" defTabSz="914400" rtl="0" eaLnBrk="1" latinLnBrk="0" hangingPunct="1">
+      <a:defRPr sz="1200" kern="1200">
+        <a:solidFill>
+          <a:schemeClr val="tx1"/>
+        </a:solidFill>
+        <a:latin typeface="+mn-lt"/>
+        <a:ea typeface="+mn-ea"/>
+        <a:cs typeface="+mn-cs"/>
+      </a:defRPr>
+    </a:lvl4pPr>
+    <a:lvl5pPr marL="1828800" algn="l" defTabSz="914400" rtl="0" eaLnBrk="1" latinLnBrk="0" hangingPunct="1">
+      <a:defRPr sz="1200" kern="1200">
+        <a:solidFill>
+          <a:schemeClr val="tx1"/>
+        </a:solidFill>
+        <a:latin typeface="+mn-lt"/>
+        <a:ea typeface="+mn-ea"/>
+        <a:cs typeface="+mn-cs"/>
+      </a:defRPr>
+    </a:lvl5pPr>
+    <a:lvl6pPr marL="2286000" algn="l" defTabSz="914400" rtl="0" eaLnBrk="1" latinLnBrk="0" hangingPunct="1">
+      <a:defRPr sz="1200" kern="1200">
+        <a:solidFill>
+          <a:schemeClr val="tx1"/>
+        </a:solidFill>
+        <a:latin typeface="+mn-lt"/>
+        <a:ea typeface="+mn-ea"/>
+        <a:cs typeface="+mn-cs"/>
+      </a:defRPr>
+    </a:lvl6pPr>
+    <a:lvl7pPr marL="2743200" algn="l" defTabSz="914400" rtl="0" eaLnBrk="1" latinLnBrk="0" hangingPunct="1">
+      <a:defRPr sz="1200" kern="1200">
+        <a:solidFill>
+          <a:schemeClr val="tx1"/>
+        </a:solidFill>
+        <a:latin typeface="+mn-lt"/>
+        <a:ea typeface="+mn-ea"/>
+        <a:cs typeface="+mn-cs"/>
+      </a:defRPr>
+    </a:lvl7pPr>
+    <a:lvl8pPr marL="3200400" algn="l" defTabSz="914400" rtl="0" eaLnBrk="1" latinLnBrk="0" hangingPunct="1">
+      <a:defRPr sz="1200" kern="1200">
+        <a:solidFill>
+          <a:schemeClr val="tx1"/>
+        </a:solidFill>
+        <a:latin typeface="+mn-lt"/>
+        <a:ea typeface="+mn-ea"/>
+        <a:cs typeface="+mn-cs"/>
+      </a:defRPr>
+    </a:lvl8pPr>
+    <a:lvl9pPr marL="3657600" algn="l" defTabSz="914400" rtl="0" eaLnBrk="1" latinLnBrk="0" hangingPunct="1">
+      <a:defRPr sz="1200" kern="1200">
+        <a:solidFill>
+          <a:schemeClr val="tx1"/>
+        </a:solidFill>
+        <a:latin typeface="+mn-lt"/>
+        <a:ea typeface="+mn-ea"/>
+        <a:cs typeface="+mn-cs"/>
+      </a:defRPr>
+    </a:lvl9pPr>
+  </p:notesStyle>
+</p:notesMaster>
+</file>
+
+<file path=ppt/notesSlides/notesSlide1.xml><?xml version="1.0" encoding="utf-8"?>
+<p:notes xmlns:a="http://schemas.openxmlformats.org/drawingml/2006/main" xmlns:r="http://schemas.openxmlformats.org/officeDocument/2006/relationships" xmlns:p="http://schemas.openxmlformats.org/presentationml/2006/main">
+  <p:cSld>
+    <p:spTree>
+      <p:nvGrpSpPr>
+        <p:cNvPr id="1" name=""/>
+        <p:cNvGrpSpPr/>
+        <p:nvPr/>
+      </p:nvGrpSpPr>
+      <p:grpSpPr>
+        <a:xfrm>
+          <a:off x="0" y="0"/>
+          <a:ext cx="0" cy="0"/>
+          <a:chOff x="0" y="0"/>
+          <a:chExt cx="0" cy="0"/>
+        </a:xfrm>
+      </p:grpSpPr>
+      <p:sp>
+        <p:nvSpPr>
+          <p:cNvPr id="2" name="Folienbildplatzhalter 1"/>
+          <p:cNvSpPr>
+            <a:spLocks noGrp="1" noRot="1" noChangeAspect="1"/>
+          </p:cNvSpPr>
+          <p:nvPr>
+            <p:ph type="sldImg"/>
+          </p:nvPr>
+        </p:nvSpPr>
+        <p:spPr/>
+      </p:sp>
+      <p:sp>
+        <p:nvSpPr>
+          <p:cNvPr id="3" name="Notizenplatzhalter 2"/>
+          <p:cNvSpPr>
+            <a:spLocks noGrp="1"/>
+          </p:cNvSpPr>
+          <p:nvPr>
+            <p:ph type="body" idx="1"/>
+          </p:nvPr>
+        </p:nvSpPr>
+        <p:spPr/>
+        <p:txBody>
+          <a:bodyPr/>
+          <a:lstStyle/>
+          <a:p>
+            <a:endParaRPr lang="de-DE"/>
+          </a:p>
+        </p:txBody>
+      </p:sp>
+      <p:sp>
+        <p:nvSpPr>
+          <p:cNvPr id="4" name="Foliennummernplatzhalter 3"/>
+          <p:cNvSpPr>
+            <a:spLocks noGrp="1"/>
+          </p:cNvSpPr>
+          <p:nvPr>
+            <p:ph type="sldNum" sz="quarter" idx="10"/>
+          </p:nvPr>
+        </p:nvSpPr>
+        <p:spPr/>
+        <p:txBody>
+          <a:bodyPr/>
+          <a:lstStyle/>
+          <a:p>
+            <a:fld id="{06C6CB9D-82A2-4859-B5B4-E36855208F85}" type="slidenum">
+              <a:rPr lang="de-DE" smtClean="0"/>
+              <a:t>1</a:t>
+            </a:fld>
+            <a:endParaRPr lang="de-DE"/>
+          </a:p>
+        </p:txBody>
+      </p:sp>
+    </p:spTree>
+    <p:extLst>
+      <p:ext uri="{BB962C8B-B14F-4D97-AF65-F5344CB8AC3E}">
+        <p14:creationId xmlns:p14="http://schemas.microsoft.com/office/powerpoint/2010/main" val="2106640667"/>
+      </p:ext>
+    </p:extLst>
+  </p:cSld>
+  <p:clrMapOvr>
+    <a:masterClrMapping/>
+  </p:clrMapOvr>
+</p:notes>
+</file>
+
+<file path=ppt/notesSlides/notesSlide10.xml><?xml version="1.0" encoding="utf-8"?>
+<p:notes xmlns:a="http://schemas.openxmlformats.org/drawingml/2006/main" xmlns:r="http://schemas.openxmlformats.org/officeDocument/2006/relationships" xmlns:p="http://schemas.openxmlformats.org/presentationml/2006/main">
+  <p:cSld>
+    <p:spTree>
+      <p:nvGrpSpPr>
+        <p:cNvPr id="1" name=""/>
+        <p:cNvGrpSpPr/>
+        <p:nvPr/>
+      </p:nvGrpSpPr>
+      <p:grpSpPr>
+        <a:xfrm>
+          <a:off x="0" y="0"/>
+          <a:ext cx="0" cy="0"/>
+          <a:chOff x="0" y="0"/>
+          <a:chExt cx="0" cy="0"/>
+        </a:xfrm>
+      </p:grpSpPr>
+      <p:sp>
+        <p:nvSpPr>
+          <p:cNvPr id="2" name="Folienbildplatzhalter 1"/>
+          <p:cNvSpPr>
+            <a:spLocks noGrp="1" noRot="1" noChangeAspect="1"/>
+          </p:cNvSpPr>
+          <p:nvPr>
+            <p:ph type="sldImg"/>
+          </p:nvPr>
+        </p:nvSpPr>
+        <p:spPr/>
+      </p:sp>
+      <p:sp>
+        <p:nvSpPr>
+          <p:cNvPr id="3" name="Notizenplatzhalter 2"/>
+          <p:cNvSpPr>
+            <a:spLocks noGrp="1"/>
+          </p:cNvSpPr>
+          <p:nvPr>
+            <p:ph type="body" idx="1"/>
+          </p:nvPr>
+        </p:nvSpPr>
+        <p:spPr/>
+        <p:txBody>
+          <a:bodyPr/>
+          <a:lstStyle/>
+          <a:p>
+            <a:endParaRPr lang="de-DE"/>
+          </a:p>
+        </p:txBody>
+      </p:sp>
+      <p:sp>
+        <p:nvSpPr>
+          <p:cNvPr id="4" name="Foliennummernplatzhalter 3"/>
+          <p:cNvSpPr>
+            <a:spLocks noGrp="1"/>
+          </p:cNvSpPr>
+          <p:nvPr>
+            <p:ph type="sldNum" sz="quarter" idx="10"/>
+          </p:nvPr>
+        </p:nvSpPr>
+        <p:spPr/>
+        <p:txBody>
+          <a:bodyPr/>
+          <a:lstStyle/>
+          <a:p>
+            <a:fld id="{06C6CB9D-82A2-4859-B5B4-E36855208F85}" type="slidenum">
+              <a:rPr lang="de-DE" smtClean="0"/>
+              <a:t>10</a:t>
+            </a:fld>
+            <a:endParaRPr lang="de-DE"/>
+          </a:p>
+        </p:txBody>
+      </p:sp>
+    </p:spTree>
+    <p:extLst>
+      <p:ext uri="{BB962C8B-B14F-4D97-AF65-F5344CB8AC3E}">
+        <p14:creationId xmlns:p14="http://schemas.microsoft.com/office/powerpoint/2010/main" val="2620409407"/>
+      </p:ext>
+    </p:extLst>
+  </p:cSld>
+  <p:clrMapOvr>
+    <a:masterClrMapping/>
+  </p:clrMapOvr>
+</p:notes>
+</file>
+
+<file path=ppt/notesSlides/notesSlide11.xml><?xml version="1.0" encoding="utf-8"?>
+<p:notes xmlns:a="http://schemas.openxmlformats.org/drawingml/2006/main" xmlns:r="http://schemas.openxmlformats.org/officeDocument/2006/relationships" xmlns:p="http://schemas.openxmlformats.org/presentationml/2006/main">
+  <p:cSld>
+    <p:spTree>
+      <p:nvGrpSpPr>
+        <p:cNvPr id="1" name=""/>
+        <p:cNvGrpSpPr/>
+        <p:nvPr/>
+      </p:nvGrpSpPr>
+      <p:grpSpPr>
+        <a:xfrm>
+          <a:off x="0" y="0"/>
+          <a:ext cx="0" cy="0"/>
+          <a:chOff x="0" y="0"/>
+          <a:chExt cx="0" cy="0"/>
+        </a:xfrm>
+      </p:grpSpPr>
+      <p:sp>
+        <p:nvSpPr>
+          <p:cNvPr id="2" name="Folienbildplatzhalter 1"/>
+          <p:cNvSpPr>
+            <a:spLocks noGrp="1" noRot="1" noChangeAspect="1"/>
+          </p:cNvSpPr>
+          <p:nvPr>
+            <p:ph type="sldImg"/>
+          </p:nvPr>
+        </p:nvSpPr>
+        <p:spPr/>
+      </p:sp>
+      <p:sp>
+        <p:nvSpPr>
+          <p:cNvPr id="3" name="Notizenplatzhalter 2"/>
+          <p:cNvSpPr>
+            <a:spLocks noGrp="1"/>
+          </p:cNvSpPr>
+          <p:nvPr>
+            <p:ph type="body" idx="1"/>
+          </p:nvPr>
+        </p:nvSpPr>
+        <p:spPr/>
+        <p:txBody>
+          <a:bodyPr/>
+          <a:lstStyle/>
+          <a:p>
+            <a:endParaRPr lang="de-DE"/>
+          </a:p>
+        </p:txBody>
+      </p:sp>
+      <p:sp>
+        <p:nvSpPr>
+          <p:cNvPr id="4" name="Foliennummernplatzhalter 3"/>
+          <p:cNvSpPr>
+            <a:spLocks noGrp="1"/>
+          </p:cNvSpPr>
+          <p:nvPr>
+            <p:ph type="sldNum" sz="quarter" idx="10"/>
+          </p:nvPr>
+        </p:nvSpPr>
+        <p:spPr/>
+        <p:txBody>
+          <a:bodyPr/>
+          <a:lstStyle/>
+          <a:p>
+            <a:fld id="{06C6CB9D-82A2-4859-B5B4-E36855208F85}" type="slidenum">
+              <a:rPr lang="de-DE" smtClean="0"/>
+              <a:t>11</a:t>
+            </a:fld>
+            <a:endParaRPr lang="de-DE"/>
+          </a:p>
+        </p:txBody>
+      </p:sp>
+    </p:spTree>
+    <p:extLst>
+      <p:ext uri="{BB962C8B-B14F-4D97-AF65-F5344CB8AC3E}">
+        <p14:creationId xmlns:p14="http://schemas.microsoft.com/office/powerpoint/2010/main" val="3859511914"/>
+      </p:ext>
+    </p:extLst>
+  </p:cSld>
+  <p:clrMapOvr>
+    <a:masterClrMapping/>
+  </p:clrMapOvr>
+</p:notes>
+</file>
+
+<file path=ppt/notesSlides/notesSlide12.xml><?xml version="1.0" encoding="utf-8"?>
+<p:notes xmlns:a="http://schemas.openxmlformats.org/drawingml/2006/main" xmlns:r="http://schemas.openxmlformats.org/officeDocument/2006/relationships" xmlns:p="http://schemas.openxmlformats.org/presentationml/2006/main">
+  <p:cSld>
+    <p:spTree>
+      <p:nvGrpSpPr>
+        <p:cNvPr id="1" name=""/>
+        <p:cNvGrpSpPr/>
+        <p:nvPr/>
+      </p:nvGrpSpPr>
+      <p:grpSpPr>
+        <a:xfrm>
+          <a:off x="0" y="0"/>
+          <a:ext cx="0" cy="0"/>
+          <a:chOff x="0" y="0"/>
+          <a:chExt cx="0" cy="0"/>
+        </a:xfrm>
+      </p:grpSpPr>
+      <p:sp>
+        <p:nvSpPr>
+          <p:cNvPr id="2" name="Folienbildplatzhalter 1"/>
+          <p:cNvSpPr>
+            <a:spLocks noGrp="1" noRot="1" noChangeAspect="1"/>
+          </p:cNvSpPr>
+          <p:nvPr>
+            <p:ph type="sldImg"/>
+          </p:nvPr>
+        </p:nvSpPr>
+        <p:spPr/>
+      </p:sp>
+      <p:sp>
+        <p:nvSpPr>
+          <p:cNvPr id="3" name="Notizenplatzhalter 2"/>
+          <p:cNvSpPr>
+            <a:spLocks noGrp="1"/>
+          </p:cNvSpPr>
+          <p:nvPr>
+            <p:ph type="body" idx="1"/>
+          </p:nvPr>
+        </p:nvSpPr>
+        <p:spPr/>
+        <p:txBody>
+          <a:bodyPr/>
+          <a:lstStyle/>
+          <a:p>
+            <a:endParaRPr lang="de-DE"/>
+          </a:p>
+        </p:txBody>
+      </p:sp>
+      <p:sp>
+        <p:nvSpPr>
+          <p:cNvPr id="4" name="Foliennummernplatzhalter 3"/>
+          <p:cNvSpPr>
+            <a:spLocks noGrp="1"/>
+          </p:cNvSpPr>
+          <p:nvPr>
+            <p:ph type="sldNum" sz="quarter" idx="10"/>
+          </p:nvPr>
+        </p:nvSpPr>
+        <p:spPr/>
+        <p:txBody>
+          <a:bodyPr/>
+          <a:lstStyle/>
+          <a:p>
+            <a:fld id="{06C6CB9D-82A2-4859-B5B4-E36855208F85}" type="slidenum">
+              <a:rPr lang="de-DE" smtClean="0"/>
+              <a:t>12</a:t>
+            </a:fld>
+            <a:endParaRPr lang="de-DE"/>
+          </a:p>
+        </p:txBody>
+      </p:sp>
+    </p:spTree>
+    <p:extLst>
+      <p:ext uri="{BB962C8B-B14F-4D97-AF65-F5344CB8AC3E}">
+        <p14:creationId xmlns:p14="http://schemas.microsoft.com/office/powerpoint/2010/main" val="2270207325"/>
+      </p:ext>
+    </p:extLst>
+  </p:cSld>
+  <p:clrMapOvr>
+    <a:masterClrMapping/>
+  </p:clrMapOvr>
+</p:notes>
+</file>
+
+<file path=ppt/notesSlides/notesSlide13.xml><?xml version="1.0" encoding="utf-8"?>
+<p:notes xmlns:a="http://schemas.openxmlformats.org/drawingml/2006/main" xmlns:r="http://schemas.openxmlformats.org/officeDocument/2006/relationships" xmlns:p="http://schemas.openxmlformats.org/presentationml/2006/main">
+  <p:cSld>
+    <p:spTree>
+      <p:nvGrpSpPr>
+        <p:cNvPr id="1" name=""/>
+        <p:cNvGrpSpPr/>
+        <p:nvPr/>
+      </p:nvGrpSpPr>
+      <p:grpSpPr>
+        <a:xfrm>
+          <a:off x="0" y="0"/>
+          <a:ext cx="0" cy="0"/>
+          <a:chOff x="0" y="0"/>
+          <a:chExt cx="0" cy="0"/>
+        </a:xfrm>
+      </p:grpSpPr>
+      <p:sp>
+        <p:nvSpPr>
+          <p:cNvPr id="2" name="Folienbildplatzhalter 1"/>
+          <p:cNvSpPr>
+            <a:spLocks noGrp="1" noRot="1" noChangeAspect="1"/>
+          </p:cNvSpPr>
+          <p:nvPr>
+            <p:ph type="sldImg"/>
+          </p:nvPr>
+        </p:nvSpPr>
+        <p:spPr/>
+      </p:sp>
+      <p:sp>
+        <p:nvSpPr>
+          <p:cNvPr id="3" name="Notizenplatzhalter 2"/>
+          <p:cNvSpPr>
+            <a:spLocks noGrp="1"/>
+          </p:cNvSpPr>
+          <p:nvPr>
+            <p:ph type="body" idx="1"/>
+          </p:nvPr>
+        </p:nvSpPr>
+        <p:spPr/>
+        <p:txBody>
+          <a:bodyPr/>
+          <a:lstStyle/>
+          <a:p>
+            <a:endParaRPr lang="de-DE"/>
+          </a:p>
+        </p:txBody>
+      </p:sp>
+      <p:sp>
+        <p:nvSpPr>
+          <p:cNvPr id="4" name="Foliennummernplatzhalter 3"/>
+          <p:cNvSpPr>
+            <a:spLocks noGrp="1"/>
+          </p:cNvSpPr>
+          <p:nvPr>
+            <p:ph type="sldNum" sz="quarter" idx="10"/>
+          </p:nvPr>
+        </p:nvSpPr>
+        <p:spPr/>
+        <p:txBody>
+          <a:bodyPr/>
+          <a:lstStyle/>
+          <a:p>
+            <a:fld id="{06C6CB9D-82A2-4859-B5B4-E36855208F85}" type="slidenum">
+              <a:rPr lang="de-DE" smtClean="0"/>
+              <a:t>13</a:t>
+            </a:fld>
+            <a:endParaRPr lang="de-DE"/>
+          </a:p>
+        </p:txBody>
+      </p:sp>
+    </p:spTree>
+    <p:extLst>
+      <p:ext uri="{BB962C8B-B14F-4D97-AF65-F5344CB8AC3E}">
+        <p14:creationId xmlns:p14="http://schemas.microsoft.com/office/powerpoint/2010/main" val="2579291204"/>
+      </p:ext>
+    </p:extLst>
+  </p:cSld>
+  <p:clrMapOvr>
+    <a:masterClrMapping/>
+  </p:clrMapOvr>
+</p:notes>
+</file>
+
+<file path=ppt/notesSlides/notesSlide14.xml><?xml version="1.0" encoding="utf-8"?>
+<p:notes xmlns:a="http://schemas.openxmlformats.org/drawingml/2006/main" xmlns:r="http://schemas.openxmlformats.org/officeDocument/2006/relationships" xmlns:p="http://schemas.openxmlformats.org/presentationml/2006/main">
+  <p:cSld>
+    <p:spTree>
+      <p:nvGrpSpPr>
+        <p:cNvPr id="1" name=""/>
+        <p:cNvGrpSpPr/>
+        <p:nvPr/>
+      </p:nvGrpSpPr>
+      <p:grpSpPr>
+        <a:xfrm>
+          <a:off x="0" y="0"/>
+          <a:ext cx="0" cy="0"/>
+          <a:chOff x="0" y="0"/>
+          <a:chExt cx="0" cy="0"/>
+        </a:xfrm>
+      </p:grpSpPr>
+      <p:sp>
+        <p:nvSpPr>
+          <p:cNvPr id="2" name="Folienbildplatzhalter 1"/>
+          <p:cNvSpPr>
+            <a:spLocks noGrp="1" noRot="1" noChangeAspect="1"/>
+          </p:cNvSpPr>
+          <p:nvPr>
+            <p:ph type="sldImg"/>
+          </p:nvPr>
+        </p:nvSpPr>
+        <p:spPr/>
+      </p:sp>
+      <p:sp>
+        <p:nvSpPr>
+          <p:cNvPr id="3" name="Notizenplatzhalter 2"/>
+          <p:cNvSpPr>
+            <a:spLocks noGrp="1"/>
+          </p:cNvSpPr>
+          <p:nvPr>
+            <p:ph type="body" idx="1"/>
+          </p:nvPr>
+        </p:nvSpPr>
+        <p:spPr/>
+        <p:txBody>
+          <a:bodyPr/>
+          <a:lstStyle/>
+          <a:p>
+            <a:endParaRPr lang="de-DE"/>
+          </a:p>
+        </p:txBody>
+      </p:sp>
+      <p:sp>
+        <p:nvSpPr>
+          <p:cNvPr id="4" name="Foliennummernplatzhalter 3"/>
+          <p:cNvSpPr>
+            <a:spLocks noGrp="1"/>
+          </p:cNvSpPr>
+          <p:nvPr>
+            <p:ph type="sldNum" sz="quarter" idx="10"/>
+          </p:nvPr>
+        </p:nvSpPr>
+        <p:spPr/>
+        <p:txBody>
+          <a:bodyPr/>
+          <a:lstStyle/>
+          <a:p>
+            <a:fld id="{06C6CB9D-82A2-4859-B5B4-E36855208F85}" type="slidenum">
+              <a:rPr lang="de-DE" smtClean="0"/>
+              <a:t>14</a:t>
+            </a:fld>
+            <a:endParaRPr lang="de-DE"/>
+          </a:p>
+        </p:txBody>
+      </p:sp>
+    </p:spTree>
+    <p:extLst>
+      <p:ext uri="{BB962C8B-B14F-4D97-AF65-F5344CB8AC3E}">
+        <p14:creationId xmlns:p14="http://schemas.microsoft.com/office/powerpoint/2010/main" val="2426972848"/>
+      </p:ext>
+    </p:extLst>
+  </p:cSld>
+  <p:clrMapOvr>
+    <a:masterClrMapping/>
+  </p:clrMapOvr>
+</p:notes>
+</file>
+
+<file path=ppt/notesSlides/notesSlide15.xml><?xml version="1.0" encoding="utf-8"?>
+<p:notes xmlns:a="http://schemas.openxmlformats.org/drawingml/2006/main" xmlns:r="http://schemas.openxmlformats.org/officeDocument/2006/relationships" xmlns:p="http://schemas.openxmlformats.org/presentationml/2006/main">
+  <p:cSld>
+    <p:spTree>
+      <p:nvGrpSpPr>
+        <p:cNvPr id="1" name=""/>
+        <p:cNvGrpSpPr/>
+        <p:nvPr/>
+      </p:nvGrpSpPr>
+      <p:grpSpPr>
+        <a:xfrm>
+          <a:off x="0" y="0"/>
+          <a:ext cx="0" cy="0"/>
+          <a:chOff x="0" y="0"/>
+          <a:chExt cx="0" cy="0"/>
+        </a:xfrm>
+      </p:grpSpPr>
+      <p:sp>
+        <p:nvSpPr>
+          <p:cNvPr id="2" name="Folienbildplatzhalter 1"/>
+          <p:cNvSpPr>
+            <a:spLocks noGrp="1" noRot="1" noChangeAspect="1"/>
+          </p:cNvSpPr>
+          <p:nvPr>
+            <p:ph type="sldImg"/>
+          </p:nvPr>
+        </p:nvSpPr>
+        <p:spPr/>
+      </p:sp>
+      <p:sp>
+        <p:nvSpPr>
+          <p:cNvPr id="3" name="Notizenplatzhalter 2"/>
+          <p:cNvSpPr>
+            <a:spLocks noGrp="1"/>
+          </p:cNvSpPr>
+          <p:nvPr>
+            <p:ph type="body" idx="1"/>
+          </p:nvPr>
+        </p:nvSpPr>
+        <p:spPr/>
+        <p:txBody>
+          <a:bodyPr/>
+          <a:lstStyle/>
+          <a:p>
+            <a:endParaRPr lang="de-DE"/>
+          </a:p>
+        </p:txBody>
+      </p:sp>
+      <p:sp>
+        <p:nvSpPr>
+          <p:cNvPr id="4" name="Foliennummernplatzhalter 3"/>
+          <p:cNvSpPr>
+            <a:spLocks noGrp="1"/>
+          </p:cNvSpPr>
+          <p:nvPr>
+            <p:ph type="sldNum" sz="quarter" idx="10"/>
+          </p:nvPr>
+        </p:nvSpPr>
+        <p:spPr/>
+        <p:txBody>
+          <a:bodyPr/>
+          <a:lstStyle/>
+          <a:p>
+            <a:fld id="{06C6CB9D-82A2-4859-B5B4-E36855208F85}" type="slidenum">
+              <a:rPr lang="de-DE" smtClean="0"/>
+              <a:t>15</a:t>
+            </a:fld>
+            <a:endParaRPr lang="de-DE"/>
+          </a:p>
+        </p:txBody>
+      </p:sp>
+    </p:spTree>
+    <p:extLst>
+      <p:ext uri="{BB962C8B-B14F-4D97-AF65-F5344CB8AC3E}">
+        <p14:creationId xmlns:p14="http://schemas.microsoft.com/office/powerpoint/2010/main" val="685163341"/>
+      </p:ext>
+    </p:extLst>
+  </p:cSld>
+  <p:clrMapOvr>
+    <a:masterClrMapping/>
+  </p:clrMapOvr>
+</p:notes>
+</file>
+
+<file path=ppt/notesSlides/notesSlide16.xml><?xml version="1.0" encoding="utf-8"?>
+<p:notes xmlns:a="http://schemas.openxmlformats.org/drawingml/2006/main" xmlns:r="http://schemas.openxmlformats.org/officeDocument/2006/relationships" xmlns:p="http://schemas.openxmlformats.org/presentationml/2006/main">
+  <p:cSld>
+    <p:spTree>
+      <p:nvGrpSpPr>
+        <p:cNvPr id="1" name=""/>
+        <p:cNvGrpSpPr/>
+        <p:nvPr/>
+      </p:nvGrpSpPr>
+      <p:grpSpPr>
+        <a:xfrm>
+          <a:off x="0" y="0"/>
+          <a:ext cx="0" cy="0"/>
+          <a:chOff x="0" y="0"/>
+          <a:chExt cx="0" cy="0"/>
+        </a:xfrm>
+      </p:grpSpPr>
+      <p:sp>
+        <p:nvSpPr>
+          <p:cNvPr id="2" name="Folienbildplatzhalter 1"/>
+          <p:cNvSpPr>
+            <a:spLocks noGrp="1" noRot="1" noChangeAspect="1"/>
+          </p:cNvSpPr>
+          <p:nvPr>
+            <p:ph type="sldImg"/>
+          </p:nvPr>
+        </p:nvSpPr>
+        <p:spPr/>
+      </p:sp>
+      <p:sp>
+        <p:nvSpPr>
+          <p:cNvPr id="3" name="Notizenplatzhalter 2"/>
+          <p:cNvSpPr>
+            <a:spLocks noGrp="1"/>
+          </p:cNvSpPr>
+          <p:nvPr>
+            <p:ph type="body" idx="1"/>
+          </p:nvPr>
+        </p:nvSpPr>
+        <p:spPr/>
+        <p:txBody>
+          <a:bodyPr/>
+          <a:lstStyle/>
+          <a:p>
+            <a:endParaRPr lang="de-DE"/>
+          </a:p>
+        </p:txBody>
+      </p:sp>
+      <p:sp>
+        <p:nvSpPr>
+          <p:cNvPr id="4" name="Foliennummernplatzhalter 3"/>
+          <p:cNvSpPr>
+            <a:spLocks noGrp="1"/>
+          </p:cNvSpPr>
+          <p:nvPr>
+            <p:ph type="sldNum" sz="quarter" idx="10"/>
+          </p:nvPr>
+        </p:nvSpPr>
+        <p:spPr/>
+        <p:txBody>
+          <a:bodyPr/>
+          <a:lstStyle/>
+          <a:p>
+            <a:fld id="{06C6CB9D-82A2-4859-B5B4-E36855208F85}" type="slidenum">
+              <a:rPr lang="de-DE" smtClean="0"/>
+              <a:t>16</a:t>
+            </a:fld>
+            <a:endParaRPr lang="de-DE"/>
+          </a:p>
+        </p:txBody>
+      </p:sp>
+    </p:spTree>
+    <p:extLst>
+      <p:ext uri="{BB962C8B-B14F-4D97-AF65-F5344CB8AC3E}">
+        <p14:creationId xmlns:p14="http://schemas.microsoft.com/office/powerpoint/2010/main" val="4201436839"/>
+      </p:ext>
+    </p:extLst>
+  </p:cSld>
+  <p:clrMapOvr>
+    <a:masterClrMapping/>
+  </p:clrMapOvr>
+</p:notes>
+</file>
+
+<file path=ppt/notesSlides/notesSlide17.xml><?xml version="1.0" encoding="utf-8"?>
+<p:notes xmlns:a="http://schemas.openxmlformats.org/drawingml/2006/main" xmlns:r="http://schemas.openxmlformats.org/officeDocument/2006/relationships" xmlns:p="http://schemas.openxmlformats.org/presentationml/2006/main">
+  <p:cSld>
+    <p:spTree>
+      <p:nvGrpSpPr>
+        <p:cNvPr id="1" name=""/>
+        <p:cNvGrpSpPr/>
+        <p:nvPr/>
+      </p:nvGrpSpPr>
+      <p:grpSpPr>
+        <a:xfrm>
+          <a:off x="0" y="0"/>
+          <a:ext cx="0" cy="0"/>
+          <a:chOff x="0" y="0"/>
+          <a:chExt cx="0" cy="0"/>
+        </a:xfrm>
+      </p:grpSpPr>
+      <p:sp>
+        <p:nvSpPr>
+          <p:cNvPr id="2" name="Folienbildplatzhalter 1"/>
+          <p:cNvSpPr>
+            <a:spLocks noGrp="1" noRot="1" noChangeAspect="1"/>
+          </p:cNvSpPr>
+          <p:nvPr>
+            <p:ph type="sldImg"/>
+          </p:nvPr>
+        </p:nvSpPr>
+        <p:spPr/>
+      </p:sp>
+      <p:sp>
+        <p:nvSpPr>
+          <p:cNvPr id="3" name="Notizenplatzhalter 2"/>
+          <p:cNvSpPr>
+            <a:spLocks noGrp="1"/>
+          </p:cNvSpPr>
+          <p:nvPr>
+            <p:ph type="body" idx="1"/>
+          </p:nvPr>
+        </p:nvSpPr>
+        <p:spPr/>
+        <p:txBody>
+          <a:bodyPr/>
+          <a:lstStyle/>
+          <a:p>
+            <a:endParaRPr lang="de-DE"/>
+          </a:p>
+        </p:txBody>
+      </p:sp>
+      <p:sp>
+        <p:nvSpPr>
+          <p:cNvPr id="4" name="Foliennummernplatzhalter 3"/>
+          <p:cNvSpPr>
+            <a:spLocks noGrp="1"/>
+          </p:cNvSpPr>
+          <p:nvPr>
+            <p:ph type="sldNum" sz="quarter" idx="10"/>
+          </p:nvPr>
+        </p:nvSpPr>
+        <p:spPr/>
+        <p:txBody>
+          <a:bodyPr/>
+          <a:lstStyle/>
+          <a:p>
+            <a:fld id="{06C6CB9D-82A2-4859-B5B4-E36855208F85}" type="slidenum">
+              <a:rPr lang="de-DE" smtClean="0"/>
+              <a:t>17</a:t>
+            </a:fld>
+            <a:endParaRPr lang="de-DE"/>
+          </a:p>
+        </p:txBody>
+      </p:sp>
+    </p:spTree>
+    <p:extLst>
+      <p:ext uri="{BB962C8B-B14F-4D97-AF65-F5344CB8AC3E}">
+        <p14:creationId xmlns:p14="http://schemas.microsoft.com/office/powerpoint/2010/main" val="3782165424"/>
+      </p:ext>
+    </p:extLst>
+  </p:cSld>
+  <p:clrMapOvr>
+    <a:masterClrMapping/>
+  </p:clrMapOvr>
+</p:notes>
+</file>
+
+<file path=ppt/notesSlides/notesSlide18.xml><?xml version="1.0" encoding="utf-8"?>
+<p:notes xmlns:a="http://schemas.openxmlformats.org/drawingml/2006/main" xmlns:r="http://schemas.openxmlformats.org/officeDocument/2006/relationships" xmlns:p="http://schemas.openxmlformats.org/presentationml/2006/main">
+  <p:cSld>
+    <p:spTree>
+      <p:nvGrpSpPr>
+        <p:cNvPr id="1" name=""/>
+        <p:cNvGrpSpPr/>
+        <p:nvPr/>
+      </p:nvGrpSpPr>
+      <p:grpSpPr>
+        <a:xfrm>
+          <a:off x="0" y="0"/>
+          <a:ext cx="0" cy="0"/>
+          <a:chOff x="0" y="0"/>
+          <a:chExt cx="0" cy="0"/>
+        </a:xfrm>
+      </p:grpSpPr>
+      <p:sp>
+        <p:nvSpPr>
+          <p:cNvPr id="2" name="Folienbildplatzhalter 1"/>
+          <p:cNvSpPr>
+            <a:spLocks noGrp="1" noRot="1" noChangeAspect="1"/>
+          </p:cNvSpPr>
+          <p:nvPr>
+            <p:ph type="sldImg"/>
+          </p:nvPr>
+        </p:nvSpPr>
+        <p:spPr/>
+      </p:sp>
+      <p:sp>
+        <p:nvSpPr>
+          <p:cNvPr id="3" name="Notizenplatzhalter 2"/>
+          <p:cNvSpPr>
+            <a:spLocks noGrp="1"/>
+          </p:cNvSpPr>
+          <p:nvPr>
+            <p:ph type="body" idx="1"/>
+          </p:nvPr>
+        </p:nvSpPr>
+        <p:spPr/>
+        <p:txBody>
+          <a:bodyPr/>
+          <a:lstStyle/>
+          <a:p>
+            <a:endParaRPr lang="de-DE"/>
+          </a:p>
+        </p:txBody>
+      </p:sp>
+      <p:sp>
+        <p:nvSpPr>
+          <p:cNvPr id="4" name="Foliennummernplatzhalter 3"/>
+          <p:cNvSpPr>
+            <a:spLocks noGrp="1"/>
+          </p:cNvSpPr>
+          <p:nvPr>
+            <p:ph type="sldNum" sz="quarter" idx="10"/>
+          </p:nvPr>
+        </p:nvSpPr>
+        <p:spPr/>
+        <p:txBody>
+          <a:bodyPr/>
+          <a:lstStyle/>
+          <a:p>
+            <a:fld id="{06C6CB9D-82A2-4859-B5B4-E36855208F85}" type="slidenum">
+              <a:rPr lang="de-DE" smtClean="0"/>
+              <a:t>18</a:t>
+            </a:fld>
+            <a:endParaRPr lang="de-DE"/>
+          </a:p>
+        </p:txBody>
+      </p:sp>
+    </p:spTree>
+    <p:extLst>
+      <p:ext uri="{BB962C8B-B14F-4D97-AF65-F5344CB8AC3E}">
+        <p14:creationId xmlns:p14="http://schemas.microsoft.com/office/powerpoint/2010/main" val="1870638257"/>
+      </p:ext>
+    </p:extLst>
+  </p:cSld>
+  <p:clrMapOvr>
+    <a:masterClrMapping/>
+  </p:clrMapOvr>
+</p:notes>
+</file>
+
+<file path=ppt/notesSlides/notesSlide19.xml><?xml version="1.0" encoding="utf-8"?>
+<p:notes xmlns:a="http://schemas.openxmlformats.org/drawingml/2006/main" xmlns:r="http://schemas.openxmlformats.org/officeDocument/2006/relationships" xmlns:p="http://schemas.openxmlformats.org/presentationml/2006/main">
+  <p:cSld>
+    <p:spTree>
+      <p:nvGrpSpPr>
+        <p:cNvPr id="1" name=""/>
+        <p:cNvGrpSpPr/>
+        <p:nvPr/>
+      </p:nvGrpSpPr>
+      <p:grpSpPr>
+        <a:xfrm>
+          <a:off x="0" y="0"/>
+          <a:ext cx="0" cy="0"/>
+          <a:chOff x="0" y="0"/>
+          <a:chExt cx="0" cy="0"/>
+        </a:xfrm>
+      </p:grpSpPr>
+      <p:sp>
+        <p:nvSpPr>
+          <p:cNvPr id="2" name="Folienbildplatzhalter 1"/>
+          <p:cNvSpPr>
+            <a:spLocks noGrp="1" noRot="1" noChangeAspect="1"/>
+          </p:cNvSpPr>
+          <p:nvPr>
+            <p:ph type="sldImg"/>
+          </p:nvPr>
+        </p:nvSpPr>
+        <p:spPr/>
+      </p:sp>
+      <p:sp>
+        <p:nvSpPr>
+          <p:cNvPr id="3" name="Notizenplatzhalter 2"/>
+          <p:cNvSpPr>
+            <a:spLocks noGrp="1"/>
+          </p:cNvSpPr>
+          <p:nvPr>
+            <p:ph type="body" idx="1"/>
+          </p:nvPr>
+        </p:nvSpPr>
+        <p:spPr/>
+        <p:txBody>
+          <a:bodyPr/>
+          <a:lstStyle/>
+          <a:p>
+            <a:endParaRPr lang="de-DE"/>
+          </a:p>
+        </p:txBody>
+      </p:sp>
+      <p:sp>
+        <p:nvSpPr>
+          <p:cNvPr id="4" name="Foliennummernplatzhalter 3"/>
+          <p:cNvSpPr>
+            <a:spLocks noGrp="1"/>
+          </p:cNvSpPr>
+          <p:nvPr>
+            <p:ph type="sldNum" sz="quarter" idx="10"/>
+          </p:nvPr>
+        </p:nvSpPr>
+        <p:spPr/>
+        <p:txBody>
+          <a:bodyPr/>
+          <a:lstStyle/>
+          <a:p>
+            <a:fld id="{06C6CB9D-82A2-4859-B5B4-E36855208F85}" type="slidenum">
+              <a:rPr lang="de-DE" smtClean="0"/>
+              <a:t>19</a:t>
+            </a:fld>
+            <a:endParaRPr lang="de-DE"/>
+          </a:p>
+        </p:txBody>
+      </p:sp>
+    </p:spTree>
+    <p:extLst>
+      <p:ext uri="{BB962C8B-B14F-4D97-AF65-F5344CB8AC3E}">
+        <p14:creationId xmlns:p14="http://schemas.microsoft.com/office/powerpoint/2010/main" val="834191800"/>
+      </p:ext>
+    </p:extLst>
+  </p:cSld>
+  <p:clrMapOvr>
+    <a:masterClrMapping/>
+  </p:clrMapOvr>
+</p:notes>
+</file>
+
+<file path=ppt/notesSlides/notesSlide2.xml><?xml version="1.0" encoding="utf-8"?>
+<p:notes xmlns:a="http://schemas.openxmlformats.org/drawingml/2006/main" xmlns:r="http://schemas.openxmlformats.org/officeDocument/2006/relationships" xmlns:p="http://schemas.openxmlformats.org/presentationml/2006/main">
+  <p:cSld>
+    <p:spTree>
+      <p:nvGrpSpPr>
+        <p:cNvPr id="1" name=""/>
+        <p:cNvGrpSpPr/>
+        <p:nvPr/>
+      </p:nvGrpSpPr>
+      <p:grpSpPr>
+        <a:xfrm>
+          <a:off x="0" y="0"/>
+          <a:ext cx="0" cy="0"/>
+          <a:chOff x="0" y="0"/>
+          <a:chExt cx="0" cy="0"/>
+        </a:xfrm>
+      </p:grpSpPr>
+      <p:sp>
+        <p:nvSpPr>
+          <p:cNvPr id="2" name="Folienbildplatzhalter 1"/>
+          <p:cNvSpPr>
+            <a:spLocks noGrp="1" noRot="1" noChangeAspect="1"/>
+          </p:cNvSpPr>
+          <p:nvPr>
+            <p:ph type="sldImg"/>
+          </p:nvPr>
+        </p:nvSpPr>
+        <p:spPr/>
+      </p:sp>
+      <p:sp>
+        <p:nvSpPr>
+          <p:cNvPr id="3" name="Notizenplatzhalter 2"/>
+          <p:cNvSpPr>
+            <a:spLocks noGrp="1"/>
+          </p:cNvSpPr>
+          <p:nvPr>
+            <p:ph type="body" idx="1"/>
+          </p:nvPr>
+        </p:nvSpPr>
+        <p:spPr/>
+        <p:txBody>
+          <a:bodyPr/>
+          <a:lstStyle/>
+          <a:p>
+            <a:endParaRPr lang="de-DE"/>
+          </a:p>
+        </p:txBody>
+      </p:sp>
+      <p:sp>
+        <p:nvSpPr>
+          <p:cNvPr id="4" name="Foliennummernplatzhalter 3"/>
+          <p:cNvSpPr>
+            <a:spLocks noGrp="1"/>
+          </p:cNvSpPr>
+          <p:nvPr>
+            <p:ph type="sldNum" sz="quarter" idx="10"/>
+          </p:nvPr>
+        </p:nvSpPr>
+        <p:spPr/>
+        <p:txBody>
+          <a:bodyPr/>
+          <a:lstStyle/>
+          <a:p>
+            <a:fld id="{06C6CB9D-82A2-4859-B5B4-E36855208F85}" type="slidenum">
+              <a:rPr lang="de-DE" smtClean="0"/>
+              <a:t>2</a:t>
+            </a:fld>
+            <a:endParaRPr lang="de-DE"/>
+          </a:p>
+        </p:txBody>
+      </p:sp>
+    </p:spTree>
+    <p:extLst>
+      <p:ext uri="{BB962C8B-B14F-4D97-AF65-F5344CB8AC3E}">
+        <p14:creationId xmlns:p14="http://schemas.microsoft.com/office/powerpoint/2010/main" val="3753338365"/>
+      </p:ext>
+    </p:extLst>
+  </p:cSld>
+  <p:clrMapOvr>
+    <a:masterClrMapping/>
+  </p:clrMapOvr>
+</p:notes>
+</file>
+
+<file path=ppt/notesSlides/notesSlide20.xml><?xml version="1.0" encoding="utf-8"?>
+<p:notes xmlns:a="http://schemas.openxmlformats.org/drawingml/2006/main" xmlns:r="http://schemas.openxmlformats.org/officeDocument/2006/relationships" xmlns:p="http://schemas.openxmlformats.org/presentationml/2006/main">
+  <p:cSld>
+    <p:spTree>
+      <p:nvGrpSpPr>
+        <p:cNvPr id="1" name=""/>
+        <p:cNvGrpSpPr/>
+        <p:nvPr/>
+      </p:nvGrpSpPr>
+      <p:grpSpPr>
+        <a:xfrm>
+          <a:off x="0" y="0"/>
+          <a:ext cx="0" cy="0"/>
+          <a:chOff x="0" y="0"/>
+          <a:chExt cx="0" cy="0"/>
+        </a:xfrm>
+      </p:grpSpPr>
+      <p:sp>
+        <p:nvSpPr>
+          <p:cNvPr id="2" name="Folienbildplatzhalter 1"/>
+          <p:cNvSpPr>
+            <a:spLocks noGrp="1" noRot="1" noChangeAspect="1"/>
+          </p:cNvSpPr>
+          <p:nvPr>
+            <p:ph type="sldImg"/>
+          </p:nvPr>
+        </p:nvSpPr>
+        <p:spPr/>
+      </p:sp>
+      <p:sp>
+        <p:nvSpPr>
+          <p:cNvPr id="3" name="Notizenplatzhalter 2"/>
+          <p:cNvSpPr>
+            <a:spLocks noGrp="1"/>
+          </p:cNvSpPr>
+          <p:nvPr>
+            <p:ph type="body" idx="1"/>
+          </p:nvPr>
+        </p:nvSpPr>
+        <p:spPr/>
+        <p:txBody>
+          <a:bodyPr/>
+          <a:lstStyle/>
+          <a:p>
+            <a:endParaRPr lang="de-DE"/>
+          </a:p>
+        </p:txBody>
+      </p:sp>
+      <p:sp>
+        <p:nvSpPr>
+          <p:cNvPr id="4" name="Foliennummernplatzhalter 3"/>
+          <p:cNvSpPr>
+            <a:spLocks noGrp="1"/>
+          </p:cNvSpPr>
+          <p:nvPr>
+            <p:ph type="sldNum" sz="quarter" idx="10"/>
+          </p:nvPr>
+        </p:nvSpPr>
+        <p:spPr/>
+        <p:txBody>
+          <a:bodyPr/>
+          <a:lstStyle/>
+          <a:p>
+            <a:fld id="{06C6CB9D-82A2-4859-B5B4-E36855208F85}" type="slidenum">
+              <a:rPr lang="de-DE" smtClean="0"/>
+              <a:t>20</a:t>
+            </a:fld>
+            <a:endParaRPr lang="de-DE"/>
+          </a:p>
+        </p:txBody>
+      </p:sp>
+    </p:spTree>
+    <p:extLst>
+      <p:ext uri="{BB962C8B-B14F-4D97-AF65-F5344CB8AC3E}">
+        <p14:creationId xmlns:p14="http://schemas.microsoft.com/office/powerpoint/2010/main" val="2406216419"/>
+      </p:ext>
+    </p:extLst>
+  </p:cSld>
+  <p:clrMapOvr>
+    <a:masterClrMapping/>
+  </p:clrMapOvr>
+</p:notes>
+</file>
+
+<file path=ppt/notesSlides/notesSlide21.xml><?xml version="1.0" encoding="utf-8"?>
+<p:notes xmlns:a="http://schemas.openxmlformats.org/drawingml/2006/main" xmlns:r="http://schemas.openxmlformats.org/officeDocument/2006/relationships" xmlns:p="http://schemas.openxmlformats.org/presentationml/2006/main">
+  <p:cSld>
+    <p:spTree>
+      <p:nvGrpSpPr>
+        <p:cNvPr id="1" name=""/>
+        <p:cNvGrpSpPr/>
+        <p:nvPr/>
+      </p:nvGrpSpPr>
+      <p:grpSpPr>
+        <a:xfrm>
+          <a:off x="0" y="0"/>
+          <a:ext cx="0" cy="0"/>
+          <a:chOff x="0" y="0"/>
+          <a:chExt cx="0" cy="0"/>
+        </a:xfrm>
+      </p:grpSpPr>
+      <p:sp>
+        <p:nvSpPr>
+          <p:cNvPr id="2" name="Folienbildplatzhalter 1"/>
+          <p:cNvSpPr>
+            <a:spLocks noGrp="1" noRot="1" noChangeAspect="1"/>
+          </p:cNvSpPr>
+          <p:nvPr>
+            <p:ph type="sldImg"/>
+          </p:nvPr>
+        </p:nvSpPr>
+        <p:spPr/>
+      </p:sp>
+      <p:sp>
+        <p:nvSpPr>
+          <p:cNvPr id="3" name="Notizenplatzhalter 2"/>
+          <p:cNvSpPr>
+            <a:spLocks noGrp="1"/>
+          </p:cNvSpPr>
+          <p:nvPr>
+            <p:ph type="body" idx="1"/>
+          </p:nvPr>
+        </p:nvSpPr>
+        <p:spPr/>
+        <p:txBody>
+          <a:bodyPr/>
+          <a:lstStyle/>
+          <a:p>
+            <a:endParaRPr lang="de-DE"/>
+          </a:p>
+        </p:txBody>
+      </p:sp>
+      <p:sp>
+        <p:nvSpPr>
+          <p:cNvPr id="4" name="Foliennummernplatzhalter 3"/>
+          <p:cNvSpPr>
+            <a:spLocks noGrp="1"/>
+          </p:cNvSpPr>
+          <p:nvPr>
+            <p:ph type="sldNum" sz="quarter" idx="10"/>
+          </p:nvPr>
+        </p:nvSpPr>
+        <p:spPr/>
+        <p:txBody>
+          <a:bodyPr/>
+          <a:lstStyle/>
+          <a:p>
+            <a:fld id="{06C6CB9D-82A2-4859-B5B4-E36855208F85}" type="slidenum">
+              <a:rPr lang="de-DE" smtClean="0"/>
+              <a:t>21</a:t>
+            </a:fld>
+            <a:endParaRPr lang="de-DE"/>
+          </a:p>
+        </p:txBody>
+      </p:sp>
+    </p:spTree>
+    <p:extLst>
+      <p:ext uri="{BB962C8B-B14F-4D97-AF65-F5344CB8AC3E}">
+        <p14:creationId xmlns:p14="http://schemas.microsoft.com/office/powerpoint/2010/main" val="1941957246"/>
+      </p:ext>
+    </p:extLst>
+  </p:cSld>
+  <p:clrMapOvr>
+    <a:masterClrMapping/>
+  </p:clrMapOvr>
+</p:notes>
+</file>
+
+<file path=ppt/notesSlides/notesSlide22.xml><?xml version="1.0" encoding="utf-8"?>
+<p:notes xmlns:a="http://schemas.openxmlformats.org/drawingml/2006/main" xmlns:r="http://schemas.openxmlformats.org/officeDocument/2006/relationships" xmlns:p="http://schemas.openxmlformats.org/presentationml/2006/main">
+  <p:cSld>
+    <p:spTree>
+      <p:nvGrpSpPr>
+        <p:cNvPr id="1" name=""/>
+        <p:cNvGrpSpPr/>
+        <p:nvPr/>
+      </p:nvGrpSpPr>
+      <p:grpSpPr>
+        <a:xfrm>
+          <a:off x="0" y="0"/>
+          <a:ext cx="0" cy="0"/>
+          <a:chOff x="0" y="0"/>
+          <a:chExt cx="0" cy="0"/>
+        </a:xfrm>
+      </p:grpSpPr>
+      <p:sp>
+        <p:nvSpPr>
+          <p:cNvPr id="2" name="Folienbildplatzhalter 1"/>
+          <p:cNvSpPr>
+            <a:spLocks noGrp="1" noRot="1" noChangeAspect="1"/>
+          </p:cNvSpPr>
+          <p:nvPr>
+            <p:ph type="sldImg"/>
+          </p:nvPr>
+        </p:nvSpPr>
+        <p:spPr/>
+      </p:sp>
+      <p:sp>
+        <p:nvSpPr>
+          <p:cNvPr id="3" name="Notizenplatzhalter 2"/>
+          <p:cNvSpPr>
+            <a:spLocks noGrp="1"/>
+          </p:cNvSpPr>
+          <p:nvPr>
+            <p:ph type="body" idx="1"/>
+          </p:nvPr>
+        </p:nvSpPr>
+        <p:spPr/>
+        <p:txBody>
+          <a:bodyPr/>
+          <a:lstStyle/>
+          <a:p>
+            <a:endParaRPr lang="de-DE"/>
+          </a:p>
+        </p:txBody>
+      </p:sp>
+      <p:sp>
+        <p:nvSpPr>
+          <p:cNvPr id="4" name="Foliennummernplatzhalter 3"/>
+          <p:cNvSpPr>
+            <a:spLocks noGrp="1"/>
+          </p:cNvSpPr>
+          <p:nvPr>
+            <p:ph type="sldNum" sz="quarter" idx="10"/>
+          </p:nvPr>
+        </p:nvSpPr>
+        <p:spPr/>
+        <p:txBody>
+          <a:bodyPr/>
+          <a:lstStyle/>
+          <a:p>
+            <a:fld id="{06C6CB9D-82A2-4859-B5B4-E36855208F85}" type="slidenum">
+              <a:rPr lang="de-DE" smtClean="0"/>
+              <a:t>22</a:t>
+            </a:fld>
+            <a:endParaRPr lang="de-DE"/>
+          </a:p>
+        </p:txBody>
+      </p:sp>
+    </p:spTree>
+    <p:extLst>
+      <p:ext uri="{BB962C8B-B14F-4D97-AF65-F5344CB8AC3E}">
+        <p14:creationId xmlns:p14="http://schemas.microsoft.com/office/powerpoint/2010/main" val="4124986754"/>
+      </p:ext>
+    </p:extLst>
+  </p:cSld>
+  <p:clrMapOvr>
+    <a:masterClrMapping/>
+  </p:clrMapOvr>
+</p:notes>
+</file>
+
+<file path=ppt/notesSlides/notesSlide23.xml><?xml version="1.0" encoding="utf-8"?>
+<p:notes xmlns:a="http://schemas.openxmlformats.org/drawingml/2006/main" xmlns:r="http://schemas.openxmlformats.org/officeDocument/2006/relationships" xmlns:p="http://schemas.openxmlformats.org/presentationml/2006/main">
+  <p:cSld>
+    <p:spTree>
+      <p:nvGrpSpPr>
+        <p:cNvPr id="1" name=""/>
+        <p:cNvGrpSpPr/>
+        <p:nvPr/>
+      </p:nvGrpSpPr>
+      <p:grpSpPr>
+        <a:xfrm>
+          <a:off x="0" y="0"/>
+          <a:ext cx="0" cy="0"/>
+          <a:chOff x="0" y="0"/>
+          <a:chExt cx="0" cy="0"/>
+        </a:xfrm>
+      </p:grpSpPr>
+      <p:sp>
+        <p:nvSpPr>
+          <p:cNvPr id="2" name="Folienbildplatzhalter 1"/>
+          <p:cNvSpPr>
+            <a:spLocks noGrp="1" noRot="1" noChangeAspect="1"/>
+          </p:cNvSpPr>
+          <p:nvPr>
+            <p:ph type="sldImg"/>
+          </p:nvPr>
+        </p:nvSpPr>
+        <p:spPr/>
+      </p:sp>
+      <p:sp>
+        <p:nvSpPr>
+          <p:cNvPr id="3" name="Notizenplatzhalter 2"/>
+          <p:cNvSpPr>
+            <a:spLocks noGrp="1"/>
+          </p:cNvSpPr>
+          <p:nvPr>
+            <p:ph type="body" idx="1"/>
+          </p:nvPr>
+        </p:nvSpPr>
+        <p:spPr/>
+        <p:txBody>
+          <a:bodyPr/>
+          <a:lstStyle/>
+          <a:p>
+            <a:endParaRPr lang="de-DE"/>
+          </a:p>
+        </p:txBody>
+      </p:sp>
+      <p:sp>
+        <p:nvSpPr>
+          <p:cNvPr id="4" name="Foliennummernplatzhalter 3"/>
+          <p:cNvSpPr>
+            <a:spLocks noGrp="1"/>
+          </p:cNvSpPr>
+          <p:nvPr>
+            <p:ph type="sldNum" sz="quarter" idx="10"/>
+          </p:nvPr>
+        </p:nvSpPr>
+        <p:spPr/>
+        <p:txBody>
+          <a:bodyPr/>
+          <a:lstStyle/>
+          <a:p>
+            <a:fld id="{06C6CB9D-82A2-4859-B5B4-E36855208F85}" type="slidenum">
+              <a:rPr lang="de-DE" smtClean="0"/>
+              <a:t>23</a:t>
+            </a:fld>
+            <a:endParaRPr lang="de-DE"/>
+          </a:p>
+        </p:txBody>
+      </p:sp>
+    </p:spTree>
+    <p:extLst>
+      <p:ext uri="{BB962C8B-B14F-4D97-AF65-F5344CB8AC3E}">
+        <p14:creationId xmlns:p14="http://schemas.microsoft.com/office/powerpoint/2010/main" val="3084740486"/>
+      </p:ext>
+    </p:extLst>
+  </p:cSld>
+  <p:clrMapOvr>
+    <a:masterClrMapping/>
+  </p:clrMapOvr>
+</p:notes>
+</file>
+
+<file path=ppt/notesSlides/notesSlide3.xml><?xml version="1.0" encoding="utf-8"?>
+<p:notes xmlns:a="http://schemas.openxmlformats.org/drawingml/2006/main" xmlns:r="http://schemas.openxmlformats.org/officeDocument/2006/relationships" xmlns:p="http://schemas.openxmlformats.org/presentationml/2006/main">
+  <p:cSld>
+    <p:spTree>
+      <p:nvGrpSpPr>
+        <p:cNvPr id="1" name=""/>
+        <p:cNvGrpSpPr/>
+        <p:nvPr/>
+      </p:nvGrpSpPr>
+      <p:grpSpPr>
+        <a:xfrm>
+          <a:off x="0" y="0"/>
+          <a:ext cx="0" cy="0"/>
+          <a:chOff x="0" y="0"/>
+          <a:chExt cx="0" cy="0"/>
+        </a:xfrm>
+      </p:grpSpPr>
+      <p:sp>
+        <p:nvSpPr>
+          <p:cNvPr id="2" name="Folienbildplatzhalter 1"/>
+          <p:cNvSpPr>
+            <a:spLocks noGrp="1" noRot="1" noChangeAspect="1"/>
+          </p:cNvSpPr>
+          <p:nvPr>
+            <p:ph type="sldImg"/>
+          </p:nvPr>
+        </p:nvSpPr>
+        <p:spPr/>
+      </p:sp>
+      <p:sp>
+        <p:nvSpPr>
+          <p:cNvPr id="3" name="Notizenplatzhalter 2"/>
+          <p:cNvSpPr>
+            <a:spLocks noGrp="1"/>
+          </p:cNvSpPr>
+          <p:nvPr>
+            <p:ph type="body" idx="1"/>
+          </p:nvPr>
+        </p:nvSpPr>
+        <p:spPr/>
+        <p:txBody>
+          <a:bodyPr/>
+          <a:lstStyle/>
+          <a:p>
+            <a:endParaRPr lang="de-DE"/>
+          </a:p>
+        </p:txBody>
+      </p:sp>
+      <p:sp>
+        <p:nvSpPr>
+          <p:cNvPr id="4" name="Foliennummernplatzhalter 3"/>
+          <p:cNvSpPr>
+            <a:spLocks noGrp="1"/>
+          </p:cNvSpPr>
+          <p:nvPr>
+            <p:ph type="sldNum" sz="quarter" idx="10"/>
+          </p:nvPr>
+        </p:nvSpPr>
+        <p:spPr/>
+        <p:txBody>
+          <a:bodyPr/>
+          <a:lstStyle/>
+          <a:p>
+            <a:fld id="{06C6CB9D-82A2-4859-B5B4-E36855208F85}" type="slidenum">
+              <a:rPr lang="de-DE" smtClean="0"/>
+              <a:t>3</a:t>
+            </a:fld>
+            <a:endParaRPr lang="de-DE"/>
+          </a:p>
+        </p:txBody>
+      </p:sp>
+    </p:spTree>
+    <p:extLst>
+      <p:ext uri="{BB962C8B-B14F-4D97-AF65-F5344CB8AC3E}">
+        <p14:creationId xmlns:p14="http://schemas.microsoft.com/office/powerpoint/2010/main" val="4252193423"/>
+      </p:ext>
+    </p:extLst>
+  </p:cSld>
+  <p:clrMapOvr>
+    <a:masterClrMapping/>
+  </p:clrMapOvr>
+</p:notes>
+</file>
+
+<file path=ppt/notesSlides/notesSlide4.xml><?xml version="1.0" encoding="utf-8"?>
+<p:notes xmlns:a="http://schemas.openxmlformats.org/drawingml/2006/main" xmlns:r="http://schemas.openxmlformats.org/officeDocument/2006/relationships" xmlns:p="http://schemas.openxmlformats.org/presentationml/2006/main">
+  <p:cSld>
+    <p:spTree>
+      <p:nvGrpSpPr>
+        <p:cNvPr id="1" name=""/>
+        <p:cNvGrpSpPr/>
+        <p:nvPr/>
+      </p:nvGrpSpPr>
+      <p:grpSpPr>
+        <a:xfrm>
+          <a:off x="0" y="0"/>
+          <a:ext cx="0" cy="0"/>
+          <a:chOff x="0" y="0"/>
+          <a:chExt cx="0" cy="0"/>
+        </a:xfrm>
+      </p:grpSpPr>
+      <p:sp>
+        <p:nvSpPr>
+          <p:cNvPr id="2" name="Folienbildplatzhalter 1"/>
+          <p:cNvSpPr>
+            <a:spLocks noGrp="1" noRot="1" noChangeAspect="1"/>
+          </p:cNvSpPr>
+          <p:nvPr>
+            <p:ph type="sldImg"/>
+          </p:nvPr>
+        </p:nvSpPr>
+        <p:spPr/>
+      </p:sp>
+      <p:sp>
+        <p:nvSpPr>
+          <p:cNvPr id="3" name="Notizenplatzhalter 2"/>
+          <p:cNvSpPr>
+            <a:spLocks noGrp="1"/>
+          </p:cNvSpPr>
+          <p:nvPr>
+            <p:ph type="body" idx="1"/>
+          </p:nvPr>
+        </p:nvSpPr>
+        <p:spPr/>
+        <p:txBody>
+          <a:bodyPr/>
+          <a:lstStyle/>
+          <a:p>
+            <a:endParaRPr lang="de-DE"/>
+          </a:p>
+        </p:txBody>
+      </p:sp>
+      <p:sp>
+        <p:nvSpPr>
+          <p:cNvPr id="4" name="Foliennummernplatzhalter 3"/>
+          <p:cNvSpPr>
+            <a:spLocks noGrp="1"/>
+          </p:cNvSpPr>
+          <p:nvPr>
+            <p:ph type="sldNum" sz="quarter" idx="10"/>
+          </p:nvPr>
+        </p:nvSpPr>
+        <p:spPr/>
+        <p:txBody>
+          <a:bodyPr/>
+          <a:lstStyle/>
+          <a:p>
+            <a:fld id="{06C6CB9D-82A2-4859-B5B4-E36855208F85}" type="slidenum">
+              <a:rPr lang="de-DE" smtClean="0"/>
+              <a:t>4</a:t>
+            </a:fld>
+            <a:endParaRPr lang="de-DE"/>
+          </a:p>
+        </p:txBody>
+      </p:sp>
+    </p:spTree>
+    <p:extLst>
+      <p:ext uri="{BB962C8B-B14F-4D97-AF65-F5344CB8AC3E}">
+        <p14:creationId xmlns:p14="http://schemas.microsoft.com/office/powerpoint/2010/main" val="1070556185"/>
+      </p:ext>
+    </p:extLst>
+  </p:cSld>
+  <p:clrMapOvr>
+    <a:masterClrMapping/>
+  </p:clrMapOvr>
+</p:notes>
+</file>
+
+<file path=ppt/notesSlides/notesSlide5.xml><?xml version="1.0" encoding="utf-8"?>
+<p:notes xmlns:a="http://schemas.openxmlformats.org/drawingml/2006/main" xmlns:r="http://schemas.openxmlformats.org/officeDocument/2006/relationships" xmlns:p="http://schemas.openxmlformats.org/presentationml/2006/main">
+  <p:cSld>
+    <p:spTree>
+      <p:nvGrpSpPr>
+        <p:cNvPr id="1" name=""/>
+        <p:cNvGrpSpPr/>
+        <p:nvPr/>
+      </p:nvGrpSpPr>
+      <p:grpSpPr>
+        <a:xfrm>
+          <a:off x="0" y="0"/>
+          <a:ext cx="0" cy="0"/>
+          <a:chOff x="0" y="0"/>
+          <a:chExt cx="0" cy="0"/>
+        </a:xfrm>
+      </p:grpSpPr>
+      <p:sp>
+        <p:nvSpPr>
+          <p:cNvPr id="2" name="Folienbildplatzhalter 1"/>
+          <p:cNvSpPr>
+            <a:spLocks noGrp="1" noRot="1" noChangeAspect="1"/>
+          </p:cNvSpPr>
+          <p:nvPr>
+            <p:ph type="sldImg"/>
+          </p:nvPr>
+        </p:nvSpPr>
+        <p:spPr/>
+      </p:sp>
+      <p:sp>
+        <p:nvSpPr>
+          <p:cNvPr id="3" name="Notizenplatzhalter 2"/>
+          <p:cNvSpPr>
+            <a:spLocks noGrp="1"/>
+          </p:cNvSpPr>
+          <p:nvPr>
+            <p:ph type="body" idx="1"/>
+          </p:nvPr>
+        </p:nvSpPr>
+        <p:spPr/>
+        <p:txBody>
+          <a:bodyPr/>
+          <a:lstStyle/>
+          <a:p>
+            <a:endParaRPr lang="de-DE"/>
+          </a:p>
+        </p:txBody>
+      </p:sp>
+      <p:sp>
+        <p:nvSpPr>
+          <p:cNvPr id="4" name="Foliennummernplatzhalter 3"/>
+          <p:cNvSpPr>
+            <a:spLocks noGrp="1"/>
+          </p:cNvSpPr>
+          <p:nvPr>
+            <p:ph type="sldNum" sz="quarter" idx="10"/>
+          </p:nvPr>
+        </p:nvSpPr>
+        <p:spPr/>
+        <p:txBody>
+          <a:bodyPr/>
+          <a:lstStyle/>
+          <a:p>
+            <a:fld id="{06C6CB9D-82A2-4859-B5B4-E36855208F85}" type="slidenum">
+              <a:rPr lang="de-DE" smtClean="0"/>
+              <a:t>5</a:t>
+            </a:fld>
+            <a:endParaRPr lang="de-DE"/>
+          </a:p>
+        </p:txBody>
+      </p:sp>
+    </p:spTree>
+    <p:extLst>
+      <p:ext uri="{BB962C8B-B14F-4D97-AF65-F5344CB8AC3E}">
+        <p14:creationId xmlns:p14="http://schemas.microsoft.com/office/powerpoint/2010/main" val="3245250265"/>
+      </p:ext>
+    </p:extLst>
+  </p:cSld>
+  <p:clrMapOvr>
+    <a:masterClrMapping/>
+  </p:clrMapOvr>
+</p:notes>
+</file>
+
+<file path=ppt/notesSlides/notesSlide6.xml><?xml version="1.0" encoding="utf-8"?>
+<p:notes xmlns:a="http://schemas.openxmlformats.org/drawingml/2006/main" xmlns:r="http://schemas.openxmlformats.org/officeDocument/2006/relationships" xmlns:p="http://schemas.openxmlformats.org/presentationml/2006/main">
+  <p:cSld>
+    <p:spTree>
+      <p:nvGrpSpPr>
+        <p:cNvPr id="1" name=""/>
+        <p:cNvGrpSpPr/>
+        <p:nvPr/>
+      </p:nvGrpSpPr>
+      <p:grpSpPr>
+        <a:xfrm>
+          <a:off x="0" y="0"/>
+          <a:ext cx="0" cy="0"/>
+          <a:chOff x="0" y="0"/>
+          <a:chExt cx="0" cy="0"/>
+        </a:xfrm>
+      </p:grpSpPr>
+      <p:sp>
+        <p:nvSpPr>
+          <p:cNvPr id="2" name="Folienbildplatzhalter 1"/>
+          <p:cNvSpPr>
+            <a:spLocks noGrp="1" noRot="1" noChangeAspect="1"/>
+          </p:cNvSpPr>
+          <p:nvPr>
+            <p:ph type="sldImg"/>
+          </p:nvPr>
+        </p:nvSpPr>
+        <p:spPr/>
+      </p:sp>
+      <p:sp>
+        <p:nvSpPr>
+          <p:cNvPr id="3" name="Notizenplatzhalter 2"/>
+          <p:cNvSpPr>
+            <a:spLocks noGrp="1"/>
+          </p:cNvSpPr>
+          <p:nvPr>
+            <p:ph type="body" idx="1"/>
+          </p:nvPr>
+        </p:nvSpPr>
+        <p:spPr/>
+        <p:txBody>
+          <a:bodyPr/>
+          <a:lstStyle/>
+          <a:p>
+            <a:endParaRPr lang="de-DE"/>
+          </a:p>
+        </p:txBody>
+      </p:sp>
+      <p:sp>
+        <p:nvSpPr>
+          <p:cNvPr id="4" name="Foliennummernplatzhalter 3"/>
+          <p:cNvSpPr>
+            <a:spLocks noGrp="1"/>
+          </p:cNvSpPr>
+          <p:nvPr>
+            <p:ph type="sldNum" sz="quarter" idx="10"/>
+          </p:nvPr>
+        </p:nvSpPr>
+        <p:spPr/>
+        <p:txBody>
+          <a:bodyPr/>
+          <a:lstStyle/>
+          <a:p>
+            <a:fld id="{06C6CB9D-82A2-4859-B5B4-E36855208F85}" type="slidenum">
+              <a:rPr lang="de-DE" smtClean="0"/>
+              <a:t>6</a:t>
+            </a:fld>
+            <a:endParaRPr lang="de-DE"/>
+          </a:p>
+        </p:txBody>
+      </p:sp>
+    </p:spTree>
+    <p:extLst>
+      <p:ext uri="{BB962C8B-B14F-4D97-AF65-F5344CB8AC3E}">
+        <p14:creationId xmlns:p14="http://schemas.microsoft.com/office/powerpoint/2010/main" val="2467258123"/>
+      </p:ext>
+    </p:extLst>
+  </p:cSld>
+  <p:clrMapOvr>
+    <a:masterClrMapping/>
+  </p:clrMapOvr>
+</p:notes>
+</file>
+
+<file path=ppt/notesSlides/notesSlide7.xml><?xml version="1.0" encoding="utf-8"?>
+<p:notes xmlns:a="http://schemas.openxmlformats.org/drawingml/2006/main" xmlns:r="http://schemas.openxmlformats.org/officeDocument/2006/relationships" xmlns:p="http://schemas.openxmlformats.org/presentationml/2006/main">
+  <p:cSld>
+    <p:spTree>
+      <p:nvGrpSpPr>
+        <p:cNvPr id="1" name=""/>
+        <p:cNvGrpSpPr/>
+        <p:nvPr/>
+      </p:nvGrpSpPr>
+      <p:grpSpPr>
+        <a:xfrm>
+          <a:off x="0" y="0"/>
+          <a:ext cx="0" cy="0"/>
+          <a:chOff x="0" y="0"/>
+          <a:chExt cx="0" cy="0"/>
+        </a:xfrm>
+      </p:grpSpPr>
+      <p:sp>
+        <p:nvSpPr>
+          <p:cNvPr id="2" name="Folienbildplatzhalter 1"/>
+          <p:cNvSpPr>
+            <a:spLocks noGrp="1" noRot="1" noChangeAspect="1"/>
+          </p:cNvSpPr>
+          <p:nvPr>
+            <p:ph type="sldImg"/>
+          </p:nvPr>
+        </p:nvSpPr>
+        <p:spPr/>
+      </p:sp>
+      <p:sp>
+        <p:nvSpPr>
+          <p:cNvPr id="3" name="Notizenplatzhalter 2"/>
+          <p:cNvSpPr>
+            <a:spLocks noGrp="1"/>
+          </p:cNvSpPr>
+          <p:nvPr>
+            <p:ph type="body" idx="1"/>
+          </p:nvPr>
+        </p:nvSpPr>
+        <p:spPr/>
+        <p:txBody>
+          <a:bodyPr/>
+          <a:lstStyle/>
+          <a:p>
+            <a:endParaRPr lang="de-DE"/>
+          </a:p>
+        </p:txBody>
+      </p:sp>
+      <p:sp>
+        <p:nvSpPr>
+          <p:cNvPr id="4" name="Foliennummernplatzhalter 3"/>
+          <p:cNvSpPr>
+            <a:spLocks noGrp="1"/>
+          </p:cNvSpPr>
+          <p:nvPr>
+            <p:ph type="sldNum" sz="quarter" idx="10"/>
+          </p:nvPr>
+        </p:nvSpPr>
+        <p:spPr/>
+        <p:txBody>
+          <a:bodyPr/>
+          <a:lstStyle/>
+          <a:p>
+            <a:fld id="{06C6CB9D-82A2-4859-B5B4-E36855208F85}" type="slidenum">
+              <a:rPr lang="de-DE" smtClean="0"/>
+              <a:t>7</a:t>
+            </a:fld>
+            <a:endParaRPr lang="de-DE"/>
+          </a:p>
+        </p:txBody>
+      </p:sp>
+    </p:spTree>
+    <p:extLst>
+      <p:ext uri="{BB962C8B-B14F-4D97-AF65-F5344CB8AC3E}">
+        <p14:creationId xmlns:p14="http://schemas.microsoft.com/office/powerpoint/2010/main" val="4178805792"/>
+      </p:ext>
+    </p:extLst>
+  </p:cSld>
+  <p:clrMapOvr>
+    <a:masterClrMapping/>
+  </p:clrMapOvr>
+</p:notes>
+</file>
+
+<file path=ppt/notesSlides/notesSlide8.xml><?xml version="1.0" encoding="utf-8"?>
+<p:notes xmlns:a="http://schemas.openxmlformats.org/drawingml/2006/main" xmlns:r="http://schemas.openxmlformats.org/officeDocument/2006/relationships" xmlns:p="http://schemas.openxmlformats.org/presentationml/2006/main">
+  <p:cSld>
+    <p:spTree>
+      <p:nvGrpSpPr>
+        <p:cNvPr id="1" name=""/>
+        <p:cNvGrpSpPr/>
+        <p:nvPr/>
+      </p:nvGrpSpPr>
+      <p:grpSpPr>
+        <a:xfrm>
+          <a:off x="0" y="0"/>
+          <a:ext cx="0" cy="0"/>
+          <a:chOff x="0" y="0"/>
+          <a:chExt cx="0" cy="0"/>
+        </a:xfrm>
+      </p:grpSpPr>
+      <p:sp>
+        <p:nvSpPr>
+          <p:cNvPr id="2" name="Folienbildplatzhalter 1"/>
+          <p:cNvSpPr>
+            <a:spLocks noGrp="1" noRot="1" noChangeAspect="1"/>
+          </p:cNvSpPr>
+          <p:nvPr>
+            <p:ph type="sldImg"/>
+          </p:nvPr>
+        </p:nvSpPr>
+        <p:spPr/>
+      </p:sp>
+      <p:sp>
+        <p:nvSpPr>
+          <p:cNvPr id="3" name="Notizenplatzhalter 2"/>
+          <p:cNvSpPr>
+            <a:spLocks noGrp="1"/>
+          </p:cNvSpPr>
+          <p:nvPr>
+            <p:ph type="body" idx="1"/>
+          </p:nvPr>
+        </p:nvSpPr>
+        <p:spPr/>
+        <p:txBody>
+          <a:bodyPr/>
+          <a:lstStyle/>
+          <a:p>
+            <a:endParaRPr lang="de-DE"/>
+          </a:p>
+        </p:txBody>
+      </p:sp>
+      <p:sp>
+        <p:nvSpPr>
+          <p:cNvPr id="4" name="Foliennummernplatzhalter 3"/>
+          <p:cNvSpPr>
+            <a:spLocks noGrp="1"/>
+          </p:cNvSpPr>
+          <p:nvPr>
+            <p:ph type="sldNum" sz="quarter" idx="10"/>
+          </p:nvPr>
+        </p:nvSpPr>
+        <p:spPr/>
+        <p:txBody>
+          <a:bodyPr/>
+          <a:lstStyle/>
+          <a:p>
+            <a:fld id="{06C6CB9D-82A2-4859-B5B4-E36855208F85}" type="slidenum">
+              <a:rPr lang="de-DE" smtClean="0"/>
+              <a:t>8</a:t>
+            </a:fld>
+            <a:endParaRPr lang="de-DE"/>
+          </a:p>
+        </p:txBody>
+      </p:sp>
+    </p:spTree>
+    <p:extLst>
+      <p:ext uri="{BB962C8B-B14F-4D97-AF65-F5344CB8AC3E}">
+        <p14:creationId xmlns:p14="http://schemas.microsoft.com/office/powerpoint/2010/main" val="2169400118"/>
+      </p:ext>
+    </p:extLst>
+  </p:cSld>
+  <p:clrMapOvr>
+    <a:masterClrMapping/>
+  </p:clrMapOvr>
+</p:notes>
+</file>
+
+<file path=ppt/notesSlides/notesSlide9.xml><?xml version="1.0" encoding="utf-8"?>
+<p:notes xmlns:a="http://schemas.openxmlformats.org/drawingml/2006/main" xmlns:r="http://schemas.openxmlformats.org/officeDocument/2006/relationships" xmlns:p="http://schemas.openxmlformats.org/presentationml/2006/main">
+  <p:cSld>
+    <p:spTree>
+      <p:nvGrpSpPr>
+        <p:cNvPr id="1" name=""/>
+        <p:cNvGrpSpPr/>
+        <p:nvPr/>
+      </p:nvGrpSpPr>
+      <p:grpSpPr>
+        <a:xfrm>
+          <a:off x="0" y="0"/>
+          <a:ext cx="0" cy="0"/>
+          <a:chOff x="0" y="0"/>
+          <a:chExt cx="0" cy="0"/>
+        </a:xfrm>
+      </p:grpSpPr>
+      <p:sp>
+        <p:nvSpPr>
+          <p:cNvPr id="2" name="Folienbildplatzhalter 1"/>
+          <p:cNvSpPr>
+            <a:spLocks noGrp="1" noRot="1" noChangeAspect="1"/>
+          </p:cNvSpPr>
+          <p:nvPr>
+            <p:ph type="sldImg"/>
+          </p:nvPr>
+        </p:nvSpPr>
+        <p:spPr/>
+      </p:sp>
+      <p:sp>
+        <p:nvSpPr>
+          <p:cNvPr id="3" name="Notizenplatzhalter 2"/>
+          <p:cNvSpPr>
+            <a:spLocks noGrp="1"/>
+          </p:cNvSpPr>
+          <p:nvPr>
+            <p:ph type="body" idx="1"/>
+          </p:nvPr>
+        </p:nvSpPr>
+        <p:spPr/>
+        <p:txBody>
+          <a:bodyPr/>
+          <a:lstStyle/>
+          <a:p>
+            <a:endParaRPr lang="de-DE"/>
+          </a:p>
+        </p:txBody>
+      </p:sp>
+      <p:sp>
+        <p:nvSpPr>
+          <p:cNvPr id="4" name="Foliennummernplatzhalter 3"/>
+          <p:cNvSpPr>
+            <a:spLocks noGrp="1"/>
+          </p:cNvSpPr>
+          <p:nvPr>
+            <p:ph type="sldNum" sz="quarter" idx="10"/>
+          </p:nvPr>
+        </p:nvSpPr>
+        <p:spPr/>
+        <p:txBody>
+          <a:bodyPr/>
+          <a:lstStyle/>
+          <a:p>
+            <a:fld id="{06C6CB9D-82A2-4859-B5B4-E36855208F85}" type="slidenum">
+              <a:rPr lang="de-DE" smtClean="0"/>
+              <a:t>9</a:t>
+            </a:fld>
+            <a:endParaRPr lang="de-DE"/>
+          </a:p>
+        </p:txBody>
+      </p:sp>
+    </p:spTree>
+    <p:extLst>
+      <p:ext uri="{BB962C8B-B14F-4D97-AF65-F5344CB8AC3E}">
+        <p14:creationId xmlns:p14="http://schemas.microsoft.com/office/powerpoint/2010/main" val="3956843"/>
+      </p:ext>
+    </p:extLst>
+  </p:cSld>
+  <p:clrMapOvr>
+    <a:masterClrMapping/>
+  </p:clrMapOvr>
+</p:notes>
 </file>
 
 <file path=ppt/slideLayouts/slideLayout1.xml><?xml version="1.0" encoding="utf-8"?>
@@ -3889,7 +6173,7 @@
           </p:nvPr>
         </p:nvPicPr>
         <p:blipFill>
-          <a:blip r:embed="rId2">
+          <a:blip r:embed="rId3">
             <a:extLst>
               <a:ext uri="{28A0092B-C50C-407E-A947-70E740481C1C}">
                 <a14:useLocalDpi xmlns:a14="http://schemas.microsoft.com/office/drawing/2010/main" val="0"/>
@@ -3977,7 +6261,7 @@
           </p:nvPr>
         </p:nvPicPr>
         <p:blipFill>
-          <a:blip r:embed="rId2">
+          <a:blip r:embed="rId3">
             <a:extLst>
               <a:ext uri="{28A0092B-C50C-407E-A947-70E740481C1C}">
                 <a14:useLocalDpi xmlns:a14="http://schemas.microsoft.com/office/drawing/2010/main" val="0"/>
@@ -4098,7 +6382,7 @@
           <p:nvPr/>
         </p:nvPicPr>
         <p:blipFill>
-          <a:blip r:embed="rId2">
+          <a:blip r:embed="rId3">
             <a:extLst>
               <a:ext uri="{28A0092B-C50C-407E-A947-70E740481C1C}">
                 <a14:useLocalDpi xmlns:a14="http://schemas.microsoft.com/office/drawing/2010/main" val="0"/>
@@ -4219,7 +6503,7 @@
           <p:nvPr/>
         </p:nvPicPr>
         <p:blipFill>
-          <a:blip r:embed="rId2">
+          <a:blip r:embed="rId3">
             <a:extLst>
               <a:ext uri="{28A0092B-C50C-407E-A947-70E740481C1C}">
                 <a14:useLocalDpi xmlns:a14="http://schemas.microsoft.com/office/drawing/2010/main" val="0"/>
@@ -4314,7 +6598,7 @@
           </p:nvPr>
         </p:nvPicPr>
         <p:blipFill>
-          <a:blip r:embed="rId2">
+          <a:blip r:embed="rId3">
             <a:extLst>
               <a:ext uri="{28A0092B-C50C-407E-A947-70E740481C1C}">
                 <a14:useLocalDpi xmlns:a14="http://schemas.microsoft.com/office/drawing/2010/main" val="0"/>
@@ -4402,7 +6686,7 @@
           </p:nvPr>
         </p:nvPicPr>
         <p:blipFill>
-          <a:blip r:embed="rId2">
+          <a:blip r:embed="rId3">
             <a:extLst>
               <a:ext uri="{28A0092B-C50C-407E-A947-70E740481C1C}">
                 <a14:useLocalDpi xmlns:a14="http://schemas.microsoft.com/office/drawing/2010/main" val="0"/>
@@ -4519,7 +6803,7 @@
           <p:nvPr/>
         </p:nvPicPr>
         <p:blipFill>
-          <a:blip r:embed="rId2">
+          <a:blip r:embed="rId3">
             <a:extLst>
               <a:ext uri="{28A0092B-C50C-407E-A947-70E740481C1C}">
                 <a14:useLocalDpi xmlns:a14="http://schemas.microsoft.com/office/drawing/2010/main" val="0"/>
@@ -4634,7 +6918,7 @@
           <p:nvPr/>
         </p:nvPicPr>
         <p:blipFill>
-          <a:blip r:embed="rId2">
+          <a:blip r:embed="rId3">
             <a:extLst>
               <a:ext uri="{28A0092B-C50C-407E-A947-70E740481C1C}">
                 <a14:useLocalDpi xmlns:a14="http://schemas.microsoft.com/office/drawing/2010/main" val="0"/>
@@ -4675,7 +6959,7 @@
           <p:nvPr/>
         </p:nvPicPr>
         <p:blipFill>
-          <a:blip r:embed="rId3">
+          <a:blip r:embed="rId4">
             <a:extLst>
               <a:ext uri="{28A0092B-C50C-407E-A947-70E740481C1C}">
                 <a14:useLocalDpi xmlns:a14="http://schemas.microsoft.com/office/drawing/2010/main" val="0"/>
@@ -4716,7 +7000,7 @@
           <p:nvPr/>
         </p:nvPicPr>
         <p:blipFill>
-          <a:blip r:embed="rId3">
+          <a:blip r:embed="rId4">
             <a:extLst>
               <a:ext uri="{28A0092B-C50C-407E-A947-70E740481C1C}">
                 <a14:useLocalDpi xmlns:a14="http://schemas.microsoft.com/office/drawing/2010/main" val="0"/>
@@ -4757,7 +7041,7 @@
           <p:nvPr/>
         </p:nvPicPr>
         <p:blipFill>
-          <a:blip r:embed="rId4" cstate="print">
+          <a:blip r:embed="rId5" cstate="print">
             <a:extLst>
               <a:ext uri="{28A0092B-C50C-407E-A947-70E740481C1C}">
                 <a14:useLocalDpi xmlns:a14="http://schemas.microsoft.com/office/drawing/2010/main" val="0"/>
@@ -5146,7 +7430,7 @@
           <p:nvPr/>
         </p:nvPicPr>
         <p:blipFill>
-          <a:blip r:embed="rId2">
+          <a:blip r:embed="rId3">
             <a:extLst>
               <a:ext uri="{28A0092B-C50C-407E-A947-70E740481C1C}">
                 <a14:useLocalDpi xmlns:a14="http://schemas.microsoft.com/office/drawing/2010/main" val="0"/>
@@ -5187,7 +7471,7 @@
           <p:nvPr/>
         </p:nvPicPr>
         <p:blipFill>
-          <a:blip r:embed="rId3" cstate="print">
+          <a:blip r:embed="rId4" cstate="print">
             <a:extLst>
               <a:ext uri="{28A0092B-C50C-407E-A947-70E740481C1C}">
                 <a14:useLocalDpi xmlns:a14="http://schemas.microsoft.com/office/drawing/2010/main" val="0"/>
@@ -5317,7 +7601,7 @@
           <p:nvPr/>
         </p:nvPicPr>
         <p:blipFill>
-          <a:blip r:embed="rId2">
+          <a:blip r:embed="rId3">
             <a:extLst>
               <a:ext uri="{28A0092B-C50C-407E-A947-70E740481C1C}">
                 <a14:useLocalDpi xmlns:a14="http://schemas.microsoft.com/office/drawing/2010/main" val="0"/>
@@ -5358,7 +7642,7 @@
           <p:nvPr/>
         </p:nvPicPr>
         <p:blipFill>
-          <a:blip r:embed="rId2">
+          <a:blip r:embed="rId3">
             <a:extLst>
               <a:ext uri="{28A0092B-C50C-407E-A947-70E740481C1C}">
                 <a14:useLocalDpi xmlns:a14="http://schemas.microsoft.com/office/drawing/2010/main" val="0"/>
@@ -5529,7 +7813,7 @@
           <p:nvPr/>
         </p:nvPicPr>
         <p:blipFill>
-          <a:blip r:embed="rId3">
+          <a:blip r:embed="rId4">
             <a:extLst>
               <a:ext uri="{28A0092B-C50C-407E-A947-70E740481C1C}">
                 <a14:useLocalDpi xmlns:a14="http://schemas.microsoft.com/office/drawing/2010/main" val="0"/>
@@ -5570,7 +7854,7 @@
           <p:nvPr/>
         </p:nvPicPr>
         <p:blipFill>
-          <a:blip r:embed="rId4" cstate="print">
+          <a:blip r:embed="rId5" cstate="print">
             <a:extLst>
               <a:ext uri="{28A0092B-C50C-407E-A947-70E740481C1C}">
                 <a14:useLocalDpi xmlns:a14="http://schemas.microsoft.com/office/drawing/2010/main" val="0"/>
@@ -5677,7 +7961,7 @@
           <p:nvPr/>
         </p:nvPicPr>
         <p:blipFill>
-          <a:blip r:embed="rId5" cstate="print">
+          <a:blip r:embed="rId6" cstate="print">
             <a:extLst>
               <a:ext uri="{28A0092B-C50C-407E-A947-70E740481C1C}">
                 <a14:useLocalDpi xmlns:a14="http://schemas.microsoft.com/office/drawing/2010/main" val="0"/>
@@ -6170,7 +8454,7 @@
           <p:nvPr/>
         </p:nvPicPr>
         <p:blipFill>
-          <a:blip r:embed="rId2">
+          <a:blip r:embed="rId3">
             <a:extLst>
               <a:ext uri="{28A0092B-C50C-407E-A947-70E740481C1C}">
                 <a14:useLocalDpi xmlns:a14="http://schemas.microsoft.com/office/drawing/2010/main" val="0"/>
@@ -6205,47 +8489,6 @@
       <p:pic>
         <p:nvPicPr>
           <p:cNvPr id="5" name="Picture 2" descr="C:\Users\TZeimetz\Desktop\server-square.png"/>
-          <p:cNvPicPr>
-            <a:picLocks noChangeAspect="1" noChangeArrowheads="1"/>
-          </p:cNvPicPr>
-          <p:nvPr/>
-        </p:nvPicPr>
-        <p:blipFill>
-          <a:blip r:embed="rId2">
-            <a:extLst>
-              <a:ext uri="{28A0092B-C50C-407E-A947-70E740481C1C}">
-                <a14:useLocalDpi xmlns:a14="http://schemas.microsoft.com/office/drawing/2010/main" val="0"/>
-              </a:ext>
-            </a:extLst>
-          </a:blip>
-          <a:srcRect/>
-          <a:stretch>
-            <a:fillRect/>
-          </a:stretch>
-        </p:blipFill>
-        <p:spPr bwMode="auto">
-          <a:xfrm>
-            <a:off x="6804248" y="2268364"/>
-            <a:ext cx="1442566" cy="1442566"/>
-          </a:xfrm>
-          <a:prstGeom prst="rect">
-            <a:avLst/>
-          </a:prstGeom>
-          <a:noFill/>
-          <a:extLst>
-            <a:ext uri="{909E8E84-426E-40DD-AFC4-6F175D3DCCD1}">
-              <a14:hiddenFill xmlns:a14="http://schemas.microsoft.com/office/drawing/2010/main">
-                <a:solidFill>
-                  <a:srgbClr val="FFFFFF"/>
-                </a:solidFill>
-              </a14:hiddenFill>
-            </a:ext>
-          </a:extLst>
-        </p:spPr>
-      </p:pic>
-      <p:pic>
-        <p:nvPicPr>
-          <p:cNvPr id="2050" name="Picture 2" descr="C:\Users\TZeimetz\Desktop\Google_2015_logo.svg.png"/>
           <p:cNvPicPr>
             <a:picLocks noChangeAspect="1" noChangeArrowheads="1"/>
           </p:cNvPicPr>
@@ -6266,8 +8509,8 @@
         </p:blipFill>
         <p:spPr bwMode="auto">
           <a:xfrm>
-            <a:off x="6804992" y="3614345"/>
-            <a:ext cx="1295400" cy="438150"/>
+            <a:off x="6804248" y="2268364"/>
+            <a:ext cx="1442566" cy="1442566"/>
           </a:xfrm>
           <a:prstGeom prst="rect">
             <a:avLst/>
@@ -6286,14 +8529,14 @@
       </p:pic>
       <p:pic>
         <p:nvPicPr>
-          <p:cNvPr id="2051" name="Picture 3" descr="C:\Users\TZeimetz\Desktop\guyfawkes.sh.png"/>
+          <p:cNvPr id="2050" name="Picture 2" descr="C:\Users\TZeimetz\Desktop\Google_2015_logo.svg.png"/>
           <p:cNvPicPr>
             <a:picLocks noChangeAspect="1" noChangeArrowheads="1"/>
           </p:cNvPicPr>
           <p:nvPr/>
         </p:nvPicPr>
         <p:blipFill>
-          <a:blip r:embed="rId4" cstate="print">
+          <a:blip r:embed="rId4">
             <a:extLst>
               <a:ext uri="{28A0092B-C50C-407E-A947-70E740481C1C}">
                 <a14:useLocalDpi xmlns:a14="http://schemas.microsoft.com/office/drawing/2010/main" val="0"/>
@@ -6307,8 +8550,8 @@
         </p:blipFill>
         <p:spPr bwMode="auto">
           <a:xfrm>
-            <a:off x="1190032" y="5085184"/>
-            <a:ext cx="1296144" cy="1296144"/>
+            <a:off x="6804992" y="3614345"/>
+            <a:ext cx="1295400" cy="438150"/>
           </a:xfrm>
           <a:prstGeom prst="rect">
             <a:avLst/>
@@ -6325,75 +8568,9 @@
           </a:extLst>
         </p:spPr>
       </p:pic>
-      <p:cxnSp>
-        <p:nvCxnSpPr>
-          <p:cNvPr id="20" name="Gerade Verbindung mit Pfeil 19"/>
-          <p:cNvCxnSpPr/>
-          <p:nvPr/>
-        </p:nvCxnSpPr>
-        <p:spPr>
-          <a:xfrm flipV="1">
-            <a:off x="1835696" y="3933056"/>
-            <a:ext cx="0" cy="1080120"/>
-          </a:xfrm>
-          <a:prstGeom prst="straightConnector1">
-            <a:avLst/>
-          </a:prstGeom>
-          <a:ln w="15875">
-            <a:solidFill>
-              <a:schemeClr val="tx1"/>
-            </a:solidFill>
-            <a:tailEnd type="arrow"/>
-          </a:ln>
-        </p:spPr>
-        <p:style>
-          <a:lnRef idx="1">
-            <a:schemeClr val="accent1"/>
-          </a:lnRef>
-          <a:fillRef idx="0">
-            <a:schemeClr val="accent1"/>
-          </a:fillRef>
-          <a:effectRef idx="0">
-            <a:schemeClr val="accent1"/>
-          </a:effectRef>
-          <a:fontRef idx="minor">
-            <a:schemeClr val="tx1"/>
-          </a:fontRef>
-        </p:style>
-      </p:cxnSp>
-      <p:sp>
-        <p:nvSpPr>
-          <p:cNvPr id="22" name="Textfeld 21"/>
-          <p:cNvSpPr txBox="1"/>
-          <p:nvPr/>
-        </p:nvSpPr>
-        <p:spPr>
-          <a:xfrm>
-            <a:off x="1475656" y="4288450"/>
-            <a:ext cx="360040" cy="369332"/>
-          </a:xfrm>
-          <a:prstGeom prst="rect">
-            <a:avLst/>
-          </a:prstGeom>
-          <a:noFill/>
-        </p:spPr>
-        <p:txBody>
-          <a:bodyPr wrap="square" rtlCol="0">
-            <a:spAutoFit/>
-          </a:bodyPr>
-          <a:lstStyle/>
-          <a:p>
-            <a:r>
-              <a:rPr lang="de-DE" dirty="0" smtClean="0"/>
-              <a:t>1</a:t>
-            </a:r>
-            <a:endParaRPr lang="de-DE" dirty="0"/>
-          </a:p>
-        </p:txBody>
-      </p:sp>
       <p:pic>
         <p:nvPicPr>
-          <p:cNvPr id="4098" name="Picture 2" descr="http://freeflaticons.com/wp-content/uploads/2014/09/injection-copy-1411038662nk84g.png"/>
+          <p:cNvPr id="2051" name="Picture 3" descr="C:\Users\TZeimetz\Desktop\guyfawkes.sh.png"/>
           <p:cNvPicPr>
             <a:picLocks noChangeAspect="1" noChangeArrowheads="1"/>
           </p:cNvPicPr>
@@ -6414,8 +8591,8 @@
         </p:blipFill>
         <p:spPr bwMode="auto">
           <a:xfrm>
-            <a:off x="4273178" y="2652413"/>
-            <a:ext cx="674468" cy="674468"/>
+            <a:off x="1190032" y="5085184"/>
+            <a:ext cx="1296144" cy="1296144"/>
           </a:xfrm>
           <a:prstGeom prst="rect">
             <a:avLst/>
@@ -6434,23 +8611,22 @@
       </p:pic>
       <p:cxnSp>
         <p:nvCxnSpPr>
-          <p:cNvPr id="17" name="Gerade Verbindung mit Pfeil 16"/>
+          <p:cNvPr id="20" name="Gerade Verbindung mit Pfeil 19"/>
           <p:cNvCxnSpPr/>
           <p:nvPr/>
         </p:nvCxnSpPr>
         <p:spPr>
           <a:xfrm flipV="1">
-            <a:off x="2411760" y="3710930"/>
-            <a:ext cx="1800200" cy="1878310"/>
+            <a:off x="1835696" y="3933056"/>
+            <a:ext cx="0" cy="1080120"/>
           </a:xfrm>
           <a:prstGeom prst="straightConnector1">
             <a:avLst/>
           </a:prstGeom>
           <a:ln w="15875">
             <a:solidFill>
-              <a:srgbClr val="FF0000"/>
+              <a:schemeClr val="tx1"/>
             </a:solidFill>
-            <a:prstDash val="dash"/>
             <a:tailEnd type="arrow"/>
           </a:ln>
         </p:spPr>
@@ -6471,6 +8647,114 @@
       </p:cxnSp>
       <p:sp>
         <p:nvSpPr>
+          <p:cNvPr id="22" name="Textfeld 21"/>
+          <p:cNvSpPr txBox="1"/>
+          <p:nvPr/>
+        </p:nvSpPr>
+        <p:spPr>
+          <a:xfrm>
+            <a:off x="1475656" y="4288450"/>
+            <a:ext cx="360040" cy="369332"/>
+          </a:xfrm>
+          <a:prstGeom prst="rect">
+            <a:avLst/>
+          </a:prstGeom>
+          <a:noFill/>
+        </p:spPr>
+        <p:txBody>
+          <a:bodyPr wrap="square" rtlCol="0">
+            <a:spAutoFit/>
+          </a:bodyPr>
+          <a:lstStyle/>
+          <a:p>
+            <a:r>
+              <a:rPr lang="de-DE" dirty="0" smtClean="0"/>
+              <a:t>1</a:t>
+            </a:r>
+            <a:endParaRPr lang="de-DE" dirty="0"/>
+          </a:p>
+        </p:txBody>
+      </p:sp>
+      <p:pic>
+        <p:nvPicPr>
+          <p:cNvPr id="4098" name="Picture 2" descr="http://freeflaticons.com/wp-content/uploads/2014/09/injection-copy-1411038662nk84g.png"/>
+          <p:cNvPicPr>
+            <a:picLocks noChangeAspect="1" noChangeArrowheads="1"/>
+          </p:cNvPicPr>
+          <p:nvPr/>
+        </p:nvPicPr>
+        <p:blipFill>
+          <a:blip r:embed="rId6" cstate="print">
+            <a:extLst>
+              <a:ext uri="{28A0092B-C50C-407E-A947-70E740481C1C}">
+                <a14:useLocalDpi xmlns:a14="http://schemas.microsoft.com/office/drawing/2010/main" val="0"/>
+              </a:ext>
+            </a:extLst>
+          </a:blip>
+          <a:srcRect/>
+          <a:stretch>
+            <a:fillRect/>
+          </a:stretch>
+        </p:blipFill>
+        <p:spPr bwMode="auto">
+          <a:xfrm>
+            <a:off x="4273178" y="2652413"/>
+            <a:ext cx="674468" cy="674468"/>
+          </a:xfrm>
+          <a:prstGeom prst="rect">
+            <a:avLst/>
+          </a:prstGeom>
+          <a:noFill/>
+          <a:extLst>
+            <a:ext uri="{909E8E84-426E-40DD-AFC4-6F175D3DCCD1}">
+              <a14:hiddenFill xmlns:a14="http://schemas.microsoft.com/office/drawing/2010/main">
+                <a:solidFill>
+                  <a:srgbClr val="FFFFFF"/>
+                </a:solidFill>
+              </a14:hiddenFill>
+            </a:ext>
+          </a:extLst>
+        </p:spPr>
+      </p:pic>
+      <p:cxnSp>
+        <p:nvCxnSpPr>
+          <p:cNvPr id="17" name="Gerade Verbindung mit Pfeil 16"/>
+          <p:cNvCxnSpPr/>
+          <p:nvPr/>
+        </p:nvCxnSpPr>
+        <p:spPr>
+          <a:xfrm flipV="1">
+            <a:off x="2411760" y="3710930"/>
+            <a:ext cx="1800200" cy="1878310"/>
+          </a:xfrm>
+          <a:prstGeom prst="straightConnector1">
+            <a:avLst/>
+          </a:prstGeom>
+          <a:ln w="15875">
+            <a:solidFill>
+              <a:srgbClr val="FF0000"/>
+            </a:solidFill>
+            <a:prstDash val="dash"/>
+            <a:tailEnd type="arrow"/>
+          </a:ln>
+        </p:spPr>
+        <p:style>
+          <a:lnRef idx="1">
+            <a:schemeClr val="accent1"/>
+          </a:lnRef>
+          <a:fillRef idx="0">
+            <a:schemeClr val="accent1"/>
+          </a:fillRef>
+          <a:effectRef idx="0">
+            <a:schemeClr val="accent1"/>
+          </a:effectRef>
+          <a:fontRef idx="minor">
+            <a:schemeClr val="tx1"/>
+          </a:fontRef>
+        </p:style>
+      </p:cxnSp>
+      <p:sp>
+        <p:nvSpPr>
           <p:cNvPr id="21" name="Textfeld 20"/>
           <p:cNvSpPr txBox="1"/>
           <p:nvPr/>
@@ -6508,7 +8792,7 @@
           <p:nvPr/>
         </p:nvPicPr>
         <p:blipFill>
-          <a:blip r:embed="rId6" cstate="print">
+          <a:blip r:embed="rId7" cstate="print">
             <a:extLst>
               <a:ext uri="{28A0092B-C50C-407E-A947-70E740481C1C}">
                 <a14:useLocalDpi xmlns:a14="http://schemas.microsoft.com/office/drawing/2010/main" val="0"/>
@@ -6825,7 +9109,7 @@
           <p:nvPr/>
         </p:nvPicPr>
         <p:blipFill>
-          <a:blip r:embed="rId2">
+          <a:blip r:embed="rId3">
             <a:extLst>
               <a:ext uri="{28A0092B-C50C-407E-A947-70E740481C1C}">
                 <a14:useLocalDpi xmlns:a14="http://schemas.microsoft.com/office/drawing/2010/main" val="0"/>
@@ -6860,47 +9144,6 @@
       <p:pic>
         <p:nvPicPr>
           <p:cNvPr id="5" name="Picture 2" descr="C:\Users\TZeimetz\Desktop\server-square.png"/>
-          <p:cNvPicPr>
-            <a:picLocks noChangeAspect="1" noChangeArrowheads="1"/>
-          </p:cNvPicPr>
-          <p:nvPr/>
-        </p:nvPicPr>
-        <p:blipFill>
-          <a:blip r:embed="rId2">
-            <a:extLst>
-              <a:ext uri="{28A0092B-C50C-407E-A947-70E740481C1C}">
-                <a14:useLocalDpi xmlns:a14="http://schemas.microsoft.com/office/drawing/2010/main" val="0"/>
-              </a:ext>
-            </a:extLst>
-          </a:blip>
-          <a:srcRect/>
-          <a:stretch>
-            <a:fillRect/>
-          </a:stretch>
-        </p:blipFill>
-        <p:spPr bwMode="auto">
-          <a:xfrm>
-            <a:off x="6804248" y="2268364"/>
-            <a:ext cx="1442566" cy="1442566"/>
-          </a:xfrm>
-          <a:prstGeom prst="rect">
-            <a:avLst/>
-          </a:prstGeom>
-          <a:noFill/>
-          <a:extLst>
-            <a:ext uri="{909E8E84-426E-40DD-AFC4-6F175D3DCCD1}">
-              <a14:hiddenFill xmlns:a14="http://schemas.microsoft.com/office/drawing/2010/main">
-                <a:solidFill>
-                  <a:srgbClr val="FFFFFF"/>
-                </a:solidFill>
-              </a14:hiddenFill>
-            </a:ext>
-          </a:extLst>
-        </p:spPr>
-      </p:pic>
-      <p:pic>
-        <p:nvPicPr>
-          <p:cNvPr id="2050" name="Picture 2" descr="C:\Users\TZeimetz\Desktop\Google_2015_logo.svg.png"/>
           <p:cNvPicPr>
             <a:picLocks noChangeAspect="1" noChangeArrowheads="1"/>
           </p:cNvPicPr>
@@ -6921,8 +9164,8 @@
         </p:blipFill>
         <p:spPr bwMode="auto">
           <a:xfrm>
-            <a:off x="6804992" y="3614345"/>
-            <a:ext cx="1295400" cy="438150"/>
+            <a:off x="6804248" y="2268364"/>
+            <a:ext cx="1442566" cy="1442566"/>
           </a:xfrm>
           <a:prstGeom prst="rect">
             <a:avLst/>
@@ -6941,6 +9184,47 @@
       </p:pic>
       <p:pic>
         <p:nvPicPr>
+          <p:cNvPr id="2050" name="Picture 2" descr="C:\Users\TZeimetz\Desktop\Google_2015_logo.svg.png"/>
+          <p:cNvPicPr>
+            <a:picLocks noChangeAspect="1" noChangeArrowheads="1"/>
+          </p:cNvPicPr>
+          <p:nvPr/>
+        </p:nvPicPr>
+        <p:blipFill>
+          <a:blip r:embed="rId4">
+            <a:extLst>
+              <a:ext uri="{28A0092B-C50C-407E-A947-70E740481C1C}">
+                <a14:useLocalDpi xmlns:a14="http://schemas.microsoft.com/office/drawing/2010/main" val="0"/>
+              </a:ext>
+            </a:extLst>
+          </a:blip>
+          <a:srcRect/>
+          <a:stretch>
+            <a:fillRect/>
+          </a:stretch>
+        </p:blipFill>
+        <p:spPr bwMode="auto">
+          <a:xfrm>
+            <a:off x="6804992" y="3614345"/>
+            <a:ext cx="1295400" cy="438150"/>
+          </a:xfrm>
+          <a:prstGeom prst="rect">
+            <a:avLst/>
+          </a:prstGeom>
+          <a:noFill/>
+          <a:extLst>
+            <a:ext uri="{909E8E84-426E-40DD-AFC4-6F175D3DCCD1}">
+              <a14:hiddenFill xmlns:a14="http://schemas.microsoft.com/office/drawing/2010/main">
+                <a:solidFill>
+                  <a:srgbClr val="FFFFFF"/>
+                </a:solidFill>
+              </a14:hiddenFill>
+            </a:ext>
+          </a:extLst>
+        </p:spPr>
+      </p:pic>
+      <p:pic>
+        <p:nvPicPr>
           <p:cNvPr id="2051" name="Picture 3" descr="C:\Users\TZeimetz\Desktop\guyfawkes.sh.png"/>
           <p:cNvPicPr>
             <a:picLocks noChangeAspect="1" noChangeArrowheads="1"/>
@@ -6948,7 +9232,7 @@
           <p:nvPr/>
         </p:nvPicPr>
         <p:blipFill>
-          <a:blip r:embed="rId4" cstate="print">
+          <a:blip r:embed="rId5" cstate="print">
             <a:extLst>
               <a:ext uri="{28A0092B-C50C-407E-A947-70E740481C1C}">
                 <a14:useLocalDpi xmlns:a14="http://schemas.microsoft.com/office/drawing/2010/main" val="0"/>
@@ -7055,7 +9339,7 @@
           <p:nvPr/>
         </p:nvPicPr>
         <p:blipFill>
-          <a:blip r:embed="rId5" cstate="print">
+          <a:blip r:embed="rId6" cstate="print">
             <a:extLst>
               <a:ext uri="{28A0092B-C50C-407E-A947-70E740481C1C}">
                 <a14:useLocalDpi xmlns:a14="http://schemas.microsoft.com/office/drawing/2010/main" val="0"/>
@@ -7198,7 +9482,7 @@
           <p:nvPr/>
         </p:nvPicPr>
         <p:blipFill>
-          <a:blip r:embed="rId6" cstate="print">
+          <a:blip r:embed="rId7" cstate="print">
             <a:extLst>
               <a:ext uri="{28A0092B-C50C-407E-A947-70E740481C1C}">
                 <a14:useLocalDpi xmlns:a14="http://schemas.microsoft.com/office/drawing/2010/main" val="0"/>
@@ -7429,13 +9713,8 @@
             </a:r>
             <a:r>
               <a:rPr lang="de-DE" dirty="0" smtClean="0"/>
-              <a:t> </a:t>
-            </a:r>
-            <a:r>
-              <a:rPr lang="de-DE" dirty="0" smtClean="0"/>
-              <a:t>(Kaminsky)</a:t>
-            </a:r>
-            <a:endParaRPr lang="de-DE" dirty="0" smtClean="0"/>
+              <a:t> (Kaminsky)</a:t>
+            </a:r>
           </a:p>
         </p:txBody>
       </p:sp>
@@ -7448,7 +9727,7 @@
           <p:nvPr/>
         </p:nvPicPr>
         <p:blipFill>
-          <a:blip r:embed="rId2">
+          <a:blip r:embed="rId3">
             <a:extLst>
               <a:ext uri="{28A0092B-C50C-407E-A947-70E740481C1C}">
                 <a14:useLocalDpi xmlns:a14="http://schemas.microsoft.com/office/drawing/2010/main" val="0"/>
@@ -7483,113 +9762,6 @@
       <p:pic>
         <p:nvPicPr>
           <p:cNvPr id="2051" name="Picture 3" descr="C:\Users\TZeimetz\Desktop\guyfawkes.sh.png"/>
-          <p:cNvPicPr>
-            <a:picLocks noChangeAspect="1" noChangeArrowheads="1"/>
-          </p:cNvPicPr>
-          <p:nvPr/>
-        </p:nvPicPr>
-        <p:blipFill>
-          <a:blip r:embed="rId3" cstate="print">
-            <a:extLst>
-              <a:ext uri="{28A0092B-C50C-407E-A947-70E740481C1C}">
-                <a14:useLocalDpi xmlns:a14="http://schemas.microsoft.com/office/drawing/2010/main" val="0"/>
-              </a:ext>
-            </a:extLst>
-          </a:blip>
-          <a:srcRect/>
-          <a:stretch>
-            <a:fillRect/>
-          </a:stretch>
-        </p:blipFill>
-        <p:spPr bwMode="auto">
-          <a:xfrm>
-            <a:off x="1190032" y="5085184"/>
-            <a:ext cx="1296144" cy="1296144"/>
-          </a:xfrm>
-          <a:prstGeom prst="rect">
-            <a:avLst/>
-          </a:prstGeom>
-          <a:noFill/>
-          <a:extLst>
-            <a:ext uri="{909E8E84-426E-40DD-AFC4-6F175D3DCCD1}">
-              <a14:hiddenFill xmlns:a14="http://schemas.microsoft.com/office/drawing/2010/main">
-                <a:solidFill>
-                  <a:srgbClr val="FFFFFF"/>
-                </a:solidFill>
-              </a14:hiddenFill>
-            </a:ext>
-          </a:extLst>
-        </p:spPr>
-      </p:pic>
-      <p:cxnSp>
-        <p:nvCxnSpPr>
-          <p:cNvPr id="20" name="Gerade Verbindung mit Pfeil 19"/>
-          <p:cNvCxnSpPr/>
-          <p:nvPr/>
-        </p:nvCxnSpPr>
-        <p:spPr>
-          <a:xfrm flipV="1">
-            <a:off x="1835696" y="3933056"/>
-            <a:ext cx="0" cy="1080120"/>
-          </a:xfrm>
-          <a:prstGeom prst="straightConnector1">
-            <a:avLst/>
-          </a:prstGeom>
-          <a:ln w="15875">
-            <a:solidFill>
-              <a:schemeClr val="tx1"/>
-            </a:solidFill>
-            <a:tailEnd type="arrow"/>
-          </a:ln>
-        </p:spPr>
-        <p:style>
-          <a:lnRef idx="1">
-            <a:schemeClr val="accent1"/>
-          </a:lnRef>
-          <a:fillRef idx="0">
-            <a:schemeClr val="accent1"/>
-          </a:fillRef>
-          <a:effectRef idx="0">
-            <a:schemeClr val="accent1"/>
-          </a:effectRef>
-          <a:fontRef idx="minor">
-            <a:schemeClr val="tx1"/>
-          </a:fontRef>
-        </p:style>
-      </p:cxnSp>
-      <p:sp>
-        <p:nvSpPr>
-          <p:cNvPr id="22" name="Textfeld 21"/>
-          <p:cNvSpPr txBox="1"/>
-          <p:nvPr/>
-        </p:nvSpPr>
-        <p:spPr>
-          <a:xfrm>
-            <a:off x="1475656" y="4288450"/>
-            <a:ext cx="360040" cy="369332"/>
-          </a:xfrm>
-          <a:prstGeom prst="rect">
-            <a:avLst/>
-          </a:prstGeom>
-          <a:noFill/>
-        </p:spPr>
-        <p:txBody>
-          <a:bodyPr wrap="square" rtlCol="0">
-            <a:spAutoFit/>
-          </a:bodyPr>
-          <a:lstStyle/>
-          <a:p>
-            <a:r>
-              <a:rPr lang="de-DE" dirty="0" smtClean="0"/>
-              <a:t>1</a:t>
-            </a:r>
-            <a:endParaRPr lang="de-DE" dirty="0"/>
-          </a:p>
-        </p:txBody>
-      </p:sp>
-      <p:pic>
-        <p:nvPicPr>
-          <p:cNvPr id="4098" name="Picture 2" descr="http://freeflaticons.com/wp-content/uploads/2014/09/injection-copy-1411038662nk84g.png"/>
           <p:cNvPicPr>
             <a:picLocks noChangeAspect="1" noChangeArrowheads="1"/>
           </p:cNvPicPr>
@@ -7610,8 +9782,8 @@
         </p:blipFill>
         <p:spPr bwMode="auto">
           <a:xfrm>
-            <a:off x="4273178" y="2652413"/>
-            <a:ext cx="674468" cy="674468"/>
+            <a:off x="1190032" y="5085184"/>
+            <a:ext cx="1296144" cy="1296144"/>
           </a:xfrm>
           <a:prstGeom prst="rect">
             <a:avLst/>
@@ -7630,23 +9802,22 @@
       </p:pic>
       <p:cxnSp>
         <p:nvCxnSpPr>
-          <p:cNvPr id="17" name="Gerade Verbindung mit Pfeil 16"/>
+          <p:cNvPr id="20" name="Gerade Verbindung mit Pfeil 19"/>
           <p:cNvCxnSpPr/>
           <p:nvPr/>
         </p:nvCxnSpPr>
         <p:spPr>
           <a:xfrm flipV="1">
-            <a:off x="2411760" y="3710930"/>
-            <a:ext cx="1800200" cy="1878310"/>
+            <a:off x="1835696" y="3933056"/>
+            <a:ext cx="0" cy="1080120"/>
           </a:xfrm>
           <a:prstGeom prst="straightConnector1">
             <a:avLst/>
           </a:prstGeom>
           <a:ln w="15875">
             <a:solidFill>
-              <a:srgbClr val="FF0000"/>
+              <a:schemeClr val="tx1"/>
             </a:solidFill>
-            <a:prstDash val="dash"/>
             <a:tailEnd type="arrow"/>
           </a:ln>
         </p:spPr>
@@ -7667,14 +9838,14 @@
       </p:cxnSp>
       <p:sp>
         <p:nvSpPr>
-          <p:cNvPr id="21" name="Textfeld 20"/>
+          <p:cNvPr id="22" name="Textfeld 21"/>
           <p:cNvSpPr txBox="1"/>
           <p:nvPr/>
         </p:nvSpPr>
         <p:spPr>
           <a:xfrm>
-            <a:off x="3419872" y="4608561"/>
-            <a:ext cx="1584176" cy="369332"/>
+            <a:off x="1475656" y="4288450"/>
+            <a:ext cx="360040" cy="369332"/>
           </a:xfrm>
           <a:prstGeom prst="rect">
             <a:avLst/>
@@ -7689,7 +9860,7 @@
           <a:p>
             <a:r>
               <a:rPr lang="de-DE" dirty="0" smtClean="0"/>
-              <a:t>NS-Records</a:t>
+              <a:t>1</a:t>
             </a:r>
             <a:endParaRPr lang="de-DE" dirty="0"/>
           </a:p>
@@ -7697,7 +9868,7 @@
       </p:sp>
       <p:pic>
         <p:nvPicPr>
-          <p:cNvPr id="5122" name="Picture 2" descr="http://www.cmdsonline.com/wp-content/uploads/top-level-domain.jpg"/>
+          <p:cNvPr id="4098" name="Picture 2" descr="http://freeflaticons.com/wp-content/uploads/2014/09/injection-copy-1411038662nk84g.png"/>
           <p:cNvPicPr>
             <a:picLocks noChangeAspect="1" noChangeArrowheads="1"/>
           </p:cNvPicPr>
@@ -7718,8 +9889,8 @@
         </p:blipFill>
         <p:spPr bwMode="auto">
           <a:xfrm>
-            <a:off x="6549329" y="3553568"/>
-            <a:ext cx="1911103" cy="955552"/>
+            <a:off x="4273178" y="2652413"/>
+            <a:ext cx="674468" cy="674468"/>
           </a:xfrm>
           <a:prstGeom prst="rect">
             <a:avLst/>
@@ -7736,6 +9907,114 @@
           </a:extLst>
         </p:spPr>
       </p:pic>
+      <p:cxnSp>
+        <p:nvCxnSpPr>
+          <p:cNvPr id="17" name="Gerade Verbindung mit Pfeil 16"/>
+          <p:cNvCxnSpPr/>
+          <p:nvPr/>
+        </p:nvCxnSpPr>
+        <p:spPr>
+          <a:xfrm flipV="1">
+            <a:off x="2411760" y="3710930"/>
+            <a:ext cx="1800200" cy="1878310"/>
+          </a:xfrm>
+          <a:prstGeom prst="straightConnector1">
+            <a:avLst/>
+          </a:prstGeom>
+          <a:ln w="15875">
+            <a:solidFill>
+              <a:srgbClr val="FF0000"/>
+            </a:solidFill>
+            <a:prstDash val="dash"/>
+            <a:tailEnd type="arrow"/>
+          </a:ln>
+        </p:spPr>
+        <p:style>
+          <a:lnRef idx="1">
+            <a:schemeClr val="accent1"/>
+          </a:lnRef>
+          <a:fillRef idx="0">
+            <a:schemeClr val="accent1"/>
+          </a:fillRef>
+          <a:effectRef idx="0">
+            <a:schemeClr val="accent1"/>
+          </a:effectRef>
+          <a:fontRef idx="minor">
+            <a:schemeClr val="tx1"/>
+          </a:fontRef>
+        </p:style>
+      </p:cxnSp>
+      <p:sp>
+        <p:nvSpPr>
+          <p:cNvPr id="21" name="Textfeld 20"/>
+          <p:cNvSpPr txBox="1"/>
+          <p:nvPr/>
+        </p:nvSpPr>
+        <p:spPr>
+          <a:xfrm>
+            <a:off x="3419872" y="4608561"/>
+            <a:ext cx="1584176" cy="369332"/>
+          </a:xfrm>
+          <a:prstGeom prst="rect">
+            <a:avLst/>
+          </a:prstGeom>
+          <a:noFill/>
+        </p:spPr>
+        <p:txBody>
+          <a:bodyPr wrap="square" rtlCol="0">
+            <a:spAutoFit/>
+          </a:bodyPr>
+          <a:lstStyle/>
+          <a:p>
+            <a:r>
+              <a:rPr lang="de-DE" dirty="0" smtClean="0"/>
+              <a:t>NS-Records</a:t>
+            </a:r>
+            <a:endParaRPr lang="de-DE" dirty="0"/>
+          </a:p>
+        </p:txBody>
+      </p:sp>
+      <p:pic>
+        <p:nvPicPr>
+          <p:cNvPr id="5122" name="Picture 2" descr="http://www.cmdsonline.com/wp-content/uploads/top-level-domain.jpg"/>
+          <p:cNvPicPr>
+            <a:picLocks noChangeAspect="1" noChangeArrowheads="1"/>
+          </p:cNvPicPr>
+          <p:nvPr/>
+        </p:nvPicPr>
+        <p:blipFill>
+          <a:blip r:embed="rId6" cstate="print">
+            <a:extLst>
+              <a:ext uri="{28A0092B-C50C-407E-A947-70E740481C1C}">
+                <a14:useLocalDpi xmlns:a14="http://schemas.microsoft.com/office/drawing/2010/main" val="0"/>
+              </a:ext>
+            </a:extLst>
+          </a:blip>
+          <a:srcRect/>
+          <a:stretch>
+            <a:fillRect/>
+          </a:stretch>
+        </p:blipFill>
+        <p:spPr bwMode="auto">
+          <a:xfrm>
+            <a:off x="6549329" y="3553568"/>
+            <a:ext cx="1911103" cy="955552"/>
+          </a:xfrm>
+          <a:prstGeom prst="rect">
+            <a:avLst/>
+          </a:prstGeom>
+          <a:noFill/>
+          <a:extLst>
+            <a:ext uri="{909E8E84-426E-40DD-AFC4-6F175D3DCCD1}">
+              <a14:hiddenFill xmlns:a14="http://schemas.microsoft.com/office/drawing/2010/main">
+                <a:solidFill>
+                  <a:srgbClr val="FFFFFF"/>
+                </a:solidFill>
+              </a14:hiddenFill>
+            </a:ext>
+          </a:extLst>
+        </p:spPr>
+      </p:pic>
       <p:pic>
         <p:nvPicPr>
           <p:cNvPr id="5" name="Picture 2" descr="C:\Users\TZeimetz\Desktop\server-square.png"/>
@@ -7745,7 +10024,7 @@
           <p:nvPr/>
         </p:nvPicPr>
         <p:blipFill>
-          <a:blip r:embed="rId2">
+          <a:blip r:embed="rId3">
             <a:extLst>
               <a:ext uri="{28A0092B-C50C-407E-A947-70E740481C1C}">
                 <a14:useLocalDpi xmlns:a14="http://schemas.microsoft.com/office/drawing/2010/main" val="0"/>
@@ -7916,6 +10195,25 @@
             <a:endParaRPr lang="de-DE" dirty="0" smtClean="0"/>
           </a:p>
           <a:p>
+            <a:pPr lvl="2"/>
+            <a:r>
+              <a:rPr lang="de-DE" dirty="0" err="1" smtClean="0"/>
+              <a:t>Redhat</a:t>
+            </a:r>
+            <a:r>
+              <a:rPr lang="de-DE" dirty="0" smtClean="0"/>
+              <a:t> 7</a:t>
+            </a:r>
+          </a:p>
+          <a:p>
+            <a:pPr lvl="2"/>
+            <a:r>
+              <a:rPr lang="de-DE" smtClean="0"/>
+              <a:t>Caldera</a:t>
+            </a:r>
+            <a:endParaRPr lang="de-DE" dirty="0" smtClean="0"/>
+          </a:p>
+          <a:p>
             <a:pPr lvl="1"/>
             <a:endParaRPr lang="de-DE" dirty="0"/>
           </a:p>
@@ -7925,412 +10223,6 @@
     <p:extLst>
       <p:ext uri="{BB962C8B-B14F-4D97-AF65-F5344CB8AC3E}">
         <p14:creationId xmlns:p14="http://schemas.microsoft.com/office/powerpoint/2010/main" val="1818596622"/>
-      </p:ext>
-    </p:extLst>
-  </p:cSld>
-  <p:clrMapOvr>
-    <a:masterClrMapping/>
-  </p:clrMapOvr>
-</p:sld>
-</file>
-
-<file path=ppt/slides/slide24.xml><?xml version="1.0" encoding="utf-8"?>
-<p:sld xmlns:a="http://schemas.openxmlformats.org/drawingml/2006/main" xmlns:r="http://schemas.openxmlformats.org/officeDocument/2006/relationships" xmlns:p="http://schemas.openxmlformats.org/presentationml/2006/main">
-  <p:cSld>
-    <p:spTree>
-      <p:nvGrpSpPr>
-        <p:cNvPr id="1" name=""/>
-        <p:cNvGrpSpPr/>
-        <p:nvPr/>
-      </p:nvGrpSpPr>
-      <p:grpSpPr>
-        <a:xfrm>
-          <a:off x="0" y="0"/>
-          <a:ext cx="0" cy="0"/>
-          <a:chOff x="0" y="0"/>
-          <a:chExt cx="0" cy="0"/>
-        </a:xfrm>
-      </p:grpSpPr>
-      <p:sp>
-        <p:nvSpPr>
-          <p:cNvPr id="2" name="Titel 1"/>
-          <p:cNvSpPr>
-            <a:spLocks noGrp="1"/>
-          </p:cNvSpPr>
-          <p:nvPr>
-            <p:ph type="title"/>
-          </p:nvPr>
-        </p:nvSpPr>
-        <p:spPr/>
-        <p:txBody>
-          <a:bodyPr/>
-          <a:lstStyle/>
-          <a:p>
-            <a:r>
-              <a:rPr lang="de-DE" smtClean="0"/>
-              <a:t>Gegenmaßnahmen</a:t>
-            </a:r>
-            <a:endParaRPr lang="de-DE" dirty="0"/>
-          </a:p>
-        </p:txBody>
-      </p:sp>
-      <mc:AlternateContent xmlns:mc="http://schemas.openxmlformats.org/markup-compatibility/2006" xmlns:a14="http://schemas.microsoft.com/office/drawing/2010/main">
-        <mc:Choice Requires="a14">
-          <p:sp>
-            <p:nvSpPr>
-              <p:cNvPr id="3" name="Inhaltsplatzhalter 2"/>
-              <p:cNvSpPr>
-                <a:spLocks noGrp="1"/>
-              </p:cNvSpPr>
-              <p:nvPr>
-                <p:ph sz="quarter" idx="1"/>
-              </p:nvPr>
-            </p:nvSpPr>
-            <p:spPr/>
-            <p:txBody>
-              <a:bodyPr>
-                <a:normAutofit/>
-              </a:bodyPr>
-              <a:lstStyle/>
-              <a:p>
-                <a:pPr lvl="0"/>
-                <a:r>
-                  <a:rPr lang="de-DE" dirty="0" smtClean="0"/>
-                  <a:t>Gleichverteilung der Transaktionsnummern</a:t>
-                </a:r>
-              </a:p>
-              <a:p>
-                <a:pPr lvl="1"/>
-                <a14:m>
-                  <m:oMath xmlns:m="http://schemas.openxmlformats.org/officeDocument/2006/math">
-                    <m:f>
-                      <m:fPr>
-                        <m:ctrlPr>
-                          <a:rPr lang="de-DE" i="1" smtClean="0">
-                            <a:latin typeface="Cambria Math" panose="02040503050406030204" pitchFamily="18" charset="0"/>
-                          </a:rPr>
-                        </m:ctrlPr>
-                      </m:fPr>
-                      <m:num>
-                        <m:r>
-                          <a:rPr lang="de-DE" smtClean="0">
-                            <a:latin typeface="Cambria Math" panose="02040503050406030204" pitchFamily="18" charset="0"/>
-                          </a:rPr>
-                          <m:t>1</m:t>
-                        </m:r>
-                      </m:num>
-                      <m:den>
-                        <m:sSup>
-                          <m:sSupPr>
-                            <m:ctrlPr>
-                              <a:rPr lang="de-DE" i="1" smtClean="0">
-                                <a:latin typeface="Cambria Math" panose="02040503050406030204" pitchFamily="18" charset="0"/>
-                              </a:rPr>
-                            </m:ctrlPr>
-                          </m:sSupPr>
-                          <m:e>
-                            <m:r>
-                              <a:rPr lang="de-DE" smtClean="0">
-                                <a:latin typeface="Cambria Math" panose="02040503050406030204" pitchFamily="18" charset="0"/>
-                              </a:rPr>
-                              <m:t>2</m:t>
-                            </m:r>
-                          </m:e>
-                          <m:sup>
-                            <m:r>
-                              <a:rPr lang="de-DE" smtClean="0">
-                                <a:latin typeface="Cambria Math" panose="02040503050406030204" pitchFamily="18" charset="0"/>
-                              </a:rPr>
-                              <m:t>16</m:t>
-                            </m:r>
-                          </m:sup>
-                        </m:sSup>
-                      </m:den>
-                    </m:f>
-                    <m:r>
-                      <a:rPr lang="de-DE" smtClean="0">
-                        <a:latin typeface="Cambria Math" panose="02040503050406030204" pitchFamily="18" charset="0"/>
-                      </a:rPr>
-                      <m:t>=</m:t>
-                    </m:r>
-                    <m:r>
-                      <m:rPr>
-                        <m:nor/>
-                      </m:rPr>
-                      <a:rPr lang="de-DE"/>
-                      <m:t>0</m:t>
-                    </m:r>
-                    <m:r>
-                      <m:rPr>
-                        <m:nor/>
-                      </m:rPr>
-                      <a:rPr lang="de-DE" smtClean="0"/>
-                      <m:t>,</m:t>
-                    </m:r>
-                    <m:r>
-                      <m:rPr>
-                        <m:nor/>
-                      </m:rPr>
-                      <a:rPr lang="de-DE"/>
-                      <m:t>00001525878</m:t>
-                    </m:r>
-                  </m:oMath>
-                </a14:m>
-                <a:endParaRPr lang="de-DE" dirty="0"/>
-              </a:p>
-              <a:p>
-                <a:r>
-                  <a:rPr lang="de-DE" dirty="0" smtClean="0"/>
-                  <a:t>Port-</a:t>
-                </a:r>
-                <a:r>
-                  <a:rPr lang="de-DE" dirty="0" err="1" smtClean="0"/>
-                  <a:t>Randomization</a:t>
-                </a:r>
-                <a:endParaRPr lang="de-DE" dirty="0" smtClean="0"/>
-              </a:p>
-              <a:p>
-                <a:pPr lvl="1"/>
-                <a:r>
-                  <a:rPr lang="de-DE" dirty="0" smtClean="0"/>
-                  <a:t>Mindestens </a:t>
-                </a:r>
-                <a14:m>
-                  <m:oMath xmlns:m="http://schemas.openxmlformats.org/officeDocument/2006/math">
-                    <m:f>
-                      <m:fPr>
-                        <m:ctrlPr>
-                          <a:rPr lang="de-DE" i="1" smtClean="0">
-                            <a:latin typeface="Cambria Math" panose="02040503050406030204" pitchFamily="18" charset="0"/>
-                          </a:rPr>
-                        </m:ctrlPr>
-                      </m:fPr>
-                      <m:num>
-                        <m:r>
-                          <a:rPr lang="de-DE" smtClean="0">
-                            <a:latin typeface="Cambria Math" panose="02040503050406030204" pitchFamily="18" charset="0"/>
-                          </a:rPr>
-                          <m:t>1</m:t>
-                        </m:r>
-                      </m:num>
-                      <m:den>
-                        <m:sSup>
-                          <m:sSupPr>
-                            <m:ctrlPr>
-                              <a:rPr lang="de-DE" i="1" smtClean="0">
-                                <a:latin typeface="Cambria Math" panose="02040503050406030204" pitchFamily="18" charset="0"/>
-                              </a:rPr>
-                            </m:ctrlPr>
-                          </m:sSupPr>
-                          <m:e>
-                            <m:r>
-                              <a:rPr lang="de-DE" smtClean="0">
-                                <a:latin typeface="Cambria Math" panose="02040503050406030204" pitchFamily="18" charset="0"/>
-                              </a:rPr>
-                              <m:t>2</m:t>
-                            </m:r>
-                          </m:e>
-                          <m:sup>
-                            <m:r>
-                              <a:rPr lang="de-DE" smtClean="0">
-                                <a:latin typeface="Cambria Math" panose="02040503050406030204" pitchFamily="18" charset="0"/>
-                              </a:rPr>
-                              <m:t>11</m:t>
-                            </m:r>
-                          </m:sup>
-                        </m:sSup>
-                      </m:den>
-                    </m:f>
-                    <m:r>
-                      <a:rPr lang="de-DE" b="0" i="0" smtClean="0">
-                        <a:latin typeface="Cambria Math" panose="02040503050406030204" pitchFamily="18" charset="0"/>
-                      </a:rPr>
-                      <m:t>=</m:t>
-                    </m:r>
-                    <m:r>
-                      <m:rPr>
-                        <m:nor/>
-                      </m:rPr>
-                      <a:rPr lang="de-DE" dirty="0"/>
-                      <m:t>0</m:t>
-                    </m:r>
-                    <m:r>
-                      <m:rPr>
-                        <m:nor/>
-                      </m:rPr>
-                      <a:rPr lang="de-DE" b="0" i="0" dirty="0" smtClean="0"/>
-                      <m:t>,</m:t>
-                    </m:r>
-                    <m:r>
-                      <m:rPr>
-                        <m:nor/>
-                      </m:rPr>
-                      <a:rPr lang="de-DE" dirty="0"/>
-                      <m:t>00048828125</m:t>
-                    </m:r>
-                  </m:oMath>
-                </a14:m>
-                <a:endParaRPr lang="de-DE" dirty="0" smtClean="0"/>
-              </a:p>
-              <a:p>
-                <a:pPr lvl="0"/>
-                <a:r>
-                  <a:rPr lang="de-DE" dirty="0" smtClean="0"/>
-                  <a:t>Random-URL-</a:t>
-                </a:r>
-                <a:r>
-                  <a:rPr lang="de-DE" dirty="0" err="1" smtClean="0"/>
-                  <a:t>Capitalizing</a:t>
-                </a:r>
-                <a:endParaRPr lang="de-DE" dirty="0"/>
-              </a:p>
-              <a:p>
-                <a:pPr lvl="1"/>
-                <a:r>
-                  <a:rPr lang="de-DE" dirty="0" smtClean="0"/>
-                  <a:t>Abhängig von der URL Länge</a:t>
-                </a:r>
-              </a:p>
-              <a:p>
-                <a:pPr lvl="1"/>
-                <a:r>
-                  <a:rPr lang="de-DE" dirty="0"/>
-                  <a:t>Bei </a:t>
-                </a:r>
-                <a:r>
-                  <a:rPr lang="de-DE" dirty="0" smtClean="0"/>
-                  <a:t>www.wikipedia.de z.B. 11 Buchstaben, also:</a:t>
-                </a:r>
-              </a:p>
-              <a:p>
-                <a:pPr lvl="2"/>
-                <a14:m>
-                  <m:oMath xmlns:m="http://schemas.openxmlformats.org/officeDocument/2006/math">
-                    <m:f>
-                      <m:fPr>
-                        <m:ctrlPr>
-                          <a:rPr lang="de-DE" i="1">
-                            <a:latin typeface="Cambria Math" panose="02040503050406030204" pitchFamily="18" charset="0"/>
-                          </a:rPr>
-                        </m:ctrlPr>
-                      </m:fPr>
-                      <m:num>
-                        <m:r>
-                          <a:rPr lang="de-DE">
-                            <a:latin typeface="Cambria Math" panose="02040503050406030204" pitchFamily="18" charset="0"/>
-                          </a:rPr>
-                          <m:t>1</m:t>
-                        </m:r>
-                      </m:num>
-                      <m:den>
-                        <m:sSup>
-                          <m:sSupPr>
-                            <m:ctrlPr>
-                              <a:rPr lang="de-DE" i="1">
-                                <a:latin typeface="Cambria Math" panose="02040503050406030204" pitchFamily="18" charset="0"/>
-                              </a:rPr>
-                            </m:ctrlPr>
-                          </m:sSupPr>
-                          <m:e>
-                            <m:r>
-                              <a:rPr lang="de-DE">
-                                <a:latin typeface="Cambria Math" panose="02040503050406030204" pitchFamily="18" charset="0"/>
-                              </a:rPr>
-                              <m:t>2</m:t>
-                            </m:r>
-                          </m:e>
-                          <m:sup>
-                            <m:r>
-                              <a:rPr lang="de-DE">
-                                <a:latin typeface="Cambria Math" panose="02040503050406030204" pitchFamily="18" charset="0"/>
-                              </a:rPr>
-                              <m:t>1</m:t>
-                            </m:r>
-                            <m:r>
-                              <a:rPr lang="de-DE" b="0" i="1" smtClean="0">
-                                <a:latin typeface="Cambria Math"/>
-                              </a:rPr>
-                              <m:t>4</m:t>
-                            </m:r>
-                          </m:sup>
-                        </m:sSup>
-                      </m:den>
-                    </m:f>
-                    <m:r>
-                      <a:rPr lang="de-DE">
-                        <a:latin typeface="Cambria Math" panose="02040503050406030204" pitchFamily="18" charset="0"/>
-                      </a:rPr>
-                      <m:t>=</m:t>
-                    </m:r>
-                    <m:r>
-                      <m:rPr>
-                        <m:nor/>
-                      </m:rPr>
-                      <a:rPr lang="de-DE"/>
-                      <m:t>0.00006103515</m:t>
-                    </m:r>
-                  </m:oMath>
-                </a14:m>
-                <a:endParaRPr lang="de-DE" dirty="0" smtClean="0"/>
-              </a:p>
-              <a:p>
-                <a:pPr marL="0" indent="0">
-                  <a:buNone/>
-                </a:pPr>
-                <a:endParaRPr lang="de-DE" dirty="0"/>
-              </a:p>
-              <a:p>
-                <a:pPr lvl="1"/>
-                <a:endParaRPr lang="de-DE" dirty="0" smtClean="0"/>
-              </a:p>
-              <a:p>
-                <a:endParaRPr lang="de-DE" dirty="0"/>
-              </a:p>
-              <a:p>
-                <a:pPr lvl="0"/>
-                <a:endParaRPr lang="de-DE" dirty="0" smtClean="0"/>
-              </a:p>
-            </p:txBody>
-          </p:sp>
-        </mc:Choice>
-        <mc:Fallback xmlns="">
-          <p:sp>
-            <p:nvSpPr>
-              <p:cNvPr id="3" name="Inhaltsplatzhalter 2"/>
-              <p:cNvSpPr>
-                <a:spLocks noGrp="1" noRot="1" noChangeAspect="1" noMove="1" noResize="1" noEditPoints="1" noAdjustHandles="1" noChangeArrowheads="1" noChangeShapeType="1" noTextEdit="1"/>
-              </p:cNvSpPr>
-              <p:nvPr>
-                <p:ph sz="quarter" idx="1"/>
-              </p:nvPr>
-            </p:nvSpPr>
-            <p:spPr>
-              <a:blipFill rotWithShape="1">
-                <a:blip r:embed="rId2"/>
-                <a:stretch>
-                  <a:fillRect l="-449" t="-1357"/>
-                </a:stretch>
-              </a:blipFill>
-            </p:spPr>
-            <p:txBody>
-              <a:bodyPr/>
-              <a:lstStyle/>
-              <a:p>
-                <a:r>
-                  <a:rPr lang="de-DE">
-                    <a:noFill/>
-                  </a:rPr>
-                  <a:t> </a:t>
-                </a:r>
-              </a:p>
-            </p:txBody>
-          </p:sp>
-        </mc:Fallback>
-      </mc:AlternateContent>
-    </p:spTree>
-    <p:extLst>
-      <p:ext uri="{BB962C8B-B14F-4D97-AF65-F5344CB8AC3E}">
-        <p14:creationId xmlns:p14="http://schemas.microsoft.com/office/powerpoint/2010/main" val="1160938927"/>
       </p:ext>
     </p:extLst>
   </p:cSld>
@@ -8416,7 +10308,7 @@
             </a:r>
             <a:r>
               <a:rPr lang="de-DE" dirty="0">
-                <a:hlinkClick r:id="rId2"/>
+                <a:hlinkClick r:id="rId3"/>
               </a:rPr>
               <a:t>www.bank.com</a:t>
             </a:r>
@@ -8732,7 +10624,7 @@
           <p:nvPr/>
         </p:nvPicPr>
         <p:blipFill>
-          <a:blip r:embed="rId2">
+          <a:blip r:embed="rId3">
             <a:extLst>
               <a:ext uri="{28A0092B-C50C-407E-A947-70E740481C1C}">
                 <a14:useLocalDpi xmlns:a14="http://schemas.microsoft.com/office/drawing/2010/main" val="0"/>
@@ -8823,7 +10715,7 @@
           </p:nvPr>
         </p:nvPicPr>
         <p:blipFill>
-          <a:blip r:embed="rId2">
+          <a:blip r:embed="rId3">
             <a:extLst>
               <a:ext uri="{28A0092B-C50C-407E-A947-70E740481C1C}">
                 <a14:useLocalDpi xmlns:a14="http://schemas.microsoft.com/office/drawing/2010/main" val="0"/>
@@ -8911,7 +10803,7 @@
           </p:nvPr>
         </p:nvPicPr>
         <p:blipFill>
-          <a:blip r:embed="rId2">
+          <a:blip r:embed="rId3">
             <a:extLst>
               <a:ext uri="{28A0092B-C50C-407E-A947-70E740481C1C}">
                 <a14:useLocalDpi xmlns:a14="http://schemas.microsoft.com/office/drawing/2010/main" val="0"/>
@@ -9126,7 +11018,7 @@
           <p:nvPr/>
         </p:nvPicPr>
         <p:blipFill>
-          <a:blip r:embed="rId2">
+          <a:blip r:embed="rId3">
             <a:extLst>
               <a:ext uri="{28A0092B-C50C-407E-A947-70E740481C1C}">
                 <a14:useLocalDpi xmlns:a14="http://schemas.microsoft.com/office/drawing/2010/main" val="0"/>
@@ -9399,4 +11291,265 @@
   <a:objectDefaults/>
   <a:extraClrSchemeLst/>
 </a:theme>
+</file>
+
+<file path=ppt/theme/theme2.xml><?xml version="1.0" encoding="utf-8"?>
+<a:theme xmlns:a="http://schemas.openxmlformats.org/drawingml/2006/main" name="Larissa">
+  <a:themeElements>
+    <a:clrScheme name="Larissa">
+      <a:dk1>
+        <a:sysClr val="windowText" lastClr="000000"/>
+      </a:dk1>
+      <a:lt1>
+        <a:sysClr val="window" lastClr="FFFFFF"/>
+      </a:lt1>
+      <a:dk2>
+        <a:srgbClr val="44546A"/>
+      </a:dk2>
+      <a:lt2>
+        <a:srgbClr val="E7E6E6"/>
+      </a:lt2>
+      <a:accent1>
+        <a:srgbClr val="5B9BD5"/>
+      </a:accent1>
+      <a:accent2>
+        <a:srgbClr val="ED7D31"/>
+      </a:accent2>
+      <a:accent3>
+        <a:srgbClr val="A5A5A5"/>
+      </a:accent3>
+      <a:accent4>
+        <a:srgbClr val="FFC000"/>
+      </a:accent4>
+      <a:accent5>
+        <a:srgbClr val="4472C4"/>
+      </a:accent5>
+      <a:accent6>
+        <a:srgbClr val="70AD47"/>
+      </a:accent6>
+      <a:hlink>
+        <a:srgbClr val="0563C1"/>
+      </a:hlink>
+      <a:folHlink>
+        <a:srgbClr val="954F72"/>
+      </a:folHlink>
+    </a:clrScheme>
+    <a:fontScheme name="Larissa">
+      <a:majorFont>
+        <a:latin typeface="Calibri Light" panose="020F0302020204030204"/>
+        <a:ea typeface=""/>
+        <a:cs typeface=""/>
+        <a:font script="Jpan" typeface="ＭＳ Ｐゴシック"/>
+        <a:font script="Hang" typeface="맑은 고딕"/>
+        <a:font script="Hans" typeface="宋体"/>
+        <a:font script="Hant" typeface="新細明體"/>
+        <a:font script="Arab" typeface="Times New Roman"/>
+        <a:font script="Hebr" typeface="Times New Roman"/>
+        <a:font script="Thai" typeface="Angsana New"/>
+        <a:font script="Ethi" typeface="Nyala"/>
+        <a:font script="Beng" typeface="Vrinda"/>
+        <a:font script="Gujr" typeface="Shruti"/>
+        <a:font script="Khmr" typeface="MoolBoran"/>
+        <a:font script="Knda" typeface="Tunga"/>
+        <a:font script="Guru" typeface="Raavi"/>
+        <a:font script="Cans" typeface="Euphemia"/>
+        <a:font script="Cher" typeface="Plantagenet Cherokee"/>
+        <a:font script="Yiii" typeface="Microsoft Yi Baiti"/>
+        <a:font script="Tibt" typeface="Microsoft Himalaya"/>
+        <a:font script="Thaa" typeface="MV Boli"/>
+        <a:font script="Deva" typeface="Mangal"/>
+        <a:font script="Telu" typeface="Gautami"/>
+        <a:font script="Taml" typeface="Latha"/>
+        <a:font script="Syrc" typeface="Estrangelo Edessa"/>
+        <a:font script="Orya" typeface="Kalinga"/>
+        <a:font script="Mlym" typeface="Kartika"/>
+        <a:font script="Laoo" typeface="DokChampa"/>
+        <a:font script="Sinh" typeface="Iskoola Pota"/>
+        <a:font script="Mong" typeface="Mongolian Baiti"/>
+        <a:font script="Viet" typeface="Times New Roman"/>
+        <a:font script="Uigh" typeface="Microsoft Uighur"/>
+        <a:font script="Geor" typeface="Sylfaen"/>
+      </a:majorFont>
+      <a:minorFont>
+        <a:latin typeface="Calibri" panose="020F0502020204030204"/>
+        <a:ea typeface=""/>
+        <a:cs typeface=""/>
+        <a:font script="Jpan" typeface="ＭＳ Ｐゴシック"/>
+        <a:font script="Hang" typeface="맑은 고딕"/>
+        <a:font script="Hans" typeface="宋体"/>
+        <a:font script="Hant" typeface="新細明體"/>
+        <a:font script="Arab" typeface="Arial"/>
+        <a:font script="Hebr" typeface="Arial"/>
+        <a:font script="Thai" typeface="Cordia New"/>
+        <a:font script="Ethi" typeface="Nyala"/>
+        <a:font script="Beng" typeface="Vrinda"/>
+        <a:font script="Gujr" typeface="Shruti"/>
+        <a:font script="Khmr" typeface="DaunPenh"/>
+        <a:font script="Knda" typeface="Tunga"/>
+        <a:font script="Guru" typeface="Raavi"/>
+        <a:font script="Cans" typeface="Euphemia"/>
+        <a:font script="Cher" typeface="Plantagenet Cherokee"/>
+        <a:font script="Yiii" typeface="Microsoft Yi Baiti"/>
+        <a:font script="Tibt" typeface="Microsoft Himalaya"/>
+        <a:font script="Thaa" typeface="MV Boli"/>
+        <a:font script="Deva" typeface="Mangal"/>
+        <a:font script="Telu" typeface="Gautami"/>
+        <a:font script="Taml" typeface="Latha"/>
+        <a:font script="Syrc" typeface="Estrangelo Edessa"/>
+        <a:font script="Orya" typeface="Kalinga"/>
+        <a:font script="Mlym" typeface="Kartika"/>
+        <a:font script="Laoo" typeface="DokChampa"/>
+        <a:font script="Sinh" typeface="Iskoola Pota"/>
+        <a:font script="Mong" typeface="Mongolian Baiti"/>
+        <a:font script="Viet" typeface="Arial"/>
+        <a:font script="Uigh" typeface="Microsoft Uighur"/>
+        <a:font script="Geor" typeface="Sylfaen"/>
+      </a:minorFont>
+    </a:fontScheme>
+    <a:fmtScheme name="Larissa">
+      <a:fillStyleLst>
+        <a:solidFill>
+          <a:schemeClr val="phClr"/>
+        </a:solidFill>
+        <a:gradFill rotWithShape="1">
+          <a:gsLst>
+            <a:gs pos="0">
+              <a:schemeClr val="phClr">
+                <a:lumMod val="110000"/>
+                <a:satMod val="105000"/>
+                <a:tint val="67000"/>
+              </a:schemeClr>
+            </a:gs>
+            <a:gs pos="50000">
+              <a:schemeClr val="phClr">
+                <a:lumMod val="105000"/>
+                <a:satMod val="103000"/>
+                <a:tint val="73000"/>
+              </a:schemeClr>
+            </a:gs>
+            <a:gs pos="100000">
+              <a:schemeClr val="phClr">
+                <a:lumMod val="105000"/>
+                <a:satMod val="109000"/>
+                <a:tint val="81000"/>
+              </a:schemeClr>
+            </a:gs>
+          </a:gsLst>
+          <a:lin ang="5400000" scaled="0"/>
+        </a:gradFill>
+        <a:gradFill rotWithShape="1">
+          <a:gsLst>
+            <a:gs pos="0">
+              <a:schemeClr val="phClr">
+                <a:satMod val="103000"/>
+                <a:lumMod val="102000"/>
+                <a:tint val="94000"/>
+              </a:schemeClr>
+            </a:gs>
+            <a:gs pos="50000">
+              <a:schemeClr val="phClr">
+                <a:satMod val="110000"/>
+                <a:lumMod val="100000"/>
+                <a:shade val="100000"/>
+              </a:schemeClr>
+            </a:gs>
+            <a:gs pos="100000">
+              <a:schemeClr val="phClr">
+                <a:lumMod val="99000"/>
+                <a:satMod val="120000"/>
+                <a:shade val="78000"/>
+              </a:schemeClr>
+            </a:gs>
+          </a:gsLst>
+          <a:lin ang="5400000" scaled="0"/>
+        </a:gradFill>
+      </a:fillStyleLst>
+      <a:lnStyleLst>
+        <a:ln w="6350" cap="flat" cmpd="sng" algn="ctr">
+          <a:solidFill>
+            <a:schemeClr val="phClr"/>
+          </a:solidFill>
+          <a:prstDash val="solid"/>
+          <a:miter lim="800000"/>
+        </a:ln>
+        <a:ln w="12700" cap="flat" cmpd="sng" algn="ctr">
+          <a:solidFill>
+            <a:schemeClr val="phClr"/>
+          </a:solidFill>
+          <a:prstDash val="solid"/>
+          <a:miter lim="800000"/>
+        </a:ln>
+        <a:ln w="19050" cap="flat" cmpd="sng" algn="ctr">
+          <a:solidFill>
+            <a:schemeClr val="phClr"/>
+          </a:solidFill>
+          <a:prstDash val="solid"/>
+          <a:miter lim="800000"/>
+        </a:ln>
+      </a:lnStyleLst>
+      <a:effectStyleLst>
+        <a:effectStyle>
+          <a:effectLst/>
+        </a:effectStyle>
+        <a:effectStyle>
+          <a:effectLst/>
+        </a:effectStyle>
+        <a:effectStyle>
+          <a:effectLst>
+            <a:outerShdw blurRad="57150" dist="19050" dir="5400000" algn="ctr" rotWithShape="0">
+              <a:srgbClr val="000000">
+                <a:alpha val="63000"/>
+              </a:srgbClr>
+            </a:outerShdw>
+          </a:effectLst>
+        </a:effectStyle>
+      </a:effectStyleLst>
+      <a:bgFillStyleLst>
+        <a:solidFill>
+          <a:schemeClr val="phClr"/>
+        </a:solidFill>
+        <a:solidFill>
+          <a:schemeClr val="phClr">
+            <a:tint val="95000"/>
+            <a:satMod val="170000"/>
+          </a:schemeClr>
+        </a:solidFill>
+        <a:gradFill rotWithShape="1">
+          <a:gsLst>
+            <a:gs pos="0">
+              <a:schemeClr val="phClr">
+                <a:tint val="93000"/>
+                <a:satMod val="150000"/>
+                <a:shade val="98000"/>
+                <a:lumMod val="102000"/>
+              </a:schemeClr>
+            </a:gs>
+            <a:gs pos="50000">
+              <a:schemeClr val="phClr">
+                <a:tint val="98000"/>
+                <a:satMod val="130000"/>
+                <a:shade val="90000"/>
+                <a:lumMod val="103000"/>
+              </a:schemeClr>
+            </a:gs>
+            <a:gs pos="100000">
+              <a:schemeClr val="phClr">
+                <a:shade val="63000"/>
+                <a:satMod val="120000"/>
+              </a:schemeClr>
+            </a:gs>
+          </a:gsLst>
+          <a:lin ang="5400000" scaled="0"/>
+        </a:gradFill>
+      </a:bgFillStyleLst>
+    </a:fmtScheme>
+  </a:themeElements>
+  <a:objectDefaults/>
+  <a:extraClrSchemeLst/>
+  <a:extLst>
+    <a:ext uri="{05A4C25C-085E-4340-85A3-A5531E510DB2}">
+      <thm15:themeFamily xmlns:thm15="http://schemas.microsoft.com/office/thememl/2012/main" name="Office Theme" id="{62F939B6-93AF-4DB8-9C6B-D6C7DFDC589F}" vid="{4A3C46E8-61CC-4603-A589-7422A47A8E4A}"/>
+    </a:ext>
+  </a:extLst>
+</a:theme>
 </file>
--- a/Präsentationen/PT3.pptx
+++ b/Präsentationen/PT3.pptx
@@ -8235,11 +8235,9 @@
             </a:r>
           </a:p>
           <a:p>
-            <a:pPr lvl="0"/>
-            <a:r>
-              <a:rPr lang="de-DE" dirty="0" smtClean="0"/>
-              <a:t>Gegenmaßnahmen</a:t>
-            </a:r>
+            <a:pPr marL="0" lvl="0" indent="0">
+              <a:buNone/>
+            </a:pPr>
             <a:endParaRPr lang="de-DE" dirty="0"/>
           </a:p>
         </p:txBody>
